--- a/Eindpresentatie.pptx
+++ b/Eindpresentatie.pptx
@@ -5,19 +5,16 @@
     <p:sldMasterId id="2147483673" r:id="rId1"/>
   </p:sldMasterIdLst>
   <p:notesMasterIdLst>
-    <p:notesMasterId r:id="rId9"/>
+    <p:notesMasterId r:id="rId6"/>
   </p:notesMasterIdLst>
   <p:handoutMasterIdLst>
-    <p:handoutMasterId r:id="rId10"/>
+    <p:handoutMasterId r:id="rId7"/>
   </p:handoutMasterIdLst>
   <p:sldIdLst>
     <p:sldId id="319" r:id="rId2"/>
     <p:sldId id="321" r:id="rId3"/>
     <p:sldId id="322" r:id="rId4"/>
     <p:sldId id="323" r:id="rId5"/>
-    <p:sldId id="324" r:id="rId6"/>
-    <p:sldId id="325" r:id="rId7"/>
-    <p:sldId id="326" r:id="rId8"/>
   </p:sldIdLst>
   <p:sldSz cx="13004800" cy="9753600"/>
   <p:notesSz cx="6794500" cy="9931400"/>
@@ -155,6 +152,36 @@
       </a:defRPr>
     </a:lvl9pPr>
   </p:defaultTextStyle>
+  <p:extLst>
+    <p:ext uri="{EFAFB233-063F-42B5-8137-9DF3F51BA10A}">
+      <p15:sldGuideLst xmlns:p15="http://schemas.microsoft.com/office/powerpoint/2012/main">
+        <p15:guide id="1" orient="horz" pos="3072">
+          <p15:clr>
+            <a:srgbClr val="A4A3A4"/>
+          </p15:clr>
+        </p15:guide>
+        <p15:guide id="2" pos="4096">
+          <p15:clr>
+            <a:srgbClr val="A4A3A4"/>
+          </p15:clr>
+        </p15:guide>
+      </p15:sldGuideLst>
+    </p:ext>
+    <p:ext uri="{2D200454-40CA-4A62-9FC3-DE9A4176ACB9}">
+      <p15:notesGuideLst xmlns:p15="http://schemas.microsoft.com/office/powerpoint/2012/main">
+        <p15:guide id="1" orient="horz" pos="3128">
+          <p15:clr>
+            <a:srgbClr val="A4A3A4"/>
+          </p15:clr>
+        </p15:guide>
+        <p15:guide id="2" pos="2140">
+          <p15:clr>
+            <a:srgbClr val="A4A3A4"/>
+          </p15:clr>
+        </p15:guide>
+      </p15:notesGuideLst>
+    </p:ext>
+  </p:extLst>
 </p:presentation>
 </file>
 
@@ -251,7 +278,7 @@
             <a:fld id="{347D5123-087D-F547-BA90-AAC341263F7F}" type="datetimeFigureOut">
               <a:rPr lang="nl-NL"/>
               <a:pPr/>
-              <a:t>27-11-14</a:t>
+              <a:t>19-1-2015</a:t>
             </a:fld>
             <a:endParaRPr lang="nl-NL"/>
           </a:p>
@@ -438,7 +465,7 @@
             <a:fld id="{BF439CDE-7B43-744A-B12A-3FE096986F89}" type="datetimeFigureOut">
               <a:rPr lang="nl-NL"/>
               <a:pPr/>
-              <a:t>27-11-14</a:t>
+              <a:t>19-1-2015</a:t>
             </a:fld>
             <a:endParaRPr lang="nl-NL"/>
           </a:p>
@@ -789,7 +816,7 @@
           </a:ln>
           <a:extLst>
             <a:ext uri="{91240B29-F687-4f45-9708-019B960494DF}">
-              <a14:hiddenLine xmlns:a14="http://schemas.microsoft.com/office/drawing/2010/main" w="9525" algn="ctr">
+              <a14:hiddenLine xmlns:a14="http://schemas.microsoft.com/office/drawing/2010/main" xmlns="" w="9525" algn="ctr">
                 <a:solidFill>
                   <a:srgbClr val="000000"/>
                 </a:solidFill>
@@ -1151,7 +1178,6 @@
               <a:rPr lang="nl-NL" noProof="0" smtClean="0"/>
               <a:t>Drag picture to placeholder or click icon to add</a:t>
             </a:r>
-            <a:endParaRPr lang="nl-NL" noProof="0" smtClean="0"/>
           </a:p>
         </p:txBody>
       </p:sp>
@@ -2974,14 +3000,14 @@
           </a:ln>
           <a:extLst>
             <a:ext uri="{909E8E84-426E-40dd-AFC4-6F175D3DCCD1}">
-              <a14:hiddenFill xmlns:a14="http://schemas.microsoft.com/office/drawing/2010/main">
+              <a14:hiddenFill xmlns:a14="http://schemas.microsoft.com/office/drawing/2010/main" xmlns="">
                 <a:solidFill>
                   <a:srgbClr val="FFFFFF"/>
                 </a:solidFill>
               </a14:hiddenFill>
             </a:ext>
             <a:ext uri="{91240B29-F687-4f45-9708-019B960494DF}">
-              <a14:hiddenLine xmlns:a14="http://schemas.microsoft.com/office/drawing/2010/main" w="9525">
+              <a14:hiddenLine xmlns:a14="http://schemas.microsoft.com/office/drawing/2010/main" xmlns="" w="9525">
                 <a:solidFill>
                   <a:srgbClr val="000000"/>
                 </a:solidFill>
@@ -2991,7 +3017,7 @@
               </a14:hiddenLine>
             </a:ext>
             <a:ext uri="{FAA26D3D-D897-4be2-8F04-BA451C77F1D7}">
-              <ma14:placeholderFlag xmlns:ma14="http://schemas.microsoft.com/office/mac/drawingml/2011/main" val="1"/>
+              <ma14:placeholderFlag xmlns:ma14="http://schemas.microsoft.com/office/mac/drawingml/2011/main" xmlns="" val="1"/>
             </a:ext>
           </a:extLst>
         </p:spPr>
@@ -3035,14 +3061,14 @@
           </a:ln>
           <a:extLst>
             <a:ext uri="{909E8E84-426E-40dd-AFC4-6F175D3DCCD1}">
-              <a14:hiddenFill xmlns:a14="http://schemas.microsoft.com/office/drawing/2010/main">
+              <a14:hiddenFill xmlns:a14="http://schemas.microsoft.com/office/drawing/2010/main" xmlns="">
                 <a:solidFill>
                   <a:srgbClr val="FFFFFF"/>
                 </a:solidFill>
               </a14:hiddenFill>
             </a:ext>
             <a:ext uri="{91240B29-F687-4f45-9708-019B960494DF}">
-              <a14:hiddenLine xmlns:a14="http://schemas.microsoft.com/office/drawing/2010/main" w="9525">
+              <a14:hiddenLine xmlns:a14="http://schemas.microsoft.com/office/drawing/2010/main" xmlns="" w="9525">
                 <a:solidFill>
                   <a:srgbClr val="000000"/>
                 </a:solidFill>
@@ -3052,7 +3078,7 @@
               </a14:hiddenLine>
             </a:ext>
             <a:ext uri="{FAA26D3D-D897-4be2-8F04-BA451C77F1D7}">
-              <ma14:placeholderFlag xmlns:ma14="http://schemas.microsoft.com/office/mac/drawingml/2011/main" val="1"/>
+              <ma14:placeholderFlag xmlns:ma14="http://schemas.microsoft.com/office/mac/drawingml/2011/main" xmlns="" val="1"/>
             </a:ext>
           </a:extLst>
         </p:spPr>
@@ -3110,7 +3136,7 @@
           </a:ln>
           <a:extLst>
             <a:ext uri="{91240B29-F687-4f45-9708-019B960494DF}">
-              <a14:hiddenLine xmlns:a14="http://schemas.microsoft.com/office/drawing/2010/main" w="9525">
+              <a14:hiddenLine xmlns:a14="http://schemas.microsoft.com/office/drawing/2010/main" xmlns="" w="9525">
                 <a:solidFill>
                   <a:srgbClr val="000000"/>
                 </a:solidFill>
@@ -3262,7 +3288,7 @@
           </a:ln>
           <a:extLst>
             <a:ext uri="{91240B29-F687-4f45-9708-019B960494DF}">
-              <a14:hiddenLine xmlns:a14="http://schemas.microsoft.com/office/drawing/2010/main" w="9525">
+              <a14:hiddenLine xmlns:a14="http://schemas.microsoft.com/office/drawing/2010/main" xmlns="" w="9525">
                 <a:solidFill>
                   <a:srgbClr val="000000"/>
                 </a:solidFill>
@@ -3417,7 +3443,7 @@
           </a:ln>
           <a:extLst>
             <a:ext uri="{909E8E84-426E-40dd-AFC4-6F175D3DCCD1}">
-              <a14:hiddenFill xmlns:a14="http://schemas.microsoft.com/office/drawing/2010/main">
+              <a14:hiddenFill xmlns:a14="http://schemas.microsoft.com/office/drawing/2010/main" xmlns="">
                 <a:noFill/>
               </a14:hiddenFill>
             </a:ext>
@@ -3458,7 +3484,7 @@
           </a:ln>
           <a:extLst>
             <a:ext uri="{909E8E84-426E-40dd-AFC4-6F175D3DCCD1}">
-              <a14:hiddenFill xmlns:a14="http://schemas.microsoft.com/office/drawing/2010/main">
+              <a14:hiddenFill xmlns:a14="http://schemas.microsoft.com/office/drawing/2010/main" xmlns="">
                 <a:noFill/>
               </a14:hiddenFill>
             </a:ext>
@@ -3494,14 +3520,14 @@
           </a:ln>
           <a:extLst>
             <a:ext uri="{909E8E84-426E-40dd-AFC4-6F175D3DCCD1}">
-              <a14:hiddenFill xmlns:a14="http://schemas.microsoft.com/office/drawing/2010/main">
+              <a14:hiddenFill xmlns:a14="http://schemas.microsoft.com/office/drawing/2010/main" xmlns="">
                 <a:solidFill>
                   <a:srgbClr val="FFFFFF"/>
                 </a:solidFill>
               </a14:hiddenFill>
             </a:ext>
             <a:ext uri="{91240B29-F687-4f45-9708-019B960494DF}">
-              <a14:hiddenLine xmlns:a14="http://schemas.microsoft.com/office/drawing/2010/main" w="9525">
+              <a14:hiddenLine xmlns:a14="http://schemas.microsoft.com/office/drawing/2010/main" xmlns="" w="9525">
                 <a:solidFill>
                   <a:srgbClr val="000000"/>
                 </a:solidFill>
@@ -3663,7 +3689,7 @@
           </a:ln>
           <a:extLst>
             <a:ext uri="{91240B29-F687-4f45-9708-019B960494DF}">
-              <a14:hiddenLine xmlns:a14="http://schemas.microsoft.com/office/drawing/2010/main" w="9525">
+              <a14:hiddenLine xmlns:a14="http://schemas.microsoft.com/office/drawing/2010/main" xmlns="" w="9525">
                 <a:solidFill>
                   <a:srgbClr val="000000"/>
                 </a:solidFill>
@@ -3800,7 +3826,7 @@
           <p:nvPr/>
         </p:nvPicPr>
         <p:blipFill>
-          <a:blip r:embed="rId15">
+          <a:blip r:embed="rId15" cstate="email">
             <a:extLst>
               <a:ext uri="{28A0092B-C50C-407E-A947-70E740481C1C}">
                 <a14:useLocalDpi xmlns:a14="http://schemas.microsoft.com/office/drawing/2010/main" val="0"/>
@@ -3826,14 +3852,14 @@
           </a:ln>
           <a:extLst>
             <a:ext uri="{909E8E84-426E-40dd-AFC4-6F175D3DCCD1}">
-              <a14:hiddenFill xmlns:a14="http://schemas.microsoft.com/office/drawing/2010/main">
+              <a14:hiddenFill xmlns:a14="http://schemas.microsoft.com/office/drawing/2010/main" xmlns="">
                 <a:solidFill>
                   <a:srgbClr val="FFFFFF"/>
                 </a:solidFill>
               </a14:hiddenFill>
             </a:ext>
             <a:ext uri="{91240B29-F687-4f45-9708-019B960494DF}">
-              <a14:hiddenLine xmlns:a14="http://schemas.microsoft.com/office/drawing/2010/main" w="9525">
+              <a14:hiddenLine xmlns:a14="http://schemas.microsoft.com/office/drawing/2010/main" xmlns="" w="9525">
                 <a:solidFill>
                   <a:srgbClr val="000000"/>
                 </a:solidFill>
@@ -3867,14 +3893,14 @@
           </a:ln>
           <a:extLst>
             <a:ext uri="{909E8E84-426E-40dd-AFC4-6F175D3DCCD1}">
-              <a14:hiddenFill xmlns:a14="http://schemas.microsoft.com/office/drawing/2010/main">
+              <a14:hiddenFill xmlns:a14="http://schemas.microsoft.com/office/drawing/2010/main" xmlns="">
                 <a:solidFill>
                   <a:srgbClr val="FFFFFF"/>
                 </a:solidFill>
               </a14:hiddenFill>
             </a:ext>
             <a:ext uri="{91240B29-F687-4f45-9708-019B960494DF}">
-              <a14:hiddenLine xmlns:a14="http://schemas.microsoft.com/office/drawing/2010/main" w="9525">
+              <a14:hiddenLine xmlns:a14="http://schemas.microsoft.com/office/drawing/2010/main" xmlns="" w="9525">
                 <a:solidFill>
                   <a:srgbClr val="000000"/>
                 </a:solidFill>
@@ -3935,14 +3961,14 @@
           </a:ln>
           <a:extLst>
             <a:ext uri="{909E8E84-426E-40dd-AFC4-6F175D3DCCD1}">
-              <a14:hiddenFill xmlns:a14="http://schemas.microsoft.com/office/drawing/2010/main">
+              <a14:hiddenFill xmlns:a14="http://schemas.microsoft.com/office/drawing/2010/main" xmlns="">
                 <a:solidFill>
                   <a:srgbClr val="FFFFFF"/>
                 </a:solidFill>
               </a14:hiddenFill>
             </a:ext>
             <a:ext uri="{91240B29-F687-4f45-9708-019B960494DF}">
-              <a14:hiddenLine xmlns:a14="http://schemas.microsoft.com/office/drawing/2010/main" w="9525">
+              <a14:hiddenLine xmlns:a14="http://schemas.microsoft.com/office/drawing/2010/main" xmlns="" w="9525">
                 <a:solidFill>
                   <a:srgbClr val="000000"/>
                 </a:solidFill>
@@ -4100,7 +4126,7 @@
   <p:timing>
     <p:tnLst>
       <p:par>
-        <p:cTn xmlns:p14="http://schemas.microsoft.com/office/powerpoint/2010/main" id="1" dur="indefinite" restart="never" nodeType="tmRoot"/>
+        <p:cTn id="1" dur="indefinite" restart="never" nodeType="tmRoot"/>
       </p:par>
     </p:tnLst>
   </p:timing>
@@ -4592,7 +4618,7 @@
           </a:ln>
           <a:extLst>
             <a:ext uri="{91240B29-F687-4f45-9708-019B960494DF}">
-              <a14:hiddenLine xmlns:a14="http://schemas.microsoft.com/office/drawing/2010/main" w="9525">
+              <a14:hiddenLine xmlns:a14="http://schemas.microsoft.com/office/drawing/2010/main" xmlns="" w="9525">
                 <a:solidFill>
                   <a:srgbClr val="000000"/>
                 </a:solidFill>
@@ -4723,7 +4749,7 @@
           </a:ln>
           <a:extLst>
             <a:ext uri="{91240B29-F687-4f45-9708-019B960494DF}">
-              <a14:hiddenLine xmlns:a14="http://schemas.microsoft.com/office/drawing/2010/main" w="9525">
+              <a14:hiddenLine xmlns:a14="http://schemas.microsoft.com/office/drawing/2010/main" xmlns="" w="9525">
                 <a:solidFill>
                   <a:srgbClr val="000000"/>
                 </a:solidFill>
@@ -4753,7 +4779,7 @@
   <p:timing>
     <p:tnLst>
       <p:par>
-        <p:cTn xmlns:p14="http://schemas.microsoft.com/office/powerpoint/2010/main" id="1" dur="indefinite" restart="never" nodeType="tmRoot"/>
+        <p:cTn id="1" dur="indefinite" restart="never" nodeType="tmRoot"/>
       </p:par>
     </p:tnLst>
   </p:timing>
@@ -4817,48 +4843,64 @@
           <a:p>
             <a:r>
               <a:rPr lang="en-US" dirty="0" err="1" smtClean="0"/>
-              <a:t>Spelcomputer</a:t>
+              <a:t>Inleiding</a:t>
             </a:r>
             <a:endParaRPr lang="en-US" dirty="0" smtClean="0"/>
           </a:p>
           <a:p>
+            <a:r>
+              <a:rPr lang="en-US" dirty="0" err="1" smtClean="0"/>
+              <a:t>Probleemstelling</a:t>
+            </a:r>
             <a:endParaRPr lang="en-US" dirty="0" smtClean="0"/>
           </a:p>
           <a:p>
             <a:r>
               <a:rPr lang="en-US" dirty="0" err="1" smtClean="0"/>
-              <a:t>Besturing</a:t>
+              <a:t>Systeemoverzicht</a:t>
             </a:r>
             <a:endParaRPr lang="en-US" dirty="0" smtClean="0"/>
           </a:p>
           <a:p>
             <a:r>
+              <a:rPr lang="en-US" dirty="0" err="1" smtClean="0"/>
+              <a:t>Onderdelen</a:t>
+            </a:r>
+            <a:endParaRPr lang="en-US" dirty="0" smtClean="0"/>
+          </a:p>
+          <a:p>
+            <a:r>
+              <a:rPr lang="en-US" dirty="0" err="1" smtClean="0"/>
+              <a:t>Resultaten</a:t>
+            </a:r>
+            <a:endParaRPr lang="en-US" dirty="0" smtClean="0"/>
+          </a:p>
+          <a:p>
+            <a:r>
               <a:rPr lang="en-US" dirty="0" smtClean="0"/>
-              <a:t>Processor</a:t>
-            </a:r>
-          </a:p>
-          <a:p>
-            <a:r>
-              <a:rPr lang="en-US" dirty="0" smtClean="0"/>
-              <a:t>SD-</a:t>
-            </a:r>
+              <a:t>Assembly</a:t>
+            </a:r>
+          </a:p>
+          <a:p>
             <a:r>
               <a:rPr lang="en-US" dirty="0" err="1" smtClean="0"/>
-              <a:t>kaart</a:t>
+              <a:t>Conclusie</a:t>
             </a:r>
             <a:endParaRPr lang="en-US" dirty="0" smtClean="0"/>
           </a:p>
           <a:p>
             <a:r>
-              <a:rPr lang="en-US" dirty="0" smtClean="0"/>
-              <a:t>SRAM</a:t>
-            </a:r>
-          </a:p>
-          <a:p>
-            <a:r>
-              <a:rPr lang="en-US" dirty="0" smtClean="0"/>
-              <a:t>VGA</a:t>
-            </a:r>
+              <a:rPr lang="en-US" dirty="0" err="1" smtClean="0"/>
+              <a:t>Discussie</a:t>
+            </a:r>
+            <a:endParaRPr lang="en-US" dirty="0" smtClean="0"/>
+          </a:p>
+          <a:p>
+            <a:r>
+              <a:rPr lang="en-US" dirty="0" err="1" smtClean="0"/>
+              <a:t>Demonstratie</a:t>
+            </a:r>
+            <a:endParaRPr lang="en-US" dirty="0" smtClean="0"/>
           </a:p>
           <a:p>
             <a:endParaRPr lang="en-US" dirty="0" smtClean="0"/>
@@ -4916,11 +4958,7 @@
           <a:bodyPr/>
           <a:lstStyle/>
           <a:p>
-            <a:r>
-              <a:rPr lang="en-US" dirty="0" err="1" smtClean="0"/>
-              <a:t>Besturing</a:t>
-            </a:r>
-            <a:endParaRPr lang="en-US" dirty="0"/>
+            <a:endParaRPr lang="nl-NL"/>
           </a:p>
         </p:txBody>
       </p:sp>
@@ -4939,42 +4977,14 @@
           <a:bodyPr/>
           <a:lstStyle/>
           <a:p>
-            <a:r>
-              <a:rPr lang="en-US" dirty="0" err="1" smtClean="0"/>
-              <a:t>Ultrasone</a:t>
-            </a:r>
-            <a:endParaRPr lang="en-US" dirty="0" smtClean="0"/>
-          </a:p>
-          <a:p>
-            <a:r>
-              <a:rPr lang="en-US" dirty="0" smtClean="0"/>
-              <a:t>Buttons</a:t>
-            </a:r>
-          </a:p>
-          <a:p>
-            <a:r>
-              <a:rPr lang="en-US" dirty="0" smtClean="0"/>
-              <a:t>Processing </a:t>
-            </a:r>
-            <a:r>
-              <a:rPr lang="en-US" dirty="0" err="1" smtClean="0"/>
-              <a:t>Arduino</a:t>
-            </a:r>
-            <a:endParaRPr lang="en-US" dirty="0" smtClean="0"/>
-          </a:p>
-          <a:p>
-            <a:r>
-              <a:rPr lang="en-US" dirty="0" smtClean="0"/>
-              <a:t>2x 4-bits Position</a:t>
-            </a:r>
-            <a:endParaRPr lang="en-US" dirty="0"/>
+            <a:endParaRPr lang="nl-NL"/>
           </a:p>
         </p:txBody>
       </p:sp>
     </p:spTree>
     <p:extLst>
       <p:ext uri="{BB962C8B-B14F-4D97-AF65-F5344CB8AC3E}">
-        <p14:creationId xmlns:p14="http://schemas.microsoft.com/office/powerpoint/2010/main" val="2105157772"/>
+        <p14:creationId xmlns:p14="http://schemas.microsoft.com/office/powerpoint/2010/main" val="2926586355"/>
       </p:ext>
     </p:extLst>
   </p:cSld>
@@ -5017,10 +5027,10 @@
           <a:lstStyle/>
           <a:p>
             <a:r>
-              <a:rPr lang="en-US" dirty="0" smtClean="0"/>
-              <a:t>Processor</a:t>
-            </a:r>
-            <a:endParaRPr lang="en-US" dirty="0"/>
+              <a:rPr lang="nl-NL" dirty="0" smtClean="0"/>
+              <a:t>CPU</a:t>
+            </a:r>
+            <a:endParaRPr lang="nl-NL" dirty="0"/>
           </a:p>
         </p:txBody>
       </p:sp>
@@ -5039,356 +5049,26 @@
           <a:bodyPr/>
           <a:lstStyle/>
           <a:p>
-            <a:pPr marL="0" indent="0">
-              <a:buNone/>
-            </a:pPr>
-            <a:endParaRPr lang="en-US" dirty="0"/>
-          </a:p>
-        </p:txBody>
-      </p:sp>
-      <p:pic>
-        <p:nvPicPr>
-          <p:cNvPr id="4" name="Picture 3" descr="general entitiy.bmp"/>
-          <p:cNvPicPr>
-            <a:picLocks noChangeAspect="1"/>
-          </p:cNvPicPr>
-          <p:nvPr/>
-        </p:nvPicPr>
-        <p:blipFill>
-          <a:blip r:embed="rId2">
-            <a:extLst>
-              <a:ext uri="{28A0092B-C50C-407E-A947-70E740481C1C}">
-                <a14:useLocalDpi xmlns:a14="http://schemas.microsoft.com/office/drawing/2010/main" val="0"/>
-              </a:ext>
-            </a:extLst>
-          </a:blip>
-          <a:stretch>
-            <a:fillRect/>
-          </a:stretch>
-        </p:blipFill>
-        <p:spPr>
-          <a:xfrm>
-            <a:off x="1677864" y="1636440"/>
-            <a:ext cx="5867400" cy="6337300"/>
-          </a:xfrm>
-          <a:prstGeom prst="rect">
-            <a:avLst/>
-          </a:prstGeom>
-        </p:spPr>
-      </p:pic>
+            <a:r>
+              <a:rPr lang="nl-NL" dirty="0" smtClean="0"/>
+              <a:t>Instructies</a:t>
+            </a:r>
+          </a:p>
+          <a:p>
+            <a:r>
+              <a:rPr lang="nl-NL" dirty="0" smtClean="0"/>
+              <a:t>Control Unit</a:t>
+            </a:r>
+          </a:p>
+          <a:p>
+            <a:endParaRPr lang="nl-NL" dirty="0"/>
+          </a:p>
+        </p:txBody>
+      </p:sp>
     </p:spTree>
     <p:extLst>
       <p:ext uri="{BB962C8B-B14F-4D97-AF65-F5344CB8AC3E}">
-        <p14:creationId xmlns:p14="http://schemas.microsoft.com/office/powerpoint/2010/main" val="2155680525"/>
-      </p:ext>
-    </p:extLst>
-  </p:cSld>
-  <p:clrMapOvr>
-    <a:masterClrMapping/>
-  </p:clrMapOvr>
-</p:sld>
-</file>
-
-<file path=ppt/slides/slide5.xml><?xml version="1.0" encoding="utf-8"?>
-<p:sld xmlns:a="http://schemas.openxmlformats.org/drawingml/2006/main" xmlns:r="http://schemas.openxmlformats.org/officeDocument/2006/relationships" xmlns:p="http://schemas.openxmlformats.org/presentationml/2006/main">
-  <p:cSld>
-    <p:spTree>
-      <p:nvGrpSpPr>
-        <p:cNvPr id="1" name=""/>
-        <p:cNvGrpSpPr/>
-        <p:nvPr/>
-      </p:nvGrpSpPr>
-      <p:grpSpPr>
-        <a:xfrm>
-          <a:off x="0" y="0"/>
-          <a:ext cx="0" cy="0"/>
-          <a:chOff x="0" y="0"/>
-          <a:chExt cx="0" cy="0"/>
-        </a:xfrm>
-      </p:grpSpPr>
-      <p:sp>
-        <p:nvSpPr>
-          <p:cNvPr id="2" name="Title 1"/>
-          <p:cNvSpPr>
-            <a:spLocks noGrp="1"/>
-          </p:cNvSpPr>
-          <p:nvPr>
-            <p:ph type="title"/>
-          </p:nvPr>
-        </p:nvSpPr>
-        <p:spPr/>
-        <p:txBody>
-          <a:bodyPr/>
-          <a:lstStyle/>
-          <a:p>
-            <a:r>
-              <a:rPr lang="en-US" dirty="0" smtClean="0"/>
-              <a:t>SD-</a:t>
-            </a:r>
-            <a:r>
-              <a:rPr lang="en-US" dirty="0" err="1" smtClean="0"/>
-              <a:t>kaart</a:t>
-            </a:r>
-            <a:endParaRPr lang="en-US" dirty="0"/>
-          </a:p>
-        </p:txBody>
-      </p:sp>
-      <p:sp>
-        <p:nvSpPr>
-          <p:cNvPr id="3" name="Content Placeholder 2"/>
-          <p:cNvSpPr>
-            <a:spLocks noGrp="1"/>
-          </p:cNvSpPr>
-          <p:nvPr>
-            <p:ph idx="1"/>
-          </p:nvPr>
-        </p:nvSpPr>
-        <p:spPr/>
-        <p:txBody>
-          <a:bodyPr/>
-          <a:lstStyle/>
-          <a:p>
-            <a:r>
-              <a:rPr lang="en-US" dirty="0" smtClean="0"/>
-              <a:t>SPI</a:t>
-            </a:r>
-          </a:p>
-          <a:p>
-            <a:r>
-              <a:rPr lang="en-US" dirty="0" smtClean="0"/>
-              <a:t>Assembly van het </a:t>
-            </a:r>
-            <a:r>
-              <a:rPr lang="en-US" dirty="0" err="1" smtClean="0"/>
-              <a:t>spel</a:t>
-            </a:r>
-            <a:endParaRPr lang="en-US" dirty="0" smtClean="0"/>
-          </a:p>
-          <a:p>
-            <a:endParaRPr lang="en-US" dirty="0" smtClean="0"/>
-          </a:p>
-          <a:p>
-            <a:endParaRPr lang="en-US" dirty="0"/>
-          </a:p>
-        </p:txBody>
-      </p:sp>
-    </p:spTree>
-    <p:extLst>
-      <p:ext uri="{BB962C8B-B14F-4D97-AF65-F5344CB8AC3E}">
-        <p14:creationId xmlns:p14="http://schemas.microsoft.com/office/powerpoint/2010/main" val="2452125258"/>
-      </p:ext>
-    </p:extLst>
-  </p:cSld>
-  <p:clrMapOvr>
-    <a:masterClrMapping/>
-  </p:clrMapOvr>
-</p:sld>
-</file>
-
-<file path=ppt/slides/slide6.xml><?xml version="1.0" encoding="utf-8"?>
-<p:sld xmlns:a="http://schemas.openxmlformats.org/drawingml/2006/main" xmlns:r="http://schemas.openxmlformats.org/officeDocument/2006/relationships" xmlns:p="http://schemas.openxmlformats.org/presentationml/2006/main">
-  <p:cSld>
-    <p:spTree>
-      <p:nvGrpSpPr>
-        <p:cNvPr id="1" name=""/>
-        <p:cNvGrpSpPr/>
-        <p:nvPr/>
-      </p:nvGrpSpPr>
-      <p:grpSpPr>
-        <a:xfrm>
-          <a:off x="0" y="0"/>
-          <a:ext cx="0" cy="0"/>
-          <a:chOff x="0" y="0"/>
-          <a:chExt cx="0" cy="0"/>
-        </a:xfrm>
-      </p:grpSpPr>
-      <p:sp>
-        <p:nvSpPr>
-          <p:cNvPr id="2" name="Title 1"/>
-          <p:cNvSpPr>
-            <a:spLocks noGrp="1"/>
-          </p:cNvSpPr>
-          <p:nvPr>
-            <p:ph type="title"/>
-          </p:nvPr>
-        </p:nvSpPr>
-        <p:spPr/>
-        <p:txBody>
-          <a:bodyPr/>
-          <a:lstStyle/>
-          <a:p>
-            <a:r>
-              <a:rPr lang="en-US" dirty="0" smtClean="0"/>
-              <a:t>SRAM</a:t>
-            </a:r>
-            <a:endParaRPr lang="en-US" dirty="0"/>
-          </a:p>
-        </p:txBody>
-      </p:sp>
-      <p:sp>
-        <p:nvSpPr>
-          <p:cNvPr id="3" name="Content Placeholder 2"/>
-          <p:cNvSpPr>
-            <a:spLocks noGrp="1"/>
-          </p:cNvSpPr>
-          <p:nvPr>
-            <p:ph idx="1"/>
-          </p:nvPr>
-        </p:nvSpPr>
-        <p:spPr/>
-        <p:txBody>
-          <a:bodyPr/>
-          <a:lstStyle/>
-          <a:p>
-            <a:r>
-              <a:rPr lang="en-US" dirty="0" smtClean="0"/>
-              <a:t>SPI</a:t>
-            </a:r>
-          </a:p>
-          <a:p>
-            <a:r>
-              <a:rPr lang="en-US" dirty="0" err="1" smtClean="0"/>
-              <a:t>Blackbox</a:t>
-            </a:r>
-            <a:endParaRPr lang="en-US" dirty="0" smtClean="0"/>
-          </a:p>
-          <a:p>
-            <a:r>
-              <a:rPr lang="en-US" dirty="0" smtClean="0"/>
-              <a:t>Switch op 60Hz</a:t>
-            </a:r>
-          </a:p>
-          <a:p>
-            <a:r>
-              <a:rPr lang="en-US" dirty="0" smtClean="0"/>
-              <a:t>Read box/write box</a:t>
-            </a:r>
-          </a:p>
-          <a:p>
-            <a:endParaRPr lang="en-US" dirty="0"/>
-          </a:p>
-        </p:txBody>
-      </p:sp>
-      <p:pic>
-        <p:nvPicPr>
-          <p:cNvPr id="4" name="Picture 3" descr="Schermafbeelding 2014-11-27 om 11.35.00.png"/>
-          <p:cNvPicPr>
-            <a:picLocks noChangeAspect="1"/>
-          </p:cNvPicPr>
-          <p:nvPr/>
-        </p:nvPicPr>
-        <p:blipFill>
-          <a:blip r:embed="rId2">
-            <a:extLst>
-              <a:ext uri="{28A0092B-C50C-407E-A947-70E740481C1C}">
-                <a14:useLocalDpi xmlns:a14="http://schemas.microsoft.com/office/drawing/2010/main" val="0"/>
-              </a:ext>
-            </a:extLst>
-          </a:blip>
-          <a:stretch>
-            <a:fillRect/>
-          </a:stretch>
-        </p:blipFill>
-        <p:spPr>
-          <a:xfrm>
-            <a:off x="5926336" y="2500536"/>
-            <a:ext cx="5067300" cy="4013200"/>
-          </a:xfrm>
-          <a:prstGeom prst="rect">
-            <a:avLst/>
-          </a:prstGeom>
-        </p:spPr>
-      </p:pic>
-    </p:spTree>
-    <p:extLst>
-      <p:ext uri="{BB962C8B-B14F-4D97-AF65-F5344CB8AC3E}">
-        <p14:creationId xmlns:p14="http://schemas.microsoft.com/office/powerpoint/2010/main" val="3512308647"/>
-      </p:ext>
-    </p:extLst>
-  </p:cSld>
-  <p:clrMapOvr>
-    <a:masterClrMapping/>
-  </p:clrMapOvr>
-</p:sld>
-</file>
-
-<file path=ppt/slides/slide7.xml><?xml version="1.0" encoding="utf-8"?>
-<p:sld xmlns:a="http://schemas.openxmlformats.org/drawingml/2006/main" xmlns:r="http://schemas.openxmlformats.org/officeDocument/2006/relationships" xmlns:p="http://schemas.openxmlformats.org/presentationml/2006/main">
-  <p:cSld>
-    <p:spTree>
-      <p:nvGrpSpPr>
-        <p:cNvPr id="1" name=""/>
-        <p:cNvGrpSpPr/>
-        <p:nvPr/>
-      </p:nvGrpSpPr>
-      <p:grpSpPr>
-        <a:xfrm>
-          <a:off x="0" y="0"/>
-          <a:ext cx="0" cy="0"/>
-          <a:chOff x="0" y="0"/>
-          <a:chExt cx="0" cy="0"/>
-        </a:xfrm>
-      </p:grpSpPr>
-      <p:sp>
-        <p:nvSpPr>
-          <p:cNvPr id="2" name="Title 1"/>
-          <p:cNvSpPr>
-            <a:spLocks noGrp="1"/>
-          </p:cNvSpPr>
-          <p:nvPr>
-            <p:ph type="title"/>
-          </p:nvPr>
-        </p:nvSpPr>
-        <p:spPr/>
-        <p:txBody>
-          <a:bodyPr/>
-          <a:lstStyle/>
-          <a:p>
-            <a:r>
-              <a:rPr lang="en-US" dirty="0" smtClean="0"/>
-              <a:t>VGA</a:t>
-            </a:r>
-            <a:endParaRPr lang="en-US" dirty="0"/>
-          </a:p>
-        </p:txBody>
-      </p:sp>
-      <p:sp>
-        <p:nvSpPr>
-          <p:cNvPr id="3" name="Content Placeholder 2"/>
-          <p:cNvSpPr>
-            <a:spLocks noGrp="1"/>
-          </p:cNvSpPr>
-          <p:nvPr>
-            <p:ph idx="1"/>
-          </p:nvPr>
-        </p:nvSpPr>
-        <p:spPr/>
-        <p:txBody>
-          <a:bodyPr/>
-          <a:lstStyle/>
-          <a:p>
-            <a:r>
-              <a:rPr lang="en-US" dirty="0" smtClean="0"/>
-              <a:t>Bitmap </a:t>
-            </a:r>
-            <a:r>
-              <a:rPr lang="en-US" dirty="0" err="1" smtClean="0"/>
-              <a:t>uit</a:t>
-            </a:r>
-            <a:r>
-              <a:rPr lang="en-US" dirty="0" smtClean="0"/>
-              <a:t> SRAM</a:t>
-            </a:r>
-          </a:p>
-          <a:p>
-            <a:endParaRPr lang="en-US" dirty="0"/>
-          </a:p>
-        </p:txBody>
-      </p:sp>
-    </p:spTree>
-    <p:extLst>
-      <p:ext uri="{BB962C8B-B14F-4D97-AF65-F5344CB8AC3E}">
-        <p14:creationId xmlns:p14="http://schemas.microsoft.com/office/powerpoint/2010/main" val="4275572195"/>
+        <p14:creationId xmlns:p14="http://schemas.microsoft.com/office/powerpoint/2010/main" val="1405161282"/>
       </p:ext>
     </p:extLst>
   </p:cSld>

--- a/Eindpresentatie.pptx
+++ b/Eindpresentatie.pptx
@@ -816,7 +816,7 @@
           </a:ln>
           <a:extLst>
             <a:ext uri="{91240B29-F687-4f45-9708-019B960494DF}">
-              <a14:hiddenLine xmlns:a14="http://schemas.microsoft.com/office/drawing/2010/main" xmlns="" w="9525" algn="ctr">
+              <a14:hiddenLine xmlns="" xmlns:a14="http://schemas.microsoft.com/office/drawing/2010/main" w="9525" algn="ctr">
                 <a:solidFill>
                   <a:srgbClr val="000000"/>
                 </a:solidFill>
@@ -3000,14 +3000,14 @@
           </a:ln>
           <a:extLst>
             <a:ext uri="{909E8E84-426E-40dd-AFC4-6F175D3DCCD1}">
-              <a14:hiddenFill xmlns:a14="http://schemas.microsoft.com/office/drawing/2010/main" xmlns="">
+              <a14:hiddenFill xmlns="" xmlns:a14="http://schemas.microsoft.com/office/drawing/2010/main">
                 <a:solidFill>
                   <a:srgbClr val="FFFFFF"/>
                 </a:solidFill>
               </a14:hiddenFill>
             </a:ext>
             <a:ext uri="{91240B29-F687-4f45-9708-019B960494DF}">
-              <a14:hiddenLine xmlns:a14="http://schemas.microsoft.com/office/drawing/2010/main" xmlns="" w="9525">
+              <a14:hiddenLine xmlns="" xmlns:a14="http://schemas.microsoft.com/office/drawing/2010/main" w="9525">
                 <a:solidFill>
                   <a:srgbClr val="000000"/>
                 </a:solidFill>
@@ -3017,7 +3017,7 @@
               </a14:hiddenLine>
             </a:ext>
             <a:ext uri="{FAA26D3D-D897-4be2-8F04-BA451C77F1D7}">
-              <ma14:placeholderFlag xmlns:ma14="http://schemas.microsoft.com/office/mac/drawingml/2011/main" xmlns="" val="1"/>
+              <ma14:placeholderFlag xmlns="" xmlns:ma14="http://schemas.microsoft.com/office/mac/drawingml/2011/main" val="1"/>
             </a:ext>
           </a:extLst>
         </p:spPr>
@@ -3061,14 +3061,14 @@
           </a:ln>
           <a:extLst>
             <a:ext uri="{909E8E84-426E-40dd-AFC4-6F175D3DCCD1}">
-              <a14:hiddenFill xmlns:a14="http://schemas.microsoft.com/office/drawing/2010/main" xmlns="">
+              <a14:hiddenFill xmlns="" xmlns:a14="http://schemas.microsoft.com/office/drawing/2010/main">
                 <a:solidFill>
                   <a:srgbClr val="FFFFFF"/>
                 </a:solidFill>
               </a14:hiddenFill>
             </a:ext>
             <a:ext uri="{91240B29-F687-4f45-9708-019B960494DF}">
-              <a14:hiddenLine xmlns:a14="http://schemas.microsoft.com/office/drawing/2010/main" xmlns="" w="9525">
+              <a14:hiddenLine xmlns="" xmlns:a14="http://schemas.microsoft.com/office/drawing/2010/main" w="9525">
                 <a:solidFill>
                   <a:srgbClr val="000000"/>
                 </a:solidFill>
@@ -3078,7 +3078,7 @@
               </a14:hiddenLine>
             </a:ext>
             <a:ext uri="{FAA26D3D-D897-4be2-8F04-BA451C77F1D7}">
-              <ma14:placeholderFlag xmlns:ma14="http://schemas.microsoft.com/office/mac/drawingml/2011/main" xmlns="" val="1"/>
+              <ma14:placeholderFlag xmlns="" xmlns:ma14="http://schemas.microsoft.com/office/mac/drawingml/2011/main" val="1"/>
             </a:ext>
           </a:extLst>
         </p:spPr>
@@ -3136,7 +3136,7 @@
           </a:ln>
           <a:extLst>
             <a:ext uri="{91240B29-F687-4f45-9708-019B960494DF}">
-              <a14:hiddenLine xmlns:a14="http://schemas.microsoft.com/office/drawing/2010/main" xmlns="" w="9525">
+              <a14:hiddenLine xmlns="" xmlns:a14="http://schemas.microsoft.com/office/drawing/2010/main" w="9525">
                 <a:solidFill>
                   <a:srgbClr val="000000"/>
                 </a:solidFill>
@@ -3288,7 +3288,7 @@
           </a:ln>
           <a:extLst>
             <a:ext uri="{91240B29-F687-4f45-9708-019B960494DF}">
-              <a14:hiddenLine xmlns:a14="http://schemas.microsoft.com/office/drawing/2010/main" xmlns="" w="9525">
+              <a14:hiddenLine xmlns="" xmlns:a14="http://schemas.microsoft.com/office/drawing/2010/main" w="9525">
                 <a:solidFill>
                   <a:srgbClr val="000000"/>
                 </a:solidFill>
@@ -3443,7 +3443,7 @@
           </a:ln>
           <a:extLst>
             <a:ext uri="{909E8E84-426E-40dd-AFC4-6F175D3DCCD1}">
-              <a14:hiddenFill xmlns:a14="http://schemas.microsoft.com/office/drawing/2010/main" xmlns="">
+              <a14:hiddenFill xmlns="" xmlns:a14="http://schemas.microsoft.com/office/drawing/2010/main">
                 <a:noFill/>
               </a14:hiddenFill>
             </a:ext>
@@ -3484,7 +3484,7 @@
           </a:ln>
           <a:extLst>
             <a:ext uri="{909E8E84-426E-40dd-AFC4-6F175D3DCCD1}">
-              <a14:hiddenFill xmlns:a14="http://schemas.microsoft.com/office/drawing/2010/main" xmlns="">
+              <a14:hiddenFill xmlns="" xmlns:a14="http://schemas.microsoft.com/office/drawing/2010/main">
                 <a:noFill/>
               </a14:hiddenFill>
             </a:ext>
@@ -3520,14 +3520,14 @@
           </a:ln>
           <a:extLst>
             <a:ext uri="{909E8E84-426E-40dd-AFC4-6F175D3DCCD1}">
-              <a14:hiddenFill xmlns:a14="http://schemas.microsoft.com/office/drawing/2010/main" xmlns="">
+              <a14:hiddenFill xmlns="" xmlns:a14="http://schemas.microsoft.com/office/drawing/2010/main">
                 <a:solidFill>
                   <a:srgbClr val="FFFFFF"/>
                 </a:solidFill>
               </a14:hiddenFill>
             </a:ext>
             <a:ext uri="{91240B29-F687-4f45-9708-019B960494DF}">
-              <a14:hiddenLine xmlns:a14="http://schemas.microsoft.com/office/drawing/2010/main" xmlns="" w="9525">
+              <a14:hiddenLine xmlns="" xmlns:a14="http://schemas.microsoft.com/office/drawing/2010/main" w="9525">
                 <a:solidFill>
                   <a:srgbClr val="000000"/>
                 </a:solidFill>
@@ -3689,7 +3689,7 @@
           </a:ln>
           <a:extLst>
             <a:ext uri="{91240B29-F687-4f45-9708-019B960494DF}">
-              <a14:hiddenLine xmlns:a14="http://schemas.microsoft.com/office/drawing/2010/main" xmlns="" w="9525">
+              <a14:hiddenLine xmlns="" xmlns:a14="http://schemas.microsoft.com/office/drawing/2010/main" w="9525">
                 <a:solidFill>
                   <a:srgbClr val="000000"/>
                 </a:solidFill>
@@ -3852,14 +3852,14 @@
           </a:ln>
           <a:extLst>
             <a:ext uri="{909E8E84-426E-40dd-AFC4-6F175D3DCCD1}">
-              <a14:hiddenFill xmlns:a14="http://schemas.microsoft.com/office/drawing/2010/main" xmlns="">
+              <a14:hiddenFill xmlns="" xmlns:a14="http://schemas.microsoft.com/office/drawing/2010/main">
                 <a:solidFill>
                   <a:srgbClr val="FFFFFF"/>
                 </a:solidFill>
               </a14:hiddenFill>
             </a:ext>
             <a:ext uri="{91240B29-F687-4f45-9708-019B960494DF}">
-              <a14:hiddenLine xmlns:a14="http://schemas.microsoft.com/office/drawing/2010/main" xmlns="" w="9525">
+              <a14:hiddenLine xmlns="" xmlns:a14="http://schemas.microsoft.com/office/drawing/2010/main" w="9525">
                 <a:solidFill>
                   <a:srgbClr val="000000"/>
                 </a:solidFill>
@@ -3893,14 +3893,14 @@
           </a:ln>
           <a:extLst>
             <a:ext uri="{909E8E84-426E-40dd-AFC4-6F175D3DCCD1}">
-              <a14:hiddenFill xmlns:a14="http://schemas.microsoft.com/office/drawing/2010/main" xmlns="">
+              <a14:hiddenFill xmlns="" xmlns:a14="http://schemas.microsoft.com/office/drawing/2010/main">
                 <a:solidFill>
                   <a:srgbClr val="FFFFFF"/>
                 </a:solidFill>
               </a14:hiddenFill>
             </a:ext>
             <a:ext uri="{91240B29-F687-4f45-9708-019B960494DF}">
-              <a14:hiddenLine xmlns:a14="http://schemas.microsoft.com/office/drawing/2010/main" xmlns="" w="9525">
+              <a14:hiddenLine xmlns="" xmlns:a14="http://schemas.microsoft.com/office/drawing/2010/main" w="9525">
                 <a:solidFill>
                   <a:srgbClr val="000000"/>
                 </a:solidFill>
@@ -3961,14 +3961,14 @@
           </a:ln>
           <a:extLst>
             <a:ext uri="{909E8E84-426E-40dd-AFC4-6F175D3DCCD1}">
-              <a14:hiddenFill xmlns:a14="http://schemas.microsoft.com/office/drawing/2010/main" xmlns="">
+              <a14:hiddenFill xmlns="" xmlns:a14="http://schemas.microsoft.com/office/drawing/2010/main">
                 <a:solidFill>
                   <a:srgbClr val="FFFFFF"/>
                 </a:solidFill>
               </a14:hiddenFill>
             </a:ext>
             <a:ext uri="{91240B29-F687-4f45-9708-019B960494DF}">
-              <a14:hiddenLine xmlns:a14="http://schemas.microsoft.com/office/drawing/2010/main" xmlns="" w="9525">
+              <a14:hiddenLine xmlns="" xmlns:a14="http://schemas.microsoft.com/office/drawing/2010/main" w="9525">
                 <a:solidFill>
                   <a:srgbClr val="000000"/>
                 </a:solidFill>
@@ -4618,7 +4618,7 @@
           </a:ln>
           <a:extLst>
             <a:ext uri="{91240B29-F687-4f45-9708-019B960494DF}">
-              <a14:hiddenLine xmlns:a14="http://schemas.microsoft.com/office/drawing/2010/main" xmlns="" w="9525">
+              <a14:hiddenLine xmlns="" xmlns:a14="http://schemas.microsoft.com/office/drawing/2010/main" w="9525">
                 <a:solidFill>
                   <a:srgbClr val="000000"/>
                 </a:solidFill>
@@ -4749,7 +4749,7 @@
           </a:ln>
           <a:extLst>
             <a:ext uri="{91240B29-F687-4f45-9708-019B960494DF}">
-              <a14:hiddenLine xmlns:a14="http://schemas.microsoft.com/office/drawing/2010/main" xmlns="" w="9525">
+              <a14:hiddenLine xmlns="" xmlns:a14="http://schemas.microsoft.com/office/drawing/2010/main" w="9525">
                 <a:solidFill>
                   <a:srgbClr val="000000"/>
                 </a:solidFill>
@@ -5055,10 +5055,37 @@
             </a:r>
           </a:p>
           <a:p>
+            <a:pPr lvl="1"/>
+            <a:r>
+              <a:rPr lang="nl-NL" dirty="0" err="1" smtClean="0"/>
+              <a:t>Enable</a:t>
+            </a:r>
             <a:r>
               <a:rPr lang="nl-NL" dirty="0" smtClean="0"/>
-              <a:t>Control Unit</a:t>
-            </a:r>
+              <a:t> bij nieuwe instructie</a:t>
+            </a:r>
+            <a:endParaRPr lang="nl-NL" dirty="0" smtClean="0"/>
+          </a:p>
+          <a:p>
+            <a:r>
+              <a:rPr lang="nl-NL" dirty="0" smtClean="0"/>
+              <a:t>Control </a:t>
+            </a:r>
+            <a:r>
+              <a:rPr lang="nl-NL" dirty="0" smtClean="0"/>
+              <a:t>Unit</a:t>
+            </a:r>
+          </a:p>
+          <a:p>
+            <a:pPr lvl="1"/>
+            <a:r>
+              <a:rPr lang="nl-NL" dirty="0" smtClean="0"/>
+              <a:t>Instructie </a:t>
+            </a:r>
+          </a:p>
+          <a:p>
+            <a:pPr lvl="1"/>
+            <a:endParaRPr lang="nl-NL" dirty="0" smtClean="0"/>
           </a:p>
           <a:p>
             <a:endParaRPr lang="nl-NL" dirty="0"/>

--- a/Eindpresentatie.pptx
+++ b/Eindpresentatie.pptx
@@ -5,16 +5,23 @@
     <p:sldMasterId id="2147483673" r:id="rId1"/>
   </p:sldMasterIdLst>
   <p:notesMasterIdLst>
-    <p:notesMasterId r:id="rId6"/>
+    <p:notesMasterId r:id="rId13"/>
   </p:notesMasterIdLst>
   <p:handoutMasterIdLst>
-    <p:handoutMasterId r:id="rId7"/>
+    <p:handoutMasterId r:id="rId14"/>
   </p:handoutMasterIdLst>
   <p:sldIdLst>
     <p:sldId id="319" r:id="rId2"/>
-    <p:sldId id="321" r:id="rId3"/>
-    <p:sldId id="322" r:id="rId4"/>
-    <p:sldId id="323" r:id="rId5"/>
+    <p:sldId id="327" r:id="rId3"/>
+    <p:sldId id="328" r:id="rId4"/>
+    <p:sldId id="321" r:id="rId5"/>
+    <p:sldId id="322" r:id="rId6"/>
+    <p:sldId id="323" r:id="rId7"/>
+    <p:sldId id="324" r:id="rId8"/>
+    <p:sldId id="325" r:id="rId9"/>
+    <p:sldId id="326" r:id="rId10"/>
+    <p:sldId id="329" r:id="rId11"/>
+    <p:sldId id="330" r:id="rId12"/>
   </p:sldIdLst>
   <p:sldSz cx="13004800" cy="9753600"/>
   <p:notesSz cx="6794500" cy="9931400"/>
@@ -4634,7 +4641,7 @@
           <a:lstStyle/>
           <a:p>
             <a:pPr algn="l" eaLnBrk="0" hangingPunct="0"/>
-            <a:endParaRPr lang="nl-NL" sz="3400">
+            <a:endParaRPr lang="nl-NL" sz="3400" dirty="0">
               <a:solidFill>
                 <a:schemeClr val="tx1"/>
               </a:solidFill>
@@ -4783,6 +4790,224 @@
       </p:par>
     </p:tnLst>
   </p:timing>
+</p:sld>
+</file>
+
+<file path=ppt/slides/slide10.xml><?xml version="1.0" encoding="utf-8"?>
+<p:sld xmlns:a="http://schemas.openxmlformats.org/drawingml/2006/main" xmlns:r="http://schemas.openxmlformats.org/officeDocument/2006/relationships" xmlns:p="http://schemas.openxmlformats.org/presentationml/2006/main">
+  <p:cSld>
+    <p:spTree>
+      <p:nvGrpSpPr>
+        <p:cNvPr id="1" name=""/>
+        <p:cNvGrpSpPr/>
+        <p:nvPr/>
+      </p:nvGrpSpPr>
+      <p:grpSpPr>
+        <a:xfrm>
+          <a:off x="0" y="0"/>
+          <a:ext cx="0" cy="0"/>
+          <a:chOff x="0" y="0"/>
+          <a:chExt cx="0" cy="0"/>
+        </a:xfrm>
+      </p:grpSpPr>
+      <p:sp>
+        <p:nvSpPr>
+          <p:cNvPr id="2" name="Titel 1"/>
+          <p:cNvSpPr>
+            <a:spLocks noGrp="1"/>
+          </p:cNvSpPr>
+          <p:nvPr>
+            <p:ph type="title"/>
+          </p:nvPr>
+        </p:nvSpPr>
+        <p:spPr/>
+        <p:txBody>
+          <a:bodyPr/>
+          <a:lstStyle/>
+          <a:p>
+            <a:r>
+              <a:rPr lang="nl-NL" dirty="0" smtClean="0"/>
+              <a:t>Conclusie</a:t>
+            </a:r>
+            <a:endParaRPr lang="nl-NL" dirty="0"/>
+          </a:p>
+        </p:txBody>
+      </p:sp>
+      <p:sp>
+        <p:nvSpPr>
+          <p:cNvPr id="3" name="Tijdelijke aanduiding voor inhoud 2"/>
+          <p:cNvSpPr>
+            <a:spLocks noGrp="1"/>
+          </p:cNvSpPr>
+          <p:nvPr>
+            <p:ph idx="1"/>
+          </p:nvPr>
+        </p:nvSpPr>
+        <p:spPr/>
+        <p:txBody>
+          <a:bodyPr/>
+          <a:lstStyle/>
+          <a:p>
+            <a:r>
+              <a:rPr lang="nl-NL" dirty="0" smtClean="0"/>
+              <a:t>Complicaties</a:t>
+            </a:r>
+          </a:p>
+          <a:p>
+            <a:pPr lvl="1"/>
+            <a:r>
+              <a:rPr lang="nl-NL" dirty="0" smtClean="0"/>
+              <a:t>Communicatie SD kaart &amp; SRAM</a:t>
+            </a:r>
+          </a:p>
+          <a:p>
+            <a:r>
+              <a:rPr lang="nl-NL" dirty="0" smtClean="0"/>
+              <a:t>Gevolgen</a:t>
+            </a:r>
+          </a:p>
+          <a:p>
+            <a:pPr lvl="1"/>
+            <a:r>
+              <a:rPr lang="nl-NL" dirty="0" smtClean="0"/>
+              <a:t>Weg laten VGA </a:t>
+            </a:r>
+            <a:r>
+              <a:rPr lang="nl-NL" dirty="0" smtClean="0">
+                <a:sym typeface="Wingdings" pitchFamily="2" charset="2"/>
+              </a:rPr>
+              <a:t> Geen beeld meer</a:t>
+            </a:r>
+          </a:p>
+          <a:p>
+            <a:pPr lvl="1"/>
+            <a:r>
+              <a:rPr lang="nl-NL" dirty="0" smtClean="0">
+                <a:sym typeface="Wingdings" pitchFamily="2" charset="2"/>
+              </a:rPr>
+              <a:t>Intern ruimte te kort  Geen plaats meer voor ‘</a:t>
+            </a:r>
+            <a:r>
+              <a:rPr lang="nl-NL" dirty="0" err="1" smtClean="0">
+                <a:sym typeface="Wingdings" pitchFamily="2" charset="2"/>
+              </a:rPr>
+              <a:t>Pong</a:t>
+            </a:r>
+            <a:r>
+              <a:rPr lang="nl-NL" dirty="0" smtClean="0">
+                <a:sym typeface="Wingdings" pitchFamily="2" charset="2"/>
+              </a:rPr>
+              <a:t>’</a:t>
+            </a:r>
+            <a:endParaRPr lang="nl-NL" dirty="0" smtClean="0"/>
+          </a:p>
+          <a:p>
+            <a:r>
+              <a:rPr lang="nl-NL" dirty="0" smtClean="0"/>
+              <a:t>Simpele rekenmachine</a:t>
+            </a:r>
+          </a:p>
+          <a:p>
+            <a:pPr lvl="1"/>
+            <a:r>
+              <a:rPr lang="nl-NL" dirty="0" smtClean="0"/>
+              <a:t>Optellen, aftrekken en vermenigvuldigen</a:t>
+            </a:r>
+          </a:p>
+        </p:txBody>
+      </p:sp>
+    </p:spTree>
+  </p:cSld>
+  <p:clrMapOvr>
+    <a:masterClrMapping/>
+  </p:clrMapOvr>
+</p:sld>
+</file>
+
+<file path=ppt/slides/slide11.xml><?xml version="1.0" encoding="utf-8"?>
+<p:sld xmlns:a="http://schemas.openxmlformats.org/drawingml/2006/main" xmlns:r="http://schemas.openxmlformats.org/officeDocument/2006/relationships" xmlns:p="http://schemas.openxmlformats.org/presentationml/2006/main">
+  <p:cSld>
+    <p:spTree>
+      <p:nvGrpSpPr>
+        <p:cNvPr id="1" name=""/>
+        <p:cNvGrpSpPr/>
+        <p:nvPr/>
+      </p:nvGrpSpPr>
+      <p:grpSpPr>
+        <a:xfrm>
+          <a:off x="0" y="0"/>
+          <a:ext cx="0" cy="0"/>
+          <a:chOff x="0" y="0"/>
+          <a:chExt cx="0" cy="0"/>
+        </a:xfrm>
+      </p:grpSpPr>
+      <p:sp>
+        <p:nvSpPr>
+          <p:cNvPr id="2" name="Titel 1"/>
+          <p:cNvSpPr>
+            <a:spLocks noGrp="1"/>
+          </p:cNvSpPr>
+          <p:nvPr>
+            <p:ph type="title"/>
+          </p:nvPr>
+        </p:nvSpPr>
+        <p:spPr/>
+        <p:txBody>
+          <a:bodyPr/>
+          <a:lstStyle/>
+          <a:p>
+            <a:r>
+              <a:rPr lang="nl-NL" dirty="0" smtClean="0"/>
+              <a:t>Discussie &amp; Aanbevelingen</a:t>
+            </a:r>
+            <a:endParaRPr lang="nl-NL" dirty="0"/>
+          </a:p>
+        </p:txBody>
+      </p:sp>
+      <p:sp>
+        <p:nvSpPr>
+          <p:cNvPr id="3" name="Tijdelijke aanduiding voor inhoud 2"/>
+          <p:cNvSpPr>
+            <a:spLocks noGrp="1"/>
+          </p:cNvSpPr>
+          <p:nvPr>
+            <p:ph idx="1"/>
+          </p:nvPr>
+        </p:nvSpPr>
+        <p:spPr/>
+        <p:txBody>
+          <a:bodyPr/>
+          <a:lstStyle/>
+          <a:p>
+            <a:r>
+              <a:rPr lang="nl-NL" dirty="0" smtClean="0"/>
+              <a:t>Een grote fout</a:t>
+            </a:r>
+          </a:p>
+          <a:p>
+            <a:pPr lvl="1"/>
+            <a:r>
+              <a:rPr lang="nl-NL" dirty="0" smtClean="0"/>
+              <a:t>Haalbaarheid van het project</a:t>
+            </a:r>
+          </a:p>
+          <a:p>
+            <a:pPr lvl="1"/>
+            <a:r>
+              <a:rPr lang="nl-NL" dirty="0" smtClean="0"/>
+              <a:t>Te weinig tijd om het project te voltooien</a:t>
+            </a:r>
+          </a:p>
+          <a:p>
+            <a:endParaRPr lang="nl-NL" dirty="0" smtClean="0"/>
+          </a:p>
+        </p:txBody>
+      </p:sp>
+    </p:spTree>
+  </p:cSld>
+  <p:clrMapOvr>
+    <a:masterClrMapping/>
+  </p:clrMapOvr>
 </p:sld>
 </file>
 
@@ -4805,7 +5030,7 @@
       </p:grpSpPr>
       <p:sp>
         <p:nvSpPr>
-          <p:cNvPr id="2" name="Title 1"/>
+          <p:cNvPr id="2" name="Titel 1"/>
           <p:cNvSpPr>
             <a:spLocks noGrp="1"/>
           </p:cNvSpPr>
@@ -4813,22 +5038,27 @@
             <p:ph type="title"/>
           </p:nvPr>
         </p:nvSpPr>
-        <p:spPr/>
+        <p:spPr>
+          <a:xfrm>
+            <a:off x="1317824" y="628329"/>
+            <a:ext cx="10182225" cy="792088"/>
+          </a:xfrm>
+        </p:spPr>
         <p:txBody>
           <a:bodyPr/>
           <a:lstStyle/>
           <a:p>
             <a:r>
-              <a:rPr lang="en-US" dirty="0" err="1" smtClean="0"/>
-              <a:t>Overzicht</a:t>
-            </a:r>
-            <a:endParaRPr lang="en-US" dirty="0"/>
-          </a:p>
-        </p:txBody>
-      </p:sp>
-      <p:sp>
-        <p:nvSpPr>
-          <p:cNvPr id="3" name="Content Placeholder 2"/>
+              <a:rPr lang="nl-NL" dirty="0" smtClean="0"/>
+              <a:t>Inhoud</a:t>
+            </a:r>
+            <a:endParaRPr lang="nl-NL" dirty="0"/>
+          </a:p>
+        </p:txBody>
+      </p:sp>
+      <p:sp>
+        <p:nvSpPr>
+          <p:cNvPr id="3" name="Tijdelijke aanduiding voor inhoud 2"/>
           <p:cNvSpPr>
             <a:spLocks noGrp="1"/>
           </p:cNvSpPr>
@@ -4836,89 +5066,96 @@
             <p:ph idx="1"/>
           </p:nvPr>
         </p:nvSpPr>
-        <p:spPr/>
+        <p:spPr>
+          <a:xfrm>
+            <a:off x="1317824" y="1492424"/>
+            <a:ext cx="10153650" cy="6336704"/>
+          </a:xfrm>
+        </p:spPr>
         <p:txBody>
           <a:bodyPr/>
           <a:lstStyle/>
           <a:p>
             <a:r>
-              <a:rPr lang="en-US" dirty="0" err="1" smtClean="0"/>
-              <a:t>Inleiding</a:t>
-            </a:r>
-            <a:endParaRPr lang="en-US" dirty="0" smtClean="0"/>
-          </a:p>
-          <a:p>
-            <a:r>
-              <a:rPr lang="en-US" dirty="0" err="1" smtClean="0"/>
+              <a:rPr lang="nl-NL" sz="2400" dirty="0" smtClean="0"/>
               <a:t>Probleemstelling</a:t>
             </a:r>
-            <a:endParaRPr lang="en-US" dirty="0" smtClean="0"/>
-          </a:p>
-          <a:p>
-            <a:r>
-              <a:rPr lang="en-US" dirty="0" err="1" smtClean="0"/>
+          </a:p>
+          <a:p>
+            <a:r>
+              <a:rPr lang="nl-NL" sz="2400" dirty="0" smtClean="0"/>
               <a:t>Systeemoverzicht</a:t>
             </a:r>
-            <a:endParaRPr lang="en-US" dirty="0" smtClean="0"/>
-          </a:p>
-          <a:p>
-            <a:r>
-              <a:rPr lang="en-US" dirty="0" err="1" smtClean="0"/>
-              <a:t>Onderdelen</a:t>
-            </a:r>
-            <a:endParaRPr lang="en-US" dirty="0" smtClean="0"/>
-          </a:p>
-          <a:p>
-            <a:r>
-              <a:rPr lang="en-US" dirty="0" err="1" smtClean="0"/>
-              <a:t>Resultaten</a:t>
-            </a:r>
-            <a:endParaRPr lang="en-US" dirty="0" smtClean="0"/>
-          </a:p>
-          <a:p>
-            <a:r>
-              <a:rPr lang="en-US" dirty="0" smtClean="0"/>
+          </a:p>
+          <a:p>
+            <a:endParaRPr lang="nl-NL" sz="2400" dirty="0" smtClean="0"/>
+          </a:p>
+          <a:p>
+            <a:r>
+              <a:rPr lang="nl-NL" sz="2400" dirty="0" smtClean="0"/>
+              <a:t>CPU</a:t>
+            </a:r>
+          </a:p>
+          <a:p>
+            <a:r>
+              <a:rPr lang="nl-NL" sz="2400" dirty="0" smtClean="0"/>
+              <a:t>SD kaart</a:t>
+            </a:r>
+          </a:p>
+          <a:p>
+            <a:r>
+              <a:rPr lang="nl-NL" sz="2400" dirty="0" smtClean="0"/>
+              <a:t>GPU</a:t>
+            </a:r>
+          </a:p>
+          <a:p>
+            <a:r>
+              <a:rPr lang="nl-NL" sz="2400" dirty="0" smtClean="0"/>
+              <a:t>VGA</a:t>
+            </a:r>
+          </a:p>
+          <a:p>
+            <a:r>
+              <a:rPr lang="nl-NL" sz="2400" dirty="0" err="1" smtClean="0"/>
+              <a:t>Blackbox</a:t>
+            </a:r>
+            <a:endParaRPr lang="nl-NL" sz="2400" dirty="0" smtClean="0"/>
+          </a:p>
+          <a:p>
+            <a:r>
+              <a:rPr lang="nl-NL" sz="2400" dirty="0" smtClean="0"/>
+              <a:t>Besturing &amp; SPI</a:t>
+            </a:r>
+          </a:p>
+          <a:p>
+            <a:endParaRPr lang="nl-NL" sz="2400" dirty="0" smtClean="0"/>
+          </a:p>
+          <a:p>
+            <a:r>
+              <a:rPr lang="nl-NL" sz="2400" dirty="0" smtClean="0"/>
+              <a:t>Eindresultaat</a:t>
+            </a:r>
+          </a:p>
+          <a:p>
+            <a:r>
+              <a:rPr lang="nl-NL" sz="2400" dirty="0" err="1" smtClean="0"/>
               <a:t>Assembly</a:t>
             </a:r>
-          </a:p>
-          <a:p>
-            <a:r>
-              <a:rPr lang="en-US" dirty="0" err="1" smtClean="0"/>
-              <a:t>Conclusie</a:t>
-            </a:r>
-            <a:endParaRPr lang="en-US" dirty="0" smtClean="0"/>
-          </a:p>
-          <a:p>
-            <a:r>
-              <a:rPr lang="en-US" dirty="0" err="1" smtClean="0"/>
-              <a:t>Discussie</a:t>
-            </a:r>
-            <a:endParaRPr lang="en-US" dirty="0" smtClean="0"/>
-          </a:p>
-          <a:p>
-            <a:r>
-              <a:rPr lang="en-US" dirty="0" err="1" smtClean="0"/>
-              <a:t>Demonstratie</a:t>
-            </a:r>
-            <a:endParaRPr lang="en-US" dirty="0" smtClean="0"/>
-          </a:p>
-          <a:p>
-            <a:endParaRPr lang="en-US" dirty="0" smtClean="0"/>
-          </a:p>
-          <a:p>
-            <a:endParaRPr lang="en-US" dirty="0" smtClean="0"/>
-          </a:p>
-          <a:p>
-            <a:endParaRPr lang="en-US" dirty="0"/>
+            <a:endParaRPr lang="nl-NL" sz="2400" dirty="0" smtClean="0"/>
+          </a:p>
+          <a:p>
+            <a:r>
+              <a:rPr lang="nl-NL" sz="2400" dirty="0" err="1" smtClean="0"/>
+              <a:t>Conlusie</a:t>
+            </a:r>
+            <a:r>
+              <a:rPr lang="nl-NL" sz="2400" dirty="0" smtClean="0"/>
+              <a:t> &amp; Discussie</a:t>
+            </a:r>
           </a:p>
         </p:txBody>
       </p:sp>
     </p:spTree>
-    <p:extLst>
-      <p:ext uri="{BB962C8B-B14F-4D97-AF65-F5344CB8AC3E}">
-        <p14:creationId xmlns:p14="http://schemas.microsoft.com/office/powerpoint/2010/main" val="1119502918"/>
-      </p:ext>
-    </p:extLst>
   </p:cSld>
   <p:clrMapOvr>
     <a:masterClrMapping/>
@@ -4945,7 +5182,7 @@
       </p:grpSpPr>
       <p:sp>
         <p:nvSpPr>
-          <p:cNvPr id="2" name="Title 1"/>
+          <p:cNvPr id="2" name="Titel 1"/>
           <p:cNvSpPr>
             <a:spLocks noGrp="1"/>
           </p:cNvSpPr>
@@ -4958,13 +5195,17 @@
           <a:bodyPr/>
           <a:lstStyle/>
           <a:p>
-            <a:endParaRPr lang="nl-NL"/>
-          </a:p>
-        </p:txBody>
-      </p:sp>
-      <p:sp>
-        <p:nvSpPr>
-          <p:cNvPr id="3" name="Content Placeholder 2"/>
+            <a:r>
+              <a:rPr lang="nl-NL" dirty="0" smtClean="0"/>
+              <a:t>Probleemstelling</a:t>
+            </a:r>
+            <a:endParaRPr lang="nl-NL" dirty="0"/>
+          </a:p>
+        </p:txBody>
+      </p:sp>
+      <p:sp>
+        <p:nvSpPr>
+          <p:cNvPr id="3" name="Tijdelijke aanduiding voor inhoud 2"/>
           <p:cNvSpPr>
             <a:spLocks noGrp="1"/>
           </p:cNvSpPr>
@@ -4977,16 +5218,86 @@
           <a:bodyPr/>
           <a:lstStyle/>
           <a:p>
-            <a:endParaRPr lang="nl-NL"/>
+            <a:r>
+              <a:rPr lang="nl-NL" dirty="0" smtClean="0"/>
+              <a:t>‘Ontwerp een chip’</a:t>
+            </a:r>
+          </a:p>
+          <a:p>
+            <a:pPr lvl="1"/>
+            <a:r>
+              <a:rPr lang="nl-NL" dirty="0" smtClean="0"/>
+              <a:t>Halve chip per groep (200-250 flipflops)</a:t>
+            </a:r>
+          </a:p>
+          <a:p>
+            <a:pPr lvl="1"/>
+            <a:r>
+              <a:rPr lang="nl-NL" dirty="0" smtClean="0"/>
+              <a:t>32 aansluitpinnen</a:t>
+            </a:r>
+          </a:p>
+          <a:p>
+            <a:pPr lvl="1"/>
+            <a:r>
+              <a:rPr lang="nl-NL" dirty="0" smtClean="0"/>
+              <a:t>Altera FPGA bord</a:t>
+            </a:r>
+          </a:p>
+          <a:p>
+            <a:r>
+              <a:rPr lang="nl-NL" dirty="0" smtClean="0"/>
+              <a:t>Eisen spelcomputer</a:t>
+            </a:r>
+          </a:p>
+          <a:p>
+            <a:pPr lvl="1"/>
+            <a:r>
+              <a:rPr lang="nl-NL" dirty="0" smtClean="0"/>
+              <a:t>Ultrasone besturing (Druk knoppen) </a:t>
+            </a:r>
+          </a:p>
+          <a:p>
+            <a:pPr lvl="1"/>
+            <a:r>
+              <a:rPr lang="nl-NL" dirty="0" smtClean="0"/>
+              <a:t>Externe opslag spellen</a:t>
+            </a:r>
+          </a:p>
+          <a:p>
+            <a:pPr lvl="1"/>
+            <a:r>
+              <a:rPr lang="nl-NL" dirty="0" smtClean="0"/>
+              <a:t>Beeldscherm met VGA</a:t>
+            </a:r>
+          </a:p>
+          <a:p>
+            <a:r>
+              <a:rPr lang="nl-NL" dirty="0" smtClean="0"/>
+              <a:t>Spellen:</a:t>
+            </a:r>
+          </a:p>
+          <a:p>
+            <a:pPr lvl="1"/>
+            <a:r>
+              <a:rPr lang="nl-NL" dirty="0" smtClean="0"/>
+              <a:t>‘</a:t>
+            </a:r>
+            <a:r>
+              <a:rPr lang="nl-NL" dirty="0" err="1" smtClean="0"/>
+              <a:t>Pong</a:t>
+            </a:r>
+            <a:r>
+              <a:rPr lang="nl-NL" dirty="0" smtClean="0"/>
+              <a:t>’</a:t>
+            </a:r>
+          </a:p>
+          <a:p>
+            <a:endParaRPr lang="nl-NL" dirty="0"/>
           </a:p>
         </p:txBody>
       </p:sp>
     </p:spTree>
-    <p:extLst>
-      <p:ext uri="{BB962C8B-B14F-4D97-AF65-F5344CB8AC3E}">
-        <p14:creationId xmlns:p14="http://schemas.microsoft.com/office/powerpoint/2010/main" val="2926586355"/>
-      </p:ext>
-    </p:extLst>
   </p:cSld>
   <p:clrMapOvr>
     <a:masterClrMapping/>
@@ -5027,10 +5338,10 @@
           <a:lstStyle/>
           <a:p>
             <a:r>
-              <a:rPr lang="nl-NL" dirty="0" smtClean="0"/>
-              <a:t>CPU</a:t>
-            </a:r>
-            <a:endParaRPr lang="nl-NL" dirty="0"/>
+              <a:rPr lang="en-US" dirty="0" err="1" smtClean="0"/>
+              <a:t>Systeemoverzicht</a:t>
+            </a:r>
+            <a:endParaRPr lang="en-US" dirty="0"/>
           </a:p>
         </p:txBody>
       </p:sp>
@@ -5050,52 +5361,622 @@
           <a:lstStyle/>
           <a:p>
             <a:r>
-              <a:rPr lang="nl-NL" dirty="0" smtClean="0"/>
-              <a:t>Instructies</a:t>
-            </a:r>
+              <a:rPr lang="en-US" dirty="0" err="1" smtClean="0"/>
+              <a:t>Spelcomputer</a:t>
+            </a:r>
+            <a:endParaRPr lang="en-US" dirty="0" smtClean="0"/>
+          </a:p>
+          <a:p>
+            <a:endParaRPr lang="en-US" dirty="0" smtClean="0"/>
+          </a:p>
+          <a:p>
+            <a:r>
+              <a:rPr lang="en-US" dirty="0" smtClean="0"/>
+              <a:t>Processor</a:t>
+            </a:r>
+          </a:p>
+          <a:p>
+            <a:r>
+              <a:rPr lang="en-US" dirty="0" smtClean="0"/>
+              <a:t>SD-</a:t>
+            </a:r>
+            <a:r>
+              <a:rPr lang="en-US" dirty="0" err="1" smtClean="0"/>
+              <a:t>kaart</a:t>
+            </a:r>
+            <a:endParaRPr lang="en-US" dirty="0" smtClean="0"/>
+          </a:p>
+          <a:p>
+            <a:r>
+              <a:rPr lang="en-US" dirty="0" smtClean="0"/>
+              <a:t>GPU</a:t>
+            </a:r>
+          </a:p>
+          <a:p>
+            <a:r>
+              <a:rPr lang="en-US" dirty="0" smtClean="0"/>
+              <a:t>VGA</a:t>
+            </a:r>
+          </a:p>
+          <a:p>
+            <a:r>
+              <a:rPr lang="en-US" dirty="0" err="1" smtClean="0"/>
+              <a:t>Blackbox</a:t>
+            </a:r>
+            <a:endParaRPr lang="en-US" dirty="0" smtClean="0"/>
           </a:p>
           <a:p>
             <a:pPr lvl="1"/>
             <a:r>
-              <a:rPr lang="nl-NL" dirty="0" err="1" smtClean="0"/>
-              <a:t>Enable</a:t>
-            </a:r>
-            <a:r>
-              <a:rPr lang="nl-NL" dirty="0" smtClean="0"/>
-              <a:t> bij nieuwe instructie</a:t>
-            </a:r>
-            <a:endParaRPr lang="nl-NL" dirty="0" smtClean="0"/>
-          </a:p>
-          <a:p>
-            <a:r>
-              <a:rPr lang="nl-NL" dirty="0" smtClean="0"/>
-              <a:t>Control </a:t>
-            </a:r>
-            <a:r>
-              <a:rPr lang="nl-NL" dirty="0" smtClean="0"/>
-              <a:t>Unit</a:t>
-            </a:r>
-          </a:p>
-          <a:p>
-            <a:pPr lvl="1"/>
-            <a:r>
-              <a:rPr lang="nl-NL" dirty="0" smtClean="0"/>
-              <a:t>Instructie </a:t>
-            </a:r>
-          </a:p>
-          <a:p>
-            <a:pPr lvl="1"/>
-            <a:endParaRPr lang="nl-NL" dirty="0" smtClean="0"/>
-          </a:p>
-          <a:p>
-            <a:endParaRPr lang="nl-NL" dirty="0"/>
-          </a:p>
-        </p:txBody>
-      </p:sp>
+              <a:rPr lang="en-US" dirty="0" smtClean="0"/>
+              <a:t>SRAM</a:t>
+            </a:r>
+          </a:p>
+          <a:p>
+            <a:r>
+              <a:rPr lang="en-US" dirty="0" err="1" smtClean="0"/>
+              <a:t>Besturing</a:t>
+            </a:r>
+            <a:endParaRPr lang="en-US" dirty="0" smtClean="0"/>
+          </a:p>
+          <a:p>
+            <a:pPr>
+              <a:buNone/>
+            </a:pPr>
+            <a:endParaRPr lang="en-US" dirty="0" smtClean="0"/>
+          </a:p>
+          <a:p>
+            <a:endParaRPr lang="en-US" dirty="0" smtClean="0"/>
+          </a:p>
+          <a:p>
+            <a:endParaRPr lang="en-US" dirty="0"/>
+          </a:p>
+        </p:txBody>
+      </p:sp>
+      <p:pic>
+        <p:nvPicPr>
+          <p:cNvPr id="4" name="Afbeelding 3" descr="hele-systeem.png"/>
+          <p:cNvPicPr>
+            <a:picLocks noChangeAspect="1"/>
+          </p:cNvPicPr>
+          <p:nvPr/>
+        </p:nvPicPr>
+        <p:blipFill>
+          <a:blip r:embed="rId2" cstate="print"/>
+          <a:stretch>
+            <a:fillRect/>
+          </a:stretch>
+        </p:blipFill>
+        <p:spPr>
+          <a:xfrm>
+            <a:off x="5350272" y="1780456"/>
+            <a:ext cx="5296359" cy="4115157"/>
+          </a:xfrm>
+          <a:prstGeom prst="rect">
+            <a:avLst/>
+          </a:prstGeom>
+        </p:spPr>
+      </p:pic>
     </p:spTree>
     <p:extLst>
       <p:ext uri="{BB962C8B-B14F-4D97-AF65-F5344CB8AC3E}">
-        <p14:creationId xmlns:p14="http://schemas.microsoft.com/office/powerpoint/2010/main" val="1405161282"/>
+        <p14:creationId xmlns:p14="http://schemas.microsoft.com/office/powerpoint/2010/main" val="1119502918"/>
+      </p:ext>
+    </p:extLst>
+  </p:cSld>
+  <p:clrMapOvr>
+    <a:masterClrMapping/>
+  </p:clrMapOvr>
+</p:sld>
+</file>
+
+<file path=ppt/slides/slide5.xml><?xml version="1.0" encoding="utf-8"?>
+<p:sld xmlns:a="http://schemas.openxmlformats.org/drawingml/2006/main" xmlns:r="http://schemas.openxmlformats.org/officeDocument/2006/relationships" xmlns:p="http://schemas.openxmlformats.org/presentationml/2006/main">
+  <p:cSld>
+    <p:spTree>
+      <p:nvGrpSpPr>
+        <p:cNvPr id="1" name=""/>
+        <p:cNvGrpSpPr/>
+        <p:nvPr/>
+      </p:nvGrpSpPr>
+      <p:grpSpPr>
+        <a:xfrm>
+          <a:off x="0" y="0"/>
+          <a:ext cx="0" cy="0"/>
+          <a:chOff x="0" y="0"/>
+          <a:chExt cx="0" cy="0"/>
+        </a:xfrm>
+      </p:grpSpPr>
+      <p:sp>
+        <p:nvSpPr>
+          <p:cNvPr id="2" name="Title 1"/>
+          <p:cNvSpPr>
+            <a:spLocks noGrp="1"/>
+          </p:cNvSpPr>
+          <p:nvPr>
+            <p:ph type="title"/>
+          </p:nvPr>
+        </p:nvSpPr>
+        <p:spPr/>
+        <p:txBody>
+          <a:bodyPr/>
+          <a:lstStyle/>
+          <a:p>
+            <a:r>
+              <a:rPr lang="en-US" dirty="0" smtClean="0"/>
+              <a:t>CPU</a:t>
+            </a:r>
+            <a:endParaRPr lang="en-US" dirty="0"/>
+          </a:p>
+        </p:txBody>
+      </p:sp>
+      <p:sp>
+        <p:nvSpPr>
+          <p:cNvPr id="3" name="Content Placeholder 2"/>
+          <p:cNvSpPr>
+            <a:spLocks noGrp="1"/>
+          </p:cNvSpPr>
+          <p:nvPr>
+            <p:ph idx="1"/>
+          </p:nvPr>
+        </p:nvSpPr>
+        <p:spPr/>
+        <p:txBody>
+          <a:bodyPr/>
+          <a:lstStyle/>
+          <a:p>
+            <a:r>
+              <a:rPr lang="nl-NL" dirty="0"/>
+              <a:t>Instructies</a:t>
+            </a:r>
+          </a:p>
+          <a:p>
+            <a:pPr lvl="1"/>
+            <a:r>
+              <a:rPr lang="nl-NL" dirty="0" err="1"/>
+              <a:t>Enable</a:t>
+            </a:r>
+            <a:r>
+              <a:rPr lang="nl-NL" dirty="0"/>
+              <a:t> bij nieuwe instructie</a:t>
+            </a:r>
+          </a:p>
+          <a:p>
+            <a:r>
+              <a:rPr lang="nl-NL" dirty="0"/>
+              <a:t>Control Unit</a:t>
+            </a:r>
+          </a:p>
+          <a:p>
+            <a:pPr lvl="1"/>
+            <a:r>
+              <a:rPr lang="nl-NL" dirty="0"/>
+              <a:t>Instructie </a:t>
+            </a:r>
+          </a:p>
+          <a:p>
+            <a:endParaRPr lang="en-US" dirty="0"/>
+          </a:p>
+        </p:txBody>
+      </p:sp>
+    </p:spTree>
+    <p:extLst>
+      <p:ext uri="{BB962C8B-B14F-4D97-AF65-F5344CB8AC3E}">
+        <p14:creationId xmlns:p14="http://schemas.microsoft.com/office/powerpoint/2010/main" val="2105157772"/>
+      </p:ext>
+    </p:extLst>
+  </p:cSld>
+  <p:clrMapOvr>
+    <a:masterClrMapping/>
+  </p:clrMapOvr>
+</p:sld>
+</file>
+
+<file path=ppt/slides/slide6.xml><?xml version="1.0" encoding="utf-8"?>
+<p:sld xmlns:a="http://schemas.openxmlformats.org/drawingml/2006/main" xmlns:r="http://schemas.openxmlformats.org/officeDocument/2006/relationships" xmlns:p="http://schemas.openxmlformats.org/presentationml/2006/main">
+  <p:cSld>
+    <p:spTree>
+      <p:nvGrpSpPr>
+        <p:cNvPr id="1" name=""/>
+        <p:cNvGrpSpPr/>
+        <p:nvPr/>
+      </p:nvGrpSpPr>
+      <p:grpSpPr>
+        <a:xfrm>
+          <a:off x="0" y="0"/>
+          <a:ext cx="0" cy="0"/>
+          <a:chOff x="0" y="0"/>
+          <a:chExt cx="0" cy="0"/>
+        </a:xfrm>
+      </p:grpSpPr>
+      <p:sp>
+        <p:nvSpPr>
+          <p:cNvPr id="2" name="Title 1"/>
+          <p:cNvSpPr>
+            <a:spLocks noGrp="1"/>
+          </p:cNvSpPr>
+          <p:nvPr>
+            <p:ph type="title"/>
+          </p:nvPr>
+        </p:nvSpPr>
+        <p:spPr/>
+        <p:txBody>
+          <a:bodyPr/>
+          <a:lstStyle/>
+          <a:p>
+            <a:r>
+              <a:rPr lang="en-US" dirty="0" smtClean="0"/>
+              <a:t>Processor</a:t>
+            </a:r>
+            <a:endParaRPr lang="en-US" dirty="0"/>
+          </a:p>
+        </p:txBody>
+      </p:sp>
+      <p:sp>
+        <p:nvSpPr>
+          <p:cNvPr id="3" name="Content Placeholder 2"/>
+          <p:cNvSpPr>
+            <a:spLocks noGrp="1"/>
+          </p:cNvSpPr>
+          <p:nvPr>
+            <p:ph idx="1"/>
+          </p:nvPr>
+        </p:nvSpPr>
+        <p:spPr/>
+        <p:txBody>
+          <a:bodyPr/>
+          <a:lstStyle/>
+          <a:p>
+            <a:pPr marL="0" indent="0">
+              <a:buNone/>
+            </a:pPr>
+            <a:endParaRPr lang="en-US" dirty="0"/>
+          </a:p>
+        </p:txBody>
+      </p:sp>
+      <p:pic>
+        <p:nvPicPr>
+          <p:cNvPr id="4" name="Picture 3" descr="general entitiy.bmp"/>
+          <p:cNvPicPr>
+            <a:picLocks noChangeAspect="1"/>
+          </p:cNvPicPr>
+          <p:nvPr/>
+        </p:nvPicPr>
+        <p:blipFill>
+          <a:blip r:embed="rId2" cstate="print">
+            <a:extLst>
+              <a:ext uri="{28A0092B-C50C-407E-A947-70E740481C1C}">
+                <a14:useLocalDpi xmlns:a14="http://schemas.microsoft.com/office/drawing/2010/main" val="0"/>
+              </a:ext>
+            </a:extLst>
+          </a:blip>
+          <a:stretch>
+            <a:fillRect/>
+          </a:stretch>
+        </p:blipFill>
+        <p:spPr>
+          <a:xfrm>
+            <a:off x="1677864" y="1636440"/>
+            <a:ext cx="5867400" cy="6337300"/>
+          </a:xfrm>
+          <a:prstGeom prst="rect">
+            <a:avLst/>
+          </a:prstGeom>
+        </p:spPr>
+      </p:pic>
+    </p:spTree>
+    <p:extLst>
+      <p:ext uri="{BB962C8B-B14F-4D97-AF65-F5344CB8AC3E}">
+        <p14:creationId xmlns:p14="http://schemas.microsoft.com/office/powerpoint/2010/main" val="2155680525"/>
+      </p:ext>
+    </p:extLst>
+  </p:cSld>
+  <p:clrMapOvr>
+    <a:masterClrMapping/>
+  </p:clrMapOvr>
+</p:sld>
+</file>
+
+<file path=ppt/slides/slide7.xml><?xml version="1.0" encoding="utf-8"?>
+<p:sld xmlns:a="http://schemas.openxmlformats.org/drawingml/2006/main" xmlns:r="http://schemas.openxmlformats.org/officeDocument/2006/relationships" xmlns:p="http://schemas.openxmlformats.org/presentationml/2006/main">
+  <p:cSld>
+    <p:spTree>
+      <p:nvGrpSpPr>
+        <p:cNvPr id="1" name=""/>
+        <p:cNvGrpSpPr/>
+        <p:nvPr/>
+      </p:nvGrpSpPr>
+      <p:grpSpPr>
+        <a:xfrm>
+          <a:off x="0" y="0"/>
+          <a:ext cx="0" cy="0"/>
+          <a:chOff x="0" y="0"/>
+          <a:chExt cx="0" cy="0"/>
+        </a:xfrm>
+      </p:grpSpPr>
+      <p:sp>
+        <p:nvSpPr>
+          <p:cNvPr id="2" name="Title 1"/>
+          <p:cNvSpPr>
+            <a:spLocks noGrp="1"/>
+          </p:cNvSpPr>
+          <p:nvPr>
+            <p:ph type="title"/>
+          </p:nvPr>
+        </p:nvSpPr>
+        <p:spPr/>
+        <p:txBody>
+          <a:bodyPr/>
+          <a:lstStyle/>
+          <a:p>
+            <a:r>
+              <a:rPr lang="en-US" dirty="0" smtClean="0"/>
+              <a:t>SD-</a:t>
+            </a:r>
+            <a:r>
+              <a:rPr lang="en-US" dirty="0" err="1" smtClean="0"/>
+              <a:t>kaart</a:t>
+            </a:r>
+            <a:endParaRPr lang="en-US" dirty="0"/>
+          </a:p>
+        </p:txBody>
+      </p:sp>
+      <p:sp>
+        <p:nvSpPr>
+          <p:cNvPr id="3" name="Content Placeholder 2"/>
+          <p:cNvSpPr>
+            <a:spLocks noGrp="1"/>
+          </p:cNvSpPr>
+          <p:nvPr>
+            <p:ph idx="1"/>
+          </p:nvPr>
+        </p:nvSpPr>
+        <p:spPr/>
+        <p:txBody>
+          <a:bodyPr/>
+          <a:lstStyle/>
+          <a:p>
+            <a:r>
+              <a:rPr lang="en-US" dirty="0" smtClean="0"/>
+              <a:t>SPI</a:t>
+            </a:r>
+          </a:p>
+          <a:p>
+            <a:r>
+              <a:rPr lang="en-US" dirty="0" smtClean="0"/>
+              <a:t>Assembly van het </a:t>
+            </a:r>
+            <a:r>
+              <a:rPr lang="en-US" dirty="0" err="1" smtClean="0"/>
+              <a:t>spel</a:t>
+            </a:r>
+            <a:endParaRPr lang="en-US" dirty="0" smtClean="0"/>
+          </a:p>
+          <a:p>
+            <a:endParaRPr lang="en-US" dirty="0" smtClean="0"/>
+          </a:p>
+          <a:p>
+            <a:endParaRPr lang="en-US" dirty="0"/>
+          </a:p>
+        </p:txBody>
+      </p:sp>
+    </p:spTree>
+    <p:extLst>
+      <p:ext uri="{BB962C8B-B14F-4D97-AF65-F5344CB8AC3E}">
+        <p14:creationId xmlns:p14="http://schemas.microsoft.com/office/powerpoint/2010/main" val="2452125258"/>
+      </p:ext>
+    </p:extLst>
+  </p:cSld>
+  <p:clrMapOvr>
+    <a:masterClrMapping/>
+  </p:clrMapOvr>
+</p:sld>
+</file>
+
+<file path=ppt/slides/slide8.xml><?xml version="1.0" encoding="utf-8"?>
+<p:sld xmlns:a="http://schemas.openxmlformats.org/drawingml/2006/main" xmlns:r="http://schemas.openxmlformats.org/officeDocument/2006/relationships" xmlns:p="http://schemas.openxmlformats.org/presentationml/2006/main">
+  <p:cSld>
+    <p:spTree>
+      <p:nvGrpSpPr>
+        <p:cNvPr id="1" name=""/>
+        <p:cNvGrpSpPr/>
+        <p:nvPr/>
+      </p:nvGrpSpPr>
+      <p:grpSpPr>
+        <a:xfrm>
+          <a:off x="0" y="0"/>
+          <a:ext cx="0" cy="0"/>
+          <a:chOff x="0" y="0"/>
+          <a:chExt cx="0" cy="0"/>
+        </a:xfrm>
+      </p:grpSpPr>
+      <p:sp>
+        <p:nvSpPr>
+          <p:cNvPr id="2" name="Title 1"/>
+          <p:cNvSpPr>
+            <a:spLocks noGrp="1"/>
+          </p:cNvSpPr>
+          <p:nvPr>
+            <p:ph type="title"/>
+          </p:nvPr>
+        </p:nvSpPr>
+        <p:spPr/>
+        <p:txBody>
+          <a:bodyPr/>
+          <a:lstStyle/>
+          <a:p>
+            <a:r>
+              <a:rPr lang="en-US" dirty="0" smtClean="0"/>
+              <a:t>SRAM</a:t>
+            </a:r>
+            <a:endParaRPr lang="en-US" dirty="0"/>
+          </a:p>
+        </p:txBody>
+      </p:sp>
+      <p:sp>
+        <p:nvSpPr>
+          <p:cNvPr id="3" name="Content Placeholder 2"/>
+          <p:cNvSpPr>
+            <a:spLocks noGrp="1"/>
+          </p:cNvSpPr>
+          <p:nvPr>
+            <p:ph idx="1"/>
+          </p:nvPr>
+        </p:nvSpPr>
+        <p:spPr/>
+        <p:txBody>
+          <a:bodyPr/>
+          <a:lstStyle/>
+          <a:p>
+            <a:r>
+              <a:rPr lang="en-US" dirty="0" smtClean="0"/>
+              <a:t>SPI</a:t>
+            </a:r>
+          </a:p>
+          <a:p>
+            <a:r>
+              <a:rPr lang="en-US" dirty="0" err="1" smtClean="0"/>
+              <a:t>Blackbox</a:t>
+            </a:r>
+            <a:endParaRPr lang="en-US" dirty="0" smtClean="0"/>
+          </a:p>
+          <a:p>
+            <a:r>
+              <a:rPr lang="en-US" dirty="0" smtClean="0"/>
+              <a:t>Switch op 60Hz</a:t>
+            </a:r>
+          </a:p>
+          <a:p>
+            <a:r>
+              <a:rPr lang="en-US" dirty="0" smtClean="0"/>
+              <a:t>Read box/write box</a:t>
+            </a:r>
+          </a:p>
+          <a:p>
+            <a:endParaRPr lang="en-US" dirty="0"/>
+          </a:p>
+        </p:txBody>
+      </p:sp>
+      <p:pic>
+        <p:nvPicPr>
+          <p:cNvPr id="4" name="Picture 3" descr="Schermafbeelding 2014-11-27 om 11.35.00.png"/>
+          <p:cNvPicPr>
+            <a:picLocks noChangeAspect="1"/>
+          </p:cNvPicPr>
+          <p:nvPr/>
+        </p:nvPicPr>
+        <p:blipFill>
+          <a:blip r:embed="rId2" cstate="print">
+            <a:extLst>
+              <a:ext uri="{28A0092B-C50C-407E-A947-70E740481C1C}">
+                <a14:useLocalDpi xmlns:a14="http://schemas.microsoft.com/office/drawing/2010/main" val="0"/>
+              </a:ext>
+            </a:extLst>
+          </a:blip>
+          <a:stretch>
+            <a:fillRect/>
+          </a:stretch>
+        </p:blipFill>
+        <p:spPr>
+          <a:xfrm>
+            <a:off x="5926336" y="2500536"/>
+            <a:ext cx="5067300" cy="4013200"/>
+          </a:xfrm>
+          <a:prstGeom prst="rect">
+            <a:avLst/>
+          </a:prstGeom>
+        </p:spPr>
+      </p:pic>
+    </p:spTree>
+    <p:extLst>
+      <p:ext uri="{BB962C8B-B14F-4D97-AF65-F5344CB8AC3E}">
+        <p14:creationId xmlns:p14="http://schemas.microsoft.com/office/powerpoint/2010/main" val="3512308647"/>
+      </p:ext>
+    </p:extLst>
+  </p:cSld>
+  <p:clrMapOvr>
+    <a:masterClrMapping/>
+  </p:clrMapOvr>
+</p:sld>
+</file>
+
+<file path=ppt/slides/slide9.xml><?xml version="1.0" encoding="utf-8"?>
+<p:sld xmlns:a="http://schemas.openxmlformats.org/drawingml/2006/main" xmlns:r="http://schemas.openxmlformats.org/officeDocument/2006/relationships" xmlns:p="http://schemas.openxmlformats.org/presentationml/2006/main">
+  <p:cSld>
+    <p:spTree>
+      <p:nvGrpSpPr>
+        <p:cNvPr id="1" name=""/>
+        <p:cNvGrpSpPr/>
+        <p:nvPr/>
+      </p:nvGrpSpPr>
+      <p:grpSpPr>
+        <a:xfrm>
+          <a:off x="0" y="0"/>
+          <a:ext cx="0" cy="0"/>
+          <a:chOff x="0" y="0"/>
+          <a:chExt cx="0" cy="0"/>
+        </a:xfrm>
+      </p:grpSpPr>
+      <p:sp>
+        <p:nvSpPr>
+          <p:cNvPr id="2" name="Title 1"/>
+          <p:cNvSpPr>
+            <a:spLocks noGrp="1"/>
+          </p:cNvSpPr>
+          <p:nvPr>
+            <p:ph type="title"/>
+          </p:nvPr>
+        </p:nvSpPr>
+        <p:spPr/>
+        <p:txBody>
+          <a:bodyPr/>
+          <a:lstStyle/>
+          <a:p>
+            <a:r>
+              <a:rPr lang="en-US" dirty="0" smtClean="0"/>
+              <a:t>VGA</a:t>
+            </a:r>
+            <a:endParaRPr lang="en-US" dirty="0"/>
+          </a:p>
+        </p:txBody>
+      </p:sp>
+      <p:sp>
+        <p:nvSpPr>
+          <p:cNvPr id="3" name="Content Placeholder 2"/>
+          <p:cNvSpPr>
+            <a:spLocks noGrp="1"/>
+          </p:cNvSpPr>
+          <p:nvPr>
+            <p:ph idx="1"/>
+          </p:nvPr>
+        </p:nvSpPr>
+        <p:spPr/>
+        <p:txBody>
+          <a:bodyPr/>
+          <a:lstStyle/>
+          <a:p>
+            <a:r>
+              <a:rPr lang="en-US" dirty="0" smtClean="0"/>
+              <a:t>Bitmap </a:t>
+            </a:r>
+            <a:r>
+              <a:rPr lang="en-US" dirty="0" err="1" smtClean="0"/>
+              <a:t>uit</a:t>
+            </a:r>
+            <a:r>
+              <a:rPr lang="en-US" dirty="0" smtClean="0"/>
+              <a:t> SRAM</a:t>
+            </a:r>
+          </a:p>
+          <a:p>
+            <a:endParaRPr lang="en-US" dirty="0"/>
+          </a:p>
+        </p:txBody>
+      </p:sp>
+    </p:spTree>
+    <p:extLst>
+      <p:ext uri="{BB962C8B-B14F-4D97-AF65-F5344CB8AC3E}">
+        <p14:creationId xmlns:p14="http://schemas.microsoft.com/office/powerpoint/2010/main" val="4275572195"/>
       </p:ext>
     </p:extLst>
   </p:cSld>

--- a/Eindpresentatie.pptx
+++ b/Eindpresentatie.pptx
@@ -5,10 +5,10 @@
     <p:sldMasterId id="2147483673" r:id="rId1"/>
   </p:sldMasterIdLst>
   <p:notesMasterIdLst>
-    <p:notesMasterId r:id="rId13"/>
+    <p:notesMasterId r:id="rId16"/>
   </p:notesMasterIdLst>
   <p:handoutMasterIdLst>
-    <p:handoutMasterId r:id="rId14"/>
+    <p:handoutMasterId r:id="rId17"/>
   </p:handoutMasterIdLst>
   <p:sldIdLst>
     <p:sldId id="319" r:id="rId2"/>
@@ -20,8 +20,11 @@
     <p:sldId id="324" r:id="rId8"/>
     <p:sldId id="325" r:id="rId9"/>
     <p:sldId id="326" r:id="rId10"/>
-    <p:sldId id="329" r:id="rId11"/>
-    <p:sldId id="330" r:id="rId12"/>
+    <p:sldId id="331" r:id="rId11"/>
+    <p:sldId id="332" r:id="rId12"/>
+    <p:sldId id="333" r:id="rId13"/>
+    <p:sldId id="329" r:id="rId14"/>
+    <p:sldId id="330" r:id="rId15"/>
   </p:sldIdLst>
   <p:sldSz cx="13004800" cy="9753600"/>
   <p:notesSz cx="6794500" cy="9931400"/>
@@ -161,7 +164,7 @@
   </p:defaultTextStyle>
   <p:extLst>
     <p:ext uri="{EFAFB233-063F-42B5-8137-9DF3F51BA10A}">
-      <p15:sldGuideLst xmlns:p15="http://schemas.microsoft.com/office/powerpoint/2012/main">
+      <p15:sldGuideLst xmlns:p15="http://schemas.microsoft.com/office/powerpoint/2012/main" xmlns="">
         <p15:guide id="1" orient="horz" pos="3072">
           <p15:clr>
             <a:srgbClr val="A4A3A4"/>
@@ -175,7 +178,7 @@
       </p15:sldGuideLst>
     </p:ext>
     <p:ext uri="{2D200454-40CA-4A62-9FC3-DE9A4176ACB9}">
-      <p15:notesGuideLst xmlns:p15="http://schemas.microsoft.com/office/powerpoint/2012/main">
+      <p15:notesGuideLst xmlns:p15="http://schemas.microsoft.com/office/powerpoint/2012/main" xmlns="">
         <p15:guide id="1" orient="horz" pos="3128">
           <p15:clr>
             <a:srgbClr val="A4A3A4"/>
@@ -285,7 +288,7 @@
             <a:fld id="{347D5123-087D-F547-BA90-AAC341263F7F}" type="datetimeFigureOut">
               <a:rPr lang="nl-NL"/>
               <a:pPr/>
-              <a:t>19-1-2015</a:t>
+              <a:t>19-01-15</a:t>
             </a:fld>
             <a:endParaRPr lang="nl-NL"/>
           </a:p>
@@ -472,7 +475,7 @@
             <a:fld id="{BF439CDE-7B43-744A-B12A-3FE096986F89}" type="datetimeFigureOut">
               <a:rPr lang="nl-NL"/>
               <a:pPr/>
-              <a:t>19-1-2015</a:t>
+              <a:t>19-01-15</a:t>
             </a:fld>
             <a:endParaRPr lang="nl-NL"/>
           </a:p>
@@ -823,7 +826,7 @@
           </a:ln>
           <a:extLst>
             <a:ext uri="{91240B29-F687-4f45-9708-019B960494DF}">
-              <a14:hiddenLine xmlns="" xmlns:a14="http://schemas.microsoft.com/office/drawing/2010/main" w="9525" algn="ctr">
+              <a14:hiddenLine xmlns:a14="http://schemas.microsoft.com/office/drawing/2010/main" w="9525" algn="ctr">
                 <a:solidFill>
                   <a:srgbClr val="000000"/>
                 </a:solidFill>
@@ -3007,14 +3010,14 @@
           </a:ln>
           <a:extLst>
             <a:ext uri="{909E8E84-426E-40dd-AFC4-6F175D3DCCD1}">
-              <a14:hiddenFill xmlns="" xmlns:a14="http://schemas.microsoft.com/office/drawing/2010/main">
+              <a14:hiddenFill xmlns:a14="http://schemas.microsoft.com/office/drawing/2010/main">
                 <a:solidFill>
                   <a:srgbClr val="FFFFFF"/>
                 </a:solidFill>
               </a14:hiddenFill>
             </a:ext>
             <a:ext uri="{91240B29-F687-4f45-9708-019B960494DF}">
-              <a14:hiddenLine xmlns="" xmlns:a14="http://schemas.microsoft.com/office/drawing/2010/main" w="9525">
+              <a14:hiddenLine xmlns:a14="http://schemas.microsoft.com/office/drawing/2010/main" w="9525">
                 <a:solidFill>
                   <a:srgbClr val="000000"/>
                 </a:solidFill>
@@ -3024,7 +3027,7 @@
               </a14:hiddenLine>
             </a:ext>
             <a:ext uri="{FAA26D3D-D897-4be2-8F04-BA451C77F1D7}">
-              <ma14:placeholderFlag xmlns="" xmlns:ma14="http://schemas.microsoft.com/office/mac/drawingml/2011/main" val="1"/>
+              <ma14:placeholderFlag xmlns:ma14="http://schemas.microsoft.com/office/mac/drawingml/2011/main" val="1"/>
             </a:ext>
           </a:extLst>
         </p:spPr>
@@ -3068,14 +3071,14 @@
           </a:ln>
           <a:extLst>
             <a:ext uri="{909E8E84-426E-40dd-AFC4-6F175D3DCCD1}">
-              <a14:hiddenFill xmlns="" xmlns:a14="http://schemas.microsoft.com/office/drawing/2010/main">
+              <a14:hiddenFill xmlns:a14="http://schemas.microsoft.com/office/drawing/2010/main">
                 <a:solidFill>
                   <a:srgbClr val="FFFFFF"/>
                 </a:solidFill>
               </a14:hiddenFill>
             </a:ext>
             <a:ext uri="{91240B29-F687-4f45-9708-019B960494DF}">
-              <a14:hiddenLine xmlns="" xmlns:a14="http://schemas.microsoft.com/office/drawing/2010/main" w="9525">
+              <a14:hiddenLine xmlns:a14="http://schemas.microsoft.com/office/drawing/2010/main" w="9525">
                 <a:solidFill>
                   <a:srgbClr val="000000"/>
                 </a:solidFill>
@@ -3085,7 +3088,7 @@
               </a14:hiddenLine>
             </a:ext>
             <a:ext uri="{FAA26D3D-D897-4be2-8F04-BA451C77F1D7}">
-              <ma14:placeholderFlag xmlns="" xmlns:ma14="http://schemas.microsoft.com/office/mac/drawingml/2011/main" val="1"/>
+              <ma14:placeholderFlag xmlns:ma14="http://schemas.microsoft.com/office/mac/drawingml/2011/main" val="1"/>
             </a:ext>
           </a:extLst>
         </p:spPr>
@@ -3143,7 +3146,7 @@
           </a:ln>
           <a:extLst>
             <a:ext uri="{91240B29-F687-4f45-9708-019B960494DF}">
-              <a14:hiddenLine xmlns="" xmlns:a14="http://schemas.microsoft.com/office/drawing/2010/main" w="9525">
+              <a14:hiddenLine xmlns:a14="http://schemas.microsoft.com/office/drawing/2010/main" w="9525">
                 <a:solidFill>
                   <a:srgbClr val="000000"/>
                 </a:solidFill>
@@ -3295,7 +3298,7 @@
           </a:ln>
           <a:extLst>
             <a:ext uri="{91240B29-F687-4f45-9708-019B960494DF}">
-              <a14:hiddenLine xmlns="" xmlns:a14="http://schemas.microsoft.com/office/drawing/2010/main" w="9525">
+              <a14:hiddenLine xmlns:a14="http://schemas.microsoft.com/office/drawing/2010/main" w="9525">
                 <a:solidFill>
                   <a:srgbClr val="000000"/>
                 </a:solidFill>
@@ -3450,7 +3453,7 @@
           </a:ln>
           <a:extLst>
             <a:ext uri="{909E8E84-426E-40dd-AFC4-6F175D3DCCD1}">
-              <a14:hiddenFill xmlns="" xmlns:a14="http://schemas.microsoft.com/office/drawing/2010/main">
+              <a14:hiddenFill xmlns:a14="http://schemas.microsoft.com/office/drawing/2010/main">
                 <a:noFill/>
               </a14:hiddenFill>
             </a:ext>
@@ -3491,7 +3494,7 @@
           </a:ln>
           <a:extLst>
             <a:ext uri="{909E8E84-426E-40dd-AFC4-6F175D3DCCD1}">
-              <a14:hiddenFill xmlns="" xmlns:a14="http://schemas.microsoft.com/office/drawing/2010/main">
+              <a14:hiddenFill xmlns:a14="http://schemas.microsoft.com/office/drawing/2010/main">
                 <a:noFill/>
               </a14:hiddenFill>
             </a:ext>
@@ -3527,14 +3530,14 @@
           </a:ln>
           <a:extLst>
             <a:ext uri="{909E8E84-426E-40dd-AFC4-6F175D3DCCD1}">
-              <a14:hiddenFill xmlns="" xmlns:a14="http://schemas.microsoft.com/office/drawing/2010/main">
+              <a14:hiddenFill xmlns:a14="http://schemas.microsoft.com/office/drawing/2010/main">
                 <a:solidFill>
                   <a:srgbClr val="FFFFFF"/>
                 </a:solidFill>
               </a14:hiddenFill>
             </a:ext>
             <a:ext uri="{91240B29-F687-4f45-9708-019B960494DF}">
-              <a14:hiddenLine xmlns="" xmlns:a14="http://schemas.microsoft.com/office/drawing/2010/main" w="9525">
+              <a14:hiddenLine xmlns:a14="http://schemas.microsoft.com/office/drawing/2010/main" w="9525">
                 <a:solidFill>
                   <a:srgbClr val="000000"/>
                 </a:solidFill>
@@ -3696,7 +3699,7 @@
           </a:ln>
           <a:extLst>
             <a:ext uri="{91240B29-F687-4f45-9708-019B960494DF}">
-              <a14:hiddenLine xmlns="" xmlns:a14="http://schemas.microsoft.com/office/drawing/2010/main" w="9525">
+              <a14:hiddenLine xmlns:a14="http://schemas.microsoft.com/office/drawing/2010/main" w="9525">
                 <a:solidFill>
                   <a:srgbClr val="000000"/>
                 </a:solidFill>
@@ -3859,14 +3862,14 @@
           </a:ln>
           <a:extLst>
             <a:ext uri="{909E8E84-426E-40dd-AFC4-6F175D3DCCD1}">
-              <a14:hiddenFill xmlns="" xmlns:a14="http://schemas.microsoft.com/office/drawing/2010/main">
+              <a14:hiddenFill xmlns:a14="http://schemas.microsoft.com/office/drawing/2010/main">
                 <a:solidFill>
                   <a:srgbClr val="FFFFFF"/>
                 </a:solidFill>
               </a14:hiddenFill>
             </a:ext>
             <a:ext uri="{91240B29-F687-4f45-9708-019B960494DF}">
-              <a14:hiddenLine xmlns="" xmlns:a14="http://schemas.microsoft.com/office/drawing/2010/main" w="9525">
+              <a14:hiddenLine xmlns:a14="http://schemas.microsoft.com/office/drawing/2010/main" w="9525">
                 <a:solidFill>
                   <a:srgbClr val="000000"/>
                 </a:solidFill>
@@ -3900,14 +3903,14 @@
           </a:ln>
           <a:extLst>
             <a:ext uri="{909E8E84-426E-40dd-AFC4-6F175D3DCCD1}">
-              <a14:hiddenFill xmlns="" xmlns:a14="http://schemas.microsoft.com/office/drawing/2010/main">
+              <a14:hiddenFill xmlns:a14="http://schemas.microsoft.com/office/drawing/2010/main">
                 <a:solidFill>
                   <a:srgbClr val="FFFFFF"/>
                 </a:solidFill>
               </a14:hiddenFill>
             </a:ext>
             <a:ext uri="{91240B29-F687-4f45-9708-019B960494DF}">
-              <a14:hiddenLine xmlns="" xmlns:a14="http://schemas.microsoft.com/office/drawing/2010/main" w="9525">
+              <a14:hiddenLine xmlns:a14="http://schemas.microsoft.com/office/drawing/2010/main" w="9525">
                 <a:solidFill>
                   <a:srgbClr val="000000"/>
                 </a:solidFill>
@@ -3968,14 +3971,14 @@
           </a:ln>
           <a:extLst>
             <a:ext uri="{909E8E84-426E-40dd-AFC4-6F175D3DCCD1}">
-              <a14:hiddenFill xmlns="" xmlns:a14="http://schemas.microsoft.com/office/drawing/2010/main">
+              <a14:hiddenFill xmlns:a14="http://schemas.microsoft.com/office/drawing/2010/main">
                 <a:solidFill>
                   <a:srgbClr val="FFFFFF"/>
                 </a:solidFill>
               </a14:hiddenFill>
             </a:ext>
             <a:ext uri="{91240B29-F687-4f45-9708-019B960494DF}">
-              <a14:hiddenLine xmlns="" xmlns:a14="http://schemas.microsoft.com/office/drawing/2010/main" w="9525">
+              <a14:hiddenLine xmlns:a14="http://schemas.microsoft.com/office/drawing/2010/main" w="9525">
                 <a:solidFill>
                   <a:srgbClr val="000000"/>
                 </a:solidFill>
@@ -4133,7 +4136,7 @@
   <p:timing>
     <p:tnLst>
       <p:par>
-        <p:cTn id="1" dur="indefinite" restart="never" nodeType="tmRoot"/>
+        <p:cTn xmlns:p14="http://schemas.microsoft.com/office/powerpoint/2010/main" id="1" dur="indefinite" restart="never" nodeType="tmRoot"/>
       </p:par>
     </p:tnLst>
   </p:timing>
@@ -4625,7 +4628,7 @@
           </a:ln>
           <a:extLst>
             <a:ext uri="{91240B29-F687-4f45-9708-019B960494DF}">
-              <a14:hiddenLine xmlns="" xmlns:a14="http://schemas.microsoft.com/office/drawing/2010/main" w="9525">
+              <a14:hiddenLine xmlns:a14="http://schemas.microsoft.com/office/drawing/2010/main" w="9525">
                 <a:solidFill>
                   <a:srgbClr val="000000"/>
                 </a:solidFill>
@@ -4756,7 +4759,7 @@
           </a:ln>
           <a:extLst>
             <a:ext uri="{91240B29-F687-4f45-9708-019B960494DF}">
-              <a14:hiddenLine xmlns="" xmlns:a14="http://schemas.microsoft.com/office/drawing/2010/main" w="9525">
+              <a14:hiddenLine xmlns:a14="http://schemas.microsoft.com/office/drawing/2010/main" w="9525">
                 <a:solidFill>
                   <a:srgbClr val="000000"/>
                 </a:solidFill>
@@ -4786,7 +4789,7 @@
   <p:timing>
     <p:tnLst>
       <p:par>
-        <p:cTn id="1" dur="indefinite" restart="never" nodeType="tmRoot"/>
+        <p:cTn xmlns:p14="http://schemas.microsoft.com/office/powerpoint/2010/main" id="1" dur="indefinite" restart="never" nodeType="tmRoot"/>
       </p:par>
     </p:tnLst>
   </p:timing>
@@ -4812,6 +4815,283 @@
       </p:grpSpPr>
       <p:sp>
         <p:nvSpPr>
+          <p:cNvPr id="2" name="Title 1"/>
+          <p:cNvSpPr>
+            <a:spLocks noGrp="1"/>
+          </p:cNvSpPr>
+          <p:nvPr>
+            <p:ph type="title"/>
+          </p:nvPr>
+        </p:nvSpPr>
+        <p:spPr/>
+        <p:txBody>
+          <a:bodyPr/>
+          <a:lstStyle/>
+          <a:p>
+            <a:r>
+              <a:rPr lang="en-US" dirty="0" err="1" smtClean="0"/>
+              <a:t>Blackbox</a:t>
+            </a:r>
+            <a:endParaRPr lang="en-US" dirty="0"/>
+          </a:p>
+        </p:txBody>
+      </p:sp>
+      <p:sp>
+        <p:nvSpPr>
+          <p:cNvPr id="3" name="Content Placeholder 2"/>
+          <p:cNvSpPr>
+            <a:spLocks noGrp="1"/>
+          </p:cNvSpPr>
+          <p:nvPr>
+            <p:ph idx="1"/>
+          </p:nvPr>
+        </p:nvSpPr>
+        <p:spPr/>
+        <p:txBody>
+          <a:bodyPr/>
+          <a:lstStyle/>
+          <a:p>
+            <a:endParaRPr lang="en-US"/>
+          </a:p>
+        </p:txBody>
+      </p:sp>
+    </p:spTree>
+    <p:extLst>
+      <p:ext uri="{BB962C8B-B14F-4D97-AF65-F5344CB8AC3E}">
+        <p14:creationId xmlns:p14="http://schemas.microsoft.com/office/powerpoint/2010/main" val="4239598645"/>
+      </p:ext>
+    </p:extLst>
+  </p:cSld>
+  <p:clrMapOvr>
+    <a:masterClrMapping/>
+  </p:clrMapOvr>
+</p:sld>
+</file>
+
+<file path=ppt/slides/slide11.xml><?xml version="1.0" encoding="utf-8"?>
+<p:sld xmlns:a="http://schemas.openxmlformats.org/drawingml/2006/main" xmlns:r="http://schemas.openxmlformats.org/officeDocument/2006/relationships" xmlns:p="http://schemas.openxmlformats.org/presentationml/2006/main">
+  <p:cSld>
+    <p:spTree>
+      <p:nvGrpSpPr>
+        <p:cNvPr id="1" name=""/>
+        <p:cNvGrpSpPr/>
+        <p:nvPr/>
+      </p:nvGrpSpPr>
+      <p:grpSpPr>
+        <a:xfrm>
+          <a:off x="0" y="0"/>
+          <a:ext cx="0" cy="0"/>
+          <a:chOff x="0" y="0"/>
+          <a:chExt cx="0" cy="0"/>
+        </a:xfrm>
+      </p:grpSpPr>
+      <p:sp>
+        <p:nvSpPr>
+          <p:cNvPr id="2" name="Title 1"/>
+          <p:cNvSpPr>
+            <a:spLocks noGrp="1"/>
+          </p:cNvSpPr>
+          <p:nvPr>
+            <p:ph type="title"/>
+          </p:nvPr>
+        </p:nvSpPr>
+        <p:spPr/>
+        <p:txBody>
+          <a:bodyPr/>
+          <a:lstStyle/>
+          <a:p>
+            <a:r>
+              <a:rPr lang="en-US" dirty="0" err="1" smtClean="0"/>
+              <a:t>Besturing</a:t>
+            </a:r>
+            <a:r>
+              <a:rPr lang="en-US" dirty="0" smtClean="0"/>
+              <a:t> &amp; SPI</a:t>
+            </a:r>
+            <a:endParaRPr lang="en-US" dirty="0"/>
+          </a:p>
+        </p:txBody>
+      </p:sp>
+      <p:sp>
+        <p:nvSpPr>
+          <p:cNvPr id="3" name="Content Placeholder 2"/>
+          <p:cNvSpPr>
+            <a:spLocks noGrp="1"/>
+          </p:cNvSpPr>
+          <p:nvPr>
+            <p:ph idx="1"/>
+          </p:nvPr>
+        </p:nvSpPr>
+        <p:spPr/>
+        <p:txBody>
+          <a:bodyPr/>
+          <a:lstStyle/>
+          <a:p>
+            <a:r>
+              <a:rPr lang="en-US" dirty="0" smtClean="0"/>
+              <a:t>SPI</a:t>
+            </a:r>
+          </a:p>
+          <a:p>
+            <a:pPr marL="828675" lvl="1" indent="-285750"/>
+            <a:r>
+              <a:rPr lang="en-US" dirty="0" smtClean="0"/>
+              <a:t>Clock</a:t>
+            </a:r>
+          </a:p>
+          <a:p>
+            <a:pPr marL="828675" lvl="1" indent="-285750"/>
+            <a:r>
+              <a:rPr lang="en-US" dirty="0" smtClean="0"/>
+              <a:t>Data</a:t>
+            </a:r>
+          </a:p>
+          <a:p>
+            <a:r>
+              <a:rPr lang="en-US" dirty="0" smtClean="0"/>
+              <a:t>Reset</a:t>
+            </a:r>
+          </a:p>
+          <a:p>
+            <a:r>
+              <a:rPr lang="en-US" dirty="0" err="1" smtClean="0"/>
+              <a:t>SlaveSelect</a:t>
+            </a:r>
+            <a:endParaRPr lang="en-US" dirty="0" smtClean="0"/>
+          </a:p>
+          <a:p>
+            <a:endParaRPr lang="en-US" dirty="0"/>
+          </a:p>
+          <a:p>
+            <a:r>
+              <a:rPr lang="en-US" dirty="0" smtClean="0"/>
+              <a:t>Player1, </a:t>
+            </a:r>
+            <a:r>
+              <a:rPr lang="en-US" dirty="0" err="1" smtClean="0"/>
+              <a:t>Bitshift</a:t>
+            </a:r>
+            <a:r>
+              <a:rPr lang="en-US" dirty="0" smtClean="0"/>
+              <a:t> &lt;&lt; 4</a:t>
+            </a:r>
+          </a:p>
+          <a:p>
+            <a:r>
+              <a:rPr lang="en-US" dirty="0" err="1" smtClean="0"/>
+              <a:t>Uitvoercode</a:t>
+            </a:r>
+            <a:endParaRPr lang="en-US" dirty="0" smtClean="0"/>
+          </a:p>
+          <a:p>
+            <a:endParaRPr lang="en-US" dirty="0" smtClean="0"/>
+          </a:p>
+        </p:txBody>
+      </p:sp>
+    </p:spTree>
+    <p:extLst>
+      <p:ext uri="{BB962C8B-B14F-4D97-AF65-F5344CB8AC3E}">
+        <p14:creationId xmlns:p14="http://schemas.microsoft.com/office/powerpoint/2010/main" val="2151123858"/>
+      </p:ext>
+    </p:extLst>
+  </p:cSld>
+  <p:clrMapOvr>
+    <a:masterClrMapping/>
+  </p:clrMapOvr>
+</p:sld>
+</file>
+
+<file path=ppt/slides/slide12.xml><?xml version="1.0" encoding="utf-8"?>
+<p:sld xmlns:a="http://schemas.openxmlformats.org/drawingml/2006/main" xmlns:r="http://schemas.openxmlformats.org/officeDocument/2006/relationships" xmlns:p="http://schemas.openxmlformats.org/presentationml/2006/main">
+  <p:cSld>
+    <p:spTree>
+      <p:nvGrpSpPr>
+        <p:cNvPr id="1" name=""/>
+        <p:cNvGrpSpPr/>
+        <p:nvPr/>
+      </p:nvGrpSpPr>
+      <p:grpSpPr>
+        <a:xfrm>
+          <a:off x="0" y="0"/>
+          <a:ext cx="0" cy="0"/>
+          <a:chOff x="0" y="0"/>
+          <a:chExt cx="0" cy="0"/>
+        </a:xfrm>
+      </p:grpSpPr>
+      <p:sp>
+        <p:nvSpPr>
+          <p:cNvPr id="2" name="Title 1"/>
+          <p:cNvSpPr>
+            <a:spLocks noGrp="1"/>
+          </p:cNvSpPr>
+          <p:nvPr>
+            <p:ph type="title"/>
+          </p:nvPr>
+        </p:nvSpPr>
+        <p:spPr/>
+        <p:txBody>
+          <a:bodyPr/>
+          <a:lstStyle/>
+          <a:p>
+            <a:r>
+              <a:rPr lang="en-US" dirty="0" smtClean="0"/>
+              <a:t>SD</a:t>
+            </a:r>
+            <a:endParaRPr lang="en-US" dirty="0"/>
+          </a:p>
+        </p:txBody>
+      </p:sp>
+      <p:sp>
+        <p:nvSpPr>
+          <p:cNvPr id="3" name="Content Placeholder 2"/>
+          <p:cNvSpPr>
+            <a:spLocks noGrp="1"/>
+          </p:cNvSpPr>
+          <p:nvPr>
+            <p:ph idx="1"/>
+          </p:nvPr>
+        </p:nvSpPr>
+        <p:spPr/>
+        <p:txBody>
+          <a:bodyPr/>
+          <a:lstStyle/>
+          <a:p>
+            <a:endParaRPr lang="en-US"/>
+          </a:p>
+        </p:txBody>
+      </p:sp>
+    </p:spTree>
+    <p:extLst>
+      <p:ext uri="{BB962C8B-B14F-4D97-AF65-F5344CB8AC3E}">
+        <p14:creationId xmlns:p14="http://schemas.microsoft.com/office/powerpoint/2010/main" val="2881495960"/>
+      </p:ext>
+    </p:extLst>
+  </p:cSld>
+  <p:clrMapOvr>
+    <a:masterClrMapping/>
+  </p:clrMapOvr>
+</p:sld>
+</file>
+
+<file path=ppt/slides/slide13.xml><?xml version="1.0" encoding="utf-8"?>
+<p:sld xmlns:a="http://schemas.openxmlformats.org/drawingml/2006/main" xmlns:r="http://schemas.openxmlformats.org/officeDocument/2006/relationships" xmlns:p="http://schemas.openxmlformats.org/presentationml/2006/main">
+  <p:cSld>
+    <p:spTree>
+      <p:nvGrpSpPr>
+        <p:cNvPr id="1" name=""/>
+        <p:cNvGrpSpPr/>
+        <p:nvPr/>
+      </p:nvGrpSpPr>
+      <p:grpSpPr>
+        <a:xfrm>
+          <a:off x="0" y="0"/>
+          <a:ext cx="0" cy="0"/>
+          <a:chOff x="0" y="0"/>
+          <a:chExt cx="0" cy="0"/>
+        </a:xfrm>
+      </p:grpSpPr>
+      <p:sp>
+        <p:nvSpPr>
           <p:cNvPr id="2" name="Titel 1"/>
           <p:cNvSpPr>
             <a:spLocks noGrp="1"/>
@@ -4924,7 +5204,7 @@
 </p:sld>
 </file>
 
-<file path=ppt/slides/slide11.xml><?xml version="1.0" encoding="utf-8"?>
+<file path=ppt/slides/slide14.xml><?xml version="1.0" encoding="utf-8"?>
 <p:sld xmlns:a="http://schemas.openxmlformats.org/drawingml/2006/main" xmlns:r="http://schemas.openxmlformats.org/officeDocument/2006/relationships" xmlns:p="http://schemas.openxmlformats.org/presentationml/2006/main">
   <p:cSld>
     <p:spTree>

--- a/Eindpresentatie.pptx
+++ b/Eindpresentatie.pptx
@@ -161,7 +161,7 @@
   </p:defaultTextStyle>
   <p:extLst>
     <p:ext uri="{EFAFB233-063F-42B5-8137-9DF3F51BA10A}">
-      <p15:sldGuideLst xmlns:p15="http://schemas.microsoft.com/office/powerpoint/2012/main">
+      <p15:sldGuideLst xmlns:p15="http://schemas.microsoft.com/office/powerpoint/2012/main" xmlns="">
         <p15:guide id="1" orient="horz" pos="3072">
           <p15:clr>
             <a:srgbClr val="A4A3A4"/>
@@ -175,7 +175,7 @@
       </p15:sldGuideLst>
     </p:ext>
     <p:ext uri="{2D200454-40CA-4A62-9FC3-DE9A4176ACB9}">
-      <p15:notesGuideLst xmlns:p15="http://schemas.microsoft.com/office/powerpoint/2012/main">
+      <p15:notesGuideLst xmlns:p15="http://schemas.microsoft.com/office/powerpoint/2012/main" xmlns="">
         <p15:guide id="1" orient="horz" pos="3128">
           <p15:clr>
             <a:srgbClr val="A4A3A4"/>
@@ -362,7 +362,7 @@
             <a:fld id="{D2D6B489-F77B-E44B-BA1A-250156B6FC8C}" type="slidenum">
               <a:rPr lang="nl-NL"/>
               <a:pPr/>
-              <a:t>‹#›</a:t>
+              <a:t>‹nr.›</a:t>
             </a:fld>
             <a:endParaRPr lang="nl-NL"/>
           </a:p>
@@ -371,7 +371,7 @@
     </p:spTree>
     <p:extLst>
       <p:ext uri="{BB962C8B-B14F-4D97-AF65-F5344CB8AC3E}">
-        <p14:creationId xmlns:p14="http://schemas.microsoft.com/office/powerpoint/2010/main" val="2401220708"/>
+        <p14:creationId xmlns:p14="http://schemas.microsoft.com/office/powerpoint/2010/main" xmlns="" val="2401220708"/>
       </p:ext>
     </p:extLst>
   </p:cSld>
@@ -643,7 +643,7 @@
             <a:fld id="{8B944AE0-A2BB-A245-869D-6C23E48BF3F5}" type="slidenum">
               <a:rPr lang="nl-NL"/>
               <a:pPr/>
-              <a:t>‹#›</a:t>
+              <a:t>‹nr.›</a:t>
             </a:fld>
             <a:endParaRPr lang="nl-NL"/>
           </a:p>
@@ -652,7 +652,7 @@
     </p:spTree>
     <p:extLst>
       <p:ext uri="{BB962C8B-B14F-4D97-AF65-F5344CB8AC3E}">
-        <p14:creationId xmlns:p14="http://schemas.microsoft.com/office/powerpoint/2010/main" val="1319321177"/>
+        <p14:creationId xmlns:p14="http://schemas.microsoft.com/office/powerpoint/2010/main" xmlns="" val="1319321177"/>
       </p:ext>
     </p:extLst>
   </p:cSld>
@@ -823,7 +823,7 @@
           </a:ln>
           <a:extLst>
             <a:ext uri="{91240B29-F687-4f45-9708-019B960494DF}">
-              <a14:hiddenLine xmlns="" xmlns:a14="http://schemas.microsoft.com/office/drawing/2010/main" w="9525" algn="ctr">
+              <a14:hiddenLine xmlns:a14="http://schemas.microsoft.com/office/drawing/2010/main" xmlns="" w="9525" algn="ctr">
                 <a:solidFill>
                   <a:srgbClr val="000000"/>
                 </a:solidFill>
@@ -1064,7 +1064,7 @@
     </p:spTree>
     <p:extLst>
       <p:ext uri="{BB962C8B-B14F-4D97-AF65-F5344CB8AC3E}">
-        <p14:creationId xmlns:p14="http://schemas.microsoft.com/office/powerpoint/2010/main" val="776264751"/>
+        <p14:creationId xmlns:p14="http://schemas.microsoft.com/office/powerpoint/2010/main" xmlns="" val="776264751"/>
       </p:ext>
     </p:extLst>
   </p:cSld>
@@ -1256,7 +1256,7 @@
     </p:spTree>
     <p:extLst>
       <p:ext uri="{BB962C8B-B14F-4D97-AF65-F5344CB8AC3E}">
-        <p14:creationId xmlns:p14="http://schemas.microsoft.com/office/powerpoint/2010/main" val="1694560143"/>
+        <p14:creationId xmlns:p14="http://schemas.microsoft.com/office/powerpoint/2010/main" xmlns="" val="1694560143"/>
       </p:ext>
     </p:extLst>
   </p:cSld>
@@ -1361,7 +1361,7 @@
     </p:spTree>
     <p:extLst>
       <p:ext uri="{BB962C8B-B14F-4D97-AF65-F5344CB8AC3E}">
-        <p14:creationId xmlns:p14="http://schemas.microsoft.com/office/powerpoint/2010/main" val="3828749506"/>
+        <p14:creationId xmlns:p14="http://schemas.microsoft.com/office/powerpoint/2010/main" xmlns="" val="3828749506"/>
       </p:ext>
     </p:extLst>
   </p:cSld>
@@ -1476,7 +1476,7 @@
     </p:spTree>
     <p:extLst>
       <p:ext uri="{BB962C8B-B14F-4D97-AF65-F5344CB8AC3E}">
-        <p14:creationId xmlns:p14="http://schemas.microsoft.com/office/powerpoint/2010/main" val="1484439901"/>
+        <p14:creationId xmlns:p14="http://schemas.microsoft.com/office/powerpoint/2010/main" xmlns="" val="1484439901"/>
       </p:ext>
     </p:extLst>
   </p:cSld>
@@ -1705,7 +1705,7 @@
     </p:spTree>
     <p:extLst>
       <p:ext uri="{BB962C8B-B14F-4D97-AF65-F5344CB8AC3E}">
-        <p14:creationId xmlns:p14="http://schemas.microsoft.com/office/powerpoint/2010/main" val="2766739981"/>
+        <p14:creationId xmlns:p14="http://schemas.microsoft.com/office/powerpoint/2010/main" xmlns="" val="2766739981"/>
       </p:ext>
     </p:extLst>
   </p:cSld>
@@ -1832,7 +1832,7 @@
     </p:spTree>
     <p:extLst>
       <p:ext uri="{BB962C8B-B14F-4D97-AF65-F5344CB8AC3E}">
-        <p14:creationId xmlns:p14="http://schemas.microsoft.com/office/powerpoint/2010/main" val="2805263667"/>
+        <p14:creationId xmlns:p14="http://schemas.microsoft.com/office/powerpoint/2010/main" xmlns="" val="2805263667"/>
       </p:ext>
     </p:extLst>
   </p:cSld>
@@ -1941,7 +1941,7 @@
     </p:spTree>
     <p:extLst>
       <p:ext uri="{BB962C8B-B14F-4D97-AF65-F5344CB8AC3E}">
-        <p14:creationId xmlns:p14="http://schemas.microsoft.com/office/powerpoint/2010/main" val="2148099957"/>
+        <p14:creationId xmlns:p14="http://schemas.microsoft.com/office/powerpoint/2010/main" xmlns="" val="2148099957"/>
       </p:ext>
     </p:extLst>
   </p:cSld>
@@ -2068,7 +2068,7 @@
     </p:spTree>
     <p:extLst>
       <p:ext uri="{BB962C8B-B14F-4D97-AF65-F5344CB8AC3E}">
-        <p14:creationId xmlns:p14="http://schemas.microsoft.com/office/powerpoint/2010/main" val="1672604803"/>
+        <p14:creationId xmlns:p14="http://schemas.microsoft.com/office/powerpoint/2010/main" xmlns="" val="1672604803"/>
       </p:ext>
     </p:extLst>
   </p:cSld>
@@ -2291,7 +2291,7 @@
     </p:spTree>
     <p:extLst>
       <p:ext uri="{BB962C8B-B14F-4D97-AF65-F5344CB8AC3E}">
-        <p14:creationId xmlns:p14="http://schemas.microsoft.com/office/powerpoint/2010/main" val="1237843012"/>
+        <p14:creationId xmlns:p14="http://schemas.microsoft.com/office/powerpoint/2010/main" xmlns="" val="1237843012"/>
       </p:ext>
     </p:extLst>
   </p:cSld>
@@ -2653,7 +2653,7 @@
     </p:spTree>
     <p:extLst>
       <p:ext uri="{BB962C8B-B14F-4D97-AF65-F5344CB8AC3E}">
-        <p14:creationId xmlns:p14="http://schemas.microsoft.com/office/powerpoint/2010/main" val="437046"/>
+        <p14:creationId xmlns:p14="http://schemas.microsoft.com/office/powerpoint/2010/main" xmlns="" val="437046"/>
       </p:ext>
     </p:extLst>
   </p:cSld>
@@ -2706,7 +2706,7 @@
     </p:spTree>
     <p:extLst>
       <p:ext uri="{BB962C8B-B14F-4D97-AF65-F5344CB8AC3E}">
-        <p14:creationId xmlns:p14="http://schemas.microsoft.com/office/powerpoint/2010/main" val="3414296092"/>
+        <p14:creationId xmlns:p14="http://schemas.microsoft.com/office/powerpoint/2010/main" xmlns="" val="3414296092"/>
       </p:ext>
     </p:extLst>
   </p:cSld>
@@ -2736,7 +2736,7 @@
     </p:spTree>
     <p:extLst>
       <p:ext uri="{BB962C8B-B14F-4D97-AF65-F5344CB8AC3E}">
-        <p14:creationId xmlns:p14="http://schemas.microsoft.com/office/powerpoint/2010/main" val="2241992385"/>
+        <p14:creationId xmlns:p14="http://schemas.microsoft.com/office/powerpoint/2010/main" xmlns="" val="2241992385"/>
       </p:ext>
     </p:extLst>
   </p:cSld>
@@ -2948,7 +2948,7 @@
     </p:spTree>
     <p:extLst>
       <p:ext uri="{BB962C8B-B14F-4D97-AF65-F5344CB8AC3E}">
-        <p14:creationId xmlns:p14="http://schemas.microsoft.com/office/powerpoint/2010/main" val="2898605154"/>
+        <p14:creationId xmlns:p14="http://schemas.microsoft.com/office/powerpoint/2010/main" xmlns="" val="2898605154"/>
       </p:ext>
     </p:extLst>
   </p:cSld>
@@ -3007,14 +3007,14 @@
           </a:ln>
           <a:extLst>
             <a:ext uri="{909E8E84-426E-40dd-AFC4-6F175D3DCCD1}">
-              <a14:hiddenFill xmlns="" xmlns:a14="http://schemas.microsoft.com/office/drawing/2010/main">
+              <a14:hiddenFill xmlns:a14="http://schemas.microsoft.com/office/drawing/2010/main" xmlns="">
                 <a:solidFill>
                   <a:srgbClr val="FFFFFF"/>
                 </a:solidFill>
               </a14:hiddenFill>
             </a:ext>
             <a:ext uri="{91240B29-F687-4f45-9708-019B960494DF}">
-              <a14:hiddenLine xmlns="" xmlns:a14="http://schemas.microsoft.com/office/drawing/2010/main" w="9525">
+              <a14:hiddenLine xmlns:a14="http://schemas.microsoft.com/office/drawing/2010/main" xmlns="" w="9525">
                 <a:solidFill>
                   <a:srgbClr val="000000"/>
                 </a:solidFill>
@@ -3024,7 +3024,7 @@
               </a14:hiddenLine>
             </a:ext>
             <a:ext uri="{FAA26D3D-D897-4be2-8F04-BA451C77F1D7}">
-              <ma14:placeholderFlag xmlns="" xmlns:ma14="http://schemas.microsoft.com/office/mac/drawingml/2011/main" val="1"/>
+              <ma14:placeholderFlag xmlns:ma14="http://schemas.microsoft.com/office/mac/drawingml/2011/main" xmlns="" val="1"/>
             </a:ext>
           </a:extLst>
         </p:spPr>
@@ -3068,14 +3068,14 @@
           </a:ln>
           <a:extLst>
             <a:ext uri="{909E8E84-426E-40dd-AFC4-6F175D3DCCD1}">
-              <a14:hiddenFill xmlns="" xmlns:a14="http://schemas.microsoft.com/office/drawing/2010/main">
+              <a14:hiddenFill xmlns:a14="http://schemas.microsoft.com/office/drawing/2010/main" xmlns="">
                 <a:solidFill>
                   <a:srgbClr val="FFFFFF"/>
                 </a:solidFill>
               </a14:hiddenFill>
             </a:ext>
             <a:ext uri="{91240B29-F687-4f45-9708-019B960494DF}">
-              <a14:hiddenLine xmlns="" xmlns:a14="http://schemas.microsoft.com/office/drawing/2010/main" w="9525">
+              <a14:hiddenLine xmlns:a14="http://schemas.microsoft.com/office/drawing/2010/main" xmlns="" w="9525">
                 <a:solidFill>
                   <a:srgbClr val="000000"/>
                 </a:solidFill>
@@ -3085,7 +3085,7 @@
               </a14:hiddenLine>
             </a:ext>
             <a:ext uri="{FAA26D3D-D897-4be2-8F04-BA451C77F1D7}">
-              <ma14:placeholderFlag xmlns="" xmlns:ma14="http://schemas.microsoft.com/office/mac/drawingml/2011/main" val="1"/>
+              <ma14:placeholderFlag xmlns:ma14="http://schemas.microsoft.com/office/mac/drawingml/2011/main" xmlns="" val="1"/>
             </a:ext>
           </a:extLst>
         </p:spPr>
@@ -3143,7 +3143,7 @@
           </a:ln>
           <a:extLst>
             <a:ext uri="{91240B29-F687-4f45-9708-019B960494DF}">
-              <a14:hiddenLine xmlns="" xmlns:a14="http://schemas.microsoft.com/office/drawing/2010/main" w="9525">
+              <a14:hiddenLine xmlns:a14="http://schemas.microsoft.com/office/drawing/2010/main" xmlns="" w="9525">
                 <a:solidFill>
                   <a:srgbClr val="000000"/>
                 </a:solidFill>
@@ -3295,7 +3295,7 @@
           </a:ln>
           <a:extLst>
             <a:ext uri="{91240B29-F687-4f45-9708-019B960494DF}">
-              <a14:hiddenLine xmlns="" xmlns:a14="http://schemas.microsoft.com/office/drawing/2010/main" w="9525">
+              <a14:hiddenLine xmlns:a14="http://schemas.microsoft.com/office/drawing/2010/main" xmlns="" w="9525">
                 <a:solidFill>
                   <a:srgbClr val="000000"/>
                 </a:solidFill>
@@ -3450,7 +3450,7 @@
           </a:ln>
           <a:extLst>
             <a:ext uri="{909E8E84-426E-40dd-AFC4-6F175D3DCCD1}">
-              <a14:hiddenFill xmlns="" xmlns:a14="http://schemas.microsoft.com/office/drawing/2010/main">
+              <a14:hiddenFill xmlns:a14="http://schemas.microsoft.com/office/drawing/2010/main" xmlns="">
                 <a:noFill/>
               </a14:hiddenFill>
             </a:ext>
@@ -3491,7 +3491,7 @@
           </a:ln>
           <a:extLst>
             <a:ext uri="{909E8E84-426E-40dd-AFC4-6F175D3DCCD1}">
-              <a14:hiddenFill xmlns="" xmlns:a14="http://schemas.microsoft.com/office/drawing/2010/main">
+              <a14:hiddenFill xmlns:a14="http://schemas.microsoft.com/office/drawing/2010/main" xmlns="">
                 <a:noFill/>
               </a14:hiddenFill>
             </a:ext>
@@ -3527,14 +3527,14 @@
           </a:ln>
           <a:extLst>
             <a:ext uri="{909E8E84-426E-40dd-AFC4-6F175D3DCCD1}">
-              <a14:hiddenFill xmlns="" xmlns:a14="http://schemas.microsoft.com/office/drawing/2010/main">
+              <a14:hiddenFill xmlns:a14="http://schemas.microsoft.com/office/drawing/2010/main" xmlns="">
                 <a:solidFill>
                   <a:srgbClr val="FFFFFF"/>
                 </a:solidFill>
               </a14:hiddenFill>
             </a:ext>
             <a:ext uri="{91240B29-F687-4f45-9708-019B960494DF}">
-              <a14:hiddenLine xmlns="" xmlns:a14="http://schemas.microsoft.com/office/drawing/2010/main" w="9525">
+              <a14:hiddenLine xmlns:a14="http://schemas.microsoft.com/office/drawing/2010/main" xmlns="" w="9525">
                 <a:solidFill>
                   <a:srgbClr val="000000"/>
                 </a:solidFill>
@@ -3696,7 +3696,7 @@
           </a:ln>
           <a:extLst>
             <a:ext uri="{91240B29-F687-4f45-9708-019B960494DF}">
-              <a14:hiddenLine xmlns="" xmlns:a14="http://schemas.microsoft.com/office/drawing/2010/main" w="9525">
+              <a14:hiddenLine xmlns:a14="http://schemas.microsoft.com/office/drawing/2010/main" xmlns="" w="9525">
                 <a:solidFill>
                   <a:srgbClr val="000000"/>
                 </a:solidFill>
@@ -3836,7 +3836,7 @@
           <a:blip r:embed="rId15" cstate="email">
             <a:extLst>
               <a:ext uri="{28A0092B-C50C-407E-A947-70E740481C1C}">
-                <a14:useLocalDpi xmlns:a14="http://schemas.microsoft.com/office/drawing/2010/main" val="0"/>
+                <a14:useLocalDpi xmlns:a14="http://schemas.microsoft.com/office/drawing/2010/main" xmlns="" val="0"/>
               </a:ext>
             </a:extLst>
           </a:blip>
@@ -3859,14 +3859,14 @@
           </a:ln>
           <a:extLst>
             <a:ext uri="{909E8E84-426E-40dd-AFC4-6F175D3DCCD1}">
-              <a14:hiddenFill xmlns="" xmlns:a14="http://schemas.microsoft.com/office/drawing/2010/main">
+              <a14:hiddenFill xmlns:a14="http://schemas.microsoft.com/office/drawing/2010/main" xmlns="">
                 <a:solidFill>
                   <a:srgbClr val="FFFFFF"/>
                 </a:solidFill>
               </a14:hiddenFill>
             </a:ext>
             <a:ext uri="{91240B29-F687-4f45-9708-019B960494DF}">
-              <a14:hiddenLine xmlns="" xmlns:a14="http://schemas.microsoft.com/office/drawing/2010/main" w="9525">
+              <a14:hiddenLine xmlns:a14="http://schemas.microsoft.com/office/drawing/2010/main" xmlns="" w="9525">
                 <a:solidFill>
                   <a:srgbClr val="000000"/>
                 </a:solidFill>
@@ -3900,14 +3900,14 @@
           </a:ln>
           <a:extLst>
             <a:ext uri="{909E8E84-426E-40dd-AFC4-6F175D3DCCD1}">
-              <a14:hiddenFill xmlns="" xmlns:a14="http://schemas.microsoft.com/office/drawing/2010/main">
+              <a14:hiddenFill xmlns:a14="http://schemas.microsoft.com/office/drawing/2010/main" xmlns="">
                 <a:solidFill>
                   <a:srgbClr val="FFFFFF"/>
                 </a:solidFill>
               </a14:hiddenFill>
             </a:ext>
             <a:ext uri="{91240B29-F687-4f45-9708-019B960494DF}">
-              <a14:hiddenLine xmlns="" xmlns:a14="http://schemas.microsoft.com/office/drawing/2010/main" w="9525">
+              <a14:hiddenLine xmlns:a14="http://schemas.microsoft.com/office/drawing/2010/main" xmlns="" w="9525">
                 <a:solidFill>
                   <a:srgbClr val="000000"/>
                 </a:solidFill>
@@ -3933,7 +3933,7 @@
                 <a:cs typeface="MS PGothic" charset="0"/>
               </a:rPr>
               <a:pPr algn="r"/>
-              <a:t>‹#›</a:t>
+              <a:t>‹nr.›</a:t>
             </a:fld>
             <a:endParaRPr lang="nl-NL" sz="1600">
               <a:solidFill>
@@ -3968,14 +3968,14 @@
           </a:ln>
           <a:extLst>
             <a:ext uri="{909E8E84-426E-40dd-AFC4-6F175D3DCCD1}">
-              <a14:hiddenFill xmlns="" xmlns:a14="http://schemas.microsoft.com/office/drawing/2010/main">
+              <a14:hiddenFill xmlns:a14="http://schemas.microsoft.com/office/drawing/2010/main" xmlns="">
                 <a:solidFill>
                   <a:srgbClr val="FFFFFF"/>
                 </a:solidFill>
               </a14:hiddenFill>
             </a:ext>
             <a:ext uri="{91240B29-F687-4f45-9708-019B960494DF}">
-              <a14:hiddenLine xmlns="" xmlns:a14="http://schemas.microsoft.com/office/drawing/2010/main" w="9525">
+              <a14:hiddenLine xmlns:a14="http://schemas.microsoft.com/office/drawing/2010/main" xmlns="" w="9525">
                 <a:solidFill>
                   <a:srgbClr val="000000"/>
                 </a:solidFill>
@@ -4625,7 +4625,7 @@
           </a:ln>
           <a:extLst>
             <a:ext uri="{91240B29-F687-4f45-9708-019B960494DF}">
-              <a14:hiddenLine xmlns="" xmlns:a14="http://schemas.microsoft.com/office/drawing/2010/main" w="9525">
+              <a14:hiddenLine xmlns:a14="http://schemas.microsoft.com/office/drawing/2010/main" xmlns="" w="9525">
                 <a:solidFill>
                   <a:srgbClr val="000000"/>
                 </a:solidFill>
@@ -4756,7 +4756,7 @@
           </a:ln>
           <a:extLst>
             <a:ext uri="{91240B29-F687-4f45-9708-019B960494DF}">
-              <a14:hiddenLine xmlns="" xmlns:a14="http://schemas.microsoft.com/office/drawing/2010/main" w="9525">
+              <a14:hiddenLine xmlns:a14="http://schemas.microsoft.com/office/drawing/2010/main" xmlns="" w="9525">
                 <a:solidFill>
                   <a:srgbClr val="000000"/>
                 </a:solidFill>
@@ -4981,7 +4981,27 @@
           <a:p>
             <a:r>
               <a:rPr lang="nl-NL" dirty="0" smtClean="0"/>
-              <a:t>Een grote fout</a:t>
+              <a:t>Planning </a:t>
+            </a:r>
+            <a:r>
+              <a:rPr lang="nl-NL" smtClean="0"/>
+              <a:t>en Organisatie</a:t>
+            </a:r>
+          </a:p>
+          <a:p>
+            <a:pPr>
+              <a:buNone/>
+            </a:pPr>
+            <a:endParaRPr lang="nl-NL" dirty="0" smtClean="0"/>
+          </a:p>
+          <a:p>
+            <a:r>
+              <a:rPr lang="nl-NL" dirty="0" smtClean="0"/>
+              <a:t>Een </a:t>
+            </a:r>
+            <a:r>
+              <a:rPr lang="nl-NL" dirty="0" smtClean="0"/>
+              <a:t>grote fout</a:t>
             </a:r>
           </a:p>
           <a:p>
@@ -4995,8 +5015,13 @@
             <a:pPr lvl="1"/>
             <a:r>
               <a:rPr lang="nl-NL" dirty="0" smtClean="0"/>
-              <a:t>Te weinig tijd om het project te voltooien</a:t>
-            </a:r>
+              <a:t>Te weinig tijd om het project te </a:t>
+            </a:r>
+            <a:r>
+              <a:rPr lang="nl-NL" dirty="0" smtClean="0"/>
+              <a:t>voltooien</a:t>
+            </a:r>
+            <a:endParaRPr lang="nl-NL" dirty="0" smtClean="0"/>
           </a:p>
           <a:p>
             <a:endParaRPr lang="nl-NL" dirty="0" smtClean="0"/>
@@ -5460,7 +5485,7 @@
     </p:spTree>
     <p:extLst>
       <p:ext uri="{BB962C8B-B14F-4D97-AF65-F5344CB8AC3E}">
-        <p14:creationId xmlns:p14="http://schemas.microsoft.com/office/powerpoint/2010/main" val="1119502918"/>
+        <p14:creationId xmlns:p14="http://schemas.microsoft.com/office/powerpoint/2010/main" xmlns="" val="1119502918"/>
       </p:ext>
     </p:extLst>
   </p:cSld>
@@ -5562,7 +5587,7 @@
     </p:spTree>
     <p:extLst>
       <p:ext uri="{BB962C8B-B14F-4D97-AF65-F5344CB8AC3E}">
-        <p14:creationId xmlns:p14="http://schemas.microsoft.com/office/powerpoint/2010/main" val="2105157772"/>
+        <p14:creationId xmlns:p14="http://schemas.microsoft.com/office/powerpoint/2010/main" xmlns="" val="2105157772"/>
       </p:ext>
     </p:extLst>
   </p:cSld>
@@ -5646,7 +5671,7 @@
           <a:blip r:embed="rId2" cstate="print">
             <a:extLst>
               <a:ext uri="{28A0092B-C50C-407E-A947-70E740481C1C}">
-                <a14:useLocalDpi xmlns:a14="http://schemas.microsoft.com/office/drawing/2010/main" val="0"/>
+                <a14:useLocalDpi xmlns:a14="http://schemas.microsoft.com/office/drawing/2010/main" xmlns="" val="0"/>
               </a:ext>
             </a:extLst>
           </a:blip>
@@ -5667,7 +5692,7 @@
     </p:spTree>
     <p:extLst>
       <p:ext uri="{BB962C8B-B14F-4D97-AF65-F5344CB8AC3E}">
-        <p14:creationId xmlns:p14="http://schemas.microsoft.com/office/powerpoint/2010/main" val="2155680525"/>
+        <p14:creationId xmlns:p14="http://schemas.microsoft.com/office/powerpoint/2010/main" xmlns="" val="2155680525"/>
       </p:ext>
     </p:extLst>
   </p:cSld>
@@ -5763,7 +5788,7 @@
     </p:spTree>
     <p:extLst>
       <p:ext uri="{BB962C8B-B14F-4D97-AF65-F5344CB8AC3E}">
-        <p14:creationId xmlns:p14="http://schemas.microsoft.com/office/powerpoint/2010/main" val="2452125258"/>
+        <p14:creationId xmlns:p14="http://schemas.microsoft.com/office/powerpoint/2010/main" xmlns="" val="2452125258"/>
       </p:ext>
     </p:extLst>
   </p:cSld>
@@ -5869,7 +5894,7 @@
           <a:blip r:embed="rId2" cstate="print">
             <a:extLst>
               <a:ext uri="{28A0092B-C50C-407E-A947-70E740481C1C}">
-                <a14:useLocalDpi xmlns:a14="http://schemas.microsoft.com/office/drawing/2010/main" val="0"/>
+                <a14:useLocalDpi xmlns:a14="http://schemas.microsoft.com/office/drawing/2010/main" xmlns="" val="0"/>
               </a:ext>
             </a:extLst>
           </a:blip>
@@ -5890,7 +5915,7 @@
     </p:spTree>
     <p:extLst>
       <p:ext uri="{BB962C8B-B14F-4D97-AF65-F5344CB8AC3E}">
-        <p14:creationId xmlns:p14="http://schemas.microsoft.com/office/powerpoint/2010/main" val="3512308647"/>
+        <p14:creationId xmlns:p14="http://schemas.microsoft.com/office/powerpoint/2010/main" xmlns="" val="3512308647"/>
       </p:ext>
     </p:extLst>
   </p:cSld>
@@ -5976,7 +6001,7 @@
     </p:spTree>
     <p:extLst>
       <p:ext uri="{BB962C8B-B14F-4D97-AF65-F5344CB8AC3E}">
-        <p14:creationId xmlns:p14="http://schemas.microsoft.com/office/powerpoint/2010/main" val="4275572195"/>
+        <p14:creationId xmlns:p14="http://schemas.microsoft.com/office/powerpoint/2010/main" xmlns="" val="4275572195"/>
       </p:ext>
     </p:extLst>
   </p:cSld>

--- a/Eindpresentatie.pptx
+++ b/Eindpresentatie.pptx
@@ -5,10 +5,10 @@
     <p:sldMasterId id="2147483673" r:id="rId1"/>
   </p:sldMasterIdLst>
   <p:notesMasterIdLst>
-    <p:notesMasterId r:id="rId13"/>
+    <p:notesMasterId r:id="rId14"/>
   </p:notesMasterIdLst>
   <p:handoutMasterIdLst>
-    <p:handoutMasterId r:id="rId14"/>
+    <p:handoutMasterId r:id="rId15"/>
   </p:handoutMasterIdLst>
   <p:sldIdLst>
     <p:sldId id="319" r:id="rId2"/>
@@ -16,12 +16,13 @@
     <p:sldId id="328" r:id="rId4"/>
     <p:sldId id="321" r:id="rId5"/>
     <p:sldId id="322" r:id="rId6"/>
-    <p:sldId id="323" r:id="rId7"/>
-    <p:sldId id="324" r:id="rId8"/>
-    <p:sldId id="325" r:id="rId9"/>
-    <p:sldId id="326" r:id="rId10"/>
-    <p:sldId id="329" r:id="rId11"/>
-    <p:sldId id="330" r:id="rId12"/>
+    <p:sldId id="331" r:id="rId7"/>
+    <p:sldId id="323" r:id="rId8"/>
+    <p:sldId id="324" r:id="rId9"/>
+    <p:sldId id="325" r:id="rId10"/>
+    <p:sldId id="326" r:id="rId11"/>
+    <p:sldId id="329" r:id="rId12"/>
+    <p:sldId id="330" r:id="rId13"/>
   </p:sldIdLst>
   <p:sldSz cx="13004800" cy="9753600"/>
   <p:notesSz cx="6794500" cy="9931400"/>
@@ -161,7 +162,7 @@
   </p:defaultTextStyle>
   <p:extLst>
     <p:ext uri="{EFAFB233-063F-42B5-8137-9DF3F51BA10A}">
-      <p15:sldGuideLst xmlns:p15="http://schemas.microsoft.com/office/powerpoint/2012/main" xmlns="">
+      <p15:sldGuideLst xmlns:p15="http://schemas.microsoft.com/office/powerpoint/2012/main">
         <p15:guide id="1" orient="horz" pos="3072">
           <p15:clr>
             <a:srgbClr val="A4A3A4"/>
@@ -175,7 +176,7 @@
       </p15:sldGuideLst>
     </p:ext>
     <p:ext uri="{2D200454-40CA-4A62-9FC3-DE9A4176ACB9}">
-      <p15:notesGuideLst xmlns:p15="http://schemas.microsoft.com/office/powerpoint/2012/main" xmlns="">
+      <p15:notesGuideLst xmlns:p15="http://schemas.microsoft.com/office/powerpoint/2012/main">
         <p15:guide id="1" orient="horz" pos="3128">
           <p15:clr>
             <a:srgbClr val="A4A3A4"/>
@@ -362,7 +363,7 @@
             <a:fld id="{D2D6B489-F77B-E44B-BA1A-250156B6FC8C}" type="slidenum">
               <a:rPr lang="nl-NL"/>
               <a:pPr/>
-              <a:t>‹nr.›</a:t>
+              <a:t>‹#›</a:t>
             </a:fld>
             <a:endParaRPr lang="nl-NL"/>
           </a:p>
@@ -371,7 +372,7 @@
     </p:spTree>
     <p:extLst>
       <p:ext uri="{BB962C8B-B14F-4D97-AF65-F5344CB8AC3E}">
-        <p14:creationId xmlns:p14="http://schemas.microsoft.com/office/powerpoint/2010/main" xmlns="" val="2401220708"/>
+        <p14:creationId xmlns:p14="http://schemas.microsoft.com/office/powerpoint/2010/main" val="2401220708"/>
       </p:ext>
     </p:extLst>
   </p:cSld>
@@ -643,7 +644,7 @@
             <a:fld id="{8B944AE0-A2BB-A245-869D-6C23E48BF3F5}" type="slidenum">
               <a:rPr lang="nl-NL"/>
               <a:pPr/>
-              <a:t>‹nr.›</a:t>
+              <a:t>‹#›</a:t>
             </a:fld>
             <a:endParaRPr lang="nl-NL"/>
           </a:p>
@@ -652,7 +653,7 @@
     </p:spTree>
     <p:extLst>
       <p:ext uri="{BB962C8B-B14F-4D97-AF65-F5344CB8AC3E}">
-        <p14:creationId xmlns:p14="http://schemas.microsoft.com/office/powerpoint/2010/main" xmlns="" val="1319321177"/>
+        <p14:creationId xmlns:p14="http://schemas.microsoft.com/office/powerpoint/2010/main" val="1319321177"/>
       </p:ext>
     </p:extLst>
   </p:cSld>
@@ -823,7 +824,7 @@
           </a:ln>
           <a:extLst>
             <a:ext uri="{91240B29-F687-4f45-9708-019B960494DF}">
-              <a14:hiddenLine xmlns:a14="http://schemas.microsoft.com/office/drawing/2010/main" xmlns="" w="9525" algn="ctr">
+              <a14:hiddenLine xmlns="" xmlns:a14="http://schemas.microsoft.com/office/drawing/2010/main" w="9525" algn="ctr">
                 <a:solidFill>
                   <a:srgbClr val="000000"/>
                 </a:solidFill>
@@ -1064,7 +1065,7 @@
     </p:spTree>
     <p:extLst>
       <p:ext uri="{BB962C8B-B14F-4D97-AF65-F5344CB8AC3E}">
-        <p14:creationId xmlns:p14="http://schemas.microsoft.com/office/powerpoint/2010/main" xmlns="" val="776264751"/>
+        <p14:creationId xmlns:p14="http://schemas.microsoft.com/office/powerpoint/2010/main" val="776264751"/>
       </p:ext>
     </p:extLst>
   </p:cSld>
@@ -1256,7 +1257,7 @@
     </p:spTree>
     <p:extLst>
       <p:ext uri="{BB962C8B-B14F-4D97-AF65-F5344CB8AC3E}">
-        <p14:creationId xmlns:p14="http://schemas.microsoft.com/office/powerpoint/2010/main" xmlns="" val="1694560143"/>
+        <p14:creationId xmlns:p14="http://schemas.microsoft.com/office/powerpoint/2010/main" val="1694560143"/>
       </p:ext>
     </p:extLst>
   </p:cSld>
@@ -1361,7 +1362,7 @@
     </p:spTree>
     <p:extLst>
       <p:ext uri="{BB962C8B-B14F-4D97-AF65-F5344CB8AC3E}">
-        <p14:creationId xmlns:p14="http://schemas.microsoft.com/office/powerpoint/2010/main" xmlns="" val="3828749506"/>
+        <p14:creationId xmlns:p14="http://schemas.microsoft.com/office/powerpoint/2010/main" val="3828749506"/>
       </p:ext>
     </p:extLst>
   </p:cSld>
@@ -1476,7 +1477,7 @@
     </p:spTree>
     <p:extLst>
       <p:ext uri="{BB962C8B-B14F-4D97-AF65-F5344CB8AC3E}">
-        <p14:creationId xmlns:p14="http://schemas.microsoft.com/office/powerpoint/2010/main" xmlns="" val="1484439901"/>
+        <p14:creationId xmlns:p14="http://schemas.microsoft.com/office/powerpoint/2010/main" val="1484439901"/>
       </p:ext>
     </p:extLst>
   </p:cSld>
@@ -1705,7 +1706,7 @@
     </p:spTree>
     <p:extLst>
       <p:ext uri="{BB962C8B-B14F-4D97-AF65-F5344CB8AC3E}">
-        <p14:creationId xmlns:p14="http://schemas.microsoft.com/office/powerpoint/2010/main" xmlns="" val="2766739981"/>
+        <p14:creationId xmlns:p14="http://schemas.microsoft.com/office/powerpoint/2010/main" val="2766739981"/>
       </p:ext>
     </p:extLst>
   </p:cSld>
@@ -1832,7 +1833,7 @@
     </p:spTree>
     <p:extLst>
       <p:ext uri="{BB962C8B-B14F-4D97-AF65-F5344CB8AC3E}">
-        <p14:creationId xmlns:p14="http://schemas.microsoft.com/office/powerpoint/2010/main" xmlns="" val="2805263667"/>
+        <p14:creationId xmlns:p14="http://schemas.microsoft.com/office/powerpoint/2010/main" val="2805263667"/>
       </p:ext>
     </p:extLst>
   </p:cSld>
@@ -1941,7 +1942,7 @@
     </p:spTree>
     <p:extLst>
       <p:ext uri="{BB962C8B-B14F-4D97-AF65-F5344CB8AC3E}">
-        <p14:creationId xmlns:p14="http://schemas.microsoft.com/office/powerpoint/2010/main" xmlns="" val="2148099957"/>
+        <p14:creationId xmlns:p14="http://schemas.microsoft.com/office/powerpoint/2010/main" val="2148099957"/>
       </p:ext>
     </p:extLst>
   </p:cSld>
@@ -2068,7 +2069,7 @@
     </p:spTree>
     <p:extLst>
       <p:ext uri="{BB962C8B-B14F-4D97-AF65-F5344CB8AC3E}">
-        <p14:creationId xmlns:p14="http://schemas.microsoft.com/office/powerpoint/2010/main" xmlns="" val="1672604803"/>
+        <p14:creationId xmlns:p14="http://schemas.microsoft.com/office/powerpoint/2010/main" val="1672604803"/>
       </p:ext>
     </p:extLst>
   </p:cSld>
@@ -2291,7 +2292,7 @@
     </p:spTree>
     <p:extLst>
       <p:ext uri="{BB962C8B-B14F-4D97-AF65-F5344CB8AC3E}">
-        <p14:creationId xmlns:p14="http://schemas.microsoft.com/office/powerpoint/2010/main" xmlns="" val="1237843012"/>
+        <p14:creationId xmlns:p14="http://schemas.microsoft.com/office/powerpoint/2010/main" val="1237843012"/>
       </p:ext>
     </p:extLst>
   </p:cSld>
@@ -2653,7 +2654,7 @@
     </p:spTree>
     <p:extLst>
       <p:ext uri="{BB962C8B-B14F-4D97-AF65-F5344CB8AC3E}">
-        <p14:creationId xmlns:p14="http://schemas.microsoft.com/office/powerpoint/2010/main" xmlns="" val="437046"/>
+        <p14:creationId xmlns:p14="http://schemas.microsoft.com/office/powerpoint/2010/main" val="437046"/>
       </p:ext>
     </p:extLst>
   </p:cSld>
@@ -2706,7 +2707,7 @@
     </p:spTree>
     <p:extLst>
       <p:ext uri="{BB962C8B-B14F-4D97-AF65-F5344CB8AC3E}">
-        <p14:creationId xmlns:p14="http://schemas.microsoft.com/office/powerpoint/2010/main" xmlns="" val="3414296092"/>
+        <p14:creationId xmlns:p14="http://schemas.microsoft.com/office/powerpoint/2010/main" val="3414296092"/>
       </p:ext>
     </p:extLst>
   </p:cSld>
@@ -2736,7 +2737,7 @@
     </p:spTree>
     <p:extLst>
       <p:ext uri="{BB962C8B-B14F-4D97-AF65-F5344CB8AC3E}">
-        <p14:creationId xmlns:p14="http://schemas.microsoft.com/office/powerpoint/2010/main" xmlns="" val="2241992385"/>
+        <p14:creationId xmlns:p14="http://schemas.microsoft.com/office/powerpoint/2010/main" val="2241992385"/>
       </p:ext>
     </p:extLst>
   </p:cSld>
@@ -2948,7 +2949,7 @@
     </p:spTree>
     <p:extLst>
       <p:ext uri="{BB962C8B-B14F-4D97-AF65-F5344CB8AC3E}">
-        <p14:creationId xmlns:p14="http://schemas.microsoft.com/office/powerpoint/2010/main" xmlns="" val="2898605154"/>
+        <p14:creationId xmlns:p14="http://schemas.microsoft.com/office/powerpoint/2010/main" val="2898605154"/>
       </p:ext>
     </p:extLst>
   </p:cSld>
@@ -3007,14 +3008,14 @@
           </a:ln>
           <a:extLst>
             <a:ext uri="{909E8E84-426E-40dd-AFC4-6F175D3DCCD1}">
-              <a14:hiddenFill xmlns:a14="http://schemas.microsoft.com/office/drawing/2010/main" xmlns="">
+              <a14:hiddenFill xmlns="" xmlns:a14="http://schemas.microsoft.com/office/drawing/2010/main">
                 <a:solidFill>
                   <a:srgbClr val="FFFFFF"/>
                 </a:solidFill>
               </a14:hiddenFill>
             </a:ext>
             <a:ext uri="{91240B29-F687-4f45-9708-019B960494DF}">
-              <a14:hiddenLine xmlns:a14="http://schemas.microsoft.com/office/drawing/2010/main" xmlns="" w="9525">
+              <a14:hiddenLine xmlns="" xmlns:a14="http://schemas.microsoft.com/office/drawing/2010/main" w="9525">
                 <a:solidFill>
                   <a:srgbClr val="000000"/>
                 </a:solidFill>
@@ -3024,7 +3025,7 @@
               </a14:hiddenLine>
             </a:ext>
             <a:ext uri="{FAA26D3D-D897-4be2-8F04-BA451C77F1D7}">
-              <ma14:placeholderFlag xmlns:ma14="http://schemas.microsoft.com/office/mac/drawingml/2011/main" xmlns="" val="1"/>
+              <ma14:placeholderFlag xmlns="" xmlns:ma14="http://schemas.microsoft.com/office/mac/drawingml/2011/main" val="1"/>
             </a:ext>
           </a:extLst>
         </p:spPr>
@@ -3068,14 +3069,14 @@
           </a:ln>
           <a:extLst>
             <a:ext uri="{909E8E84-426E-40dd-AFC4-6F175D3DCCD1}">
-              <a14:hiddenFill xmlns:a14="http://schemas.microsoft.com/office/drawing/2010/main" xmlns="">
+              <a14:hiddenFill xmlns="" xmlns:a14="http://schemas.microsoft.com/office/drawing/2010/main">
                 <a:solidFill>
                   <a:srgbClr val="FFFFFF"/>
                 </a:solidFill>
               </a14:hiddenFill>
             </a:ext>
             <a:ext uri="{91240B29-F687-4f45-9708-019B960494DF}">
-              <a14:hiddenLine xmlns:a14="http://schemas.microsoft.com/office/drawing/2010/main" xmlns="" w="9525">
+              <a14:hiddenLine xmlns="" xmlns:a14="http://schemas.microsoft.com/office/drawing/2010/main" w="9525">
                 <a:solidFill>
                   <a:srgbClr val="000000"/>
                 </a:solidFill>
@@ -3085,7 +3086,7 @@
               </a14:hiddenLine>
             </a:ext>
             <a:ext uri="{FAA26D3D-D897-4be2-8F04-BA451C77F1D7}">
-              <ma14:placeholderFlag xmlns:ma14="http://schemas.microsoft.com/office/mac/drawingml/2011/main" xmlns="" val="1"/>
+              <ma14:placeholderFlag xmlns="" xmlns:ma14="http://schemas.microsoft.com/office/mac/drawingml/2011/main" val="1"/>
             </a:ext>
           </a:extLst>
         </p:spPr>
@@ -3143,7 +3144,7 @@
           </a:ln>
           <a:extLst>
             <a:ext uri="{91240B29-F687-4f45-9708-019B960494DF}">
-              <a14:hiddenLine xmlns:a14="http://schemas.microsoft.com/office/drawing/2010/main" xmlns="" w="9525">
+              <a14:hiddenLine xmlns="" xmlns:a14="http://schemas.microsoft.com/office/drawing/2010/main" w="9525">
                 <a:solidFill>
                   <a:srgbClr val="000000"/>
                 </a:solidFill>
@@ -3295,7 +3296,7 @@
           </a:ln>
           <a:extLst>
             <a:ext uri="{91240B29-F687-4f45-9708-019B960494DF}">
-              <a14:hiddenLine xmlns:a14="http://schemas.microsoft.com/office/drawing/2010/main" xmlns="" w="9525">
+              <a14:hiddenLine xmlns="" xmlns:a14="http://schemas.microsoft.com/office/drawing/2010/main" w="9525">
                 <a:solidFill>
                   <a:srgbClr val="000000"/>
                 </a:solidFill>
@@ -3450,7 +3451,7 @@
           </a:ln>
           <a:extLst>
             <a:ext uri="{909E8E84-426E-40dd-AFC4-6F175D3DCCD1}">
-              <a14:hiddenFill xmlns:a14="http://schemas.microsoft.com/office/drawing/2010/main" xmlns="">
+              <a14:hiddenFill xmlns="" xmlns:a14="http://schemas.microsoft.com/office/drawing/2010/main">
                 <a:noFill/>
               </a14:hiddenFill>
             </a:ext>
@@ -3491,7 +3492,7 @@
           </a:ln>
           <a:extLst>
             <a:ext uri="{909E8E84-426E-40dd-AFC4-6F175D3DCCD1}">
-              <a14:hiddenFill xmlns:a14="http://schemas.microsoft.com/office/drawing/2010/main" xmlns="">
+              <a14:hiddenFill xmlns="" xmlns:a14="http://schemas.microsoft.com/office/drawing/2010/main">
                 <a:noFill/>
               </a14:hiddenFill>
             </a:ext>
@@ -3527,14 +3528,14 @@
           </a:ln>
           <a:extLst>
             <a:ext uri="{909E8E84-426E-40dd-AFC4-6F175D3DCCD1}">
-              <a14:hiddenFill xmlns:a14="http://schemas.microsoft.com/office/drawing/2010/main" xmlns="">
+              <a14:hiddenFill xmlns="" xmlns:a14="http://schemas.microsoft.com/office/drawing/2010/main">
                 <a:solidFill>
                   <a:srgbClr val="FFFFFF"/>
                 </a:solidFill>
               </a14:hiddenFill>
             </a:ext>
             <a:ext uri="{91240B29-F687-4f45-9708-019B960494DF}">
-              <a14:hiddenLine xmlns:a14="http://schemas.microsoft.com/office/drawing/2010/main" xmlns="" w="9525">
+              <a14:hiddenLine xmlns="" xmlns:a14="http://schemas.microsoft.com/office/drawing/2010/main" w="9525">
                 <a:solidFill>
                   <a:srgbClr val="000000"/>
                 </a:solidFill>
@@ -3696,7 +3697,7 @@
           </a:ln>
           <a:extLst>
             <a:ext uri="{91240B29-F687-4f45-9708-019B960494DF}">
-              <a14:hiddenLine xmlns:a14="http://schemas.microsoft.com/office/drawing/2010/main" xmlns="" w="9525">
+              <a14:hiddenLine xmlns="" xmlns:a14="http://schemas.microsoft.com/office/drawing/2010/main" w="9525">
                 <a:solidFill>
                   <a:srgbClr val="000000"/>
                 </a:solidFill>
@@ -3836,7 +3837,7 @@
           <a:blip r:embed="rId15" cstate="email">
             <a:extLst>
               <a:ext uri="{28A0092B-C50C-407E-A947-70E740481C1C}">
-                <a14:useLocalDpi xmlns:a14="http://schemas.microsoft.com/office/drawing/2010/main" xmlns="" val="0"/>
+                <a14:useLocalDpi xmlns:a14="http://schemas.microsoft.com/office/drawing/2010/main" val="0"/>
               </a:ext>
             </a:extLst>
           </a:blip>
@@ -3859,14 +3860,14 @@
           </a:ln>
           <a:extLst>
             <a:ext uri="{909E8E84-426E-40dd-AFC4-6F175D3DCCD1}">
-              <a14:hiddenFill xmlns:a14="http://schemas.microsoft.com/office/drawing/2010/main" xmlns="">
+              <a14:hiddenFill xmlns="" xmlns:a14="http://schemas.microsoft.com/office/drawing/2010/main">
                 <a:solidFill>
                   <a:srgbClr val="FFFFFF"/>
                 </a:solidFill>
               </a14:hiddenFill>
             </a:ext>
             <a:ext uri="{91240B29-F687-4f45-9708-019B960494DF}">
-              <a14:hiddenLine xmlns:a14="http://schemas.microsoft.com/office/drawing/2010/main" xmlns="" w="9525">
+              <a14:hiddenLine xmlns="" xmlns:a14="http://schemas.microsoft.com/office/drawing/2010/main" w="9525">
                 <a:solidFill>
                   <a:srgbClr val="000000"/>
                 </a:solidFill>
@@ -3900,14 +3901,14 @@
           </a:ln>
           <a:extLst>
             <a:ext uri="{909E8E84-426E-40dd-AFC4-6F175D3DCCD1}">
-              <a14:hiddenFill xmlns:a14="http://schemas.microsoft.com/office/drawing/2010/main" xmlns="">
+              <a14:hiddenFill xmlns="" xmlns:a14="http://schemas.microsoft.com/office/drawing/2010/main">
                 <a:solidFill>
                   <a:srgbClr val="FFFFFF"/>
                 </a:solidFill>
               </a14:hiddenFill>
             </a:ext>
             <a:ext uri="{91240B29-F687-4f45-9708-019B960494DF}">
-              <a14:hiddenLine xmlns:a14="http://schemas.microsoft.com/office/drawing/2010/main" xmlns="" w="9525">
+              <a14:hiddenLine xmlns="" xmlns:a14="http://schemas.microsoft.com/office/drawing/2010/main" w="9525">
                 <a:solidFill>
                   <a:srgbClr val="000000"/>
                 </a:solidFill>
@@ -3933,7 +3934,7 @@
                 <a:cs typeface="MS PGothic" charset="0"/>
               </a:rPr>
               <a:pPr algn="r"/>
-              <a:t>‹nr.›</a:t>
+              <a:t>‹#›</a:t>
             </a:fld>
             <a:endParaRPr lang="nl-NL" sz="1600">
               <a:solidFill>
@@ -3968,14 +3969,14 @@
           </a:ln>
           <a:extLst>
             <a:ext uri="{909E8E84-426E-40dd-AFC4-6F175D3DCCD1}">
-              <a14:hiddenFill xmlns:a14="http://schemas.microsoft.com/office/drawing/2010/main" xmlns="">
+              <a14:hiddenFill xmlns="" xmlns:a14="http://schemas.microsoft.com/office/drawing/2010/main">
                 <a:solidFill>
                   <a:srgbClr val="FFFFFF"/>
                 </a:solidFill>
               </a14:hiddenFill>
             </a:ext>
             <a:ext uri="{91240B29-F687-4f45-9708-019B960494DF}">
-              <a14:hiddenLine xmlns:a14="http://schemas.microsoft.com/office/drawing/2010/main" xmlns="" w="9525">
+              <a14:hiddenLine xmlns="" xmlns:a14="http://schemas.microsoft.com/office/drawing/2010/main" w="9525">
                 <a:solidFill>
                   <a:srgbClr val="000000"/>
                 </a:solidFill>
@@ -4625,7 +4626,7 @@
           </a:ln>
           <a:extLst>
             <a:ext uri="{91240B29-F687-4f45-9708-019B960494DF}">
-              <a14:hiddenLine xmlns:a14="http://schemas.microsoft.com/office/drawing/2010/main" xmlns="" w="9525">
+              <a14:hiddenLine xmlns="" xmlns:a14="http://schemas.microsoft.com/office/drawing/2010/main" w="9525">
                 <a:solidFill>
                   <a:srgbClr val="000000"/>
                 </a:solidFill>
@@ -4756,7 +4757,7 @@
           </a:ln>
           <a:extLst>
             <a:ext uri="{91240B29-F687-4f45-9708-019B960494DF}">
-              <a14:hiddenLine xmlns:a14="http://schemas.microsoft.com/office/drawing/2010/main" xmlns="" w="9525">
+              <a14:hiddenLine xmlns="" xmlns:a14="http://schemas.microsoft.com/office/drawing/2010/main" w="9525">
                 <a:solidFill>
                   <a:srgbClr val="000000"/>
                 </a:solidFill>
@@ -4812,7 +4813,7 @@
       </p:grpSpPr>
       <p:sp>
         <p:nvSpPr>
-          <p:cNvPr id="2" name="Titel 1"/>
+          <p:cNvPr id="2" name="Title 1"/>
           <p:cNvSpPr>
             <a:spLocks noGrp="1"/>
           </p:cNvSpPr>
@@ -4826,16 +4827,16 @@
           <a:lstStyle/>
           <a:p>
             <a:r>
-              <a:rPr lang="nl-NL" dirty="0" smtClean="0"/>
-              <a:t>Conclusie</a:t>
-            </a:r>
-            <a:endParaRPr lang="nl-NL" dirty="0"/>
-          </a:p>
-        </p:txBody>
-      </p:sp>
-      <p:sp>
-        <p:nvSpPr>
-          <p:cNvPr id="3" name="Tijdelijke aanduiding voor inhoud 2"/>
+              <a:rPr lang="en-US" dirty="0" smtClean="0"/>
+              <a:t>VGA</a:t>
+            </a:r>
+            <a:endParaRPr lang="en-US" dirty="0"/>
+          </a:p>
+        </p:txBody>
+      </p:sp>
+      <p:sp>
+        <p:nvSpPr>
+          <p:cNvPr id="3" name="Content Placeholder 2"/>
           <p:cNvSpPr>
             <a:spLocks noGrp="1"/>
           </p:cNvSpPr>
@@ -4849,74 +4850,29 @@
           <a:lstStyle/>
           <a:p>
             <a:r>
-              <a:rPr lang="nl-NL" dirty="0" smtClean="0"/>
-              <a:t>Complicaties</a:t>
-            </a:r>
-          </a:p>
-          <a:p>
-            <a:pPr lvl="1"/>
-            <a:r>
-              <a:rPr lang="nl-NL" dirty="0" smtClean="0"/>
-              <a:t>Communicatie SD kaart &amp; SRAM</a:t>
-            </a:r>
-          </a:p>
-          <a:p>
-            <a:r>
-              <a:rPr lang="nl-NL" dirty="0" smtClean="0"/>
-              <a:t>Gevolgen</a:t>
-            </a:r>
-          </a:p>
-          <a:p>
-            <a:pPr lvl="1"/>
-            <a:r>
-              <a:rPr lang="nl-NL" dirty="0" smtClean="0"/>
-              <a:t>Weg laten VGA </a:t>
-            </a:r>
-            <a:r>
-              <a:rPr lang="nl-NL" dirty="0" smtClean="0">
-                <a:sym typeface="Wingdings" pitchFamily="2" charset="2"/>
-              </a:rPr>
-              <a:t> Geen beeld meer</a:t>
-            </a:r>
-          </a:p>
-          <a:p>
-            <a:pPr lvl="1"/>
-            <a:r>
-              <a:rPr lang="nl-NL" dirty="0" smtClean="0">
-                <a:sym typeface="Wingdings" pitchFamily="2" charset="2"/>
-              </a:rPr>
-              <a:t>Intern ruimte te kort  Geen plaats meer voor ‘</a:t>
-            </a:r>
-            <a:r>
-              <a:rPr lang="nl-NL" dirty="0" err="1" smtClean="0">
-                <a:sym typeface="Wingdings" pitchFamily="2" charset="2"/>
-              </a:rPr>
-              <a:t>Pong</a:t>
-            </a:r>
-            <a:r>
-              <a:rPr lang="nl-NL" dirty="0" smtClean="0">
-                <a:sym typeface="Wingdings" pitchFamily="2" charset="2"/>
-              </a:rPr>
-              <a:t>’</a:t>
-            </a:r>
-            <a:endParaRPr lang="nl-NL" dirty="0" smtClean="0"/>
-          </a:p>
-          <a:p>
-            <a:r>
-              <a:rPr lang="nl-NL" dirty="0" smtClean="0"/>
-              <a:t>Simpele rekenmachine</a:t>
-            </a:r>
-          </a:p>
-          <a:p>
-            <a:pPr lvl="1"/>
-            <a:r>
-              <a:rPr lang="nl-NL" dirty="0" smtClean="0"/>
-              <a:t>Optellen, aftrekken en vermenigvuldigen</a:t>
-            </a:r>
+              <a:rPr lang="en-US" dirty="0" smtClean="0"/>
+              <a:t>Bitmap </a:t>
+            </a:r>
+            <a:r>
+              <a:rPr lang="en-US" dirty="0" err="1" smtClean="0"/>
+              <a:t>uit</a:t>
+            </a:r>
+            <a:r>
+              <a:rPr lang="en-US" dirty="0" smtClean="0"/>
+              <a:t> SRAM</a:t>
+            </a:r>
+          </a:p>
+          <a:p>
+            <a:endParaRPr lang="en-US" dirty="0"/>
           </a:p>
         </p:txBody>
       </p:sp>
     </p:spTree>
+    <p:extLst>
+      <p:ext uri="{BB962C8B-B14F-4D97-AF65-F5344CB8AC3E}">
+        <p14:creationId xmlns:p14="http://schemas.microsoft.com/office/powerpoint/2010/main" val="4275572195"/>
+      </p:ext>
+    </p:extLst>
   </p:cSld>
   <p:clrMapOvr>
     <a:masterClrMapping/>
@@ -4958,7 +4914,7 @@
           <a:p>
             <a:r>
               <a:rPr lang="nl-NL" dirty="0" smtClean="0"/>
-              <a:t>Discussie &amp; Aanbevelingen</a:t>
+              <a:t>Conclusie</a:t>
             </a:r>
             <a:endParaRPr lang="nl-NL" dirty="0"/>
           </a:p>
@@ -4981,6 +4937,137 @@
           <a:p>
             <a:r>
               <a:rPr lang="nl-NL" dirty="0" smtClean="0"/>
+              <a:t>Complicaties</a:t>
+            </a:r>
+          </a:p>
+          <a:p>
+            <a:pPr lvl="1"/>
+            <a:r>
+              <a:rPr lang="nl-NL" dirty="0" smtClean="0"/>
+              <a:t>Communicatie SD kaart &amp; SRAM</a:t>
+            </a:r>
+          </a:p>
+          <a:p>
+            <a:r>
+              <a:rPr lang="nl-NL" dirty="0" smtClean="0"/>
+              <a:t>Gevolgen</a:t>
+            </a:r>
+          </a:p>
+          <a:p>
+            <a:pPr lvl="1"/>
+            <a:r>
+              <a:rPr lang="nl-NL" dirty="0" smtClean="0"/>
+              <a:t>Weg laten VGA </a:t>
+            </a:r>
+            <a:r>
+              <a:rPr lang="nl-NL" dirty="0" smtClean="0">
+                <a:sym typeface="Wingdings" pitchFamily="2" charset="2"/>
+              </a:rPr>
+              <a:t> Geen beeld meer</a:t>
+            </a:r>
+          </a:p>
+          <a:p>
+            <a:pPr lvl="1"/>
+            <a:r>
+              <a:rPr lang="nl-NL" dirty="0" smtClean="0">
+                <a:sym typeface="Wingdings" pitchFamily="2" charset="2"/>
+              </a:rPr>
+              <a:t>Intern ruimte te kort  Geen plaats meer voor ‘</a:t>
+            </a:r>
+            <a:r>
+              <a:rPr lang="nl-NL" dirty="0" err="1" smtClean="0">
+                <a:sym typeface="Wingdings" pitchFamily="2" charset="2"/>
+              </a:rPr>
+              <a:t>Pong</a:t>
+            </a:r>
+            <a:r>
+              <a:rPr lang="nl-NL" dirty="0" smtClean="0">
+                <a:sym typeface="Wingdings" pitchFamily="2" charset="2"/>
+              </a:rPr>
+              <a:t>’</a:t>
+            </a:r>
+            <a:endParaRPr lang="nl-NL" dirty="0" smtClean="0"/>
+          </a:p>
+          <a:p>
+            <a:r>
+              <a:rPr lang="nl-NL" dirty="0" smtClean="0"/>
+              <a:t>Simpele rekenmachine</a:t>
+            </a:r>
+          </a:p>
+          <a:p>
+            <a:pPr lvl="1"/>
+            <a:r>
+              <a:rPr lang="nl-NL" dirty="0" smtClean="0"/>
+              <a:t>Optellen, aftrekken en vermenigvuldigen</a:t>
+            </a:r>
+          </a:p>
+        </p:txBody>
+      </p:sp>
+    </p:spTree>
+  </p:cSld>
+  <p:clrMapOvr>
+    <a:masterClrMapping/>
+  </p:clrMapOvr>
+</p:sld>
+</file>
+
+<file path=ppt/slides/slide12.xml><?xml version="1.0" encoding="utf-8"?>
+<p:sld xmlns:a="http://schemas.openxmlformats.org/drawingml/2006/main" xmlns:r="http://schemas.openxmlformats.org/officeDocument/2006/relationships" xmlns:p="http://schemas.openxmlformats.org/presentationml/2006/main">
+  <p:cSld>
+    <p:spTree>
+      <p:nvGrpSpPr>
+        <p:cNvPr id="1" name=""/>
+        <p:cNvGrpSpPr/>
+        <p:nvPr/>
+      </p:nvGrpSpPr>
+      <p:grpSpPr>
+        <a:xfrm>
+          <a:off x="0" y="0"/>
+          <a:ext cx="0" cy="0"/>
+          <a:chOff x="0" y="0"/>
+          <a:chExt cx="0" cy="0"/>
+        </a:xfrm>
+      </p:grpSpPr>
+      <p:sp>
+        <p:nvSpPr>
+          <p:cNvPr id="2" name="Titel 1"/>
+          <p:cNvSpPr>
+            <a:spLocks noGrp="1"/>
+          </p:cNvSpPr>
+          <p:nvPr>
+            <p:ph type="title"/>
+          </p:nvPr>
+        </p:nvSpPr>
+        <p:spPr/>
+        <p:txBody>
+          <a:bodyPr/>
+          <a:lstStyle/>
+          <a:p>
+            <a:r>
+              <a:rPr lang="nl-NL" dirty="0" smtClean="0"/>
+              <a:t>Discussie &amp; Aanbevelingen</a:t>
+            </a:r>
+            <a:endParaRPr lang="nl-NL" dirty="0"/>
+          </a:p>
+        </p:txBody>
+      </p:sp>
+      <p:sp>
+        <p:nvSpPr>
+          <p:cNvPr id="3" name="Tijdelijke aanduiding voor inhoud 2"/>
+          <p:cNvSpPr>
+            <a:spLocks noGrp="1"/>
+          </p:cNvSpPr>
+          <p:nvPr>
+            <p:ph idx="1"/>
+          </p:nvPr>
+        </p:nvSpPr>
+        <p:spPr/>
+        <p:txBody>
+          <a:bodyPr/>
+          <a:lstStyle/>
+          <a:p>
+            <a:r>
+              <a:rPr lang="nl-NL" dirty="0" smtClean="0"/>
               <a:t>Planning </a:t>
             </a:r>
             <a:r>
@@ -4997,11 +5084,7 @@
           <a:p>
             <a:r>
               <a:rPr lang="nl-NL" dirty="0" smtClean="0"/>
-              <a:t>Een </a:t>
-            </a:r>
-            <a:r>
-              <a:rPr lang="nl-NL" dirty="0" smtClean="0"/>
-              <a:t>grote fout</a:t>
+              <a:t>Een grote fout</a:t>
             </a:r>
           </a:p>
           <a:p>
@@ -5015,13 +5098,8 @@
             <a:pPr lvl="1"/>
             <a:r>
               <a:rPr lang="nl-NL" dirty="0" smtClean="0"/>
-              <a:t>Te weinig tijd om het project te </a:t>
-            </a:r>
-            <a:r>
-              <a:rPr lang="nl-NL" dirty="0" smtClean="0"/>
-              <a:t>voltooien</a:t>
-            </a:r>
-            <a:endParaRPr lang="nl-NL" dirty="0" smtClean="0"/>
+              <a:t>Te weinig tijd om het project te voltooien</a:t>
+            </a:r>
           </a:p>
           <a:p>
             <a:endParaRPr lang="nl-NL" dirty="0" smtClean="0"/>
@@ -5485,7 +5563,7 @@
     </p:spTree>
     <p:extLst>
       <p:ext uri="{BB962C8B-B14F-4D97-AF65-F5344CB8AC3E}">
-        <p14:creationId xmlns:p14="http://schemas.microsoft.com/office/powerpoint/2010/main" xmlns="" val="1119502918"/>
+        <p14:creationId xmlns:p14="http://schemas.microsoft.com/office/powerpoint/2010/main" val="1119502918"/>
       </p:ext>
     </p:extLst>
   </p:cSld>
@@ -5569,7 +5647,11 @@
           <a:p>
             <a:r>
               <a:rPr lang="nl-NL" dirty="0"/>
-              <a:t>Control Unit</a:t>
+              <a:t>Control </a:t>
+            </a:r>
+            <a:r>
+              <a:rPr lang="nl-NL" dirty="0" smtClean="0"/>
+              <a:t>Unit</a:t>
             </a:r>
           </a:p>
           <a:p>
@@ -5580,20 +5662,83 @@
             </a:r>
           </a:p>
           <a:p>
+            <a:pPr lvl="1"/>
+            <a:r>
+              <a:rPr lang="en-US" dirty="0" err="1"/>
+              <a:t>Aansturen</a:t>
+            </a:r>
+            <a:r>
+              <a:rPr lang="en-US" dirty="0"/>
+              <a:t> </a:t>
+            </a:r>
+            <a:r>
+              <a:rPr lang="en-US" dirty="0" err="1"/>
+              <a:t>componenten</a:t>
+            </a:r>
             <a:endParaRPr lang="en-US" dirty="0"/>
           </a:p>
-        </p:txBody>
-      </p:sp>
+          <a:p>
+            <a:r>
+              <a:rPr lang="nl-NL" dirty="0" smtClean="0"/>
+              <a:t>ALU</a:t>
+            </a:r>
+          </a:p>
+          <a:p>
+            <a:r>
+              <a:rPr lang="nl-NL" dirty="0" smtClean="0"/>
+              <a:t>Program Counter</a:t>
+            </a:r>
+            <a:endParaRPr lang="nl-NL" dirty="0"/>
+          </a:p>
+        </p:txBody>
+      </p:sp>
+      <p:pic>
+        <p:nvPicPr>
+          <p:cNvPr id="6" name="Picture 5"/>
+          <p:cNvPicPr>
+            <a:picLocks noChangeAspect="1"/>
+          </p:cNvPicPr>
+          <p:nvPr/>
+        </p:nvPicPr>
+        <p:blipFill>
+          <a:blip r:embed="rId2" cstate="email">
+            <a:extLst>
+              <a:ext uri="{28A0092B-C50C-407E-A947-70E740481C1C}">
+                <a14:useLocalDpi xmlns:a14="http://schemas.microsoft.com/office/drawing/2010/main" val="0"/>
+              </a:ext>
+            </a:extLst>
+          </a:blip>
+          <a:stretch>
+            <a:fillRect/>
+          </a:stretch>
+        </p:blipFill>
+        <p:spPr>
+          <a:xfrm>
+            <a:off x="5134248" y="916360"/>
+            <a:ext cx="7298464" cy="6521350"/>
+          </a:xfrm>
+          <a:prstGeom prst="rect">
+            <a:avLst/>
+          </a:prstGeom>
+        </p:spPr>
+      </p:pic>
     </p:spTree>
     <p:extLst>
       <p:ext uri="{BB962C8B-B14F-4D97-AF65-F5344CB8AC3E}">
-        <p14:creationId xmlns:p14="http://schemas.microsoft.com/office/powerpoint/2010/main" xmlns="" val="2105157772"/>
+        <p14:creationId xmlns:p14="http://schemas.microsoft.com/office/powerpoint/2010/main" val="2105157772"/>
       </p:ext>
     </p:extLst>
   </p:cSld>
   <p:clrMapOvr>
     <a:masterClrMapping/>
   </p:clrMapOvr>
+  <p:timing>
+    <p:tnLst>
+      <p:par>
+        <p:cTn id="1" dur="indefinite" restart="never" nodeType="tmRoot"/>
+      </p:par>
+    </p:tnLst>
+  </p:timing>
 </p:sld>
 </file>
 
@@ -5630,6 +5775,112 @@
           <a:lstStyle/>
           <a:p>
             <a:r>
+              <a:rPr lang="nl-NL" dirty="0" err="1" smtClean="0"/>
+              <a:t>Instruction</a:t>
+            </a:r>
+            <a:r>
+              <a:rPr lang="nl-NL" dirty="0" smtClean="0"/>
+              <a:t> Decoder</a:t>
+            </a:r>
+            <a:endParaRPr lang="nl-NL" dirty="0"/>
+          </a:p>
+        </p:txBody>
+      </p:sp>
+      <p:sp>
+        <p:nvSpPr>
+          <p:cNvPr id="3" name="Content Placeholder 2"/>
+          <p:cNvSpPr>
+            <a:spLocks noGrp="1"/>
+          </p:cNvSpPr>
+          <p:nvPr>
+            <p:ph idx="1"/>
+          </p:nvPr>
+        </p:nvSpPr>
+        <p:spPr/>
+        <p:txBody>
+          <a:bodyPr/>
+          <a:lstStyle/>
+          <a:p>
+            <a:endParaRPr lang="nl-NL" dirty="0"/>
+          </a:p>
+        </p:txBody>
+      </p:sp>
+      <p:pic>
+        <p:nvPicPr>
+          <p:cNvPr id="4" name="Picture 3"/>
+          <p:cNvPicPr>
+            <a:picLocks noChangeAspect="1"/>
+          </p:cNvPicPr>
+          <p:nvPr/>
+        </p:nvPicPr>
+        <p:blipFill rotWithShape="1">
+          <a:blip r:embed="rId2"/>
+          <a:srcRect l="6533" t="9543" r="9653" b="45549"/>
+          <a:stretch/>
+        </p:blipFill>
+        <p:spPr>
+          <a:xfrm>
+            <a:off x="1045990" y="1348408"/>
+            <a:ext cx="10441160" cy="3960440"/>
+          </a:xfrm>
+          <a:prstGeom prst="rect">
+            <a:avLst/>
+          </a:prstGeom>
+        </p:spPr>
+      </p:pic>
+    </p:spTree>
+    <p:extLst>
+      <p:ext uri="{BB962C8B-B14F-4D97-AF65-F5344CB8AC3E}">
+        <p14:creationId xmlns:p14="http://schemas.microsoft.com/office/powerpoint/2010/main" val="869606197"/>
+      </p:ext>
+    </p:extLst>
+  </p:cSld>
+  <p:clrMapOvr>
+    <a:masterClrMapping/>
+  </p:clrMapOvr>
+  <p:timing>
+    <p:tnLst>
+      <p:par>
+        <p:cTn id="1" dur="indefinite" restart="never" nodeType="tmRoot"/>
+      </p:par>
+    </p:tnLst>
+  </p:timing>
+</p:sld>
+</file>
+
+<file path=ppt/slides/slide7.xml><?xml version="1.0" encoding="utf-8"?>
+<p:sld xmlns:a="http://schemas.openxmlformats.org/drawingml/2006/main" xmlns:r="http://schemas.openxmlformats.org/officeDocument/2006/relationships" xmlns:p="http://schemas.openxmlformats.org/presentationml/2006/main">
+  <p:cSld>
+    <p:spTree>
+      <p:nvGrpSpPr>
+        <p:cNvPr id="1" name=""/>
+        <p:cNvGrpSpPr/>
+        <p:nvPr/>
+      </p:nvGrpSpPr>
+      <p:grpSpPr>
+        <a:xfrm>
+          <a:off x="0" y="0"/>
+          <a:ext cx="0" cy="0"/>
+          <a:chOff x="0" y="0"/>
+          <a:chExt cx="0" cy="0"/>
+        </a:xfrm>
+      </p:grpSpPr>
+      <p:sp>
+        <p:nvSpPr>
+          <p:cNvPr id="2" name="Title 1"/>
+          <p:cNvSpPr>
+            <a:spLocks noGrp="1"/>
+          </p:cNvSpPr>
+          <p:nvPr>
+            <p:ph type="title"/>
+          </p:nvPr>
+        </p:nvSpPr>
+        <p:spPr/>
+        <p:txBody>
+          <a:bodyPr/>
+          <a:lstStyle/>
+          <a:p>
+            <a:r>
               <a:rPr lang="en-US" dirty="0" smtClean="0"/>
               <a:t>Processor</a:t>
             </a:r>
@@ -5671,7 +5922,7 @@
           <a:blip r:embed="rId2" cstate="print">
             <a:extLst>
               <a:ext uri="{28A0092B-C50C-407E-A947-70E740481C1C}">
-                <a14:useLocalDpi xmlns:a14="http://schemas.microsoft.com/office/drawing/2010/main" xmlns="" val="0"/>
+                <a14:useLocalDpi xmlns:a14="http://schemas.microsoft.com/office/drawing/2010/main" val="0"/>
               </a:ext>
             </a:extLst>
           </a:blip>
@@ -5692,109 +5943,20 @@
     </p:spTree>
     <p:extLst>
       <p:ext uri="{BB962C8B-B14F-4D97-AF65-F5344CB8AC3E}">
-        <p14:creationId xmlns:p14="http://schemas.microsoft.com/office/powerpoint/2010/main" xmlns="" val="2155680525"/>
+        <p14:creationId xmlns:p14="http://schemas.microsoft.com/office/powerpoint/2010/main" val="2155680525"/>
       </p:ext>
     </p:extLst>
   </p:cSld>
   <p:clrMapOvr>
     <a:masterClrMapping/>
   </p:clrMapOvr>
-</p:sld>
-</file>
-
-<file path=ppt/slides/slide7.xml><?xml version="1.0" encoding="utf-8"?>
-<p:sld xmlns:a="http://schemas.openxmlformats.org/drawingml/2006/main" xmlns:r="http://schemas.openxmlformats.org/officeDocument/2006/relationships" xmlns:p="http://schemas.openxmlformats.org/presentationml/2006/main">
-  <p:cSld>
-    <p:spTree>
-      <p:nvGrpSpPr>
-        <p:cNvPr id="1" name=""/>
-        <p:cNvGrpSpPr/>
-        <p:nvPr/>
-      </p:nvGrpSpPr>
-      <p:grpSpPr>
-        <a:xfrm>
-          <a:off x="0" y="0"/>
-          <a:ext cx="0" cy="0"/>
-          <a:chOff x="0" y="0"/>
-          <a:chExt cx="0" cy="0"/>
-        </a:xfrm>
-      </p:grpSpPr>
-      <p:sp>
-        <p:nvSpPr>
-          <p:cNvPr id="2" name="Title 1"/>
-          <p:cNvSpPr>
-            <a:spLocks noGrp="1"/>
-          </p:cNvSpPr>
-          <p:nvPr>
-            <p:ph type="title"/>
-          </p:nvPr>
-        </p:nvSpPr>
-        <p:spPr/>
-        <p:txBody>
-          <a:bodyPr/>
-          <a:lstStyle/>
-          <a:p>
-            <a:r>
-              <a:rPr lang="en-US" dirty="0" smtClean="0"/>
-              <a:t>SD-</a:t>
-            </a:r>
-            <a:r>
-              <a:rPr lang="en-US" dirty="0" err="1" smtClean="0"/>
-              <a:t>kaart</a:t>
-            </a:r>
-            <a:endParaRPr lang="en-US" dirty="0"/>
-          </a:p>
-        </p:txBody>
-      </p:sp>
-      <p:sp>
-        <p:nvSpPr>
-          <p:cNvPr id="3" name="Content Placeholder 2"/>
-          <p:cNvSpPr>
-            <a:spLocks noGrp="1"/>
-          </p:cNvSpPr>
-          <p:nvPr>
-            <p:ph idx="1"/>
-          </p:nvPr>
-        </p:nvSpPr>
-        <p:spPr/>
-        <p:txBody>
-          <a:bodyPr/>
-          <a:lstStyle/>
-          <a:p>
-            <a:r>
-              <a:rPr lang="en-US" dirty="0" smtClean="0"/>
-              <a:t>SPI</a:t>
-            </a:r>
-          </a:p>
-          <a:p>
-            <a:r>
-              <a:rPr lang="en-US" dirty="0" smtClean="0"/>
-              <a:t>Assembly van het </a:t>
-            </a:r>
-            <a:r>
-              <a:rPr lang="en-US" dirty="0" err="1" smtClean="0"/>
-              <a:t>spel</a:t>
-            </a:r>
-            <a:endParaRPr lang="en-US" dirty="0" smtClean="0"/>
-          </a:p>
-          <a:p>
-            <a:endParaRPr lang="en-US" dirty="0" smtClean="0"/>
-          </a:p>
-          <a:p>
-            <a:endParaRPr lang="en-US" dirty="0"/>
-          </a:p>
-        </p:txBody>
-      </p:sp>
-    </p:spTree>
-    <p:extLst>
-      <p:ext uri="{BB962C8B-B14F-4D97-AF65-F5344CB8AC3E}">
-        <p14:creationId xmlns:p14="http://schemas.microsoft.com/office/powerpoint/2010/main" xmlns="" val="2452125258"/>
-      </p:ext>
-    </p:extLst>
-  </p:cSld>
-  <p:clrMapOvr>
-    <a:masterClrMapping/>
-  </p:clrMapOvr>
+  <p:timing>
+    <p:tnLst>
+      <p:par>
+        <p:cTn id="1" dur="indefinite" restart="never" nodeType="tmRoot"/>
+      </p:par>
+    </p:tnLst>
+  </p:timing>
 </p:sld>
 </file>
 
@@ -5832,7 +5994,11 @@
           <a:p>
             <a:r>
               <a:rPr lang="en-US" dirty="0" smtClean="0"/>
-              <a:t>SRAM</a:t>
+              <a:t>SD-</a:t>
+            </a:r>
+            <a:r>
+              <a:rPr lang="en-US" dirty="0" err="1" smtClean="0"/>
+              <a:t>kaart</a:t>
             </a:r>
             <a:endParaRPr lang="en-US" dirty="0"/>
           </a:p>
@@ -5860,62 +6026,27 @@
           </a:p>
           <a:p>
             <a:r>
+              <a:rPr lang="en-US" dirty="0" smtClean="0"/>
+              <a:t>Assembly van het </a:t>
+            </a:r>
+            <a:r>
               <a:rPr lang="en-US" dirty="0" err="1" smtClean="0"/>
-              <a:t>Blackbox</a:t>
+              <a:t>spel</a:t>
             </a:r>
             <a:endParaRPr lang="en-US" dirty="0" smtClean="0"/>
           </a:p>
           <a:p>
-            <a:r>
-              <a:rPr lang="en-US" dirty="0" smtClean="0"/>
-              <a:t>Switch op 60Hz</a:t>
-            </a:r>
-          </a:p>
-          <a:p>
-            <a:r>
-              <a:rPr lang="en-US" dirty="0" smtClean="0"/>
-              <a:t>Read box/write box</a:t>
-            </a:r>
+            <a:endParaRPr lang="en-US" dirty="0" smtClean="0"/>
           </a:p>
           <a:p>
             <a:endParaRPr lang="en-US" dirty="0"/>
           </a:p>
         </p:txBody>
       </p:sp>
-      <p:pic>
-        <p:nvPicPr>
-          <p:cNvPr id="4" name="Picture 3" descr="Schermafbeelding 2014-11-27 om 11.35.00.png"/>
-          <p:cNvPicPr>
-            <a:picLocks noChangeAspect="1"/>
-          </p:cNvPicPr>
-          <p:nvPr/>
-        </p:nvPicPr>
-        <p:blipFill>
-          <a:blip r:embed="rId2" cstate="print">
-            <a:extLst>
-              <a:ext uri="{28A0092B-C50C-407E-A947-70E740481C1C}">
-                <a14:useLocalDpi xmlns:a14="http://schemas.microsoft.com/office/drawing/2010/main" xmlns="" val="0"/>
-              </a:ext>
-            </a:extLst>
-          </a:blip>
-          <a:stretch>
-            <a:fillRect/>
-          </a:stretch>
-        </p:blipFill>
-        <p:spPr>
-          <a:xfrm>
-            <a:off x="5926336" y="2500536"/>
-            <a:ext cx="5067300" cy="4013200"/>
-          </a:xfrm>
-          <a:prstGeom prst="rect">
-            <a:avLst/>
-          </a:prstGeom>
-        </p:spPr>
-      </p:pic>
     </p:spTree>
     <p:extLst>
       <p:ext uri="{BB962C8B-B14F-4D97-AF65-F5344CB8AC3E}">
-        <p14:creationId xmlns:p14="http://schemas.microsoft.com/office/powerpoint/2010/main" xmlns="" val="3512308647"/>
+        <p14:creationId xmlns:p14="http://schemas.microsoft.com/office/powerpoint/2010/main" val="2452125258"/>
       </p:ext>
     </p:extLst>
   </p:cSld>
@@ -5959,7 +6090,7 @@
           <a:p>
             <a:r>
               <a:rPr lang="en-US" dirty="0" smtClean="0"/>
-              <a:t>VGA</a:t>
+              <a:t>SRAM</a:t>
             </a:r>
             <a:endParaRPr lang="en-US" dirty="0"/>
           </a:p>
@@ -5982,15 +6113,26 @@
           <a:p>
             <a:r>
               <a:rPr lang="en-US" dirty="0" smtClean="0"/>
-              <a:t>Bitmap </a:t>
-            </a:r>
+              <a:t>SPI</a:t>
+            </a:r>
+          </a:p>
+          <a:p>
             <a:r>
               <a:rPr lang="en-US" dirty="0" err="1" smtClean="0"/>
-              <a:t>uit</a:t>
-            </a:r>
+              <a:t>Blackbox</a:t>
+            </a:r>
+            <a:endParaRPr lang="en-US" dirty="0" smtClean="0"/>
+          </a:p>
+          <a:p>
             <a:r>
               <a:rPr lang="en-US" dirty="0" smtClean="0"/>
-              <a:t> SRAM</a:t>
+              <a:t>Switch op 60Hz</a:t>
+            </a:r>
+          </a:p>
+          <a:p>
+            <a:r>
+              <a:rPr lang="en-US" dirty="0" smtClean="0"/>
+              <a:t>Read box/write box</a:t>
             </a:r>
           </a:p>
           <a:p>
@@ -5998,10 +6140,40 @@
           </a:p>
         </p:txBody>
       </p:sp>
+      <p:pic>
+        <p:nvPicPr>
+          <p:cNvPr id="4" name="Picture 3" descr="Schermafbeelding 2014-11-27 om 11.35.00.png"/>
+          <p:cNvPicPr>
+            <a:picLocks noChangeAspect="1"/>
+          </p:cNvPicPr>
+          <p:nvPr/>
+        </p:nvPicPr>
+        <p:blipFill>
+          <a:blip r:embed="rId2" cstate="print">
+            <a:extLst>
+              <a:ext uri="{28A0092B-C50C-407E-A947-70E740481C1C}">
+                <a14:useLocalDpi xmlns:a14="http://schemas.microsoft.com/office/drawing/2010/main" val="0"/>
+              </a:ext>
+            </a:extLst>
+          </a:blip>
+          <a:stretch>
+            <a:fillRect/>
+          </a:stretch>
+        </p:blipFill>
+        <p:spPr>
+          <a:xfrm>
+            <a:off x="5926336" y="2500536"/>
+            <a:ext cx="5067300" cy="4013200"/>
+          </a:xfrm>
+          <a:prstGeom prst="rect">
+            <a:avLst/>
+          </a:prstGeom>
+        </p:spPr>
+      </p:pic>
     </p:spTree>
     <p:extLst>
       <p:ext uri="{BB962C8B-B14F-4D97-AF65-F5344CB8AC3E}">
-        <p14:creationId xmlns:p14="http://schemas.microsoft.com/office/powerpoint/2010/main" xmlns="" val="4275572195"/>
+        <p14:creationId xmlns:p14="http://schemas.microsoft.com/office/powerpoint/2010/main" val="3512308647"/>
       </p:ext>
     </p:extLst>
   </p:cSld>

--- a/Eindpresentatie.pptx
+++ b/Eindpresentatie.pptx
@@ -162,7 +162,7 @@
   </p:defaultTextStyle>
   <p:extLst>
     <p:ext uri="{EFAFB233-063F-42B5-8137-9DF3F51BA10A}">
-      <p15:sldGuideLst xmlns:p15="http://schemas.microsoft.com/office/powerpoint/2012/main">
+      <p15:sldGuideLst xmlns:p15="http://schemas.microsoft.com/office/powerpoint/2012/main" xmlns="">
         <p15:guide id="1" orient="horz" pos="3072">
           <p15:clr>
             <a:srgbClr val="A4A3A4"/>
@@ -176,7 +176,7 @@
       </p15:sldGuideLst>
     </p:ext>
     <p:ext uri="{2D200454-40CA-4A62-9FC3-DE9A4176ACB9}">
-      <p15:notesGuideLst xmlns:p15="http://schemas.microsoft.com/office/powerpoint/2012/main">
+      <p15:notesGuideLst xmlns:p15="http://schemas.microsoft.com/office/powerpoint/2012/main" xmlns="">
         <p15:guide id="1" orient="horz" pos="3128">
           <p15:clr>
             <a:srgbClr val="A4A3A4"/>
@@ -286,7 +286,7 @@
             <a:fld id="{347D5123-087D-F547-BA90-AAC341263F7F}" type="datetimeFigureOut">
               <a:rPr lang="nl-NL"/>
               <a:pPr/>
-              <a:t>19-1-2015</a:t>
+              <a:t>20-1-2015</a:t>
             </a:fld>
             <a:endParaRPr lang="nl-NL"/>
           </a:p>
@@ -363,7 +363,7 @@
             <a:fld id="{D2D6B489-F77B-E44B-BA1A-250156B6FC8C}" type="slidenum">
               <a:rPr lang="nl-NL"/>
               <a:pPr/>
-              <a:t>‹#›</a:t>
+              <a:t>‹nr.›</a:t>
             </a:fld>
             <a:endParaRPr lang="nl-NL"/>
           </a:p>
@@ -372,7 +372,7 @@
     </p:spTree>
     <p:extLst>
       <p:ext uri="{BB962C8B-B14F-4D97-AF65-F5344CB8AC3E}">
-        <p14:creationId xmlns:p14="http://schemas.microsoft.com/office/powerpoint/2010/main" val="2401220708"/>
+        <p14:creationId xmlns:p14="http://schemas.microsoft.com/office/powerpoint/2010/main" xmlns="" val="2401220708"/>
       </p:ext>
     </p:extLst>
   </p:cSld>
@@ -473,7 +473,7 @@
             <a:fld id="{BF439CDE-7B43-744A-B12A-3FE096986F89}" type="datetimeFigureOut">
               <a:rPr lang="nl-NL"/>
               <a:pPr/>
-              <a:t>19-1-2015</a:t>
+              <a:t>20-1-2015</a:t>
             </a:fld>
             <a:endParaRPr lang="nl-NL"/>
           </a:p>
@@ -644,7 +644,7 @@
             <a:fld id="{8B944AE0-A2BB-A245-869D-6C23E48BF3F5}" type="slidenum">
               <a:rPr lang="nl-NL"/>
               <a:pPr/>
-              <a:t>‹#›</a:t>
+              <a:t>‹nr.›</a:t>
             </a:fld>
             <a:endParaRPr lang="nl-NL"/>
           </a:p>
@@ -653,7 +653,7 @@
     </p:spTree>
     <p:extLst>
       <p:ext uri="{BB962C8B-B14F-4D97-AF65-F5344CB8AC3E}">
-        <p14:creationId xmlns:p14="http://schemas.microsoft.com/office/powerpoint/2010/main" val="1319321177"/>
+        <p14:creationId xmlns:p14="http://schemas.microsoft.com/office/powerpoint/2010/main" xmlns="" val="1319321177"/>
       </p:ext>
     </p:extLst>
   </p:cSld>
@@ -824,7 +824,7 @@
           </a:ln>
           <a:extLst>
             <a:ext uri="{91240B29-F687-4f45-9708-019B960494DF}">
-              <a14:hiddenLine xmlns="" xmlns:a14="http://schemas.microsoft.com/office/drawing/2010/main" w="9525" algn="ctr">
+              <a14:hiddenLine xmlns:a14="http://schemas.microsoft.com/office/drawing/2010/main" xmlns="" w="9525" algn="ctr">
                 <a:solidFill>
                   <a:srgbClr val="000000"/>
                 </a:solidFill>
@@ -1065,7 +1065,7 @@
     </p:spTree>
     <p:extLst>
       <p:ext uri="{BB962C8B-B14F-4D97-AF65-F5344CB8AC3E}">
-        <p14:creationId xmlns:p14="http://schemas.microsoft.com/office/powerpoint/2010/main" val="776264751"/>
+        <p14:creationId xmlns:p14="http://schemas.microsoft.com/office/powerpoint/2010/main" xmlns="" val="776264751"/>
       </p:ext>
     </p:extLst>
   </p:cSld>
@@ -1257,7 +1257,7 @@
     </p:spTree>
     <p:extLst>
       <p:ext uri="{BB962C8B-B14F-4D97-AF65-F5344CB8AC3E}">
-        <p14:creationId xmlns:p14="http://schemas.microsoft.com/office/powerpoint/2010/main" val="1694560143"/>
+        <p14:creationId xmlns:p14="http://schemas.microsoft.com/office/powerpoint/2010/main" xmlns="" val="1694560143"/>
       </p:ext>
     </p:extLst>
   </p:cSld>
@@ -1362,7 +1362,7 @@
     </p:spTree>
     <p:extLst>
       <p:ext uri="{BB962C8B-B14F-4D97-AF65-F5344CB8AC3E}">
-        <p14:creationId xmlns:p14="http://schemas.microsoft.com/office/powerpoint/2010/main" val="3828749506"/>
+        <p14:creationId xmlns:p14="http://schemas.microsoft.com/office/powerpoint/2010/main" xmlns="" val="3828749506"/>
       </p:ext>
     </p:extLst>
   </p:cSld>
@@ -1477,7 +1477,7 @@
     </p:spTree>
     <p:extLst>
       <p:ext uri="{BB962C8B-B14F-4D97-AF65-F5344CB8AC3E}">
-        <p14:creationId xmlns:p14="http://schemas.microsoft.com/office/powerpoint/2010/main" val="1484439901"/>
+        <p14:creationId xmlns:p14="http://schemas.microsoft.com/office/powerpoint/2010/main" xmlns="" val="1484439901"/>
       </p:ext>
     </p:extLst>
   </p:cSld>
@@ -1706,7 +1706,7 @@
     </p:spTree>
     <p:extLst>
       <p:ext uri="{BB962C8B-B14F-4D97-AF65-F5344CB8AC3E}">
-        <p14:creationId xmlns:p14="http://schemas.microsoft.com/office/powerpoint/2010/main" val="2766739981"/>
+        <p14:creationId xmlns:p14="http://schemas.microsoft.com/office/powerpoint/2010/main" xmlns="" val="2766739981"/>
       </p:ext>
     </p:extLst>
   </p:cSld>
@@ -1833,7 +1833,7 @@
     </p:spTree>
     <p:extLst>
       <p:ext uri="{BB962C8B-B14F-4D97-AF65-F5344CB8AC3E}">
-        <p14:creationId xmlns:p14="http://schemas.microsoft.com/office/powerpoint/2010/main" val="2805263667"/>
+        <p14:creationId xmlns:p14="http://schemas.microsoft.com/office/powerpoint/2010/main" xmlns="" val="2805263667"/>
       </p:ext>
     </p:extLst>
   </p:cSld>
@@ -1942,7 +1942,7 @@
     </p:spTree>
     <p:extLst>
       <p:ext uri="{BB962C8B-B14F-4D97-AF65-F5344CB8AC3E}">
-        <p14:creationId xmlns:p14="http://schemas.microsoft.com/office/powerpoint/2010/main" val="2148099957"/>
+        <p14:creationId xmlns:p14="http://schemas.microsoft.com/office/powerpoint/2010/main" xmlns="" val="2148099957"/>
       </p:ext>
     </p:extLst>
   </p:cSld>
@@ -2069,7 +2069,7 @@
     </p:spTree>
     <p:extLst>
       <p:ext uri="{BB962C8B-B14F-4D97-AF65-F5344CB8AC3E}">
-        <p14:creationId xmlns:p14="http://schemas.microsoft.com/office/powerpoint/2010/main" val="1672604803"/>
+        <p14:creationId xmlns:p14="http://schemas.microsoft.com/office/powerpoint/2010/main" xmlns="" val="1672604803"/>
       </p:ext>
     </p:extLst>
   </p:cSld>
@@ -2292,7 +2292,7 @@
     </p:spTree>
     <p:extLst>
       <p:ext uri="{BB962C8B-B14F-4D97-AF65-F5344CB8AC3E}">
-        <p14:creationId xmlns:p14="http://schemas.microsoft.com/office/powerpoint/2010/main" val="1237843012"/>
+        <p14:creationId xmlns:p14="http://schemas.microsoft.com/office/powerpoint/2010/main" xmlns="" val="1237843012"/>
       </p:ext>
     </p:extLst>
   </p:cSld>
@@ -2654,7 +2654,7 @@
     </p:spTree>
     <p:extLst>
       <p:ext uri="{BB962C8B-B14F-4D97-AF65-F5344CB8AC3E}">
-        <p14:creationId xmlns:p14="http://schemas.microsoft.com/office/powerpoint/2010/main" val="437046"/>
+        <p14:creationId xmlns:p14="http://schemas.microsoft.com/office/powerpoint/2010/main" xmlns="" val="437046"/>
       </p:ext>
     </p:extLst>
   </p:cSld>
@@ -2707,7 +2707,7 @@
     </p:spTree>
     <p:extLst>
       <p:ext uri="{BB962C8B-B14F-4D97-AF65-F5344CB8AC3E}">
-        <p14:creationId xmlns:p14="http://schemas.microsoft.com/office/powerpoint/2010/main" val="3414296092"/>
+        <p14:creationId xmlns:p14="http://schemas.microsoft.com/office/powerpoint/2010/main" xmlns="" val="3414296092"/>
       </p:ext>
     </p:extLst>
   </p:cSld>
@@ -2737,7 +2737,7 @@
     </p:spTree>
     <p:extLst>
       <p:ext uri="{BB962C8B-B14F-4D97-AF65-F5344CB8AC3E}">
-        <p14:creationId xmlns:p14="http://schemas.microsoft.com/office/powerpoint/2010/main" val="2241992385"/>
+        <p14:creationId xmlns:p14="http://schemas.microsoft.com/office/powerpoint/2010/main" xmlns="" val="2241992385"/>
       </p:ext>
     </p:extLst>
   </p:cSld>
@@ -2949,7 +2949,7 @@
     </p:spTree>
     <p:extLst>
       <p:ext uri="{BB962C8B-B14F-4D97-AF65-F5344CB8AC3E}">
-        <p14:creationId xmlns:p14="http://schemas.microsoft.com/office/powerpoint/2010/main" val="2898605154"/>
+        <p14:creationId xmlns:p14="http://schemas.microsoft.com/office/powerpoint/2010/main" xmlns="" val="2898605154"/>
       </p:ext>
     </p:extLst>
   </p:cSld>
@@ -3008,14 +3008,14 @@
           </a:ln>
           <a:extLst>
             <a:ext uri="{909E8E84-426E-40dd-AFC4-6F175D3DCCD1}">
-              <a14:hiddenFill xmlns="" xmlns:a14="http://schemas.microsoft.com/office/drawing/2010/main">
+              <a14:hiddenFill xmlns:a14="http://schemas.microsoft.com/office/drawing/2010/main" xmlns="">
                 <a:solidFill>
                   <a:srgbClr val="FFFFFF"/>
                 </a:solidFill>
               </a14:hiddenFill>
             </a:ext>
             <a:ext uri="{91240B29-F687-4f45-9708-019B960494DF}">
-              <a14:hiddenLine xmlns="" xmlns:a14="http://schemas.microsoft.com/office/drawing/2010/main" w="9525">
+              <a14:hiddenLine xmlns:a14="http://schemas.microsoft.com/office/drawing/2010/main" xmlns="" w="9525">
                 <a:solidFill>
                   <a:srgbClr val="000000"/>
                 </a:solidFill>
@@ -3025,7 +3025,7 @@
               </a14:hiddenLine>
             </a:ext>
             <a:ext uri="{FAA26D3D-D897-4be2-8F04-BA451C77F1D7}">
-              <ma14:placeholderFlag xmlns="" xmlns:ma14="http://schemas.microsoft.com/office/mac/drawingml/2011/main" val="1"/>
+              <ma14:placeholderFlag xmlns:ma14="http://schemas.microsoft.com/office/mac/drawingml/2011/main" xmlns="" val="1"/>
             </a:ext>
           </a:extLst>
         </p:spPr>
@@ -3069,14 +3069,14 @@
           </a:ln>
           <a:extLst>
             <a:ext uri="{909E8E84-426E-40dd-AFC4-6F175D3DCCD1}">
-              <a14:hiddenFill xmlns="" xmlns:a14="http://schemas.microsoft.com/office/drawing/2010/main">
+              <a14:hiddenFill xmlns:a14="http://schemas.microsoft.com/office/drawing/2010/main" xmlns="">
                 <a:solidFill>
                   <a:srgbClr val="FFFFFF"/>
                 </a:solidFill>
               </a14:hiddenFill>
             </a:ext>
             <a:ext uri="{91240B29-F687-4f45-9708-019B960494DF}">
-              <a14:hiddenLine xmlns="" xmlns:a14="http://schemas.microsoft.com/office/drawing/2010/main" w="9525">
+              <a14:hiddenLine xmlns:a14="http://schemas.microsoft.com/office/drawing/2010/main" xmlns="" w="9525">
                 <a:solidFill>
                   <a:srgbClr val="000000"/>
                 </a:solidFill>
@@ -3086,7 +3086,7 @@
               </a14:hiddenLine>
             </a:ext>
             <a:ext uri="{FAA26D3D-D897-4be2-8F04-BA451C77F1D7}">
-              <ma14:placeholderFlag xmlns="" xmlns:ma14="http://schemas.microsoft.com/office/mac/drawingml/2011/main" val="1"/>
+              <ma14:placeholderFlag xmlns:ma14="http://schemas.microsoft.com/office/mac/drawingml/2011/main" xmlns="" val="1"/>
             </a:ext>
           </a:extLst>
         </p:spPr>
@@ -3144,7 +3144,7 @@
           </a:ln>
           <a:extLst>
             <a:ext uri="{91240B29-F687-4f45-9708-019B960494DF}">
-              <a14:hiddenLine xmlns="" xmlns:a14="http://schemas.microsoft.com/office/drawing/2010/main" w="9525">
+              <a14:hiddenLine xmlns:a14="http://schemas.microsoft.com/office/drawing/2010/main" xmlns="" w="9525">
                 <a:solidFill>
                   <a:srgbClr val="000000"/>
                 </a:solidFill>
@@ -3296,7 +3296,7 @@
           </a:ln>
           <a:extLst>
             <a:ext uri="{91240B29-F687-4f45-9708-019B960494DF}">
-              <a14:hiddenLine xmlns="" xmlns:a14="http://schemas.microsoft.com/office/drawing/2010/main" w="9525">
+              <a14:hiddenLine xmlns:a14="http://schemas.microsoft.com/office/drawing/2010/main" xmlns="" w="9525">
                 <a:solidFill>
                   <a:srgbClr val="000000"/>
                 </a:solidFill>
@@ -3451,7 +3451,7 @@
           </a:ln>
           <a:extLst>
             <a:ext uri="{909E8E84-426E-40dd-AFC4-6F175D3DCCD1}">
-              <a14:hiddenFill xmlns="" xmlns:a14="http://schemas.microsoft.com/office/drawing/2010/main">
+              <a14:hiddenFill xmlns:a14="http://schemas.microsoft.com/office/drawing/2010/main" xmlns="">
                 <a:noFill/>
               </a14:hiddenFill>
             </a:ext>
@@ -3492,7 +3492,7 @@
           </a:ln>
           <a:extLst>
             <a:ext uri="{909E8E84-426E-40dd-AFC4-6F175D3DCCD1}">
-              <a14:hiddenFill xmlns="" xmlns:a14="http://schemas.microsoft.com/office/drawing/2010/main">
+              <a14:hiddenFill xmlns:a14="http://schemas.microsoft.com/office/drawing/2010/main" xmlns="">
                 <a:noFill/>
               </a14:hiddenFill>
             </a:ext>
@@ -3528,14 +3528,14 @@
           </a:ln>
           <a:extLst>
             <a:ext uri="{909E8E84-426E-40dd-AFC4-6F175D3DCCD1}">
-              <a14:hiddenFill xmlns="" xmlns:a14="http://schemas.microsoft.com/office/drawing/2010/main">
+              <a14:hiddenFill xmlns:a14="http://schemas.microsoft.com/office/drawing/2010/main" xmlns="">
                 <a:solidFill>
                   <a:srgbClr val="FFFFFF"/>
                 </a:solidFill>
               </a14:hiddenFill>
             </a:ext>
             <a:ext uri="{91240B29-F687-4f45-9708-019B960494DF}">
-              <a14:hiddenLine xmlns="" xmlns:a14="http://schemas.microsoft.com/office/drawing/2010/main" w="9525">
+              <a14:hiddenLine xmlns:a14="http://schemas.microsoft.com/office/drawing/2010/main" xmlns="" w="9525">
                 <a:solidFill>
                   <a:srgbClr val="000000"/>
                 </a:solidFill>
@@ -3697,7 +3697,7 @@
           </a:ln>
           <a:extLst>
             <a:ext uri="{91240B29-F687-4f45-9708-019B960494DF}">
-              <a14:hiddenLine xmlns="" xmlns:a14="http://schemas.microsoft.com/office/drawing/2010/main" w="9525">
+              <a14:hiddenLine xmlns:a14="http://schemas.microsoft.com/office/drawing/2010/main" xmlns="" w="9525">
                 <a:solidFill>
                   <a:srgbClr val="000000"/>
                 </a:solidFill>
@@ -3837,7 +3837,7 @@
           <a:blip r:embed="rId15" cstate="email">
             <a:extLst>
               <a:ext uri="{28A0092B-C50C-407E-A947-70E740481C1C}">
-                <a14:useLocalDpi xmlns:a14="http://schemas.microsoft.com/office/drawing/2010/main" val="0"/>
+                <a14:useLocalDpi xmlns:a14="http://schemas.microsoft.com/office/drawing/2010/main" xmlns="" val="0"/>
               </a:ext>
             </a:extLst>
           </a:blip>
@@ -3860,14 +3860,14 @@
           </a:ln>
           <a:extLst>
             <a:ext uri="{909E8E84-426E-40dd-AFC4-6F175D3DCCD1}">
-              <a14:hiddenFill xmlns="" xmlns:a14="http://schemas.microsoft.com/office/drawing/2010/main">
+              <a14:hiddenFill xmlns:a14="http://schemas.microsoft.com/office/drawing/2010/main" xmlns="">
                 <a:solidFill>
                   <a:srgbClr val="FFFFFF"/>
                 </a:solidFill>
               </a14:hiddenFill>
             </a:ext>
             <a:ext uri="{91240B29-F687-4f45-9708-019B960494DF}">
-              <a14:hiddenLine xmlns="" xmlns:a14="http://schemas.microsoft.com/office/drawing/2010/main" w="9525">
+              <a14:hiddenLine xmlns:a14="http://schemas.microsoft.com/office/drawing/2010/main" xmlns="" w="9525">
                 <a:solidFill>
                   <a:srgbClr val="000000"/>
                 </a:solidFill>
@@ -3901,14 +3901,14 @@
           </a:ln>
           <a:extLst>
             <a:ext uri="{909E8E84-426E-40dd-AFC4-6F175D3DCCD1}">
-              <a14:hiddenFill xmlns="" xmlns:a14="http://schemas.microsoft.com/office/drawing/2010/main">
+              <a14:hiddenFill xmlns:a14="http://schemas.microsoft.com/office/drawing/2010/main" xmlns="">
                 <a:solidFill>
                   <a:srgbClr val="FFFFFF"/>
                 </a:solidFill>
               </a14:hiddenFill>
             </a:ext>
             <a:ext uri="{91240B29-F687-4f45-9708-019B960494DF}">
-              <a14:hiddenLine xmlns="" xmlns:a14="http://schemas.microsoft.com/office/drawing/2010/main" w="9525">
+              <a14:hiddenLine xmlns:a14="http://schemas.microsoft.com/office/drawing/2010/main" xmlns="" w="9525">
                 <a:solidFill>
                   <a:srgbClr val="000000"/>
                 </a:solidFill>
@@ -3934,7 +3934,7 @@
                 <a:cs typeface="MS PGothic" charset="0"/>
               </a:rPr>
               <a:pPr algn="r"/>
-              <a:t>‹#›</a:t>
+              <a:t>‹nr.›</a:t>
             </a:fld>
             <a:endParaRPr lang="nl-NL" sz="1600">
               <a:solidFill>
@@ -3969,14 +3969,14 @@
           </a:ln>
           <a:extLst>
             <a:ext uri="{909E8E84-426E-40dd-AFC4-6F175D3DCCD1}">
-              <a14:hiddenFill xmlns="" xmlns:a14="http://schemas.microsoft.com/office/drawing/2010/main">
+              <a14:hiddenFill xmlns:a14="http://schemas.microsoft.com/office/drawing/2010/main" xmlns="">
                 <a:solidFill>
                   <a:srgbClr val="FFFFFF"/>
                 </a:solidFill>
               </a14:hiddenFill>
             </a:ext>
             <a:ext uri="{91240B29-F687-4f45-9708-019B960494DF}">
-              <a14:hiddenLine xmlns="" xmlns:a14="http://schemas.microsoft.com/office/drawing/2010/main" w="9525">
+              <a14:hiddenLine xmlns:a14="http://schemas.microsoft.com/office/drawing/2010/main" xmlns="" w="9525">
                 <a:solidFill>
                   <a:srgbClr val="000000"/>
                 </a:solidFill>
@@ -4626,7 +4626,7 @@
           </a:ln>
           <a:extLst>
             <a:ext uri="{91240B29-F687-4f45-9708-019B960494DF}">
-              <a14:hiddenLine xmlns="" xmlns:a14="http://schemas.microsoft.com/office/drawing/2010/main" w="9525">
+              <a14:hiddenLine xmlns:a14="http://schemas.microsoft.com/office/drawing/2010/main" xmlns="" w="9525">
                 <a:solidFill>
                   <a:srgbClr val="000000"/>
                 </a:solidFill>
@@ -4757,7 +4757,7 @@
           </a:ln>
           <a:extLst>
             <a:ext uri="{91240B29-F687-4f45-9708-019B960494DF}">
-              <a14:hiddenLine xmlns="" xmlns:a14="http://schemas.microsoft.com/office/drawing/2010/main" w="9525">
+              <a14:hiddenLine xmlns:a14="http://schemas.microsoft.com/office/drawing/2010/main" xmlns="" w="9525">
                 <a:solidFill>
                   <a:srgbClr val="000000"/>
                 </a:solidFill>
@@ -4870,7 +4870,7 @@
     </p:spTree>
     <p:extLst>
       <p:ext uri="{BB962C8B-B14F-4D97-AF65-F5344CB8AC3E}">
-        <p14:creationId xmlns:p14="http://schemas.microsoft.com/office/powerpoint/2010/main" val="4275572195"/>
+        <p14:creationId xmlns:p14="http://schemas.microsoft.com/office/powerpoint/2010/main" xmlns="" val="4275572195"/>
       </p:ext>
     </p:extLst>
   </p:cSld>
@@ -5473,12 +5473,14 @@
             <a:endParaRPr lang="en-US" dirty="0" smtClean="0"/>
           </a:p>
           <a:p>
+            <a:pPr lvl="1"/>
             <a:r>
               <a:rPr lang="en-US" dirty="0" smtClean="0"/>
               <a:t>Processor</a:t>
             </a:r>
           </a:p>
           <a:p>
+            <a:pPr lvl="1"/>
             <a:r>
               <a:rPr lang="en-US" dirty="0" smtClean="0"/>
               <a:t>SD-</a:t>
@@ -5490,18 +5492,21 @@
             <a:endParaRPr lang="en-US" dirty="0" smtClean="0"/>
           </a:p>
           <a:p>
+            <a:pPr lvl="1"/>
             <a:r>
               <a:rPr lang="en-US" dirty="0" smtClean="0"/>
               <a:t>GPU</a:t>
             </a:r>
           </a:p>
           <a:p>
+            <a:pPr lvl="1"/>
             <a:r>
               <a:rPr lang="en-US" dirty="0" smtClean="0"/>
               <a:t>VGA</a:t>
             </a:r>
           </a:p>
           <a:p>
+            <a:pPr lvl="1"/>
             <a:r>
               <a:rPr lang="en-US" dirty="0" err="1" smtClean="0"/>
               <a:t>Blackbox</a:t>
@@ -5509,13 +5514,14 @@
             <a:endParaRPr lang="en-US" dirty="0" smtClean="0"/>
           </a:p>
           <a:p>
+            <a:pPr lvl="2"/>
+            <a:r>
+              <a:rPr lang="en-US" sz="1600" dirty="0" smtClean="0"/>
+              <a:t>SRAM</a:t>
+            </a:r>
+          </a:p>
+          <a:p>
             <a:pPr lvl="1"/>
-            <a:r>
-              <a:rPr lang="en-US" dirty="0" smtClean="0"/>
-              <a:t>SRAM</a:t>
-            </a:r>
-          </a:p>
-          <a:p>
             <a:r>
               <a:rPr lang="en-US" dirty="0" err="1" smtClean="0"/>
               <a:t>Besturing</a:t>
@@ -5552,8 +5558,8 @@
         </p:blipFill>
         <p:spPr>
           <a:xfrm>
-            <a:off x="5350272" y="1780456"/>
-            <a:ext cx="5296359" cy="4115157"/>
+            <a:off x="5278264" y="2428528"/>
+            <a:ext cx="6394710" cy="4968552"/>
           </a:xfrm>
           <a:prstGeom prst="rect">
             <a:avLst/>
@@ -5563,7 +5569,7 @@
     </p:spTree>
     <p:extLst>
       <p:ext uri="{BB962C8B-B14F-4D97-AF65-F5344CB8AC3E}">
-        <p14:creationId xmlns:p14="http://schemas.microsoft.com/office/powerpoint/2010/main" val="1119502918"/>
+        <p14:creationId xmlns:p14="http://schemas.microsoft.com/office/powerpoint/2010/main" xmlns="" val="1119502918"/>
       </p:ext>
     </p:extLst>
   </p:cSld>
@@ -5704,7 +5710,7 @@
           <a:blip r:embed="rId2" cstate="email">
             <a:extLst>
               <a:ext uri="{28A0092B-C50C-407E-A947-70E740481C1C}">
-                <a14:useLocalDpi xmlns:a14="http://schemas.microsoft.com/office/drawing/2010/main" val="0"/>
+                <a14:useLocalDpi xmlns:a14="http://schemas.microsoft.com/office/drawing/2010/main" xmlns="" val="0"/>
               </a:ext>
             </a:extLst>
           </a:blip>
@@ -5725,7 +5731,7 @@
     </p:spTree>
     <p:extLst>
       <p:ext uri="{BB962C8B-B14F-4D97-AF65-F5344CB8AC3E}">
-        <p14:creationId xmlns:p14="http://schemas.microsoft.com/office/powerpoint/2010/main" val="2105157772"/>
+        <p14:creationId xmlns:p14="http://schemas.microsoft.com/office/powerpoint/2010/main" xmlns="" val="2105157772"/>
       </p:ext>
     </p:extLst>
   </p:cSld>
@@ -5814,7 +5820,7 @@
           <p:nvPr/>
         </p:nvPicPr>
         <p:blipFill rotWithShape="1">
-          <a:blip r:embed="rId2"/>
+          <a:blip r:embed="rId2" cstate="print"/>
           <a:srcRect l="6533" t="9543" r="9653" b="45549"/>
           <a:stretch/>
         </p:blipFill>
@@ -5831,7 +5837,7 @@
     </p:spTree>
     <p:extLst>
       <p:ext uri="{BB962C8B-B14F-4D97-AF65-F5344CB8AC3E}">
-        <p14:creationId xmlns:p14="http://schemas.microsoft.com/office/powerpoint/2010/main" val="869606197"/>
+        <p14:creationId xmlns:p14="http://schemas.microsoft.com/office/powerpoint/2010/main" xmlns="" val="869606197"/>
       </p:ext>
     </p:extLst>
   </p:cSld>
@@ -5922,7 +5928,7 @@
           <a:blip r:embed="rId2" cstate="print">
             <a:extLst>
               <a:ext uri="{28A0092B-C50C-407E-A947-70E740481C1C}">
-                <a14:useLocalDpi xmlns:a14="http://schemas.microsoft.com/office/drawing/2010/main" val="0"/>
+                <a14:useLocalDpi xmlns:a14="http://schemas.microsoft.com/office/drawing/2010/main" xmlns="" val="0"/>
               </a:ext>
             </a:extLst>
           </a:blip>
@@ -5943,7 +5949,7 @@
     </p:spTree>
     <p:extLst>
       <p:ext uri="{BB962C8B-B14F-4D97-AF65-F5344CB8AC3E}">
-        <p14:creationId xmlns:p14="http://schemas.microsoft.com/office/powerpoint/2010/main" val="2155680525"/>
+        <p14:creationId xmlns:p14="http://schemas.microsoft.com/office/powerpoint/2010/main" xmlns="" val="2155680525"/>
       </p:ext>
     </p:extLst>
   </p:cSld>
@@ -6046,7 +6052,7 @@
     </p:spTree>
     <p:extLst>
       <p:ext uri="{BB962C8B-B14F-4D97-AF65-F5344CB8AC3E}">
-        <p14:creationId xmlns:p14="http://schemas.microsoft.com/office/powerpoint/2010/main" val="2452125258"/>
+        <p14:creationId xmlns:p14="http://schemas.microsoft.com/office/powerpoint/2010/main" xmlns="" val="2452125258"/>
       </p:ext>
     </p:extLst>
   </p:cSld>
@@ -6152,7 +6158,7 @@
           <a:blip r:embed="rId2" cstate="print">
             <a:extLst>
               <a:ext uri="{28A0092B-C50C-407E-A947-70E740481C1C}">
-                <a14:useLocalDpi xmlns:a14="http://schemas.microsoft.com/office/drawing/2010/main" val="0"/>
+                <a14:useLocalDpi xmlns:a14="http://schemas.microsoft.com/office/drawing/2010/main" xmlns="" val="0"/>
               </a:ext>
             </a:extLst>
           </a:blip>
@@ -6173,7 +6179,7 @@
     </p:spTree>
     <p:extLst>
       <p:ext uri="{BB962C8B-B14F-4D97-AF65-F5344CB8AC3E}">
-        <p14:creationId xmlns:p14="http://schemas.microsoft.com/office/powerpoint/2010/main" val="3512308647"/>
+        <p14:creationId xmlns:p14="http://schemas.microsoft.com/office/powerpoint/2010/main" xmlns="" val="3512308647"/>
       </p:ext>
     </p:extLst>
   </p:cSld>

--- a/Eindpresentatie.pptx
+++ b/Eindpresentatie.pptx
@@ -5,10 +5,10 @@
     <p:sldMasterId id="2147483673" r:id="rId1"/>
   </p:sldMasterIdLst>
   <p:notesMasterIdLst>
-    <p:notesMasterId r:id="rId14"/>
+    <p:notesMasterId r:id="rId17"/>
   </p:notesMasterIdLst>
   <p:handoutMasterIdLst>
-    <p:handoutMasterId r:id="rId15"/>
+    <p:handoutMasterId r:id="rId18"/>
   </p:handoutMasterIdLst>
   <p:sldIdLst>
     <p:sldId id="319" r:id="rId2"/>
@@ -16,13 +16,16 @@
     <p:sldId id="328" r:id="rId4"/>
     <p:sldId id="321" r:id="rId5"/>
     <p:sldId id="322" r:id="rId6"/>
-    <p:sldId id="331" r:id="rId7"/>
-    <p:sldId id="323" r:id="rId8"/>
-    <p:sldId id="324" r:id="rId9"/>
-    <p:sldId id="325" r:id="rId10"/>
-    <p:sldId id="326" r:id="rId11"/>
-    <p:sldId id="329" r:id="rId12"/>
-    <p:sldId id="330" r:id="rId13"/>
+    <p:sldId id="332" r:id="rId7"/>
+    <p:sldId id="331" r:id="rId8"/>
+    <p:sldId id="333" r:id="rId9"/>
+    <p:sldId id="334" r:id="rId10"/>
+    <p:sldId id="323" r:id="rId11"/>
+    <p:sldId id="324" r:id="rId12"/>
+    <p:sldId id="325" r:id="rId13"/>
+    <p:sldId id="326" r:id="rId14"/>
+    <p:sldId id="329" r:id="rId15"/>
+    <p:sldId id="330" r:id="rId16"/>
   </p:sldIdLst>
   <p:sldSz cx="13004800" cy="9753600"/>
   <p:notesSz cx="6794500" cy="9931400"/>
@@ -286,7 +289,7 @@
             <a:fld id="{347D5123-087D-F547-BA90-AAC341263F7F}" type="datetimeFigureOut">
               <a:rPr lang="nl-NL"/>
               <a:pPr/>
-              <a:t>19-1-2015</a:t>
+              <a:t>20-1-2015</a:t>
             </a:fld>
             <a:endParaRPr lang="nl-NL"/>
           </a:p>
@@ -473,7 +476,7 @@
             <a:fld id="{BF439CDE-7B43-744A-B12A-3FE096986F89}" type="datetimeFigureOut">
               <a:rPr lang="nl-NL"/>
               <a:pPr/>
-              <a:t>19-1-2015</a:t>
+              <a:t>20-1-2015</a:t>
             </a:fld>
             <a:endParaRPr lang="nl-NL"/>
           </a:p>
@@ -824,7 +827,7 @@
           </a:ln>
           <a:extLst>
             <a:ext uri="{91240B29-F687-4f45-9708-019B960494DF}">
-              <a14:hiddenLine xmlns="" xmlns:a14="http://schemas.microsoft.com/office/drawing/2010/main" w="9525" algn="ctr">
+              <a14:hiddenLine xmlns:a14="http://schemas.microsoft.com/office/drawing/2010/main" xmlns="" w="9525" algn="ctr">
                 <a:solidFill>
                   <a:srgbClr val="000000"/>
                 </a:solidFill>
@@ -3008,14 +3011,14 @@
           </a:ln>
           <a:extLst>
             <a:ext uri="{909E8E84-426E-40dd-AFC4-6F175D3DCCD1}">
-              <a14:hiddenFill xmlns="" xmlns:a14="http://schemas.microsoft.com/office/drawing/2010/main">
+              <a14:hiddenFill xmlns:a14="http://schemas.microsoft.com/office/drawing/2010/main" xmlns="">
                 <a:solidFill>
                   <a:srgbClr val="FFFFFF"/>
                 </a:solidFill>
               </a14:hiddenFill>
             </a:ext>
             <a:ext uri="{91240B29-F687-4f45-9708-019B960494DF}">
-              <a14:hiddenLine xmlns="" xmlns:a14="http://schemas.microsoft.com/office/drawing/2010/main" w="9525">
+              <a14:hiddenLine xmlns:a14="http://schemas.microsoft.com/office/drawing/2010/main" xmlns="" w="9525">
                 <a:solidFill>
                   <a:srgbClr val="000000"/>
                 </a:solidFill>
@@ -3025,7 +3028,7 @@
               </a14:hiddenLine>
             </a:ext>
             <a:ext uri="{FAA26D3D-D897-4be2-8F04-BA451C77F1D7}">
-              <ma14:placeholderFlag xmlns="" xmlns:ma14="http://schemas.microsoft.com/office/mac/drawingml/2011/main" val="1"/>
+              <ma14:placeholderFlag xmlns:ma14="http://schemas.microsoft.com/office/mac/drawingml/2011/main" xmlns="" val="1"/>
             </a:ext>
           </a:extLst>
         </p:spPr>
@@ -3069,14 +3072,14 @@
           </a:ln>
           <a:extLst>
             <a:ext uri="{909E8E84-426E-40dd-AFC4-6F175D3DCCD1}">
-              <a14:hiddenFill xmlns="" xmlns:a14="http://schemas.microsoft.com/office/drawing/2010/main">
+              <a14:hiddenFill xmlns:a14="http://schemas.microsoft.com/office/drawing/2010/main" xmlns="">
                 <a:solidFill>
                   <a:srgbClr val="FFFFFF"/>
                 </a:solidFill>
               </a14:hiddenFill>
             </a:ext>
             <a:ext uri="{91240B29-F687-4f45-9708-019B960494DF}">
-              <a14:hiddenLine xmlns="" xmlns:a14="http://schemas.microsoft.com/office/drawing/2010/main" w="9525">
+              <a14:hiddenLine xmlns:a14="http://schemas.microsoft.com/office/drawing/2010/main" xmlns="" w="9525">
                 <a:solidFill>
                   <a:srgbClr val="000000"/>
                 </a:solidFill>
@@ -3086,7 +3089,7 @@
               </a14:hiddenLine>
             </a:ext>
             <a:ext uri="{FAA26D3D-D897-4be2-8F04-BA451C77F1D7}">
-              <ma14:placeholderFlag xmlns="" xmlns:ma14="http://schemas.microsoft.com/office/mac/drawingml/2011/main" val="1"/>
+              <ma14:placeholderFlag xmlns:ma14="http://schemas.microsoft.com/office/mac/drawingml/2011/main" xmlns="" val="1"/>
             </a:ext>
           </a:extLst>
         </p:spPr>
@@ -3144,7 +3147,7 @@
           </a:ln>
           <a:extLst>
             <a:ext uri="{91240B29-F687-4f45-9708-019B960494DF}">
-              <a14:hiddenLine xmlns="" xmlns:a14="http://schemas.microsoft.com/office/drawing/2010/main" w="9525">
+              <a14:hiddenLine xmlns:a14="http://schemas.microsoft.com/office/drawing/2010/main" xmlns="" w="9525">
                 <a:solidFill>
                   <a:srgbClr val="000000"/>
                 </a:solidFill>
@@ -3296,7 +3299,7 @@
           </a:ln>
           <a:extLst>
             <a:ext uri="{91240B29-F687-4f45-9708-019B960494DF}">
-              <a14:hiddenLine xmlns="" xmlns:a14="http://schemas.microsoft.com/office/drawing/2010/main" w="9525">
+              <a14:hiddenLine xmlns:a14="http://schemas.microsoft.com/office/drawing/2010/main" xmlns="" w="9525">
                 <a:solidFill>
                   <a:srgbClr val="000000"/>
                 </a:solidFill>
@@ -3451,7 +3454,7 @@
           </a:ln>
           <a:extLst>
             <a:ext uri="{909E8E84-426E-40dd-AFC4-6F175D3DCCD1}">
-              <a14:hiddenFill xmlns="" xmlns:a14="http://schemas.microsoft.com/office/drawing/2010/main">
+              <a14:hiddenFill xmlns:a14="http://schemas.microsoft.com/office/drawing/2010/main" xmlns="">
                 <a:noFill/>
               </a14:hiddenFill>
             </a:ext>
@@ -3492,7 +3495,7 @@
           </a:ln>
           <a:extLst>
             <a:ext uri="{909E8E84-426E-40dd-AFC4-6F175D3DCCD1}">
-              <a14:hiddenFill xmlns="" xmlns:a14="http://schemas.microsoft.com/office/drawing/2010/main">
+              <a14:hiddenFill xmlns:a14="http://schemas.microsoft.com/office/drawing/2010/main" xmlns="">
                 <a:noFill/>
               </a14:hiddenFill>
             </a:ext>
@@ -3528,14 +3531,14 @@
           </a:ln>
           <a:extLst>
             <a:ext uri="{909E8E84-426E-40dd-AFC4-6F175D3DCCD1}">
-              <a14:hiddenFill xmlns="" xmlns:a14="http://schemas.microsoft.com/office/drawing/2010/main">
+              <a14:hiddenFill xmlns:a14="http://schemas.microsoft.com/office/drawing/2010/main" xmlns="">
                 <a:solidFill>
                   <a:srgbClr val="FFFFFF"/>
                 </a:solidFill>
               </a14:hiddenFill>
             </a:ext>
             <a:ext uri="{91240B29-F687-4f45-9708-019B960494DF}">
-              <a14:hiddenLine xmlns="" xmlns:a14="http://schemas.microsoft.com/office/drawing/2010/main" w="9525">
+              <a14:hiddenLine xmlns:a14="http://schemas.microsoft.com/office/drawing/2010/main" xmlns="" w="9525">
                 <a:solidFill>
                   <a:srgbClr val="000000"/>
                 </a:solidFill>
@@ -3697,7 +3700,7 @@
           </a:ln>
           <a:extLst>
             <a:ext uri="{91240B29-F687-4f45-9708-019B960494DF}">
-              <a14:hiddenLine xmlns="" xmlns:a14="http://schemas.microsoft.com/office/drawing/2010/main" w="9525">
+              <a14:hiddenLine xmlns:a14="http://schemas.microsoft.com/office/drawing/2010/main" xmlns="" w="9525">
                 <a:solidFill>
                   <a:srgbClr val="000000"/>
                 </a:solidFill>
@@ -3860,14 +3863,14 @@
           </a:ln>
           <a:extLst>
             <a:ext uri="{909E8E84-426E-40dd-AFC4-6F175D3DCCD1}">
-              <a14:hiddenFill xmlns="" xmlns:a14="http://schemas.microsoft.com/office/drawing/2010/main">
+              <a14:hiddenFill xmlns:a14="http://schemas.microsoft.com/office/drawing/2010/main" xmlns="">
                 <a:solidFill>
                   <a:srgbClr val="FFFFFF"/>
                 </a:solidFill>
               </a14:hiddenFill>
             </a:ext>
             <a:ext uri="{91240B29-F687-4f45-9708-019B960494DF}">
-              <a14:hiddenLine xmlns="" xmlns:a14="http://schemas.microsoft.com/office/drawing/2010/main" w="9525">
+              <a14:hiddenLine xmlns:a14="http://schemas.microsoft.com/office/drawing/2010/main" xmlns="" w="9525">
                 <a:solidFill>
                   <a:srgbClr val="000000"/>
                 </a:solidFill>
@@ -3901,14 +3904,14 @@
           </a:ln>
           <a:extLst>
             <a:ext uri="{909E8E84-426E-40dd-AFC4-6F175D3DCCD1}">
-              <a14:hiddenFill xmlns="" xmlns:a14="http://schemas.microsoft.com/office/drawing/2010/main">
+              <a14:hiddenFill xmlns:a14="http://schemas.microsoft.com/office/drawing/2010/main" xmlns="">
                 <a:solidFill>
                   <a:srgbClr val="FFFFFF"/>
                 </a:solidFill>
               </a14:hiddenFill>
             </a:ext>
             <a:ext uri="{91240B29-F687-4f45-9708-019B960494DF}">
-              <a14:hiddenLine xmlns="" xmlns:a14="http://schemas.microsoft.com/office/drawing/2010/main" w="9525">
+              <a14:hiddenLine xmlns:a14="http://schemas.microsoft.com/office/drawing/2010/main" xmlns="" w="9525">
                 <a:solidFill>
                   <a:srgbClr val="000000"/>
                 </a:solidFill>
@@ -3969,14 +3972,14 @@
           </a:ln>
           <a:extLst>
             <a:ext uri="{909E8E84-426E-40dd-AFC4-6F175D3DCCD1}">
-              <a14:hiddenFill xmlns="" xmlns:a14="http://schemas.microsoft.com/office/drawing/2010/main">
+              <a14:hiddenFill xmlns:a14="http://schemas.microsoft.com/office/drawing/2010/main" xmlns="">
                 <a:solidFill>
                   <a:srgbClr val="FFFFFF"/>
                 </a:solidFill>
               </a14:hiddenFill>
             </a:ext>
             <a:ext uri="{91240B29-F687-4f45-9708-019B960494DF}">
-              <a14:hiddenLine xmlns="" xmlns:a14="http://schemas.microsoft.com/office/drawing/2010/main" w="9525">
+              <a14:hiddenLine xmlns:a14="http://schemas.microsoft.com/office/drawing/2010/main" xmlns="" w="9525">
                 <a:solidFill>
                   <a:srgbClr val="000000"/>
                 </a:solidFill>
@@ -4626,7 +4629,7 @@
           </a:ln>
           <a:extLst>
             <a:ext uri="{91240B29-F687-4f45-9708-019B960494DF}">
-              <a14:hiddenLine xmlns="" xmlns:a14="http://schemas.microsoft.com/office/drawing/2010/main" w="9525">
+              <a14:hiddenLine xmlns:a14="http://schemas.microsoft.com/office/drawing/2010/main" xmlns="" w="9525">
                 <a:solidFill>
                   <a:srgbClr val="000000"/>
                 </a:solidFill>
@@ -4757,7 +4760,7 @@
           </a:ln>
           <a:extLst>
             <a:ext uri="{91240B29-F687-4f45-9708-019B960494DF}">
-              <a14:hiddenLine xmlns="" xmlns:a14="http://schemas.microsoft.com/office/drawing/2010/main" w="9525">
+              <a14:hiddenLine xmlns:a14="http://schemas.microsoft.com/office/drawing/2010/main" xmlns="" w="9525">
                 <a:solidFill>
                   <a:srgbClr val="000000"/>
                 </a:solidFill>
@@ -4828,7 +4831,7 @@
           <a:p>
             <a:r>
               <a:rPr lang="en-US" dirty="0" smtClean="0"/>
-              <a:t>VGA</a:t>
+              <a:t>Processor</a:t>
             </a:r>
             <a:endParaRPr lang="en-US" dirty="0"/>
           </a:p>
@@ -4849,34 +4852,60 @@
           <a:bodyPr/>
           <a:lstStyle/>
           <a:p>
-            <a:r>
-              <a:rPr lang="en-US" dirty="0" smtClean="0"/>
-              <a:t>Bitmap </a:t>
-            </a:r>
-            <a:r>
-              <a:rPr lang="en-US" dirty="0" err="1" smtClean="0"/>
-              <a:t>uit</a:t>
-            </a:r>
-            <a:r>
-              <a:rPr lang="en-US" dirty="0" smtClean="0"/>
-              <a:t> SRAM</a:t>
-            </a:r>
-          </a:p>
-          <a:p>
+            <a:pPr marL="0" indent="0">
+              <a:buNone/>
+            </a:pPr>
             <a:endParaRPr lang="en-US" dirty="0"/>
           </a:p>
         </p:txBody>
       </p:sp>
+      <p:pic>
+        <p:nvPicPr>
+          <p:cNvPr id="4" name="Picture 3" descr="general entitiy.bmp"/>
+          <p:cNvPicPr>
+            <a:picLocks noChangeAspect="1"/>
+          </p:cNvPicPr>
+          <p:nvPr/>
+        </p:nvPicPr>
+        <p:blipFill>
+          <a:blip r:embed="rId2" cstate="print">
+            <a:extLst>
+              <a:ext uri="{28A0092B-C50C-407E-A947-70E740481C1C}">
+                <a14:useLocalDpi xmlns:a14="http://schemas.microsoft.com/office/drawing/2010/main" val="0"/>
+              </a:ext>
+            </a:extLst>
+          </a:blip>
+          <a:stretch>
+            <a:fillRect/>
+          </a:stretch>
+        </p:blipFill>
+        <p:spPr>
+          <a:xfrm>
+            <a:off x="1677864" y="1636440"/>
+            <a:ext cx="5867400" cy="6337300"/>
+          </a:xfrm>
+          <a:prstGeom prst="rect">
+            <a:avLst/>
+          </a:prstGeom>
+        </p:spPr>
+      </p:pic>
     </p:spTree>
     <p:extLst>
       <p:ext uri="{BB962C8B-B14F-4D97-AF65-F5344CB8AC3E}">
-        <p14:creationId xmlns:p14="http://schemas.microsoft.com/office/powerpoint/2010/main" val="4275572195"/>
+        <p14:creationId xmlns:p14="http://schemas.microsoft.com/office/powerpoint/2010/main" val="2155680525"/>
       </p:ext>
     </p:extLst>
   </p:cSld>
   <p:clrMapOvr>
     <a:masterClrMapping/>
   </p:clrMapOvr>
+  <p:timing>
+    <p:tnLst>
+      <p:par>
+        <p:cTn id="1" dur="indefinite" restart="never" nodeType="tmRoot"/>
+      </p:par>
+    </p:tnLst>
+  </p:timing>
 </p:sld>
 </file>
 
@@ -4899,6 +4928,315 @@
       </p:grpSpPr>
       <p:sp>
         <p:nvSpPr>
+          <p:cNvPr id="2" name="Title 1"/>
+          <p:cNvSpPr>
+            <a:spLocks noGrp="1"/>
+          </p:cNvSpPr>
+          <p:nvPr>
+            <p:ph type="title"/>
+          </p:nvPr>
+        </p:nvSpPr>
+        <p:spPr/>
+        <p:txBody>
+          <a:bodyPr/>
+          <a:lstStyle/>
+          <a:p>
+            <a:r>
+              <a:rPr lang="en-US" dirty="0" smtClean="0"/>
+              <a:t>SD-</a:t>
+            </a:r>
+            <a:r>
+              <a:rPr lang="en-US" dirty="0" err="1" smtClean="0"/>
+              <a:t>kaart</a:t>
+            </a:r>
+            <a:endParaRPr lang="en-US" dirty="0"/>
+          </a:p>
+        </p:txBody>
+      </p:sp>
+      <p:sp>
+        <p:nvSpPr>
+          <p:cNvPr id="3" name="Content Placeholder 2"/>
+          <p:cNvSpPr>
+            <a:spLocks noGrp="1"/>
+          </p:cNvSpPr>
+          <p:nvPr>
+            <p:ph idx="1"/>
+          </p:nvPr>
+        </p:nvSpPr>
+        <p:spPr/>
+        <p:txBody>
+          <a:bodyPr/>
+          <a:lstStyle/>
+          <a:p>
+            <a:r>
+              <a:rPr lang="en-US" dirty="0" smtClean="0"/>
+              <a:t>SPI</a:t>
+            </a:r>
+          </a:p>
+          <a:p>
+            <a:r>
+              <a:rPr lang="en-US" dirty="0" smtClean="0"/>
+              <a:t>Assembly van het </a:t>
+            </a:r>
+            <a:r>
+              <a:rPr lang="en-US" dirty="0" err="1" smtClean="0"/>
+              <a:t>spel</a:t>
+            </a:r>
+            <a:endParaRPr lang="en-US" dirty="0" smtClean="0"/>
+          </a:p>
+          <a:p>
+            <a:endParaRPr lang="en-US" dirty="0" smtClean="0"/>
+          </a:p>
+          <a:p>
+            <a:endParaRPr lang="en-US" dirty="0"/>
+          </a:p>
+        </p:txBody>
+      </p:sp>
+    </p:spTree>
+    <p:extLst>
+      <p:ext uri="{BB962C8B-B14F-4D97-AF65-F5344CB8AC3E}">
+        <p14:creationId xmlns:p14="http://schemas.microsoft.com/office/powerpoint/2010/main" val="2452125258"/>
+      </p:ext>
+    </p:extLst>
+  </p:cSld>
+  <p:clrMapOvr>
+    <a:masterClrMapping/>
+  </p:clrMapOvr>
+</p:sld>
+</file>
+
+<file path=ppt/slides/slide12.xml><?xml version="1.0" encoding="utf-8"?>
+<p:sld xmlns:a="http://schemas.openxmlformats.org/drawingml/2006/main" xmlns:r="http://schemas.openxmlformats.org/officeDocument/2006/relationships" xmlns:p="http://schemas.openxmlformats.org/presentationml/2006/main">
+  <p:cSld>
+    <p:spTree>
+      <p:nvGrpSpPr>
+        <p:cNvPr id="1" name=""/>
+        <p:cNvGrpSpPr/>
+        <p:nvPr/>
+      </p:nvGrpSpPr>
+      <p:grpSpPr>
+        <a:xfrm>
+          <a:off x="0" y="0"/>
+          <a:ext cx="0" cy="0"/>
+          <a:chOff x="0" y="0"/>
+          <a:chExt cx="0" cy="0"/>
+        </a:xfrm>
+      </p:grpSpPr>
+      <p:sp>
+        <p:nvSpPr>
+          <p:cNvPr id="2" name="Title 1"/>
+          <p:cNvSpPr>
+            <a:spLocks noGrp="1"/>
+          </p:cNvSpPr>
+          <p:nvPr>
+            <p:ph type="title"/>
+          </p:nvPr>
+        </p:nvSpPr>
+        <p:spPr/>
+        <p:txBody>
+          <a:bodyPr/>
+          <a:lstStyle/>
+          <a:p>
+            <a:r>
+              <a:rPr lang="en-US" dirty="0" smtClean="0"/>
+              <a:t>SRAM</a:t>
+            </a:r>
+            <a:endParaRPr lang="en-US" dirty="0"/>
+          </a:p>
+        </p:txBody>
+      </p:sp>
+      <p:sp>
+        <p:nvSpPr>
+          <p:cNvPr id="3" name="Content Placeholder 2"/>
+          <p:cNvSpPr>
+            <a:spLocks noGrp="1"/>
+          </p:cNvSpPr>
+          <p:nvPr>
+            <p:ph idx="1"/>
+          </p:nvPr>
+        </p:nvSpPr>
+        <p:spPr/>
+        <p:txBody>
+          <a:bodyPr/>
+          <a:lstStyle/>
+          <a:p>
+            <a:r>
+              <a:rPr lang="en-US" dirty="0" smtClean="0"/>
+              <a:t>SPI</a:t>
+            </a:r>
+          </a:p>
+          <a:p>
+            <a:r>
+              <a:rPr lang="en-US" dirty="0" err="1" smtClean="0"/>
+              <a:t>Blackbox</a:t>
+            </a:r>
+            <a:endParaRPr lang="en-US" dirty="0" smtClean="0"/>
+          </a:p>
+          <a:p>
+            <a:r>
+              <a:rPr lang="en-US" dirty="0" smtClean="0"/>
+              <a:t>Switch op 60Hz</a:t>
+            </a:r>
+          </a:p>
+          <a:p>
+            <a:r>
+              <a:rPr lang="en-US" dirty="0" smtClean="0"/>
+              <a:t>Read box/write box</a:t>
+            </a:r>
+          </a:p>
+          <a:p>
+            <a:endParaRPr lang="en-US" dirty="0"/>
+          </a:p>
+        </p:txBody>
+      </p:sp>
+      <p:pic>
+        <p:nvPicPr>
+          <p:cNvPr id="4" name="Picture 3" descr="Schermafbeelding 2014-11-27 om 11.35.00.png"/>
+          <p:cNvPicPr>
+            <a:picLocks noChangeAspect="1"/>
+          </p:cNvPicPr>
+          <p:nvPr/>
+        </p:nvPicPr>
+        <p:blipFill>
+          <a:blip r:embed="rId2" cstate="print">
+            <a:extLst>
+              <a:ext uri="{28A0092B-C50C-407E-A947-70E740481C1C}">
+                <a14:useLocalDpi xmlns:a14="http://schemas.microsoft.com/office/drawing/2010/main" val="0"/>
+              </a:ext>
+            </a:extLst>
+          </a:blip>
+          <a:stretch>
+            <a:fillRect/>
+          </a:stretch>
+        </p:blipFill>
+        <p:spPr>
+          <a:xfrm>
+            <a:off x="5926336" y="2500536"/>
+            <a:ext cx="5067300" cy="4013200"/>
+          </a:xfrm>
+          <a:prstGeom prst="rect">
+            <a:avLst/>
+          </a:prstGeom>
+        </p:spPr>
+      </p:pic>
+    </p:spTree>
+    <p:extLst>
+      <p:ext uri="{BB962C8B-B14F-4D97-AF65-F5344CB8AC3E}">
+        <p14:creationId xmlns:p14="http://schemas.microsoft.com/office/powerpoint/2010/main" val="3512308647"/>
+      </p:ext>
+    </p:extLst>
+  </p:cSld>
+  <p:clrMapOvr>
+    <a:masterClrMapping/>
+  </p:clrMapOvr>
+</p:sld>
+</file>
+
+<file path=ppt/slides/slide13.xml><?xml version="1.0" encoding="utf-8"?>
+<p:sld xmlns:a="http://schemas.openxmlformats.org/drawingml/2006/main" xmlns:r="http://schemas.openxmlformats.org/officeDocument/2006/relationships" xmlns:p="http://schemas.openxmlformats.org/presentationml/2006/main">
+  <p:cSld>
+    <p:spTree>
+      <p:nvGrpSpPr>
+        <p:cNvPr id="1" name=""/>
+        <p:cNvGrpSpPr/>
+        <p:nvPr/>
+      </p:nvGrpSpPr>
+      <p:grpSpPr>
+        <a:xfrm>
+          <a:off x="0" y="0"/>
+          <a:ext cx="0" cy="0"/>
+          <a:chOff x="0" y="0"/>
+          <a:chExt cx="0" cy="0"/>
+        </a:xfrm>
+      </p:grpSpPr>
+      <p:sp>
+        <p:nvSpPr>
+          <p:cNvPr id="2" name="Title 1"/>
+          <p:cNvSpPr>
+            <a:spLocks noGrp="1"/>
+          </p:cNvSpPr>
+          <p:nvPr>
+            <p:ph type="title"/>
+          </p:nvPr>
+        </p:nvSpPr>
+        <p:spPr/>
+        <p:txBody>
+          <a:bodyPr/>
+          <a:lstStyle/>
+          <a:p>
+            <a:r>
+              <a:rPr lang="en-US" dirty="0" smtClean="0"/>
+              <a:t>VGA</a:t>
+            </a:r>
+            <a:endParaRPr lang="en-US" dirty="0"/>
+          </a:p>
+        </p:txBody>
+      </p:sp>
+      <p:sp>
+        <p:nvSpPr>
+          <p:cNvPr id="3" name="Content Placeholder 2"/>
+          <p:cNvSpPr>
+            <a:spLocks noGrp="1"/>
+          </p:cNvSpPr>
+          <p:nvPr>
+            <p:ph idx="1"/>
+          </p:nvPr>
+        </p:nvSpPr>
+        <p:spPr/>
+        <p:txBody>
+          <a:bodyPr/>
+          <a:lstStyle/>
+          <a:p>
+            <a:r>
+              <a:rPr lang="en-US" dirty="0" smtClean="0"/>
+              <a:t>Bitmap </a:t>
+            </a:r>
+            <a:r>
+              <a:rPr lang="en-US" dirty="0" err="1" smtClean="0"/>
+              <a:t>uit</a:t>
+            </a:r>
+            <a:r>
+              <a:rPr lang="en-US" dirty="0" smtClean="0"/>
+              <a:t> SRAM</a:t>
+            </a:r>
+          </a:p>
+          <a:p>
+            <a:endParaRPr lang="en-US" dirty="0"/>
+          </a:p>
+        </p:txBody>
+      </p:sp>
+    </p:spTree>
+    <p:extLst>
+      <p:ext uri="{BB962C8B-B14F-4D97-AF65-F5344CB8AC3E}">
+        <p14:creationId xmlns:p14="http://schemas.microsoft.com/office/powerpoint/2010/main" val="4275572195"/>
+      </p:ext>
+    </p:extLst>
+  </p:cSld>
+  <p:clrMapOvr>
+    <a:masterClrMapping/>
+  </p:clrMapOvr>
+</p:sld>
+</file>
+
+<file path=ppt/slides/slide14.xml><?xml version="1.0" encoding="utf-8"?>
+<p:sld xmlns:a="http://schemas.openxmlformats.org/drawingml/2006/main" xmlns:r="http://schemas.openxmlformats.org/officeDocument/2006/relationships" xmlns:p="http://schemas.openxmlformats.org/presentationml/2006/main">
+  <p:cSld>
+    <p:spTree>
+      <p:nvGrpSpPr>
+        <p:cNvPr id="1" name=""/>
+        <p:cNvGrpSpPr/>
+        <p:nvPr/>
+      </p:nvGrpSpPr>
+      <p:grpSpPr>
+        <a:xfrm>
+          <a:off x="0" y="0"/>
+          <a:ext cx="0" cy="0"/>
+          <a:chOff x="0" y="0"/>
+          <a:chExt cx="0" cy="0"/>
+        </a:xfrm>
+      </p:grpSpPr>
+      <p:sp>
+        <p:nvSpPr>
           <p:cNvPr id="2" name="Titel 1"/>
           <p:cNvSpPr>
             <a:spLocks noGrp="1"/>
@@ -5011,7 +5349,7 @@
 </p:sld>
 </file>
 
-<file path=ppt/slides/slide12.xml><?xml version="1.0" encoding="utf-8"?>
+<file path=ppt/slides/slide15.xml><?xml version="1.0" encoding="utf-8"?>
 <p:sld xmlns:a="http://schemas.openxmlformats.org/drawingml/2006/main" xmlns:r="http://schemas.openxmlformats.org/officeDocument/2006/relationships" xmlns:p="http://schemas.openxmlformats.org/presentationml/2006/main">
   <p:cSld>
     <p:spTree>
@@ -5774,64 +6112,43 @@
           <a:bodyPr/>
           <a:lstStyle/>
           <a:p>
-            <a:r>
-              <a:rPr lang="nl-NL" dirty="0" err="1" smtClean="0"/>
-              <a:t>Instruction</a:t>
-            </a:r>
-            <a:r>
-              <a:rPr lang="nl-NL" dirty="0" smtClean="0"/>
-              <a:t> Decoder</a:t>
-            </a:r>
-            <a:endParaRPr lang="nl-NL" dirty="0"/>
-          </a:p>
-        </p:txBody>
-      </p:sp>
-      <p:sp>
-        <p:nvSpPr>
-          <p:cNvPr id="3" name="Content Placeholder 2"/>
-          <p:cNvSpPr>
-            <a:spLocks noGrp="1"/>
-          </p:cNvSpPr>
+            <a:endParaRPr lang="nl-NL"/>
+          </a:p>
+        </p:txBody>
+      </p:sp>
+      <p:pic>
+        <p:nvPicPr>
+          <p:cNvPr id="4" name="Content Placeholder 3"/>
+          <p:cNvPicPr>
+            <a:picLocks noGrp="1" noChangeAspect="1"/>
+          </p:cNvPicPr>
           <p:nvPr>
             <p:ph idx="1"/>
           </p:nvPr>
-        </p:nvSpPr>
-        <p:spPr/>
-        <p:txBody>
-          <a:bodyPr/>
-          <a:lstStyle/>
-          <a:p>
-            <a:endParaRPr lang="nl-NL" dirty="0"/>
-          </a:p>
-        </p:txBody>
-      </p:sp>
-      <p:pic>
-        <p:nvPicPr>
-          <p:cNvPr id="4" name="Picture 3"/>
-          <p:cNvPicPr>
-            <a:picLocks noChangeAspect="1"/>
-          </p:cNvPicPr>
-          <p:nvPr/>
         </p:nvPicPr>
-        <p:blipFill rotWithShape="1">
-          <a:blip r:embed="rId2"/>
-          <a:srcRect l="6533" t="9543" r="9653" b="45549"/>
-          <a:stretch/>
+        <p:blipFill>
+          <a:blip r:embed="rId2" cstate="email">
+            <a:extLst>
+              <a:ext uri="{28A0092B-C50C-407E-A947-70E740481C1C}">
+                <a14:useLocalDpi xmlns:a14="http://schemas.microsoft.com/office/drawing/2010/main" val="0"/>
+              </a:ext>
+            </a:extLst>
+          </a:blip>
+          <a:stretch>
+            <a:fillRect/>
+          </a:stretch>
         </p:blipFill>
         <p:spPr>
           <a:xfrm>
-            <a:off x="1045990" y="1348408"/>
-            <a:ext cx="10441160" cy="3960440"/>
+            <a:off x="328336" y="3148608"/>
+            <a:ext cx="12135401" cy="3221295"/>
           </a:xfrm>
-          <a:prstGeom prst="rect">
-            <a:avLst/>
-          </a:prstGeom>
         </p:spPr>
       </p:pic>
     </p:spTree>
     <p:extLst>
       <p:ext uri="{BB962C8B-B14F-4D97-AF65-F5344CB8AC3E}">
-        <p14:creationId xmlns:p14="http://schemas.microsoft.com/office/powerpoint/2010/main" val="869606197"/>
+        <p14:creationId xmlns:p14="http://schemas.microsoft.com/office/powerpoint/2010/main" val="3996006712"/>
       </p:ext>
     </p:extLst>
   </p:cSld>
@@ -5881,69 +6198,63 @@
           <a:lstStyle/>
           <a:p>
             <a:r>
-              <a:rPr lang="en-US" dirty="0" smtClean="0"/>
-              <a:t>Processor</a:t>
-            </a:r>
-            <a:endParaRPr lang="en-US" dirty="0"/>
-          </a:p>
-        </p:txBody>
-      </p:sp>
-      <p:sp>
-        <p:nvSpPr>
-          <p:cNvPr id="3" name="Content Placeholder 2"/>
-          <p:cNvSpPr>
-            <a:spLocks noGrp="1"/>
-          </p:cNvSpPr>
-          <p:nvPr>
-            <p:ph idx="1"/>
-          </p:nvPr>
-        </p:nvSpPr>
-        <p:spPr/>
-        <p:txBody>
-          <a:bodyPr/>
-          <a:lstStyle/>
-          <a:p>
-            <a:pPr marL="0" indent="0">
-              <a:buNone/>
-            </a:pPr>
-            <a:endParaRPr lang="en-US" dirty="0"/>
+              <a:rPr lang="nl-NL" dirty="0" err="1" smtClean="0"/>
+              <a:t>Instruction</a:t>
+            </a:r>
+            <a:r>
+              <a:rPr lang="nl-NL" dirty="0" smtClean="0"/>
+              <a:t> Decoder</a:t>
+            </a:r>
+            <a:endParaRPr lang="nl-NL" dirty="0"/>
           </a:p>
         </p:txBody>
       </p:sp>
       <p:pic>
         <p:nvPicPr>
-          <p:cNvPr id="4" name="Picture 3" descr="general entitiy.bmp"/>
+          <p:cNvPr id="4" name="Picture 3"/>
           <p:cNvPicPr>
             <a:picLocks noChangeAspect="1"/>
           </p:cNvPicPr>
           <p:nvPr/>
         </p:nvPicPr>
-        <p:blipFill>
-          <a:blip r:embed="rId2" cstate="print">
-            <a:extLst>
-              <a:ext uri="{28A0092B-C50C-407E-A947-70E740481C1C}">
-                <a14:useLocalDpi xmlns:a14="http://schemas.microsoft.com/office/drawing/2010/main" val="0"/>
-              </a:ext>
-            </a:extLst>
-          </a:blip>
-          <a:stretch>
-            <a:fillRect/>
-          </a:stretch>
+        <p:blipFill rotWithShape="1">
+          <a:blip r:embed="rId2"/>
+          <a:srcRect l="6533" t="9543" r="9653" b="45549"/>
+          <a:stretch/>
         </p:blipFill>
         <p:spPr>
           <a:xfrm>
-            <a:off x="1677864" y="1636440"/>
-            <a:ext cx="5867400" cy="6337300"/>
+            <a:off x="1045990" y="1348408"/>
+            <a:ext cx="10441160" cy="3960440"/>
           </a:xfrm>
           <a:prstGeom prst="rect">
             <a:avLst/>
           </a:prstGeom>
         </p:spPr>
       </p:pic>
+      <p:sp>
+        <p:nvSpPr>
+          <p:cNvPr id="6" name="Content Placeholder 5"/>
+          <p:cNvSpPr>
+            <a:spLocks noGrp="1"/>
+          </p:cNvSpPr>
+          <p:nvPr>
+            <p:ph idx="1"/>
+          </p:nvPr>
+        </p:nvSpPr>
+        <p:spPr/>
+        <p:txBody>
+          <a:bodyPr/>
+          <a:lstStyle/>
+          <a:p>
+            <a:endParaRPr lang="nl-NL"/>
+          </a:p>
+        </p:txBody>
+      </p:sp>
     </p:spTree>
     <p:extLst>
       <p:ext uri="{BB962C8B-B14F-4D97-AF65-F5344CB8AC3E}">
-        <p14:creationId xmlns:p14="http://schemas.microsoft.com/office/powerpoint/2010/main" val="2155680525"/>
+        <p14:creationId xmlns:p14="http://schemas.microsoft.com/office/powerpoint/2010/main" val="869606197"/>
       </p:ext>
     </p:extLst>
   </p:cSld>
@@ -5992,67 +6303,56 @@
           <a:bodyPr/>
           <a:lstStyle/>
           <a:p>
-            <a:r>
-              <a:rPr lang="en-US" dirty="0" smtClean="0"/>
-              <a:t>SD-</a:t>
-            </a:r>
-            <a:r>
-              <a:rPr lang="en-US" dirty="0" err="1" smtClean="0"/>
-              <a:t>kaart</a:t>
-            </a:r>
-            <a:endParaRPr lang="en-US" dirty="0"/>
-          </a:p>
-        </p:txBody>
-      </p:sp>
-      <p:sp>
-        <p:nvSpPr>
-          <p:cNvPr id="3" name="Content Placeholder 2"/>
-          <p:cNvSpPr>
-            <a:spLocks noGrp="1"/>
-          </p:cNvSpPr>
+            <a:endParaRPr lang="nl-NL"/>
+          </a:p>
+        </p:txBody>
+      </p:sp>
+      <p:pic>
+        <p:nvPicPr>
+          <p:cNvPr id="4" name="Content Placeholder 3"/>
+          <p:cNvPicPr>
+            <a:picLocks noGrp="1" noChangeAspect="1"/>
+          </p:cNvPicPr>
           <p:nvPr>
             <p:ph idx="1"/>
           </p:nvPr>
-        </p:nvSpPr>
-        <p:spPr/>
-        <p:txBody>
-          <a:bodyPr/>
-          <a:lstStyle/>
-          <a:p>
-            <a:r>
-              <a:rPr lang="en-US" dirty="0" smtClean="0"/>
-              <a:t>SPI</a:t>
-            </a:r>
-          </a:p>
-          <a:p>
-            <a:r>
-              <a:rPr lang="en-US" dirty="0" smtClean="0"/>
-              <a:t>Assembly van het </a:t>
-            </a:r>
-            <a:r>
-              <a:rPr lang="en-US" dirty="0" err="1" smtClean="0"/>
-              <a:t>spel</a:t>
-            </a:r>
-            <a:endParaRPr lang="en-US" dirty="0" smtClean="0"/>
-          </a:p>
-          <a:p>
-            <a:endParaRPr lang="en-US" dirty="0" smtClean="0"/>
-          </a:p>
-          <a:p>
-            <a:endParaRPr lang="en-US" dirty="0"/>
-          </a:p>
-        </p:txBody>
-      </p:sp>
+        </p:nvPicPr>
+        <p:blipFill>
+          <a:blip r:embed="rId2" cstate="email">
+            <a:extLst>
+              <a:ext uri="{28A0092B-C50C-407E-A947-70E740481C1C}">
+                <a14:useLocalDpi xmlns:a14="http://schemas.microsoft.com/office/drawing/2010/main" val="0"/>
+              </a:ext>
+            </a:extLst>
+          </a:blip>
+          <a:stretch>
+            <a:fillRect/>
+          </a:stretch>
+        </p:blipFill>
+        <p:spPr>
+          <a:xfrm>
+            <a:off x="469343" y="1636440"/>
+            <a:ext cx="11853387" cy="6624736"/>
+          </a:xfrm>
+        </p:spPr>
+      </p:pic>
     </p:spTree>
     <p:extLst>
       <p:ext uri="{BB962C8B-B14F-4D97-AF65-F5344CB8AC3E}">
-        <p14:creationId xmlns:p14="http://schemas.microsoft.com/office/powerpoint/2010/main" val="2452125258"/>
+        <p14:creationId xmlns:p14="http://schemas.microsoft.com/office/powerpoint/2010/main" val="2766184965"/>
       </p:ext>
     </p:extLst>
   </p:cSld>
   <p:clrMapOvr>
     <a:masterClrMapping/>
   </p:clrMapOvr>
+  <p:timing>
+    <p:tnLst>
+      <p:par>
+        <p:cTn id="1" dur="indefinite" restart="never" nodeType="tmRoot"/>
+      </p:par>
+    </p:tnLst>
+  </p:timing>
 </p:sld>
 </file>
 
@@ -6089,10 +6389,10 @@
           <a:lstStyle/>
           <a:p>
             <a:r>
-              <a:rPr lang="en-US" dirty="0" smtClean="0"/>
-              <a:t>SRAM</a:t>
-            </a:r>
-            <a:endParaRPr lang="en-US" dirty="0"/>
+              <a:rPr lang="nl-NL" dirty="0" smtClean="0"/>
+              <a:t>Registers en buffers</a:t>
+            </a:r>
+            <a:endParaRPr lang="nl-NL" dirty="0"/>
           </a:p>
         </p:txBody>
       </p:sp>
@@ -6112,44 +6412,54 @@
           <a:lstStyle/>
           <a:p>
             <a:r>
-              <a:rPr lang="en-US" dirty="0" smtClean="0"/>
-              <a:t>SPI</a:t>
-            </a:r>
-          </a:p>
-          <a:p>
-            <a:r>
-              <a:rPr lang="en-US" dirty="0" err="1" smtClean="0"/>
-              <a:t>Blackbox</a:t>
-            </a:r>
-            <a:endParaRPr lang="en-US" dirty="0" smtClean="0"/>
-          </a:p>
-          <a:p>
-            <a:r>
-              <a:rPr lang="en-US" dirty="0" smtClean="0"/>
-              <a:t>Switch op 60Hz</a:t>
-            </a:r>
-          </a:p>
-          <a:p>
-            <a:r>
-              <a:rPr lang="en-US" dirty="0" smtClean="0"/>
-              <a:t>Read box/write box</a:t>
-            </a:r>
-          </a:p>
-          <a:p>
-            <a:endParaRPr lang="en-US" dirty="0"/>
+              <a:rPr lang="nl-NL" dirty="0" smtClean="0"/>
+              <a:t>1 Ingangsbuffer</a:t>
+            </a:r>
+          </a:p>
+          <a:p>
+            <a:r>
+              <a:rPr lang="nl-NL" dirty="0" smtClean="0"/>
+              <a:t>1 Uitgangsregisters</a:t>
+            </a:r>
+          </a:p>
+          <a:p>
+            <a:r>
+              <a:rPr lang="nl-NL" dirty="0" smtClean="0"/>
+              <a:t>1 ALU-register met bijbehorende buffer</a:t>
+            </a:r>
+          </a:p>
+          <a:p>
+            <a:r>
+              <a:rPr lang="nl-NL" dirty="0" smtClean="0"/>
+              <a:t>9 dataregisters met bijbehorende buffers</a:t>
+            </a:r>
+          </a:p>
+          <a:p>
+            <a:r>
+              <a:rPr lang="nl-NL" dirty="0" smtClean="0"/>
+              <a:t>Selecteren registers en buffers</a:t>
+            </a:r>
+          </a:p>
+          <a:p>
+            <a:pPr lvl="1"/>
+            <a:r>
+              <a:rPr lang="nl-NL" dirty="0" smtClean="0"/>
+              <a:t>5-bits signaal</a:t>
+            </a:r>
+            <a:endParaRPr lang="nl-NL" dirty="0"/>
           </a:p>
         </p:txBody>
       </p:sp>
       <p:pic>
         <p:nvPicPr>
-          <p:cNvPr id="4" name="Picture 3" descr="Schermafbeelding 2014-11-27 om 11.35.00.png"/>
+          <p:cNvPr id="4" name="Picture 3"/>
           <p:cNvPicPr>
             <a:picLocks noChangeAspect="1"/>
           </p:cNvPicPr>
           <p:nvPr/>
         </p:nvPicPr>
         <p:blipFill>
-          <a:blip r:embed="rId2" cstate="print">
+          <a:blip r:embed="rId2" cstate="email">
             <a:extLst>
               <a:ext uri="{28A0092B-C50C-407E-A947-70E740481C1C}">
                 <a14:useLocalDpi xmlns:a14="http://schemas.microsoft.com/office/drawing/2010/main" val="0"/>
@@ -6162,18 +6472,125 @@
         </p:blipFill>
         <p:spPr>
           <a:xfrm>
-            <a:off x="5926336" y="2500536"/>
-            <a:ext cx="5067300" cy="4013200"/>
+            <a:off x="7942560" y="4732784"/>
+            <a:ext cx="4608512" cy="3456384"/>
           </a:xfrm>
           <a:prstGeom prst="rect">
             <a:avLst/>
           </a:prstGeom>
         </p:spPr>
       </p:pic>
+      <p:cxnSp>
+        <p:nvCxnSpPr>
+          <p:cNvPr id="7" name="Straight Connector 6"/>
+          <p:cNvCxnSpPr/>
+          <p:nvPr/>
+        </p:nvCxnSpPr>
+        <p:spPr bwMode="auto">
+          <a:xfrm>
+            <a:off x="8302600" y="5524872"/>
+            <a:ext cx="3960440" cy="0"/>
+          </a:xfrm>
+          <a:prstGeom prst="line">
+            <a:avLst/>
+          </a:prstGeom>
+          <a:solidFill>
+            <a:schemeClr val="accent1"/>
+          </a:solidFill>
+          <a:ln w="9525" cap="flat" cmpd="sng" algn="ctr">
+            <a:solidFill>
+              <a:schemeClr val="tx1"/>
+            </a:solidFill>
+            <a:prstDash val="solid"/>
+            <a:round/>
+            <a:headEnd type="none" w="med" len="med"/>
+            <a:tailEnd type="none" w="med" len="med"/>
+          </a:ln>
+          <a:effectLst/>
+        </p:spPr>
+      </p:cxnSp>
+      <p:sp>
+        <p:nvSpPr>
+          <p:cNvPr id="9" name="TextBox 8"/>
+          <p:cNvSpPr txBox="1"/>
+          <p:nvPr/>
+        </p:nvSpPr>
+        <p:spPr>
+          <a:xfrm>
+            <a:off x="1029792" y="8219828"/>
+            <a:ext cx="10297144" cy="400110"/>
+          </a:xfrm>
+          <a:prstGeom prst="rect">
+            <a:avLst/>
+          </a:prstGeom>
+          <a:noFill/>
+        </p:spPr>
+        <p:txBody>
+          <a:bodyPr wrap="square" rtlCol="0">
+            <a:spAutoFit/>
+          </a:bodyPr>
+          <a:lstStyle/>
+          <a:p>
+            <a:r>
+              <a:rPr lang="en-US" sz="2000" dirty="0">
+                <a:latin typeface="Courier New" panose="02070309020205020404" pitchFamily="49" charset="0"/>
+                <a:cs typeface="Courier New" panose="02070309020205020404" pitchFamily="49" charset="0"/>
+              </a:rPr>
+              <a:t>if (</a:t>
+            </a:r>
+            <a:r>
+              <a:rPr lang="en-US" sz="2000" dirty="0" err="1">
+                <a:latin typeface="Courier New" panose="02070309020205020404" pitchFamily="49" charset="0"/>
+                <a:cs typeface="Courier New" panose="02070309020205020404" pitchFamily="49" charset="0"/>
+              </a:rPr>
+              <a:t>buf_oe</a:t>
+            </a:r>
+            <a:r>
+              <a:rPr lang="en-US" sz="2000" dirty="0">
+                <a:latin typeface="Courier New" panose="02070309020205020404" pitchFamily="49" charset="0"/>
+                <a:cs typeface="Courier New" panose="02070309020205020404" pitchFamily="49" charset="0"/>
+              </a:rPr>
+              <a:t>(4) = '1' AND (unsigned(</a:t>
+            </a:r>
+            <a:r>
+              <a:rPr lang="en-US" sz="2000" dirty="0" err="1">
+                <a:latin typeface="Courier New" panose="02070309020205020404" pitchFamily="49" charset="0"/>
+                <a:cs typeface="Courier New" panose="02070309020205020404" pitchFamily="49" charset="0"/>
+              </a:rPr>
+              <a:t>buf_oe</a:t>
+            </a:r>
+            <a:r>
+              <a:rPr lang="en-US" sz="2000" dirty="0">
+                <a:latin typeface="Courier New" panose="02070309020205020404" pitchFamily="49" charset="0"/>
+                <a:cs typeface="Courier New" panose="02070309020205020404" pitchFamily="49" charset="0"/>
+              </a:rPr>
+              <a:t>(3 </a:t>
+            </a:r>
+            <a:r>
+              <a:rPr lang="en-US" sz="2000" dirty="0" err="1">
+                <a:latin typeface="Courier New" panose="02070309020205020404" pitchFamily="49" charset="0"/>
+                <a:cs typeface="Courier New" panose="02070309020205020404" pitchFamily="49" charset="0"/>
+              </a:rPr>
+              <a:t>downto</a:t>
+            </a:r>
+            <a:r>
+              <a:rPr lang="en-US" sz="2000" dirty="0">
+                <a:latin typeface="Courier New" panose="02070309020205020404" pitchFamily="49" charset="0"/>
+                <a:cs typeface="Courier New" panose="02070309020205020404" pitchFamily="49" charset="0"/>
+              </a:rPr>
+              <a:t> 0))=2)) then</a:t>
+            </a:r>
+            <a:endParaRPr lang="nl-NL" sz="2000" dirty="0">
+              <a:latin typeface="Courier New" panose="02070309020205020404" pitchFamily="49" charset="0"/>
+              <a:cs typeface="Courier New" panose="02070309020205020404" pitchFamily="49" charset="0"/>
+            </a:endParaRPr>
+          </a:p>
+        </p:txBody>
+      </p:sp>
     </p:spTree>
     <p:extLst>
       <p:ext uri="{BB962C8B-B14F-4D97-AF65-F5344CB8AC3E}">
-        <p14:creationId xmlns:p14="http://schemas.microsoft.com/office/powerpoint/2010/main" val="3512308647"/>
+        <p14:creationId xmlns:p14="http://schemas.microsoft.com/office/powerpoint/2010/main" val="2733700938"/>
       </p:ext>
     </p:extLst>
   </p:cSld>

--- a/Eindpresentatie.pptx
+++ b/Eindpresentatie.pptx
@@ -5,10 +5,10 @@
     <p:sldMasterId id="2147483673" r:id="rId1"/>
   </p:sldMasterIdLst>
   <p:notesMasterIdLst>
-    <p:notesMasterId r:id="rId17"/>
+    <p:notesMasterId r:id="rId18"/>
   </p:notesMasterIdLst>
   <p:handoutMasterIdLst>
-    <p:handoutMasterId r:id="rId18"/>
+    <p:handoutMasterId r:id="rId19"/>
   </p:handoutMasterIdLst>
   <p:sldIdLst>
     <p:sldId id="319" r:id="rId2"/>
@@ -20,12 +20,13 @@
     <p:sldId id="331" r:id="rId8"/>
     <p:sldId id="333" r:id="rId9"/>
     <p:sldId id="334" r:id="rId10"/>
-    <p:sldId id="323" r:id="rId11"/>
-    <p:sldId id="324" r:id="rId12"/>
-    <p:sldId id="325" r:id="rId13"/>
-    <p:sldId id="326" r:id="rId14"/>
-    <p:sldId id="329" r:id="rId15"/>
-    <p:sldId id="330" r:id="rId16"/>
+    <p:sldId id="335" r:id="rId11"/>
+    <p:sldId id="323" r:id="rId12"/>
+    <p:sldId id="324" r:id="rId13"/>
+    <p:sldId id="325" r:id="rId14"/>
+    <p:sldId id="326" r:id="rId15"/>
+    <p:sldId id="329" r:id="rId16"/>
+    <p:sldId id="330" r:id="rId17"/>
   </p:sldIdLst>
   <p:sldSz cx="13004800" cy="9753600"/>
   <p:notesSz cx="6794500" cy="9931400"/>
@@ -827,7 +828,7 @@
           </a:ln>
           <a:extLst>
             <a:ext uri="{91240B29-F687-4f45-9708-019B960494DF}">
-              <a14:hiddenLine xmlns:a14="http://schemas.microsoft.com/office/drawing/2010/main" xmlns="" w="9525" algn="ctr">
+              <a14:hiddenLine xmlns="" xmlns:a14="http://schemas.microsoft.com/office/drawing/2010/main" w="9525" algn="ctr">
                 <a:solidFill>
                   <a:srgbClr val="000000"/>
                 </a:solidFill>
@@ -3011,14 +3012,14 @@
           </a:ln>
           <a:extLst>
             <a:ext uri="{909E8E84-426E-40dd-AFC4-6F175D3DCCD1}">
-              <a14:hiddenFill xmlns:a14="http://schemas.microsoft.com/office/drawing/2010/main" xmlns="">
+              <a14:hiddenFill xmlns="" xmlns:a14="http://schemas.microsoft.com/office/drawing/2010/main">
                 <a:solidFill>
                   <a:srgbClr val="FFFFFF"/>
                 </a:solidFill>
               </a14:hiddenFill>
             </a:ext>
             <a:ext uri="{91240B29-F687-4f45-9708-019B960494DF}">
-              <a14:hiddenLine xmlns:a14="http://schemas.microsoft.com/office/drawing/2010/main" xmlns="" w="9525">
+              <a14:hiddenLine xmlns="" xmlns:a14="http://schemas.microsoft.com/office/drawing/2010/main" w="9525">
                 <a:solidFill>
                   <a:srgbClr val="000000"/>
                 </a:solidFill>
@@ -3028,7 +3029,7 @@
               </a14:hiddenLine>
             </a:ext>
             <a:ext uri="{FAA26D3D-D897-4be2-8F04-BA451C77F1D7}">
-              <ma14:placeholderFlag xmlns:ma14="http://schemas.microsoft.com/office/mac/drawingml/2011/main" xmlns="" val="1"/>
+              <ma14:placeholderFlag xmlns="" xmlns:ma14="http://schemas.microsoft.com/office/mac/drawingml/2011/main" val="1"/>
             </a:ext>
           </a:extLst>
         </p:spPr>
@@ -3072,14 +3073,14 @@
           </a:ln>
           <a:extLst>
             <a:ext uri="{909E8E84-426E-40dd-AFC4-6F175D3DCCD1}">
-              <a14:hiddenFill xmlns:a14="http://schemas.microsoft.com/office/drawing/2010/main" xmlns="">
+              <a14:hiddenFill xmlns="" xmlns:a14="http://schemas.microsoft.com/office/drawing/2010/main">
                 <a:solidFill>
                   <a:srgbClr val="FFFFFF"/>
                 </a:solidFill>
               </a14:hiddenFill>
             </a:ext>
             <a:ext uri="{91240B29-F687-4f45-9708-019B960494DF}">
-              <a14:hiddenLine xmlns:a14="http://schemas.microsoft.com/office/drawing/2010/main" xmlns="" w="9525">
+              <a14:hiddenLine xmlns="" xmlns:a14="http://schemas.microsoft.com/office/drawing/2010/main" w="9525">
                 <a:solidFill>
                   <a:srgbClr val="000000"/>
                 </a:solidFill>
@@ -3089,7 +3090,7 @@
               </a14:hiddenLine>
             </a:ext>
             <a:ext uri="{FAA26D3D-D897-4be2-8F04-BA451C77F1D7}">
-              <ma14:placeholderFlag xmlns:ma14="http://schemas.microsoft.com/office/mac/drawingml/2011/main" xmlns="" val="1"/>
+              <ma14:placeholderFlag xmlns="" xmlns:ma14="http://schemas.microsoft.com/office/mac/drawingml/2011/main" val="1"/>
             </a:ext>
           </a:extLst>
         </p:spPr>
@@ -3147,7 +3148,7 @@
           </a:ln>
           <a:extLst>
             <a:ext uri="{91240B29-F687-4f45-9708-019B960494DF}">
-              <a14:hiddenLine xmlns:a14="http://schemas.microsoft.com/office/drawing/2010/main" xmlns="" w="9525">
+              <a14:hiddenLine xmlns="" xmlns:a14="http://schemas.microsoft.com/office/drawing/2010/main" w="9525">
                 <a:solidFill>
                   <a:srgbClr val="000000"/>
                 </a:solidFill>
@@ -3299,7 +3300,7 @@
           </a:ln>
           <a:extLst>
             <a:ext uri="{91240B29-F687-4f45-9708-019B960494DF}">
-              <a14:hiddenLine xmlns:a14="http://schemas.microsoft.com/office/drawing/2010/main" xmlns="" w="9525">
+              <a14:hiddenLine xmlns="" xmlns:a14="http://schemas.microsoft.com/office/drawing/2010/main" w="9525">
                 <a:solidFill>
                   <a:srgbClr val="000000"/>
                 </a:solidFill>
@@ -3454,7 +3455,7 @@
           </a:ln>
           <a:extLst>
             <a:ext uri="{909E8E84-426E-40dd-AFC4-6F175D3DCCD1}">
-              <a14:hiddenFill xmlns:a14="http://schemas.microsoft.com/office/drawing/2010/main" xmlns="">
+              <a14:hiddenFill xmlns="" xmlns:a14="http://schemas.microsoft.com/office/drawing/2010/main">
                 <a:noFill/>
               </a14:hiddenFill>
             </a:ext>
@@ -3495,7 +3496,7 @@
           </a:ln>
           <a:extLst>
             <a:ext uri="{909E8E84-426E-40dd-AFC4-6F175D3DCCD1}">
-              <a14:hiddenFill xmlns:a14="http://schemas.microsoft.com/office/drawing/2010/main" xmlns="">
+              <a14:hiddenFill xmlns="" xmlns:a14="http://schemas.microsoft.com/office/drawing/2010/main">
                 <a:noFill/>
               </a14:hiddenFill>
             </a:ext>
@@ -3531,14 +3532,14 @@
           </a:ln>
           <a:extLst>
             <a:ext uri="{909E8E84-426E-40dd-AFC4-6F175D3DCCD1}">
-              <a14:hiddenFill xmlns:a14="http://schemas.microsoft.com/office/drawing/2010/main" xmlns="">
+              <a14:hiddenFill xmlns="" xmlns:a14="http://schemas.microsoft.com/office/drawing/2010/main">
                 <a:solidFill>
                   <a:srgbClr val="FFFFFF"/>
                 </a:solidFill>
               </a14:hiddenFill>
             </a:ext>
             <a:ext uri="{91240B29-F687-4f45-9708-019B960494DF}">
-              <a14:hiddenLine xmlns:a14="http://schemas.microsoft.com/office/drawing/2010/main" xmlns="" w="9525">
+              <a14:hiddenLine xmlns="" xmlns:a14="http://schemas.microsoft.com/office/drawing/2010/main" w="9525">
                 <a:solidFill>
                   <a:srgbClr val="000000"/>
                 </a:solidFill>
@@ -3700,7 +3701,7 @@
           </a:ln>
           <a:extLst>
             <a:ext uri="{91240B29-F687-4f45-9708-019B960494DF}">
-              <a14:hiddenLine xmlns:a14="http://schemas.microsoft.com/office/drawing/2010/main" xmlns="" w="9525">
+              <a14:hiddenLine xmlns="" xmlns:a14="http://schemas.microsoft.com/office/drawing/2010/main" w="9525">
                 <a:solidFill>
                   <a:srgbClr val="000000"/>
                 </a:solidFill>
@@ -3863,14 +3864,14 @@
           </a:ln>
           <a:extLst>
             <a:ext uri="{909E8E84-426E-40dd-AFC4-6F175D3DCCD1}">
-              <a14:hiddenFill xmlns:a14="http://schemas.microsoft.com/office/drawing/2010/main" xmlns="">
+              <a14:hiddenFill xmlns="" xmlns:a14="http://schemas.microsoft.com/office/drawing/2010/main">
                 <a:solidFill>
                   <a:srgbClr val="FFFFFF"/>
                 </a:solidFill>
               </a14:hiddenFill>
             </a:ext>
             <a:ext uri="{91240B29-F687-4f45-9708-019B960494DF}">
-              <a14:hiddenLine xmlns:a14="http://schemas.microsoft.com/office/drawing/2010/main" xmlns="" w="9525">
+              <a14:hiddenLine xmlns="" xmlns:a14="http://schemas.microsoft.com/office/drawing/2010/main" w="9525">
                 <a:solidFill>
                   <a:srgbClr val="000000"/>
                 </a:solidFill>
@@ -3904,14 +3905,14 @@
           </a:ln>
           <a:extLst>
             <a:ext uri="{909E8E84-426E-40dd-AFC4-6F175D3DCCD1}">
-              <a14:hiddenFill xmlns:a14="http://schemas.microsoft.com/office/drawing/2010/main" xmlns="">
+              <a14:hiddenFill xmlns="" xmlns:a14="http://schemas.microsoft.com/office/drawing/2010/main">
                 <a:solidFill>
                   <a:srgbClr val="FFFFFF"/>
                 </a:solidFill>
               </a14:hiddenFill>
             </a:ext>
             <a:ext uri="{91240B29-F687-4f45-9708-019B960494DF}">
-              <a14:hiddenLine xmlns:a14="http://schemas.microsoft.com/office/drawing/2010/main" xmlns="" w="9525">
+              <a14:hiddenLine xmlns="" xmlns:a14="http://schemas.microsoft.com/office/drawing/2010/main" w="9525">
                 <a:solidFill>
                   <a:srgbClr val="000000"/>
                 </a:solidFill>
@@ -3972,14 +3973,14 @@
           </a:ln>
           <a:extLst>
             <a:ext uri="{909E8E84-426E-40dd-AFC4-6F175D3DCCD1}">
-              <a14:hiddenFill xmlns:a14="http://schemas.microsoft.com/office/drawing/2010/main" xmlns="">
+              <a14:hiddenFill xmlns="" xmlns:a14="http://schemas.microsoft.com/office/drawing/2010/main">
                 <a:solidFill>
                   <a:srgbClr val="FFFFFF"/>
                 </a:solidFill>
               </a14:hiddenFill>
             </a:ext>
             <a:ext uri="{91240B29-F687-4f45-9708-019B960494DF}">
-              <a14:hiddenLine xmlns:a14="http://schemas.microsoft.com/office/drawing/2010/main" xmlns="" w="9525">
+              <a14:hiddenLine xmlns="" xmlns:a14="http://schemas.microsoft.com/office/drawing/2010/main" w="9525">
                 <a:solidFill>
                   <a:srgbClr val="000000"/>
                 </a:solidFill>
@@ -4629,7 +4630,7 @@
           </a:ln>
           <a:extLst>
             <a:ext uri="{91240B29-F687-4f45-9708-019B960494DF}">
-              <a14:hiddenLine xmlns:a14="http://schemas.microsoft.com/office/drawing/2010/main" xmlns="" w="9525">
+              <a14:hiddenLine xmlns="" xmlns:a14="http://schemas.microsoft.com/office/drawing/2010/main" w="9525">
                 <a:solidFill>
                   <a:srgbClr val="000000"/>
                 </a:solidFill>
@@ -4760,7 +4761,7 @@
           </a:ln>
           <a:extLst>
             <a:ext uri="{91240B29-F687-4f45-9708-019B960494DF}">
-              <a14:hiddenLine xmlns:a14="http://schemas.microsoft.com/office/drawing/2010/main" xmlns="" w="9525">
+              <a14:hiddenLine xmlns="" xmlns:a14="http://schemas.microsoft.com/office/drawing/2010/main" w="9525">
                 <a:solidFill>
                   <a:srgbClr val="000000"/>
                 </a:solidFill>
@@ -4798,6 +4799,91 @@
 </file>
 
 <file path=ppt/slides/slide10.xml><?xml version="1.0" encoding="utf-8"?>
+<p:sld xmlns:a="http://schemas.openxmlformats.org/drawingml/2006/main" xmlns:r="http://schemas.openxmlformats.org/officeDocument/2006/relationships" xmlns:p="http://schemas.openxmlformats.org/presentationml/2006/main">
+  <p:cSld>
+    <p:spTree>
+      <p:nvGrpSpPr>
+        <p:cNvPr id="1" name=""/>
+        <p:cNvGrpSpPr/>
+        <p:nvPr/>
+      </p:nvGrpSpPr>
+      <p:grpSpPr>
+        <a:xfrm>
+          <a:off x="0" y="0"/>
+          <a:ext cx="0" cy="0"/>
+          <a:chOff x="0" y="0"/>
+          <a:chExt cx="0" cy="0"/>
+        </a:xfrm>
+      </p:grpSpPr>
+      <p:sp>
+        <p:nvSpPr>
+          <p:cNvPr id="2" name="Title 1"/>
+          <p:cNvSpPr>
+            <a:spLocks noGrp="1"/>
+          </p:cNvSpPr>
+          <p:nvPr>
+            <p:ph type="title"/>
+          </p:nvPr>
+        </p:nvSpPr>
+        <p:spPr/>
+        <p:txBody>
+          <a:bodyPr/>
+          <a:lstStyle/>
+          <a:p>
+            <a:endParaRPr lang="nl-NL"/>
+          </a:p>
+        </p:txBody>
+      </p:sp>
+      <p:pic>
+        <p:nvPicPr>
+          <p:cNvPr id="4" name="Content Placeholder 3"/>
+          <p:cNvPicPr>
+            <a:picLocks noGrp="1" noChangeAspect="1"/>
+          </p:cNvPicPr>
+          <p:nvPr>
+            <p:ph idx="1"/>
+          </p:nvPr>
+        </p:nvPicPr>
+        <p:blipFill>
+          <a:blip r:embed="rId2">
+            <a:extLst>
+              <a:ext uri="{28A0092B-C50C-407E-A947-70E740481C1C}">
+                <a14:useLocalDpi xmlns:a14="http://schemas.microsoft.com/office/drawing/2010/main" val="0"/>
+              </a:ext>
+            </a:extLst>
+          </a:blip>
+          <a:stretch>
+            <a:fillRect/>
+          </a:stretch>
+        </p:blipFill>
+        <p:spPr>
+          <a:xfrm>
+            <a:off x="3664742" y="340296"/>
+            <a:ext cx="5462590" cy="8123854"/>
+          </a:xfrm>
+        </p:spPr>
+      </p:pic>
+    </p:spTree>
+    <p:extLst>
+      <p:ext uri="{BB962C8B-B14F-4D97-AF65-F5344CB8AC3E}">
+        <p14:creationId xmlns:p14="http://schemas.microsoft.com/office/powerpoint/2010/main" val="1448186656"/>
+      </p:ext>
+    </p:extLst>
+  </p:cSld>
+  <p:clrMapOvr>
+    <a:masterClrMapping/>
+  </p:clrMapOvr>
+  <p:timing>
+    <p:tnLst>
+      <p:par>
+        <p:cTn id="1" dur="indefinite" restart="never" nodeType="tmRoot"/>
+      </p:par>
+    </p:tnLst>
+  </p:timing>
+</p:sld>
+</file>
+
+<file path=ppt/slides/slide11.xml><?xml version="1.0" encoding="utf-8"?>
 <p:sld xmlns:a="http://schemas.openxmlformats.org/drawingml/2006/main" xmlns:r="http://schemas.openxmlformats.org/officeDocument/2006/relationships" xmlns:p="http://schemas.openxmlformats.org/presentationml/2006/main">
   <p:cSld>
     <p:spTree>
@@ -4909,7 +4995,7 @@
 </p:sld>
 </file>
 
-<file path=ppt/slides/slide11.xml><?xml version="1.0" encoding="utf-8"?>
+<file path=ppt/slides/slide12.xml><?xml version="1.0" encoding="utf-8"?>
 <p:sld xmlns:a="http://schemas.openxmlformats.org/drawingml/2006/main" xmlns:r="http://schemas.openxmlformats.org/officeDocument/2006/relationships" xmlns:p="http://schemas.openxmlformats.org/presentationml/2006/main">
   <p:cSld>
     <p:spTree>
@@ -5005,7 +5091,7 @@
 </p:sld>
 </file>
 
-<file path=ppt/slides/slide12.xml><?xml version="1.0" encoding="utf-8"?>
+<file path=ppt/slides/slide13.xml><?xml version="1.0" encoding="utf-8"?>
 <p:sld xmlns:a="http://schemas.openxmlformats.org/drawingml/2006/main" xmlns:r="http://schemas.openxmlformats.org/officeDocument/2006/relationships" xmlns:p="http://schemas.openxmlformats.org/presentationml/2006/main">
   <p:cSld>
     <p:spTree>
@@ -5132,92 +5218,6 @@
 </p:sld>
 </file>
 
-<file path=ppt/slides/slide13.xml><?xml version="1.0" encoding="utf-8"?>
-<p:sld xmlns:a="http://schemas.openxmlformats.org/drawingml/2006/main" xmlns:r="http://schemas.openxmlformats.org/officeDocument/2006/relationships" xmlns:p="http://schemas.openxmlformats.org/presentationml/2006/main">
-  <p:cSld>
-    <p:spTree>
-      <p:nvGrpSpPr>
-        <p:cNvPr id="1" name=""/>
-        <p:cNvGrpSpPr/>
-        <p:nvPr/>
-      </p:nvGrpSpPr>
-      <p:grpSpPr>
-        <a:xfrm>
-          <a:off x="0" y="0"/>
-          <a:ext cx="0" cy="0"/>
-          <a:chOff x="0" y="0"/>
-          <a:chExt cx="0" cy="0"/>
-        </a:xfrm>
-      </p:grpSpPr>
-      <p:sp>
-        <p:nvSpPr>
-          <p:cNvPr id="2" name="Title 1"/>
-          <p:cNvSpPr>
-            <a:spLocks noGrp="1"/>
-          </p:cNvSpPr>
-          <p:nvPr>
-            <p:ph type="title"/>
-          </p:nvPr>
-        </p:nvSpPr>
-        <p:spPr/>
-        <p:txBody>
-          <a:bodyPr/>
-          <a:lstStyle/>
-          <a:p>
-            <a:r>
-              <a:rPr lang="en-US" dirty="0" smtClean="0"/>
-              <a:t>VGA</a:t>
-            </a:r>
-            <a:endParaRPr lang="en-US" dirty="0"/>
-          </a:p>
-        </p:txBody>
-      </p:sp>
-      <p:sp>
-        <p:nvSpPr>
-          <p:cNvPr id="3" name="Content Placeholder 2"/>
-          <p:cNvSpPr>
-            <a:spLocks noGrp="1"/>
-          </p:cNvSpPr>
-          <p:nvPr>
-            <p:ph idx="1"/>
-          </p:nvPr>
-        </p:nvSpPr>
-        <p:spPr/>
-        <p:txBody>
-          <a:bodyPr/>
-          <a:lstStyle/>
-          <a:p>
-            <a:r>
-              <a:rPr lang="en-US" dirty="0" smtClean="0"/>
-              <a:t>Bitmap </a:t>
-            </a:r>
-            <a:r>
-              <a:rPr lang="en-US" dirty="0" err="1" smtClean="0"/>
-              <a:t>uit</a:t>
-            </a:r>
-            <a:r>
-              <a:rPr lang="en-US" dirty="0" smtClean="0"/>
-              <a:t> SRAM</a:t>
-            </a:r>
-          </a:p>
-          <a:p>
-            <a:endParaRPr lang="en-US" dirty="0"/>
-          </a:p>
-        </p:txBody>
-      </p:sp>
-    </p:spTree>
-    <p:extLst>
-      <p:ext uri="{BB962C8B-B14F-4D97-AF65-F5344CB8AC3E}">
-        <p14:creationId xmlns:p14="http://schemas.microsoft.com/office/powerpoint/2010/main" val="4275572195"/>
-      </p:ext>
-    </p:extLst>
-  </p:cSld>
-  <p:clrMapOvr>
-    <a:masterClrMapping/>
-  </p:clrMapOvr>
-</p:sld>
-</file>
-
 <file path=ppt/slides/slide14.xml><?xml version="1.0" encoding="utf-8"?>
 <p:sld xmlns:a="http://schemas.openxmlformats.org/drawingml/2006/main" xmlns:r="http://schemas.openxmlformats.org/officeDocument/2006/relationships" xmlns:p="http://schemas.openxmlformats.org/presentationml/2006/main">
   <p:cSld>
@@ -5237,6 +5237,92 @@
       </p:grpSpPr>
       <p:sp>
         <p:nvSpPr>
+          <p:cNvPr id="2" name="Title 1"/>
+          <p:cNvSpPr>
+            <a:spLocks noGrp="1"/>
+          </p:cNvSpPr>
+          <p:nvPr>
+            <p:ph type="title"/>
+          </p:nvPr>
+        </p:nvSpPr>
+        <p:spPr/>
+        <p:txBody>
+          <a:bodyPr/>
+          <a:lstStyle/>
+          <a:p>
+            <a:r>
+              <a:rPr lang="en-US" dirty="0" smtClean="0"/>
+              <a:t>VGA</a:t>
+            </a:r>
+            <a:endParaRPr lang="en-US" dirty="0"/>
+          </a:p>
+        </p:txBody>
+      </p:sp>
+      <p:sp>
+        <p:nvSpPr>
+          <p:cNvPr id="3" name="Content Placeholder 2"/>
+          <p:cNvSpPr>
+            <a:spLocks noGrp="1"/>
+          </p:cNvSpPr>
+          <p:nvPr>
+            <p:ph idx="1"/>
+          </p:nvPr>
+        </p:nvSpPr>
+        <p:spPr/>
+        <p:txBody>
+          <a:bodyPr/>
+          <a:lstStyle/>
+          <a:p>
+            <a:r>
+              <a:rPr lang="en-US" dirty="0" smtClean="0"/>
+              <a:t>Bitmap </a:t>
+            </a:r>
+            <a:r>
+              <a:rPr lang="en-US" dirty="0" err="1" smtClean="0"/>
+              <a:t>uit</a:t>
+            </a:r>
+            <a:r>
+              <a:rPr lang="en-US" dirty="0" smtClean="0"/>
+              <a:t> SRAM</a:t>
+            </a:r>
+          </a:p>
+          <a:p>
+            <a:endParaRPr lang="en-US" dirty="0"/>
+          </a:p>
+        </p:txBody>
+      </p:sp>
+    </p:spTree>
+    <p:extLst>
+      <p:ext uri="{BB962C8B-B14F-4D97-AF65-F5344CB8AC3E}">
+        <p14:creationId xmlns:p14="http://schemas.microsoft.com/office/powerpoint/2010/main" val="4275572195"/>
+      </p:ext>
+    </p:extLst>
+  </p:cSld>
+  <p:clrMapOvr>
+    <a:masterClrMapping/>
+  </p:clrMapOvr>
+</p:sld>
+</file>
+
+<file path=ppt/slides/slide15.xml><?xml version="1.0" encoding="utf-8"?>
+<p:sld xmlns:a="http://schemas.openxmlformats.org/drawingml/2006/main" xmlns:r="http://schemas.openxmlformats.org/officeDocument/2006/relationships" xmlns:p="http://schemas.openxmlformats.org/presentationml/2006/main">
+  <p:cSld>
+    <p:spTree>
+      <p:nvGrpSpPr>
+        <p:cNvPr id="1" name=""/>
+        <p:cNvGrpSpPr/>
+        <p:nvPr/>
+      </p:nvGrpSpPr>
+      <p:grpSpPr>
+        <a:xfrm>
+          <a:off x="0" y="0"/>
+          <a:ext cx="0" cy="0"/>
+          <a:chOff x="0" y="0"/>
+          <a:chExt cx="0" cy="0"/>
+        </a:xfrm>
+      </p:grpSpPr>
+      <p:sp>
+        <p:nvSpPr>
           <p:cNvPr id="2" name="Titel 1"/>
           <p:cNvSpPr>
             <a:spLocks noGrp="1"/>
@@ -5349,7 +5435,7 @@
 </p:sld>
 </file>
 
-<file path=ppt/slides/slide15.xml><?xml version="1.0" encoding="utf-8"?>
+<file path=ppt/slides/slide16.xml><?xml version="1.0" encoding="utf-8"?>
 <p:sld xmlns:a="http://schemas.openxmlformats.org/drawingml/2006/main" xmlns:r="http://schemas.openxmlformats.org/officeDocument/2006/relationships" xmlns:p="http://schemas.openxmlformats.org/presentationml/2006/main">
   <p:cSld>
     <p:spTree>
@@ -5601,6 +5687,13 @@
   <p:clrMapOvr>
     <a:masterClrMapping/>
   </p:clrMapOvr>
+  <p:timing>
+    <p:tnLst>
+      <p:par>
+        <p:cTn id="1" dur="indefinite" restart="never" nodeType="tmRoot"/>
+      </p:par>
+    </p:tnLst>
+  </p:timing>
 </p:sld>
 </file>
 
@@ -5743,6 +5836,13 @@
   <p:clrMapOvr>
     <a:masterClrMapping/>
   </p:clrMapOvr>
+  <p:timing>
+    <p:tnLst>
+      <p:par>
+        <p:cTn id="1" dur="indefinite" restart="never" nodeType="tmRoot"/>
+      </p:par>
+    </p:tnLst>
+  </p:timing>
 </p:sld>
 </file>
 
@@ -5908,6 +6008,13 @@
   <p:clrMapOvr>
     <a:masterClrMapping/>
   </p:clrMapOvr>
+  <p:timing>
+    <p:tnLst>
+      <p:par>
+        <p:cTn id="1" dur="indefinite" restart="never" nodeType="tmRoot"/>
+      </p:par>
+    </p:tnLst>
+  </p:timing>
 </p:sld>
 </file>
 
@@ -6597,6 +6704,13 @@
   <p:clrMapOvr>
     <a:masterClrMapping/>
   </p:clrMapOvr>
+  <p:timing>
+    <p:tnLst>
+      <p:par>
+        <p:cTn id="1" dur="indefinite" restart="never" nodeType="tmRoot"/>
+      </p:par>
+    </p:tnLst>
+  </p:timing>
 </p:sld>
 </file>
 

--- a/Eindpresentatie.pptx
+++ b/Eindpresentatie.pptx
@@ -5,10 +5,10 @@
     <p:sldMasterId id="2147483673" r:id="rId1"/>
   </p:sldMasterIdLst>
   <p:notesMasterIdLst>
-    <p:notesMasterId r:id="rId18"/>
+    <p:notesMasterId r:id="rId23"/>
   </p:notesMasterIdLst>
   <p:handoutMasterIdLst>
-    <p:handoutMasterId r:id="rId19"/>
+    <p:handoutMasterId r:id="rId24"/>
   </p:handoutMasterIdLst>
   <p:sldIdLst>
     <p:sldId id="319" r:id="rId2"/>
@@ -22,11 +22,16 @@
     <p:sldId id="334" r:id="rId10"/>
     <p:sldId id="335" r:id="rId11"/>
     <p:sldId id="323" r:id="rId12"/>
-    <p:sldId id="324" r:id="rId13"/>
-    <p:sldId id="325" r:id="rId14"/>
-    <p:sldId id="326" r:id="rId15"/>
-    <p:sldId id="329" r:id="rId16"/>
-    <p:sldId id="330" r:id="rId17"/>
+    <p:sldId id="336" r:id="rId13"/>
+    <p:sldId id="337" r:id="rId14"/>
+    <p:sldId id="324" r:id="rId15"/>
+    <p:sldId id="339" r:id="rId16"/>
+    <p:sldId id="338" r:id="rId17"/>
+    <p:sldId id="340" r:id="rId18"/>
+    <p:sldId id="325" r:id="rId19"/>
+    <p:sldId id="326" r:id="rId20"/>
+    <p:sldId id="329" r:id="rId21"/>
+    <p:sldId id="330" r:id="rId22"/>
   </p:sldIdLst>
   <p:sldSz cx="13004800" cy="9753600"/>
   <p:notesSz cx="6794500" cy="9931400"/>
@@ -290,7 +295,7 @@
             <a:fld id="{347D5123-087D-F547-BA90-AAC341263F7F}" type="datetimeFigureOut">
               <a:rPr lang="nl-NL"/>
               <a:pPr/>
-              <a:t>20-1-2015</a:t>
+              <a:t>21-1-2015</a:t>
             </a:fld>
             <a:endParaRPr lang="nl-NL"/>
           </a:p>
@@ -367,7 +372,7 @@
             <a:fld id="{D2D6B489-F77B-E44B-BA1A-250156B6FC8C}" type="slidenum">
               <a:rPr lang="nl-NL"/>
               <a:pPr/>
-              <a:t>‹#›</a:t>
+              <a:t>‹nr.›</a:t>
             </a:fld>
             <a:endParaRPr lang="nl-NL"/>
           </a:p>
@@ -477,7 +482,7 @@
             <a:fld id="{BF439CDE-7B43-744A-B12A-3FE096986F89}" type="datetimeFigureOut">
               <a:rPr lang="nl-NL"/>
               <a:pPr/>
-              <a:t>20-1-2015</a:t>
+              <a:t>21-1-2015</a:t>
             </a:fld>
             <a:endParaRPr lang="nl-NL"/>
           </a:p>
@@ -648,7 +653,7 @@
             <a:fld id="{8B944AE0-A2BB-A245-869D-6C23E48BF3F5}" type="slidenum">
               <a:rPr lang="nl-NL"/>
               <a:pPr/>
-              <a:t>‹#›</a:t>
+              <a:t>‹nr.›</a:t>
             </a:fld>
             <a:endParaRPr lang="nl-NL"/>
           </a:p>
@@ -828,7 +833,7 @@
           </a:ln>
           <a:extLst>
             <a:ext uri="{91240B29-F687-4f45-9708-019B960494DF}">
-              <a14:hiddenLine xmlns="" xmlns:a14="http://schemas.microsoft.com/office/drawing/2010/main" w="9525" algn="ctr">
+              <a14:hiddenLine xmlns:a14="http://schemas.microsoft.com/office/drawing/2010/main" xmlns="" w="9525" algn="ctr">
                 <a:solidFill>
                   <a:srgbClr val="000000"/>
                 </a:solidFill>
@@ -3012,14 +3017,14 @@
           </a:ln>
           <a:extLst>
             <a:ext uri="{909E8E84-426E-40dd-AFC4-6F175D3DCCD1}">
-              <a14:hiddenFill xmlns="" xmlns:a14="http://schemas.microsoft.com/office/drawing/2010/main">
+              <a14:hiddenFill xmlns:a14="http://schemas.microsoft.com/office/drawing/2010/main" xmlns="">
                 <a:solidFill>
                   <a:srgbClr val="FFFFFF"/>
                 </a:solidFill>
               </a14:hiddenFill>
             </a:ext>
             <a:ext uri="{91240B29-F687-4f45-9708-019B960494DF}">
-              <a14:hiddenLine xmlns="" xmlns:a14="http://schemas.microsoft.com/office/drawing/2010/main" w="9525">
+              <a14:hiddenLine xmlns:a14="http://schemas.microsoft.com/office/drawing/2010/main" xmlns="" w="9525">
                 <a:solidFill>
                   <a:srgbClr val="000000"/>
                 </a:solidFill>
@@ -3029,7 +3034,7 @@
               </a14:hiddenLine>
             </a:ext>
             <a:ext uri="{FAA26D3D-D897-4be2-8F04-BA451C77F1D7}">
-              <ma14:placeholderFlag xmlns="" xmlns:ma14="http://schemas.microsoft.com/office/mac/drawingml/2011/main" val="1"/>
+              <ma14:placeholderFlag xmlns:ma14="http://schemas.microsoft.com/office/mac/drawingml/2011/main" xmlns="" val="1"/>
             </a:ext>
           </a:extLst>
         </p:spPr>
@@ -3073,14 +3078,14 @@
           </a:ln>
           <a:extLst>
             <a:ext uri="{909E8E84-426E-40dd-AFC4-6F175D3DCCD1}">
-              <a14:hiddenFill xmlns="" xmlns:a14="http://schemas.microsoft.com/office/drawing/2010/main">
+              <a14:hiddenFill xmlns:a14="http://schemas.microsoft.com/office/drawing/2010/main" xmlns="">
                 <a:solidFill>
                   <a:srgbClr val="FFFFFF"/>
                 </a:solidFill>
               </a14:hiddenFill>
             </a:ext>
             <a:ext uri="{91240B29-F687-4f45-9708-019B960494DF}">
-              <a14:hiddenLine xmlns="" xmlns:a14="http://schemas.microsoft.com/office/drawing/2010/main" w="9525">
+              <a14:hiddenLine xmlns:a14="http://schemas.microsoft.com/office/drawing/2010/main" xmlns="" w="9525">
                 <a:solidFill>
                   <a:srgbClr val="000000"/>
                 </a:solidFill>
@@ -3090,7 +3095,7 @@
               </a14:hiddenLine>
             </a:ext>
             <a:ext uri="{FAA26D3D-D897-4be2-8F04-BA451C77F1D7}">
-              <ma14:placeholderFlag xmlns="" xmlns:ma14="http://schemas.microsoft.com/office/mac/drawingml/2011/main" val="1"/>
+              <ma14:placeholderFlag xmlns:ma14="http://schemas.microsoft.com/office/mac/drawingml/2011/main" xmlns="" val="1"/>
             </a:ext>
           </a:extLst>
         </p:spPr>
@@ -3148,7 +3153,7 @@
           </a:ln>
           <a:extLst>
             <a:ext uri="{91240B29-F687-4f45-9708-019B960494DF}">
-              <a14:hiddenLine xmlns="" xmlns:a14="http://schemas.microsoft.com/office/drawing/2010/main" w="9525">
+              <a14:hiddenLine xmlns:a14="http://schemas.microsoft.com/office/drawing/2010/main" xmlns="" w="9525">
                 <a:solidFill>
                   <a:srgbClr val="000000"/>
                 </a:solidFill>
@@ -3300,7 +3305,7 @@
           </a:ln>
           <a:extLst>
             <a:ext uri="{91240B29-F687-4f45-9708-019B960494DF}">
-              <a14:hiddenLine xmlns="" xmlns:a14="http://schemas.microsoft.com/office/drawing/2010/main" w="9525">
+              <a14:hiddenLine xmlns:a14="http://schemas.microsoft.com/office/drawing/2010/main" xmlns="" w="9525">
                 <a:solidFill>
                   <a:srgbClr val="000000"/>
                 </a:solidFill>
@@ -3455,7 +3460,7 @@
           </a:ln>
           <a:extLst>
             <a:ext uri="{909E8E84-426E-40dd-AFC4-6F175D3DCCD1}">
-              <a14:hiddenFill xmlns="" xmlns:a14="http://schemas.microsoft.com/office/drawing/2010/main">
+              <a14:hiddenFill xmlns:a14="http://schemas.microsoft.com/office/drawing/2010/main" xmlns="">
                 <a:noFill/>
               </a14:hiddenFill>
             </a:ext>
@@ -3496,7 +3501,7 @@
           </a:ln>
           <a:extLst>
             <a:ext uri="{909E8E84-426E-40dd-AFC4-6F175D3DCCD1}">
-              <a14:hiddenFill xmlns="" xmlns:a14="http://schemas.microsoft.com/office/drawing/2010/main">
+              <a14:hiddenFill xmlns:a14="http://schemas.microsoft.com/office/drawing/2010/main" xmlns="">
                 <a:noFill/>
               </a14:hiddenFill>
             </a:ext>
@@ -3532,14 +3537,14 @@
           </a:ln>
           <a:extLst>
             <a:ext uri="{909E8E84-426E-40dd-AFC4-6F175D3DCCD1}">
-              <a14:hiddenFill xmlns="" xmlns:a14="http://schemas.microsoft.com/office/drawing/2010/main">
+              <a14:hiddenFill xmlns:a14="http://schemas.microsoft.com/office/drawing/2010/main" xmlns="">
                 <a:solidFill>
                   <a:srgbClr val="FFFFFF"/>
                 </a:solidFill>
               </a14:hiddenFill>
             </a:ext>
             <a:ext uri="{91240B29-F687-4f45-9708-019B960494DF}">
-              <a14:hiddenLine xmlns="" xmlns:a14="http://schemas.microsoft.com/office/drawing/2010/main" w="9525">
+              <a14:hiddenLine xmlns:a14="http://schemas.microsoft.com/office/drawing/2010/main" xmlns="" w="9525">
                 <a:solidFill>
                   <a:srgbClr val="000000"/>
                 </a:solidFill>
@@ -3701,7 +3706,7 @@
           </a:ln>
           <a:extLst>
             <a:ext uri="{91240B29-F687-4f45-9708-019B960494DF}">
-              <a14:hiddenLine xmlns="" xmlns:a14="http://schemas.microsoft.com/office/drawing/2010/main" w="9525">
+              <a14:hiddenLine xmlns:a14="http://schemas.microsoft.com/office/drawing/2010/main" xmlns="" w="9525">
                 <a:solidFill>
                   <a:srgbClr val="000000"/>
                 </a:solidFill>
@@ -3864,14 +3869,14 @@
           </a:ln>
           <a:extLst>
             <a:ext uri="{909E8E84-426E-40dd-AFC4-6F175D3DCCD1}">
-              <a14:hiddenFill xmlns="" xmlns:a14="http://schemas.microsoft.com/office/drawing/2010/main">
+              <a14:hiddenFill xmlns:a14="http://schemas.microsoft.com/office/drawing/2010/main" xmlns="">
                 <a:solidFill>
                   <a:srgbClr val="FFFFFF"/>
                 </a:solidFill>
               </a14:hiddenFill>
             </a:ext>
             <a:ext uri="{91240B29-F687-4f45-9708-019B960494DF}">
-              <a14:hiddenLine xmlns="" xmlns:a14="http://schemas.microsoft.com/office/drawing/2010/main" w="9525">
+              <a14:hiddenLine xmlns:a14="http://schemas.microsoft.com/office/drawing/2010/main" xmlns="" w="9525">
                 <a:solidFill>
                   <a:srgbClr val="000000"/>
                 </a:solidFill>
@@ -3905,14 +3910,14 @@
           </a:ln>
           <a:extLst>
             <a:ext uri="{909E8E84-426E-40dd-AFC4-6F175D3DCCD1}">
-              <a14:hiddenFill xmlns="" xmlns:a14="http://schemas.microsoft.com/office/drawing/2010/main">
+              <a14:hiddenFill xmlns:a14="http://schemas.microsoft.com/office/drawing/2010/main" xmlns="">
                 <a:solidFill>
                   <a:srgbClr val="FFFFFF"/>
                 </a:solidFill>
               </a14:hiddenFill>
             </a:ext>
             <a:ext uri="{91240B29-F687-4f45-9708-019B960494DF}">
-              <a14:hiddenLine xmlns="" xmlns:a14="http://schemas.microsoft.com/office/drawing/2010/main" w="9525">
+              <a14:hiddenLine xmlns:a14="http://schemas.microsoft.com/office/drawing/2010/main" xmlns="" w="9525">
                 <a:solidFill>
                   <a:srgbClr val="000000"/>
                 </a:solidFill>
@@ -3938,7 +3943,7 @@
                 <a:cs typeface="MS PGothic" charset="0"/>
               </a:rPr>
               <a:pPr algn="r"/>
-              <a:t>‹#›</a:t>
+              <a:t>‹nr.›</a:t>
             </a:fld>
             <a:endParaRPr lang="nl-NL" sz="1600">
               <a:solidFill>
@@ -3973,14 +3978,14 @@
           </a:ln>
           <a:extLst>
             <a:ext uri="{909E8E84-426E-40dd-AFC4-6F175D3DCCD1}">
-              <a14:hiddenFill xmlns="" xmlns:a14="http://schemas.microsoft.com/office/drawing/2010/main">
+              <a14:hiddenFill xmlns:a14="http://schemas.microsoft.com/office/drawing/2010/main" xmlns="">
                 <a:solidFill>
                   <a:srgbClr val="FFFFFF"/>
                 </a:solidFill>
               </a14:hiddenFill>
             </a:ext>
             <a:ext uri="{91240B29-F687-4f45-9708-019B960494DF}">
-              <a14:hiddenLine xmlns="" xmlns:a14="http://schemas.microsoft.com/office/drawing/2010/main" w="9525">
+              <a14:hiddenLine xmlns:a14="http://schemas.microsoft.com/office/drawing/2010/main" xmlns="" w="9525">
                 <a:solidFill>
                   <a:srgbClr val="000000"/>
                 </a:solidFill>
@@ -4630,7 +4635,7 @@
           </a:ln>
           <a:extLst>
             <a:ext uri="{91240B29-F687-4f45-9708-019B960494DF}">
-              <a14:hiddenLine xmlns="" xmlns:a14="http://schemas.microsoft.com/office/drawing/2010/main" w="9525">
+              <a14:hiddenLine xmlns:a14="http://schemas.microsoft.com/office/drawing/2010/main" xmlns="" w="9525">
                 <a:solidFill>
                   <a:srgbClr val="000000"/>
                 </a:solidFill>
@@ -4761,7 +4766,7 @@
           </a:ln>
           <a:extLst>
             <a:ext uri="{91240B29-F687-4f45-9708-019B960494DF}">
-              <a14:hiddenLine xmlns="" xmlns:a14="http://schemas.microsoft.com/office/drawing/2010/main" w="9525">
+              <a14:hiddenLine xmlns:a14="http://schemas.microsoft.com/office/drawing/2010/main" xmlns="" w="9525">
                 <a:solidFill>
                   <a:srgbClr val="000000"/>
                 </a:solidFill>
@@ -5014,7 +5019,7 @@
       </p:grpSpPr>
       <p:sp>
         <p:nvSpPr>
-          <p:cNvPr id="2" name="Title 1"/>
+          <p:cNvPr id="2" name="Titel 1"/>
           <p:cNvSpPr>
             <a:spLocks noGrp="1"/>
           </p:cNvSpPr>
@@ -5028,20 +5033,16 @@
           <a:lstStyle/>
           <a:p>
             <a:r>
-              <a:rPr lang="en-US" dirty="0" smtClean="0"/>
-              <a:t>SD-</a:t>
-            </a:r>
-            <a:r>
-              <a:rPr lang="en-US" dirty="0" err="1" smtClean="0"/>
-              <a:t>kaart</a:t>
-            </a:r>
-            <a:endParaRPr lang="en-US" dirty="0"/>
-          </a:p>
-        </p:txBody>
-      </p:sp>
-      <p:sp>
-        <p:nvSpPr>
-          <p:cNvPr id="3" name="Content Placeholder 2"/>
+              <a:rPr lang="nl-NL" dirty="0" smtClean="0"/>
+              <a:t>SPI</a:t>
+            </a:r>
+            <a:endParaRPr lang="nl-NL" dirty="0"/>
+          </a:p>
+        </p:txBody>
+      </p:sp>
+      <p:sp>
+        <p:nvSpPr>
+          <p:cNvPr id="3" name="Tijdelijke aanduiding voor inhoud 2"/>
           <p:cNvSpPr>
             <a:spLocks noGrp="1"/>
           </p:cNvSpPr>
@@ -5055,29 +5056,345 @@
           <a:lstStyle/>
           <a:p>
             <a:r>
+              <a:rPr lang="nl-NL" dirty="0" smtClean="0"/>
+              <a:t>Seriële communicatie</a:t>
+            </a:r>
+          </a:p>
+          <a:p>
+            <a:r>
+              <a:rPr lang="nl-NL" dirty="0" smtClean="0"/>
+              <a:t>De-facto standaard</a:t>
+            </a:r>
+          </a:p>
+          <a:p>
+            <a:r>
+              <a:rPr lang="nl-NL" dirty="0" smtClean="0"/>
+              <a:t>Master en </a:t>
+            </a:r>
+            <a:r>
+              <a:rPr lang="nl-NL" dirty="0" err="1" smtClean="0"/>
+              <a:t>slave</a:t>
+            </a:r>
+            <a:r>
+              <a:rPr lang="nl-NL" dirty="0" smtClean="0"/>
+              <a:t> configuratie</a:t>
+            </a:r>
+          </a:p>
+          <a:p>
+            <a:r>
+              <a:rPr lang="nl-NL" dirty="0" smtClean="0"/>
+              <a:t>Twee gekoppelde shift registers</a:t>
+            </a:r>
+          </a:p>
+        </p:txBody>
+      </p:sp>
+      <p:pic>
+        <p:nvPicPr>
+          <p:cNvPr id="5" name="Afbeelding 4"/>
+          <p:cNvPicPr>
+            <a:picLocks noChangeAspect="1"/>
+          </p:cNvPicPr>
+          <p:nvPr/>
+        </p:nvPicPr>
+        <p:blipFill>
+          <a:blip r:embed="rId2" cstate="email">
+            <a:extLst>
+              <a:ext uri="{28A0092B-C50C-407E-A947-70E740481C1C}">
+                <a14:useLocalDpi xmlns:a14="http://schemas.microsoft.com/office/drawing/2010/main" val="0"/>
+              </a:ext>
+            </a:extLst>
+          </a:blip>
+          <a:stretch>
+            <a:fillRect/>
+          </a:stretch>
+        </p:blipFill>
+        <p:spPr>
+          <a:xfrm>
+            <a:off x="2108387" y="4660776"/>
+            <a:ext cx="8568952" cy="3280024"/>
+          </a:xfrm>
+          <a:prstGeom prst="rect">
+            <a:avLst/>
+          </a:prstGeom>
+        </p:spPr>
+      </p:pic>
+    </p:spTree>
+    <p:extLst>
+      <p:ext uri="{BB962C8B-B14F-4D97-AF65-F5344CB8AC3E}">
+        <p14:creationId xmlns:p14="http://schemas.microsoft.com/office/powerpoint/2010/main" val="1898872998"/>
+      </p:ext>
+    </p:extLst>
+  </p:cSld>
+  <p:clrMapOvr>
+    <a:masterClrMapping/>
+  </p:clrMapOvr>
+</p:sld>
+</file>
+
+<file path=ppt/slides/slide13.xml><?xml version="1.0" encoding="utf-8"?>
+<p:sld xmlns:a="http://schemas.openxmlformats.org/drawingml/2006/main" xmlns:r="http://schemas.openxmlformats.org/officeDocument/2006/relationships" xmlns:p="http://schemas.openxmlformats.org/presentationml/2006/main">
+  <p:cSld>
+    <p:spTree>
+      <p:nvGrpSpPr>
+        <p:cNvPr id="1" name=""/>
+        <p:cNvGrpSpPr/>
+        <p:nvPr/>
+      </p:nvGrpSpPr>
+      <p:grpSpPr>
+        <a:xfrm>
+          <a:off x="0" y="0"/>
+          <a:ext cx="0" cy="0"/>
+          <a:chOff x="0" y="0"/>
+          <a:chExt cx="0" cy="0"/>
+        </a:xfrm>
+      </p:grpSpPr>
+      <p:sp>
+        <p:nvSpPr>
+          <p:cNvPr id="2" name="Titel 1"/>
+          <p:cNvSpPr>
+            <a:spLocks noGrp="1"/>
+          </p:cNvSpPr>
+          <p:nvPr>
+            <p:ph type="title"/>
+          </p:nvPr>
+        </p:nvSpPr>
+        <p:spPr/>
+        <p:txBody>
+          <a:bodyPr/>
+          <a:lstStyle/>
+          <a:p>
+            <a:r>
+              <a:rPr lang="nl-NL" dirty="0" smtClean="0"/>
+              <a:t>SPI timing</a:t>
+            </a:r>
+            <a:endParaRPr lang="nl-NL" dirty="0"/>
+          </a:p>
+        </p:txBody>
+      </p:sp>
+      <p:sp>
+        <p:nvSpPr>
+          <p:cNvPr id="3" name="Tijdelijke aanduiding voor inhoud 2"/>
+          <p:cNvSpPr>
+            <a:spLocks noGrp="1"/>
+          </p:cNvSpPr>
+          <p:nvPr>
+            <p:ph idx="1"/>
+          </p:nvPr>
+        </p:nvSpPr>
+        <p:spPr/>
+        <p:txBody>
+          <a:bodyPr/>
+          <a:lstStyle/>
+          <a:p>
+            <a:r>
+              <a:rPr lang="nl-NL" dirty="0" smtClean="0"/>
+              <a:t>Data </a:t>
+            </a:r>
+            <a:r>
+              <a:rPr lang="nl-NL" dirty="0" err="1" smtClean="0"/>
+              <a:t>gelatched</a:t>
+            </a:r>
+            <a:r>
+              <a:rPr lang="nl-NL" dirty="0" smtClean="0"/>
+              <a:t> op opgaande flank</a:t>
+            </a:r>
+          </a:p>
+          <a:p>
+            <a:r>
+              <a:rPr lang="nl-NL" dirty="0" smtClean="0"/>
+              <a:t>Registers </a:t>
+            </a:r>
+            <a:r>
+              <a:rPr lang="nl-NL" dirty="0" err="1" smtClean="0"/>
+              <a:t>geshift</a:t>
+            </a:r>
+            <a:r>
+              <a:rPr lang="nl-NL" dirty="0" smtClean="0"/>
+              <a:t> op neergaande flank</a:t>
+            </a:r>
+          </a:p>
+          <a:p>
+            <a:endParaRPr lang="nl-NL" dirty="0"/>
+          </a:p>
+        </p:txBody>
+      </p:sp>
+      <p:pic>
+        <p:nvPicPr>
+          <p:cNvPr id="4" name="Afbeelding 3"/>
+          <p:cNvPicPr>
+            <a:picLocks noChangeAspect="1"/>
+          </p:cNvPicPr>
+          <p:nvPr/>
+        </p:nvPicPr>
+        <p:blipFill>
+          <a:blip r:embed="rId2" cstate="email">
+            <a:extLst>
+              <a:ext uri="{28A0092B-C50C-407E-A947-70E740481C1C}">
+                <a14:useLocalDpi xmlns:a14="http://schemas.microsoft.com/office/drawing/2010/main" val="0"/>
+              </a:ext>
+            </a:extLst>
+          </a:blip>
+          <a:stretch>
+            <a:fillRect/>
+          </a:stretch>
+        </p:blipFill>
+        <p:spPr>
+          <a:xfrm>
+            <a:off x="1363663" y="3508648"/>
+            <a:ext cx="10058400" cy="4759271"/>
+          </a:xfrm>
+          <a:prstGeom prst="rect">
+            <a:avLst/>
+          </a:prstGeom>
+        </p:spPr>
+      </p:pic>
+    </p:spTree>
+    <p:extLst>
+      <p:ext uri="{BB962C8B-B14F-4D97-AF65-F5344CB8AC3E}">
+        <p14:creationId xmlns:p14="http://schemas.microsoft.com/office/powerpoint/2010/main" val="1118633929"/>
+      </p:ext>
+    </p:extLst>
+  </p:cSld>
+  <p:clrMapOvr>
+    <a:masterClrMapping/>
+  </p:clrMapOvr>
+</p:sld>
+</file>
+
+<file path=ppt/slides/slide14.xml><?xml version="1.0" encoding="utf-8"?>
+<p:sld xmlns:a="http://schemas.openxmlformats.org/drawingml/2006/main" xmlns:r="http://schemas.openxmlformats.org/officeDocument/2006/relationships" xmlns:p="http://schemas.openxmlformats.org/presentationml/2006/main">
+  <p:cSld>
+    <p:spTree>
+      <p:nvGrpSpPr>
+        <p:cNvPr id="1" name=""/>
+        <p:cNvGrpSpPr/>
+        <p:nvPr/>
+      </p:nvGrpSpPr>
+      <p:grpSpPr>
+        <a:xfrm>
+          <a:off x="0" y="0"/>
+          <a:ext cx="0" cy="0"/>
+          <a:chOff x="0" y="0"/>
+          <a:chExt cx="0" cy="0"/>
+        </a:xfrm>
+      </p:grpSpPr>
+      <p:sp>
+        <p:nvSpPr>
+          <p:cNvPr id="2" name="Title 1"/>
+          <p:cNvSpPr>
+            <a:spLocks noGrp="1"/>
+          </p:cNvSpPr>
+          <p:nvPr>
+            <p:ph type="title"/>
+          </p:nvPr>
+        </p:nvSpPr>
+        <p:spPr/>
+        <p:txBody>
+          <a:bodyPr/>
+          <a:lstStyle/>
+          <a:p>
+            <a:r>
               <a:rPr lang="en-US" dirty="0" smtClean="0"/>
+              <a:t>SD-</a:t>
+            </a:r>
+            <a:r>
+              <a:rPr lang="en-US" dirty="0" err="1" smtClean="0"/>
+              <a:t>kaart</a:t>
+            </a:r>
+            <a:endParaRPr lang="en-US" dirty="0"/>
+          </a:p>
+        </p:txBody>
+      </p:sp>
+      <p:sp>
+        <p:nvSpPr>
+          <p:cNvPr id="3" name="Content Placeholder 2"/>
+          <p:cNvSpPr>
+            <a:spLocks noGrp="1"/>
+          </p:cNvSpPr>
+          <p:nvPr>
+            <p:ph idx="1"/>
+          </p:nvPr>
+        </p:nvSpPr>
+        <p:spPr/>
+        <p:txBody>
+          <a:bodyPr/>
+          <a:lstStyle/>
+          <a:p>
+            <a:r>
+              <a:rPr lang="nl-NL" dirty="0" smtClean="0"/>
               <a:t>SPI</a:t>
             </a:r>
           </a:p>
           <a:p>
             <a:r>
-              <a:rPr lang="en-US" dirty="0" smtClean="0"/>
-              <a:t>Assembly van het </a:t>
-            </a:r>
-            <a:r>
-              <a:rPr lang="en-US" dirty="0" err="1" smtClean="0"/>
-              <a:t>spel</a:t>
-            </a:r>
-            <a:endParaRPr lang="en-US" dirty="0" smtClean="0"/>
-          </a:p>
-          <a:p>
-            <a:endParaRPr lang="en-US" dirty="0" smtClean="0"/>
-          </a:p>
-          <a:p>
-            <a:endParaRPr lang="en-US" dirty="0"/>
-          </a:p>
-        </p:txBody>
-      </p:sp>
+              <a:rPr lang="nl-NL" dirty="0" smtClean="0"/>
+              <a:t>Assembly van het spel</a:t>
+            </a:r>
+          </a:p>
+          <a:p>
+            <a:r>
+              <a:rPr lang="nl-NL" dirty="0" smtClean="0"/>
+              <a:t>Communicatie</a:t>
+            </a:r>
+            <a:r>
+              <a:rPr lang="nl-NL" dirty="0" smtClean="0"/>
+              <a:t> </a:t>
+            </a:r>
+            <a:br>
+              <a:rPr lang="nl-NL" dirty="0" smtClean="0"/>
+            </a:br>
+            <a:r>
+              <a:rPr lang="nl-NL" dirty="0" smtClean="0"/>
+              <a:t>via commando’s</a:t>
+            </a:r>
+          </a:p>
+          <a:p>
+            <a:r>
+              <a:rPr lang="nl-NL" dirty="0" smtClean="0"/>
+              <a:t>Vereist initialisatie</a:t>
+            </a:r>
+          </a:p>
+          <a:p>
+            <a:endParaRPr lang="nl-NL" dirty="0" smtClean="0"/>
+          </a:p>
+          <a:p>
+            <a:endParaRPr lang="nl-NL" dirty="0" smtClean="0"/>
+          </a:p>
+          <a:p>
+            <a:endParaRPr lang="nl-NL" dirty="0"/>
+          </a:p>
+        </p:txBody>
+      </p:sp>
+      <p:pic>
+        <p:nvPicPr>
+          <p:cNvPr id="4" name="Afbeelding 3"/>
+          <p:cNvPicPr>
+            <a:picLocks noChangeAspect="1"/>
+          </p:cNvPicPr>
+          <p:nvPr/>
+        </p:nvPicPr>
+        <p:blipFill>
+          <a:blip r:embed="rId2" cstate="email">
+            <a:extLst>
+              <a:ext uri="{28A0092B-C50C-407E-A947-70E740481C1C}">
+                <a14:useLocalDpi xmlns:a14="http://schemas.microsoft.com/office/drawing/2010/main" val="0"/>
+              </a:ext>
+            </a:extLst>
+          </a:blip>
+          <a:stretch>
+            <a:fillRect/>
+          </a:stretch>
+        </p:blipFill>
+        <p:spPr>
+          <a:xfrm>
+            <a:off x="5134248" y="1348408"/>
+            <a:ext cx="7396107" cy="5472608"/>
+          </a:xfrm>
+          <a:prstGeom prst="rect">
+            <a:avLst/>
+          </a:prstGeom>
+        </p:spPr>
+      </p:pic>
     </p:spTree>
     <p:extLst>
       <p:ext uri="{BB962C8B-B14F-4D97-AF65-F5344CB8AC3E}">
@@ -5091,7 +5408,407 @@
 </p:sld>
 </file>
 
-<file path=ppt/slides/slide13.xml><?xml version="1.0" encoding="utf-8"?>
+<file path=ppt/slides/slide15.xml><?xml version="1.0" encoding="utf-8"?>
+<p:sld xmlns:a="http://schemas.openxmlformats.org/drawingml/2006/main" xmlns:r="http://schemas.openxmlformats.org/officeDocument/2006/relationships" xmlns:p="http://schemas.openxmlformats.org/presentationml/2006/main">
+  <p:cSld>
+    <p:spTree>
+      <p:nvGrpSpPr>
+        <p:cNvPr id="1" name=""/>
+        <p:cNvGrpSpPr/>
+        <p:nvPr/>
+      </p:nvGrpSpPr>
+      <p:grpSpPr>
+        <a:xfrm>
+          <a:off x="0" y="0"/>
+          <a:ext cx="0" cy="0"/>
+          <a:chOff x="0" y="0"/>
+          <a:chExt cx="0" cy="0"/>
+        </a:xfrm>
+      </p:grpSpPr>
+      <p:sp>
+        <p:nvSpPr>
+          <p:cNvPr id="2" name="Titel 1"/>
+          <p:cNvSpPr>
+            <a:spLocks noGrp="1"/>
+          </p:cNvSpPr>
+          <p:nvPr>
+            <p:ph type="title"/>
+          </p:nvPr>
+        </p:nvSpPr>
+        <p:spPr/>
+        <p:txBody>
+          <a:bodyPr/>
+          <a:lstStyle/>
+          <a:p>
+            <a:r>
+              <a:rPr lang="nl-NL" dirty="0" smtClean="0"/>
+              <a:t>SD-kaart commando communicatie</a:t>
+            </a:r>
+            <a:endParaRPr lang="nl-NL" dirty="0"/>
+          </a:p>
+        </p:txBody>
+      </p:sp>
+      <p:sp>
+        <p:nvSpPr>
+          <p:cNvPr id="3" name="Tijdelijke aanduiding voor inhoud 2"/>
+          <p:cNvSpPr>
+            <a:spLocks noGrp="1"/>
+          </p:cNvSpPr>
+          <p:nvPr>
+            <p:ph idx="1"/>
+          </p:nvPr>
+        </p:nvSpPr>
+        <p:spPr/>
+        <p:txBody>
+          <a:bodyPr/>
+          <a:lstStyle/>
+          <a:p>
+            <a:r>
+              <a:rPr lang="nl-NL" dirty="0" smtClean="0"/>
+              <a:t>Altijd antwoord op commando</a:t>
+            </a:r>
+          </a:p>
+          <a:p>
+            <a:pPr lvl="1"/>
+            <a:r>
+              <a:rPr lang="nl-NL" dirty="0"/>
+              <a:t>Maakt het ook vrij duidelijk wanneer de SD-kaart niet </a:t>
+            </a:r>
+            <a:r>
+              <a:rPr lang="nl-NL" dirty="0" smtClean="0"/>
+              <a:t>werkt</a:t>
+            </a:r>
+          </a:p>
+          <a:p>
+            <a:r>
+              <a:rPr lang="nl-NL" dirty="0" smtClean="0"/>
+              <a:t>Na antwoordt data</a:t>
+            </a:r>
+          </a:p>
+          <a:p>
+            <a:pPr lvl="1"/>
+            <a:r>
+              <a:rPr lang="nl-NL" dirty="0" smtClean="0"/>
+              <a:t>Bij sommige commando’s niet</a:t>
+            </a:r>
+          </a:p>
+        </p:txBody>
+      </p:sp>
+      <p:pic>
+        <p:nvPicPr>
+          <p:cNvPr id="4" name="Afbeelding 3"/>
+          <p:cNvPicPr>
+            <a:picLocks noChangeAspect="1"/>
+          </p:cNvPicPr>
+          <p:nvPr/>
+        </p:nvPicPr>
+        <p:blipFill>
+          <a:blip r:embed="rId2" cstate="email">
+            <a:extLst>
+              <a:ext uri="{28A0092B-C50C-407E-A947-70E740481C1C}">
+                <a14:useLocalDpi xmlns:a14="http://schemas.microsoft.com/office/drawing/2010/main" val="0"/>
+              </a:ext>
+            </a:extLst>
+          </a:blip>
+          <a:stretch>
+            <a:fillRect/>
+          </a:stretch>
+        </p:blipFill>
+        <p:spPr>
+          <a:xfrm>
+            <a:off x="1316038" y="4596145"/>
+            <a:ext cx="10058400" cy="3171492"/>
+          </a:xfrm>
+          <a:prstGeom prst="rect">
+            <a:avLst/>
+          </a:prstGeom>
+        </p:spPr>
+      </p:pic>
+    </p:spTree>
+    <p:extLst>
+      <p:ext uri="{BB962C8B-B14F-4D97-AF65-F5344CB8AC3E}">
+        <p14:creationId xmlns:p14="http://schemas.microsoft.com/office/powerpoint/2010/main" val="3498343705"/>
+      </p:ext>
+    </p:extLst>
+  </p:cSld>
+  <p:clrMapOvr>
+    <a:masterClrMapping/>
+  </p:clrMapOvr>
+</p:sld>
+</file>
+
+<file path=ppt/slides/slide16.xml><?xml version="1.0" encoding="utf-8"?>
+<p:sld xmlns:a="http://schemas.openxmlformats.org/drawingml/2006/main" xmlns:r="http://schemas.openxmlformats.org/officeDocument/2006/relationships" xmlns:p="http://schemas.openxmlformats.org/presentationml/2006/main">
+  <p:cSld>
+    <p:spTree>
+      <p:nvGrpSpPr>
+        <p:cNvPr id="1" name=""/>
+        <p:cNvGrpSpPr/>
+        <p:nvPr/>
+      </p:nvGrpSpPr>
+      <p:grpSpPr>
+        <a:xfrm>
+          <a:off x="0" y="0"/>
+          <a:ext cx="0" cy="0"/>
+          <a:chOff x="0" y="0"/>
+          <a:chExt cx="0" cy="0"/>
+        </a:xfrm>
+      </p:grpSpPr>
+      <p:sp>
+        <p:nvSpPr>
+          <p:cNvPr id="2" name="Titel 1"/>
+          <p:cNvSpPr>
+            <a:spLocks noGrp="1"/>
+          </p:cNvSpPr>
+          <p:nvPr>
+            <p:ph type="title"/>
+          </p:nvPr>
+        </p:nvSpPr>
+        <p:spPr/>
+        <p:txBody>
+          <a:bodyPr/>
+          <a:lstStyle/>
+          <a:p>
+            <a:r>
+              <a:rPr lang="nl-NL" dirty="0" smtClean="0"/>
+              <a:t>SD-kaart initialisatie</a:t>
+            </a:r>
+            <a:endParaRPr lang="nl-NL" dirty="0"/>
+          </a:p>
+        </p:txBody>
+      </p:sp>
+      <p:sp>
+        <p:nvSpPr>
+          <p:cNvPr id="3" name="Tijdelijke aanduiding voor inhoud 2"/>
+          <p:cNvSpPr>
+            <a:spLocks noGrp="1"/>
+          </p:cNvSpPr>
+          <p:nvPr>
+            <p:ph idx="1"/>
+          </p:nvPr>
+        </p:nvSpPr>
+        <p:spPr/>
+        <p:txBody>
+          <a:bodyPr/>
+          <a:lstStyle/>
+          <a:p>
+            <a:r>
+              <a:rPr lang="nl-NL" dirty="0" smtClean="0"/>
+              <a:t>80 klokpulsen zonder data</a:t>
+            </a:r>
+          </a:p>
+          <a:p>
+            <a:pPr lvl="1"/>
+            <a:r>
+              <a:rPr lang="nl-NL" dirty="0" smtClean="0"/>
+              <a:t>Eigenlijk alleen na power-up</a:t>
+            </a:r>
+          </a:p>
+          <a:p>
+            <a:r>
+              <a:rPr lang="nl-NL" dirty="0" smtClean="0"/>
+              <a:t>ACMD41 totdat SD-kaart klaar is</a:t>
+            </a:r>
+          </a:p>
+          <a:p>
+            <a:pPr lvl="1"/>
+            <a:r>
+              <a:rPr lang="nl-NL" dirty="0" smtClean="0"/>
+              <a:t>SD-kaart geeft aan of deze nog bezig is</a:t>
+            </a:r>
+          </a:p>
+          <a:p>
+            <a:r>
+              <a:rPr lang="nl-NL" dirty="0" smtClean="0"/>
+              <a:t>CMD16 om leesgrootte aan te geven</a:t>
+            </a:r>
+          </a:p>
+          <a:p>
+            <a:pPr lvl="1"/>
+            <a:r>
+              <a:rPr lang="nl-NL" dirty="0" smtClean="0"/>
+              <a:t>2 bytes, 16 bits omdat onze instructies 12 bits zijn</a:t>
+            </a:r>
+          </a:p>
+          <a:p>
+            <a:endParaRPr lang="nl-NL" dirty="0"/>
+          </a:p>
+        </p:txBody>
+      </p:sp>
+      <p:pic>
+        <p:nvPicPr>
+          <p:cNvPr id="4" name="Afbeelding 3"/>
+          <p:cNvPicPr>
+            <a:picLocks noChangeAspect="1"/>
+          </p:cNvPicPr>
+          <p:nvPr/>
+        </p:nvPicPr>
+        <p:blipFill>
+          <a:blip r:embed="rId2" cstate="email">
+            <a:extLst>
+              <a:ext uri="{28A0092B-C50C-407E-A947-70E740481C1C}">
+                <a14:useLocalDpi xmlns:a14="http://schemas.microsoft.com/office/drawing/2010/main" val="0"/>
+              </a:ext>
+            </a:extLst>
+          </a:blip>
+          <a:stretch>
+            <a:fillRect/>
+          </a:stretch>
+        </p:blipFill>
+        <p:spPr>
+          <a:xfrm>
+            <a:off x="8571745" y="650875"/>
+            <a:ext cx="2904017" cy="6937375"/>
+          </a:xfrm>
+          <a:prstGeom prst="rect">
+            <a:avLst/>
+          </a:prstGeom>
+        </p:spPr>
+      </p:pic>
+    </p:spTree>
+    <p:extLst>
+      <p:ext uri="{BB962C8B-B14F-4D97-AF65-F5344CB8AC3E}">
+        <p14:creationId xmlns:p14="http://schemas.microsoft.com/office/powerpoint/2010/main" val="4047224912"/>
+      </p:ext>
+    </p:extLst>
+  </p:cSld>
+  <p:clrMapOvr>
+    <a:masterClrMapping/>
+  </p:clrMapOvr>
+</p:sld>
+</file>
+
+<file path=ppt/slides/slide17.xml><?xml version="1.0" encoding="utf-8"?>
+<p:sld xmlns:a="http://schemas.openxmlformats.org/drawingml/2006/main" xmlns:r="http://schemas.openxmlformats.org/officeDocument/2006/relationships" xmlns:p="http://schemas.openxmlformats.org/presentationml/2006/main">
+  <p:cSld>
+    <p:spTree>
+      <p:nvGrpSpPr>
+        <p:cNvPr id="1" name=""/>
+        <p:cNvGrpSpPr/>
+        <p:nvPr/>
+      </p:nvGrpSpPr>
+      <p:grpSpPr>
+        <a:xfrm>
+          <a:off x="0" y="0"/>
+          <a:ext cx="0" cy="0"/>
+          <a:chOff x="0" y="0"/>
+          <a:chExt cx="0" cy="0"/>
+        </a:xfrm>
+      </p:grpSpPr>
+      <p:sp>
+        <p:nvSpPr>
+          <p:cNvPr id="2" name="Titel 1"/>
+          <p:cNvSpPr>
+            <a:spLocks noGrp="1"/>
+          </p:cNvSpPr>
+          <p:nvPr>
+            <p:ph type="title"/>
+          </p:nvPr>
+        </p:nvSpPr>
+        <p:spPr/>
+        <p:txBody>
+          <a:bodyPr/>
+          <a:lstStyle/>
+          <a:p>
+            <a:r>
+              <a:rPr lang="nl-NL" dirty="0" smtClean="0"/>
+              <a:t>SD-kaart uitlezen</a:t>
+            </a:r>
+            <a:endParaRPr lang="nl-NL" dirty="0"/>
+          </a:p>
+        </p:txBody>
+      </p:sp>
+      <p:sp>
+        <p:nvSpPr>
+          <p:cNvPr id="3" name="Tijdelijke aanduiding voor inhoud 2"/>
+          <p:cNvSpPr>
+            <a:spLocks noGrp="1"/>
+          </p:cNvSpPr>
+          <p:nvPr>
+            <p:ph idx="1"/>
+          </p:nvPr>
+        </p:nvSpPr>
+        <p:spPr/>
+        <p:txBody>
+          <a:bodyPr/>
+          <a:lstStyle/>
+          <a:p>
+            <a:r>
+              <a:rPr lang="nl-NL" dirty="0" smtClean="0"/>
+              <a:t>Stuur CMD17</a:t>
+            </a:r>
+          </a:p>
+          <a:p>
+            <a:r>
+              <a:rPr lang="nl-NL" dirty="0" smtClean="0"/>
+              <a:t>Controleer antwoord</a:t>
+            </a:r>
+          </a:p>
+          <a:p>
+            <a:r>
+              <a:rPr lang="nl-NL" dirty="0" smtClean="0"/>
+              <a:t>Wacht op data</a:t>
+            </a:r>
+          </a:p>
+          <a:p>
+            <a:r>
+              <a:rPr lang="nl-NL" dirty="0" smtClean="0"/>
+              <a:t>Data uitlezen en bufferen</a:t>
+            </a:r>
+          </a:p>
+          <a:p>
+            <a:pPr lvl="1"/>
+            <a:r>
+              <a:rPr lang="nl-NL" dirty="0" smtClean="0"/>
+              <a:t>2x want 12 bits nodig</a:t>
+            </a:r>
+          </a:p>
+        </p:txBody>
+      </p:sp>
+      <p:pic>
+        <p:nvPicPr>
+          <p:cNvPr id="4" name="Afbeelding 3"/>
+          <p:cNvPicPr>
+            <a:picLocks noChangeAspect="1"/>
+          </p:cNvPicPr>
+          <p:nvPr/>
+        </p:nvPicPr>
+        <p:blipFill>
+          <a:blip r:embed="rId2" cstate="email">
+            <a:extLst>
+              <a:ext uri="{28A0092B-C50C-407E-A947-70E740481C1C}">
+                <a14:useLocalDpi xmlns:a14="http://schemas.microsoft.com/office/drawing/2010/main" val="0"/>
+              </a:ext>
+            </a:extLst>
+          </a:blip>
+          <a:stretch>
+            <a:fillRect/>
+          </a:stretch>
+        </p:blipFill>
+        <p:spPr>
+          <a:xfrm>
+            <a:off x="8446616" y="599927"/>
+            <a:ext cx="3040534" cy="6988323"/>
+          </a:xfrm>
+          <a:prstGeom prst="rect">
+            <a:avLst/>
+          </a:prstGeom>
+        </p:spPr>
+      </p:pic>
+    </p:spTree>
+    <p:extLst>
+      <p:ext uri="{BB962C8B-B14F-4D97-AF65-F5344CB8AC3E}">
+        <p14:creationId xmlns:p14="http://schemas.microsoft.com/office/powerpoint/2010/main" val="634567779"/>
+      </p:ext>
+    </p:extLst>
+  </p:cSld>
+  <p:clrMapOvr>
+    <a:masterClrMapping/>
+  </p:clrMapOvr>
+</p:sld>
+</file>
+
+<file path=ppt/slides/slide18.xml><?xml version="1.0" encoding="utf-8"?>
 <p:sld xmlns:a="http://schemas.openxmlformats.org/drawingml/2006/main" xmlns:r="http://schemas.openxmlformats.org/officeDocument/2006/relationships" xmlns:p="http://schemas.openxmlformats.org/presentationml/2006/main">
   <p:cSld>
     <p:spTree>
@@ -5218,7 +5935,7 @@
 </p:sld>
 </file>
 
-<file path=ppt/slides/slide14.xml><?xml version="1.0" encoding="utf-8"?>
+<file path=ppt/slides/slide19.xml><?xml version="1.0" encoding="utf-8"?>
 <p:sld xmlns:a="http://schemas.openxmlformats.org/drawingml/2006/main" xmlns:r="http://schemas.openxmlformats.org/officeDocument/2006/relationships" xmlns:p="http://schemas.openxmlformats.org/presentationml/2006/main">
   <p:cSld>
     <p:spTree>
@@ -5297,240 +6014,6 @@
         <p14:creationId xmlns:p14="http://schemas.microsoft.com/office/powerpoint/2010/main" val="4275572195"/>
       </p:ext>
     </p:extLst>
-  </p:cSld>
-  <p:clrMapOvr>
-    <a:masterClrMapping/>
-  </p:clrMapOvr>
-</p:sld>
-</file>
-
-<file path=ppt/slides/slide15.xml><?xml version="1.0" encoding="utf-8"?>
-<p:sld xmlns:a="http://schemas.openxmlformats.org/drawingml/2006/main" xmlns:r="http://schemas.openxmlformats.org/officeDocument/2006/relationships" xmlns:p="http://schemas.openxmlformats.org/presentationml/2006/main">
-  <p:cSld>
-    <p:spTree>
-      <p:nvGrpSpPr>
-        <p:cNvPr id="1" name=""/>
-        <p:cNvGrpSpPr/>
-        <p:nvPr/>
-      </p:nvGrpSpPr>
-      <p:grpSpPr>
-        <a:xfrm>
-          <a:off x="0" y="0"/>
-          <a:ext cx="0" cy="0"/>
-          <a:chOff x="0" y="0"/>
-          <a:chExt cx="0" cy="0"/>
-        </a:xfrm>
-      </p:grpSpPr>
-      <p:sp>
-        <p:nvSpPr>
-          <p:cNvPr id="2" name="Titel 1"/>
-          <p:cNvSpPr>
-            <a:spLocks noGrp="1"/>
-          </p:cNvSpPr>
-          <p:nvPr>
-            <p:ph type="title"/>
-          </p:nvPr>
-        </p:nvSpPr>
-        <p:spPr/>
-        <p:txBody>
-          <a:bodyPr/>
-          <a:lstStyle/>
-          <a:p>
-            <a:r>
-              <a:rPr lang="nl-NL" dirty="0" smtClean="0"/>
-              <a:t>Conclusie</a:t>
-            </a:r>
-            <a:endParaRPr lang="nl-NL" dirty="0"/>
-          </a:p>
-        </p:txBody>
-      </p:sp>
-      <p:sp>
-        <p:nvSpPr>
-          <p:cNvPr id="3" name="Tijdelijke aanduiding voor inhoud 2"/>
-          <p:cNvSpPr>
-            <a:spLocks noGrp="1"/>
-          </p:cNvSpPr>
-          <p:nvPr>
-            <p:ph idx="1"/>
-          </p:nvPr>
-        </p:nvSpPr>
-        <p:spPr/>
-        <p:txBody>
-          <a:bodyPr/>
-          <a:lstStyle/>
-          <a:p>
-            <a:r>
-              <a:rPr lang="nl-NL" dirty="0" smtClean="0"/>
-              <a:t>Complicaties</a:t>
-            </a:r>
-          </a:p>
-          <a:p>
-            <a:pPr lvl="1"/>
-            <a:r>
-              <a:rPr lang="nl-NL" dirty="0" smtClean="0"/>
-              <a:t>Communicatie SD kaart &amp; SRAM</a:t>
-            </a:r>
-          </a:p>
-          <a:p>
-            <a:r>
-              <a:rPr lang="nl-NL" dirty="0" smtClean="0"/>
-              <a:t>Gevolgen</a:t>
-            </a:r>
-          </a:p>
-          <a:p>
-            <a:pPr lvl="1"/>
-            <a:r>
-              <a:rPr lang="nl-NL" dirty="0" smtClean="0"/>
-              <a:t>Weg laten VGA </a:t>
-            </a:r>
-            <a:r>
-              <a:rPr lang="nl-NL" dirty="0" smtClean="0">
-                <a:sym typeface="Wingdings" pitchFamily="2" charset="2"/>
-              </a:rPr>
-              <a:t> Geen beeld meer</a:t>
-            </a:r>
-          </a:p>
-          <a:p>
-            <a:pPr lvl="1"/>
-            <a:r>
-              <a:rPr lang="nl-NL" dirty="0" smtClean="0">
-                <a:sym typeface="Wingdings" pitchFamily="2" charset="2"/>
-              </a:rPr>
-              <a:t>Intern ruimte te kort  Geen plaats meer voor ‘</a:t>
-            </a:r>
-            <a:r>
-              <a:rPr lang="nl-NL" dirty="0" err="1" smtClean="0">
-                <a:sym typeface="Wingdings" pitchFamily="2" charset="2"/>
-              </a:rPr>
-              <a:t>Pong</a:t>
-            </a:r>
-            <a:r>
-              <a:rPr lang="nl-NL" dirty="0" smtClean="0">
-                <a:sym typeface="Wingdings" pitchFamily="2" charset="2"/>
-              </a:rPr>
-              <a:t>’</a:t>
-            </a:r>
-            <a:endParaRPr lang="nl-NL" dirty="0" smtClean="0"/>
-          </a:p>
-          <a:p>
-            <a:r>
-              <a:rPr lang="nl-NL" dirty="0" smtClean="0"/>
-              <a:t>Simpele rekenmachine</a:t>
-            </a:r>
-          </a:p>
-          <a:p>
-            <a:pPr lvl="1"/>
-            <a:r>
-              <a:rPr lang="nl-NL" dirty="0" smtClean="0"/>
-              <a:t>Optellen, aftrekken en vermenigvuldigen</a:t>
-            </a:r>
-          </a:p>
-        </p:txBody>
-      </p:sp>
-    </p:spTree>
-  </p:cSld>
-  <p:clrMapOvr>
-    <a:masterClrMapping/>
-  </p:clrMapOvr>
-</p:sld>
-</file>
-
-<file path=ppt/slides/slide16.xml><?xml version="1.0" encoding="utf-8"?>
-<p:sld xmlns:a="http://schemas.openxmlformats.org/drawingml/2006/main" xmlns:r="http://schemas.openxmlformats.org/officeDocument/2006/relationships" xmlns:p="http://schemas.openxmlformats.org/presentationml/2006/main">
-  <p:cSld>
-    <p:spTree>
-      <p:nvGrpSpPr>
-        <p:cNvPr id="1" name=""/>
-        <p:cNvGrpSpPr/>
-        <p:nvPr/>
-      </p:nvGrpSpPr>
-      <p:grpSpPr>
-        <a:xfrm>
-          <a:off x="0" y="0"/>
-          <a:ext cx="0" cy="0"/>
-          <a:chOff x="0" y="0"/>
-          <a:chExt cx="0" cy="0"/>
-        </a:xfrm>
-      </p:grpSpPr>
-      <p:sp>
-        <p:nvSpPr>
-          <p:cNvPr id="2" name="Titel 1"/>
-          <p:cNvSpPr>
-            <a:spLocks noGrp="1"/>
-          </p:cNvSpPr>
-          <p:nvPr>
-            <p:ph type="title"/>
-          </p:nvPr>
-        </p:nvSpPr>
-        <p:spPr/>
-        <p:txBody>
-          <a:bodyPr/>
-          <a:lstStyle/>
-          <a:p>
-            <a:r>
-              <a:rPr lang="nl-NL" dirty="0" smtClean="0"/>
-              <a:t>Discussie &amp; Aanbevelingen</a:t>
-            </a:r>
-            <a:endParaRPr lang="nl-NL" dirty="0"/>
-          </a:p>
-        </p:txBody>
-      </p:sp>
-      <p:sp>
-        <p:nvSpPr>
-          <p:cNvPr id="3" name="Tijdelijke aanduiding voor inhoud 2"/>
-          <p:cNvSpPr>
-            <a:spLocks noGrp="1"/>
-          </p:cNvSpPr>
-          <p:nvPr>
-            <p:ph idx="1"/>
-          </p:nvPr>
-        </p:nvSpPr>
-        <p:spPr/>
-        <p:txBody>
-          <a:bodyPr/>
-          <a:lstStyle/>
-          <a:p>
-            <a:r>
-              <a:rPr lang="nl-NL" dirty="0" smtClean="0"/>
-              <a:t>Planning </a:t>
-            </a:r>
-            <a:r>
-              <a:rPr lang="nl-NL" smtClean="0"/>
-              <a:t>en Organisatie</a:t>
-            </a:r>
-          </a:p>
-          <a:p>
-            <a:pPr>
-              <a:buNone/>
-            </a:pPr>
-            <a:endParaRPr lang="nl-NL" dirty="0" smtClean="0"/>
-          </a:p>
-          <a:p>
-            <a:r>
-              <a:rPr lang="nl-NL" dirty="0" smtClean="0"/>
-              <a:t>Een grote fout</a:t>
-            </a:r>
-          </a:p>
-          <a:p>
-            <a:pPr lvl="1"/>
-            <a:r>
-              <a:rPr lang="nl-NL" dirty="0" smtClean="0"/>
-              <a:t>Haalbaarheid van het project</a:t>
-            </a:r>
-          </a:p>
-          <a:p>
-            <a:pPr lvl="1"/>
-            <a:r>
-              <a:rPr lang="nl-NL" dirty="0" smtClean="0"/>
-              <a:t>Te weinig tijd om het project te voltooien</a:t>
-            </a:r>
-          </a:p>
-          <a:p>
-            <a:endParaRPr lang="nl-NL" dirty="0" smtClean="0"/>
-          </a:p>
-        </p:txBody>
-      </p:sp>
-    </p:spTree>
   </p:cSld>
   <p:clrMapOvr>
     <a:masterClrMapping/>
@@ -5694,6 +6177,240 @@
       </p:par>
     </p:tnLst>
   </p:timing>
+</p:sld>
+</file>
+
+<file path=ppt/slides/slide20.xml><?xml version="1.0" encoding="utf-8"?>
+<p:sld xmlns:a="http://schemas.openxmlformats.org/drawingml/2006/main" xmlns:r="http://schemas.openxmlformats.org/officeDocument/2006/relationships" xmlns:p="http://schemas.openxmlformats.org/presentationml/2006/main">
+  <p:cSld>
+    <p:spTree>
+      <p:nvGrpSpPr>
+        <p:cNvPr id="1" name=""/>
+        <p:cNvGrpSpPr/>
+        <p:nvPr/>
+      </p:nvGrpSpPr>
+      <p:grpSpPr>
+        <a:xfrm>
+          <a:off x="0" y="0"/>
+          <a:ext cx="0" cy="0"/>
+          <a:chOff x="0" y="0"/>
+          <a:chExt cx="0" cy="0"/>
+        </a:xfrm>
+      </p:grpSpPr>
+      <p:sp>
+        <p:nvSpPr>
+          <p:cNvPr id="2" name="Titel 1"/>
+          <p:cNvSpPr>
+            <a:spLocks noGrp="1"/>
+          </p:cNvSpPr>
+          <p:nvPr>
+            <p:ph type="title"/>
+          </p:nvPr>
+        </p:nvSpPr>
+        <p:spPr/>
+        <p:txBody>
+          <a:bodyPr/>
+          <a:lstStyle/>
+          <a:p>
+            <a:r>
+              <a:rPr lang="nl-NL" dirty="0" smtClean="0"/>
+              <a:t>Conclusie</a:t>
+            </a:r>
+            <a:endParaRPr lang="nl-NL" dirty="0"/>
+          </a:p>
+        </p:txBody>
+      </p:sp>
+      <p:sp>
+        <p:nvSpPr>
+          <p:cNvPr id="3" name="Tijdelijke aanduiding voor inhoud 2"/>
+          <p:cNvSpPr>
+            <a:spLocks noGrp="1"/>
+          </p:cNvSpPr>
+          <p:nvPr>
+            <p:ph idx="1"/>
+          </p:nvPr>
+        </p:nvSpPr>
+        <p:spPr/>
+        <p:txBody>
+          <a:bodyPr/>
+          <a:lstStyle/>
+          <a:p>
+            <a:r>
+              <a:rPr lang="nl-NL" dirty="0" smtClean="0"/>
+              <a:t>Complicaties</a:t>
+            </a:r>
+          </a:p>
+          <a:p>
+            <a:pPr lvl="1"/>
+            <a:r>
+              <a:rPr lang="nl-NL" dirty="0" smtClean="0"/>
+              <a:t>Communicatie SD kaart &amp; SRAM</a:t>
+            </a:r>
+          </a:p>
+          <a:p>
+            <a:r>
+              <a:rPr lang="nl-NL" dirty="0" smtClean="0"/>
+              <a:t>Gevolgen</a:t>
+            </a:r>
+          </a:p>
+          <a:p>
+            <a:pPr lvl="1"/>
+            <a:r>
+              <a:rPr lang="nl-NL" dirty="0" smtClean="0"/>
+              <a:t>Weg laten VGA </a:t>
+            </a:r>
+            <a:r>
+              <a:rPr lang="nl-NL" dirty="0" smtClean="0">
+                <a:sym typeface="Wingdings" pitchFamily="2" charset="2"/>
+              </a:rPr>
+              <a:t> Geen beeld meer</a:t>
+            </a:r>
+          </a:p>
+          <a:p>
+            <a:pPr lvl="1"/>
+            <a:r>
+              <a:rPr lang="nl-NL" dirty="0" smtClean="0">
+                <a:sym typeface="Wingdings" pitchFamily="2" charset="2"/>
+              </a:rPr>
+              <a:t>Intern ruimte te kort  Geen plaats meer voor ‘</a:t>
+            </a:r>
+            <a:r>
+              <a:rPr lang="nl-NL" dirty="0" err="1" smtClean="0">
+                <a:sym typeface="Wingdings" pitchFamily="2" charset="2"/>
+              </a:rPr>
+              <a:t>Pong</a:t>
+            </a:r>
+            <a:r>
+              <a:rPr lang="nl-NL" dirty="0" smtClean="0">
+                <a:sym typeface="Wingdings" pitchFamily="2" charset="2"/>
+              </a:rPr>
+              <a:t>’</a:t>
+            </a:r>
+            <a:endParaRPr lang="nl-NL" dirty="0" smtClean="0"/>
+          </a:p>
+          <a:p>
+            <a:r>
+              <a:rPr lang="nl-NL" dirty="0" smtClean="0"/>
+              <a:t>Simpele rekenmachine</a:t>
+            </a:r>
+          </a:p>
+          <a:p>
+            <a:pPr lvl="1"/>
+            <a:r>
+              <a:rPr lang="nl-NL" dirty="0" smtClean="0"/>
+              <a:t>Optellen, aftrekken en vermenigvuldigen</a:t>
+            </a:r>
+          </a:p>
+        </p:txBody>
+      </p:sp>
+    </p:spTree>
+  </p:cSld>
+  <p:clrMapOvr>
+    <a:masterClrMapping/>
+  </p:clrMapOvr>
+</p:sld>
+</file>
+
+<file path=ppt/slides/slide21.xml><?xml version="1.0" encoding="utf-8"?>
+<p:sld xmlns:a="http://schemas.openxmlformats.org/drawingml/2006/main" xmlns:r="http://schemas.openxmlformats.org/officeDocument/2006/relationships" xmlns:p="http://schemas.openxmlformats.org/presentationml/2006/main">
+  <p:cSld>
+    <p:spTree>
+      <p:nvGrpSpPr>
+        <p:cNvPr id="1" name=""/>
+        <p:cNvGrpSpPr/>
+        <p:nvPr/>
+      </p:nvGrpSpPr>
+      <p:grpSpPr>
+        <a:xfrm>
+          <a:off x="0" y="0"/>
+          <a:ext cx="0" cy="0"/>
+          <a:chOff x="0" y="0"/>
+          <a:chExt cx="0" cy="0"/>
+        </a:xfrm>
+      </p:grpSpPr>
+      <p:sp>
+        <p:nvSpPr>
+          <p:cNvPr id="2" name="Titel 1"/>
+          <p:cNvSpPr>
+            <a:spLocks noGrp="1"/>
+          </p:cNvSpPr>
+          <p:nvPr>
+            <p:ph type="title"/>
+          </p:nvPr>
+        </p:nvSpPr>
+        <p:spPr/>
+        <p:txBody>
+          <a:bodyPr/>
+          <a:lstStyle/>
+          <a:p>
+            <a:r>
+              <a:rPr lang="nl-NL" dirty="0" smtClean="0"/>
+              <a:t>Discussie &amp; Aanbevelingen</a:t>
+            </a:r>
+            <a:endParaRPr lang="nl-NL" dirty="0"/>
+          </a:p>
+        </p:txBody>
+      </p:sp>
+      <p:sp>
+        <p:nvSpPr>
+          <p:cNvPr id="3" name="Tijdelijke aanduiding voor inhoud 2"/>
+          <p:cNvSpPr>
+            <a:spLocks noGrp="1"/>
+          </p:cNvSpPr>
+          <p:nvPr>
+            <p:ph idx="1"/>
+          </p:nvPr>
+        </p:nvSpPr>
+        <p:spPr/>
+        <p:txBody>
+          <a:bodyPr/>
+          <a:lstStyle/>
+          <a:p>
+            <a:r>
+              <a:rPr lang="nl-NL" dirty="0" smtClean="0"/>
+              <a:t>Planning </a:t>
+            </a:r>
+            <a:r>
+              <a:rPr lang="nl-NL" smtClean="0"/>
+              <a:t>en Organisatie</a:t>
+            </a:r>
+          </a:p>
+          <a:p>
+            <a:pPr>
+              <a:buNone/>
+            </a:pPr>
+            <a:endParaRPr lang="nl-NL" dirty="0" smtClean="0"/>
+          </a:p>
+          <a:p>
+            <a:r>
+              <a:rPr lang="nl-NL" dirty="0" smtClean="0"/>
+              <a:t>Een grote fout</a:t>
+            </a:r>
+          </a:p>
+          <a:p>
+            <a:pPr lvl="1"/>
+            <a:r>
+              <a:rPr lang="nl-NL" dirty="0" smtClean="0"/>
+              <a:t>Haalbaarheid van het project</a:t>
+            </a:r>
+          </a:p>
+          <a:p>
+            <a:pPr lvl="1"/>
+            <a:r>
+              <a:rPr lang="nl-NL" dirty="0" smtClean="0"/>
+              <a:t>Te weinig tijd om het project te voltooien</a:t>
+            </a:r>
+          </a:p>
+          <a:p>
+            <a:endParaRPr lang="nl-NL" dirty="0" smtClean="0"/>
+          </a:p>
+        </p:txBody>
+      </p:sp>
+    </p:spTree>
+  </p:cSld>
+  <p:clrMapOvr>
+    <a:masterClrMapping/>
+  </p:clrMapOvr>
 </p:sld>
 </file>
 

--- a/Eindpresentatie.pptx
+++ b/Eindpresentatie.pptx
@@ -5,10 +5,10 @@
     <p:sldMasterId id="2147483673" r:id="rId1"/>
   </p:sldMasterIdLst>
   <p:notesMasterIdLst>
-    <p:notesMasterId r:id="rId23"/>
+    <p:notesMasterId r:id="rId33"/>
   </p:notesMasterIdLst>
   <p:handoutMasterIdLst>
-    <p:handoutMasterId r:id="rId24"/>
+    <p:handoutMasterId r:id="rId34"/>
   </p:handoutMasterIdLst>
   <p:sldIdLst>
     <p:sldId id="319" r:id="rId2"/>
@@ -24,14 +24,24 @@
     <p:sldId id="323" r:id="rId12"/>
     <p:sldId id="336" r:id="rId13"/>
     <p:sldId id="337" r:id="rId14"/>
-    <p:sldId id="324" r:id="rId15"/>
-    <p:sldId id="339" r:id="rId16"/>
-    <p:sldId id="338" r:id="rId17"/>
-    <p:sldId id="340" r:id="rId18"/>
-    <p:sldId id="325" r:id="rId19"/>
-    <p:sldId id="326" r:id="rId20"/>
-    <p:sldId id="329" r:id="rId21"/>
-    <p:sldId id="330" r:id="rId22"/>
+    <p:sldId id="350" r:id="rId15"/>
+    <p:sldId id="324" r:id="rId16"/>
+    <p:sldId id="339" r:id="rId17"/>
+    <p:sldId id="338" r:id="rId18"/>
+    <p:sldId id="340" r:id="rId19"/>
+    <p:sldId id="341" r:id="rId20"/>
+    <p:sldId id="342" r:id="rId21"/>
+    <p:sldId id="343" r:id="rId22"/>
+    <p:sldId id="344" r:id="rId23"/>
+    <p:sldId id="345" r:id="rId24"/>
+    <p:sldId id="346" r:id="rId25"/>
+    <p:sldId id="347" r:id="rId26"/>
+    <p:sldId id="348" r:id="rId27"/>
+    <p:sldId id="349" r:id="rId28"/>
+    <p:sldId id="325" r:id="rId29"/>
+    <p:sldId id="326" r:id="rId30"/>
+    <p:sldId id="329" r:id="rId31"/>
+    <p:sldId id="330" r:id="rId32"/>
   </p:sldIdLst>
   <p:sldSz cx="13004800" cy="9753600"/>
   <p:notesSz cx="6794500" cy="9931400"/>
@@ -171,7 +181,7 @@
   </p:defaultTextStyle>
   <p:extLst>
     <p:ext uri="{EFAFB233-063F-42B5-8137-9DF3F51BA10A}">
-      <p15:sldGuideLst xmlns:p15="http://schemas.microsoft.com/office/powerpoint/2012/main">
+      <p15:sldGuideLst xmlns:p15="http://schemas.microsoft.com/office/powerpoint/2012/main" xmlns="">
         <p15:guide id="1" orient="horz" pos="3072">
           <p15:clr>
             <a:srgbClr val="A4A3A4"/>
@@ -185,7 +195,7 @@
       </p15:sldGuideLst>
     </p:ext>
     <p:ext uri="{2D200454-40CA-4A62-9FC3-DE9A4176ACB9}">
-      <p15:notesGuideLst xmlns:p15="http://schemas.microsoft.com/office/powerpoint/2012/main">
+      <p15:notesGuideLst xmlns:p15="http://schemas.microsoft.com/office/powerpoint/2012/main" xmlns="">
         <p15:guide id="1" orient="horz" pos="3128">
           <p15:clr>
             <a:srgbClr val="A4A3A4"/>
@@ -295,7 +305,7 @@
             <a:fld id="{347D5123-087D-F547-BA90-AAC341263F7F}" type="datetimeFigureOut">
               <a:rPr lang="nl-NL"/>
               <a:pPr/>
-              <a:t>21-1-2015</a:t>
+              <a:t>21-01-15</a:t>
             </a:fld>
             <a:endParaRPr lang="nl-NL"/>
           </a:p>
@@ -372,7 +382,7 @@
             <a:fld id="{D2D6B489-F77B-E44B-BA1A-250156B6FC8C}" type="slidenum">
               <a:rPr lang="nl-NL"/>
               <a:pPr/>
-              <a:t>‹nr.›</a:t>
+              <a:t>‹#›</a:t>
             </a:fld>
             <a:endParaRPr lang="nl-NL"/>
           </a:p>
@@ -482,7 +492,7 @@
             <a:fld id="{BF439CDE-7B43-744A-B12A-3FE096986F89}" type="datetimeFigureOut">
               <a:rPr lang="nl-NL"/>
               <a:pPr/>
-              <a:t>21-1-2015</a:t>
+              <a:t>21-01-15</a:t>
             </a:fld>
             <a:endParaRPr lang="nl-NL"/>
           </a:p>
@@ -653,7 +663,7 @@
             <a:fld id="{8B944AE0-A2BB-A245-869D-6C23E48BF3F5}" type="slidenum">
               <a:rPr lang="nl-NL"/>
               <a:pPr/>
-              <a:t>‹nr.›</a:t>
+              <a:t>‹#›</a:t>
             </a:fld>
             <a:endParaRPr lang="nl-NL"/>
           </a:p>
@@ -833,7 +843,7 @@
           </a:ln>
           <a:extLst>
             <a:ext uri="{91240B29-F687-4f45-9708-019B960494DF}">
-              <a14:hiddenLine xmlns:a14="http://schemas.microsoft.com/office/drawing/2010/main" xmlns="" w="9525" algn="ctr">
+              <a14:hiddenLine xmlns:a14="http://schemas.microsoft.com/office/drawing/2010/main" w="9525" algn="ctr">
                 <a:solidFill>
                   <a:srgbClr val="000000"/>
                 </a:solidFill>
@@ -3017,14 +3027,14 @@
           </a:ln>
           <a:extLst>
             <a:ext uri="{909E8E84-426E-40dd-AFC4-6F175D3DCCD1}">
-              <a14:hiddenFill xmlns:a14="http://schemas.microsoft.com/office/drawing/2010/main" xmlns="">
+              <a14:hiddenFill xmlns:a14="http://schemas.microsoft.com/office/drawing/2010/main">
                 <a:solidFill>
                   <a:srgbClr val="FFFFFF"/>
                 </a:solidFill>
               </a14:hiddenFill>
             </a:ext>
             <a:ext uri="{91240B29-F687-4f45-9708-019B960494DF}">
-              <a14:hiddenLine xmlns:a14="http://schemas.microsoft.com/office/drawing/2010/main" xmlns="" w="9525">
+              <a14:hiddenLine xmlns:a14="http://schemas.microsoft.com/office/drawing/2010/main" w="9525">
                 <a:solidFill>
                   <a:srgbClr val="000000"/>
                 </a:solidFill>
@@ -3034,7 +3044,7 @@
               </a14:hiddenLine>
             </a:ext>
             <a:ext uri="{FAA26D3D-D897-4be2-8F04-BA451C77F1D7}">
-              <ma14:placeholderFlag xmlns:ma14="http://schemas.microsoft.com/office/mac/drawingml/2011/main" xmlns="" val="1"/>
+              <ma14:placeholderFlag xmlns:ma14="http://schemas.microsoft.com/office/mac/drawingml/2011/main" val="1"/>
             </a:ext>
           </a:extLst>
         </p:spPr>
@@ -3078,14 +3088,14 @@
           </a:ln>
           <a:extLst>
             <a:ext uri="{909E8E84-426E-40dd-AFC4-6F175D3DCCD1}">
-              <a14:hiddenFill xmlns:a14="http://schemas.microsoft.com/office/drawing/2010/main" xmlns="">
+              <a14:hiddenFill xmlns:a14="http://schemas.microsoft.com/office/drawing/2010/main">
                 <a:solidFill>
                   <a:srgbClr val="FFFFFF"/>
                 </a:solidFill>
               </a14:hiddenFill>
             </a:ext>
             <a:ext uri="{91240B29-F687-4f45-9708-019B960494DF}">
-              <a14:hiddenLine xmlns:a14="http://schemas.microsoft.com/office/drawing/2010/main" xmlns="" w="9525">
+              <a14:hiddenLine xmlns:a14="http://schemas.microsoft.com/office/drawing/2010/main" w="9525">
                 <a:solidFill>
                   <a:srgbClr val="000000"/>
                 </a:solidFill>
@@ -3095,7 +3105,7 @@
               </a14:hiddenLine>
             </a:ext>
             <a:ext uri="{FAA26D3D-D897-4be2-8F04-BA451C77F1D7}">
-              <ma14:placeholderFlag xmlns:ma14="http://schemas.microsoft.com/office/mac/drawingml/2011/main" xmlns="" val="1"/>
+              <ma14:placeholderFlag xmlns:ma14="http://schemas.microsoft.com/office/mac/drawingml/2011/main" val="1"/>
             </a:ext>
           </a:extLst>
         </p:spPr>
@@ -3153,7 +3163,7 @@
           </a:ln>
           <a:extLst>
             <a:ext uri="{91240B29-F687-4f45-9708-019B960494DF}">
-              <a14:hiddenLine xmlns:a14="http://schemas.microsoft.com/office/drawing/2010/main" xmlns="" w="9525">
+              <a14:hiddenLine xmlns:a14="http://schemas.microsoft.com/office/drawing/2010/main" w="9525">
                 <a:solidFill>
                   <a:srgbClr val="000000"/>
                 </a:solidFill>
@@ -3305,7 +3315,7 @@
           </a:ln>
           <a:extLst>
             <a:ext uri="{91240B29-F687-4f45-9708-019B960494DF}">
-              <a14:hiddenLine xmlns:a14="http://schemas.microsoft.com/office/drawing/2010/main" xmlns="" w="9525">
+              <a14:hiddenLine xmlns:a14="http://schemas.microsoft.com/office/drawing/2010/main" w="9525">
                 <a:solidFill>
                   <a:srgbClr val="000000"/>
                 </a:solidFill>
@@ -3460,7 +3470,7 @@
           </a:ln>
           <a:extLst>
             <a:ext uri="{909E8E84-426E-40dd-AFC4-6F175D3DCCD1}">
-              <a14:hiddenFill xmlns:a14="http://schemas.microsoft.com/office/drawing/2010/main" xmlns="">
+              <a14:hiddenFill xmlns:a14="http://schemas.microsoft.com/office/drawing/2010/main">
                 <a:noFill/>
               </a14:hiddenFill>
             </a:ext>
@@ -3501,7 +3511,7 @@
           </a:ln>
           <a:extLst>
             <a:ext uri="{909E8E84-426E-40dd-AFC4-6F175D3DCCD1}">
-              <a14:hiddenFill xmlns:a14="http://schemas.microsoft.com/office/drawing/2010/main" xmlns="">
+              <a14:hiddenFill xmlns:a14="http://schemas.microsoft.com/office/drawing/2010/main">
                 <a:noFill/>
               </a14:hiddenFill>
             </a:ext>
@@ -3537,14 +3547,14 @@
           </a:ln>
           <a:extLst>
             <a:ext uri="{909E8E84-426E-40dd-AFC4-6F175D3DCCD1}">
-              <a14:hiddenFill xmlns:a14="http://schemas.microsoft.com/office/drawing/2010/main" xmlns="">
+              <a14:hiddenFill xmlns:a14="http://schemas.microsoft.com/office/drawing/2010/main">
                 <a:solidFill>
                   <a:srgbClr val="FFFFFF"/>
                 </a:solidFill>
               </a14:hiddenFill>
             </a:ext>
             <a:ext uri="{91240B29-F687-4f45-9708-019B960494DF}">
-              <a14:hiddenLine xmlns:a14="http://schemas.microsoft.com/office/drawing/2010/main" xmlns="" w="9525">
+              <a14:hiddenLine xmlns:a14="http://schemas.microsoft.com/office/drawing/2010/main" w="9525">
                 <a:solidFill>
                   <a:srgbClr val="000000"/>
                 </a:solidFill>
@@ -3706,7 +3716,7 @@
           </a:ln>
           <a:extLst>
             <a:ext uri="{91240B29-F687-4f45-9708-019B960494DF}">
-              <a14:hiddenLine xmlns:a14="http://schemas.microsoft.com/office/drawing/2010/main" xmlns="" w="9525">
+              <a14:hiddenLine xmlns:a14="http://schemas.microsoft.com/office/drawing/2010/main" w="9525">
                 <a:solidFill>
                   <a:srgbClr val="000000"/>
                 </a:solidFill>
@@ -3869,14 +3879,14 @@
           </a:ln>
           <a:extLst>
             <a:ext uri="{909E8E84-426E-40dd-AFC4-6F175D3DCCD1}">
-              <a14:hiddenFill xmlns:a14="http://schemas.microsoft.com/office/drawing/2010/main" xmlns="">
+              <a14:hiddenFill xmlns:a14="http://schemas.microsoft.com/office/drawing/2010/main">
                 <a:solidFill>
                   <a:srgbClr val="FFFFFF"/>
                 </a:solidFill>
               </a14:hiddenFill>
             </a:ext>
             <a:ext uri="{91240B29-F687-4f45-9708-019B960494DF}">
-              <a14:hiddenLine xmlns:a14="http://schemas.microsoft.com/office/drawing/2010/main" xmlns="" w="9525">
+              <a14:hiddenLine xmlns:a14="http://schemas.microsoft.com/office/drawing/2010/main" w="9525">
                 <a:solidFill>
                   <a:srgbClr val="000000"/>
                 </a:solidFill>
@@ -3910,14 +3920,14 @@
           </a:ln>
           <a:extLst>
             <a:ext uri="{909E8E84-426E-40dd-AFC4-6F175D3DCCD1}">
-              <a14:hiddenFill xmlns:a14="http://schemas.microsoft.com/office/drawing/2010/main" xmlns="">
+              <a14:hiddenFill xmlns:a14="http://schemas.microsoft.com/office/drawing/2010/main">
                 <a:solidFill>
                   <a:srgbClr val="FFFFFF"/>
                 </a:solidFill>
               </a14:hiddenFill>
             </a:ext>
             <a:ext uri="{91240B29-F687-4f45-9708-019B960494DF}">
-              <a14:hiddenLine xmlns:a14="http://schemas.microsoft.com/office/drawing/2010/main" xmlns="" w="9525">
+              <a14:hiddenLine xmlns:a14="http://schemas.microsoft.com/office/drawing/2010/main" w="9525">
                 <a:solidFill>
                   <a:srgbClr val="000000"/>
                 </a:solidFill>
@@ -3943,7 +3953,7 @@
                 <a:cs typeface="MS PGothic" charset="0"/>
               </a:rPr>
               <a:pPr algn="r"/>
-              <a:t>‹nr.›</a:t>
+              <a:t>‹#›</a:t>
             </a:fld>
             <a:endParaRPr lang="nl-NL" sz="1600">
               <a:solidFill>
@@ -3978,14 +3988,14 @@
           </a:ln>
           <a:extLst>
             <a:ext uri="{909E8E84-426E-40dd-AFC4-6F175D3DCCD1}">
-              <a14:hiddenFill xmlns:a14="http://schemas.microsoft.com/office/drawing/2010/main" xmlns="">
+              <a14:hiddenFill xmlns:a14="http://schemas.microsoft.com/office/drawing/2010/main">
                 <a:solidFill>
                   <a:srgbClr val="FFFFFF"/>
                 </a:solidFill>
               </a14:hiddenFill>
             </a:ext>
             <a:ext uri="{91240B29-F687-4f45-9708-019B960494DF}">
-              <a14:hiddenLine xmlns:a14="http://schemas.microsoft.com/office/drawing/2010/main" xmlns="" w="9525">
+              <a14:hiddenLine xmlns:a14="http://schemas.microsoft.com/office/drawing/2010/main" w="9525">
                 <a:solidFill>
                   <a:srgbClr val="000000"/>
                 </a:solidFill>
@@ -4143,7 +4153,7 @@
   <p:timing>
     <p:tnLst>
       <p:par>
-        <p:cTn id="1" dur="indefinite" restart="never" nodeType="tmRoot"/>
+        <p:cTn xmlns:p14="http://schemas.microsoft.com/office/powerpoint/2010/main" id="1" dur="indefinite" restart="never" nodeType="tmRoot"/>
       </p:par>
     </p:tnLst>
   </p:timing>
@@ -4635,7 +4645,7 @@
           </a:ln>
           <a:extLst>
             <a:ext uri="{91240B29-F687-4f45-9708-019B960494DF}">
-              <a14:hiddenLine xmlns:a14="http://schemas.microsoft.com/office/drawing/2010/main" xmlns="" w="9525">
+              <a14:hiddenLine xmlns:a14="http://schemas.microsoft.com/office/drawing/2010/main" w="9525">
                 <a:solidFill>
                   <a:srgbClr val="000000"/>
                 </a:solidFill>
@@ -4766,7 +4776,7 @@
           </a:ln>
           <a:extLst>
             <a:ext uri="{91240B29-F687-4f45-9708-019B960494DF}">
-              <a14:hiddenLine xmlns:a14="http://schemas.microsoft.com/office/drawing/2010/main" xmlns="" w="9525">
+              <a14:hiddenLine xmlns:a14="http://schemas.microsoft.com/office/drawing/2010/main" w="9525">
                 <a:solidFill>
                   <a:srgbClr val="000000"/>
                 </a:solidFill>
@@ -4796,7 +4806,7 @@
   <p:timing>
     <p:tnLst>
       <p:par>
-        <p:cTn id="1" dur="indefinite" restart="never" nodeType="tmRoot"/>
+        <p:cTn xmlns:p14="http://schemas.microsoft.com/office/powerpoint/2010/main" id="1" dur="indefinite" restart="never" nodeType="tmRoot"/>
       </p:par>
     </p:tnLst>
   </p:timing>
@@ -4881,7 +4891,7 @@
   <p:timing>
     <p:tnLst>
       <p:par>
-        <p:cTn id="1" dur="indefinite" restart="never" nodeType="tmRoot"/>
+        <p:cTn xmlns:p14="http://schemas.microsoft.com/office/powerpoint/2010/main" id="1" dur="indefinite" restart="never" nodeType="tmRoot"/>
       </p:par>
     </p:tnLst>
   </p:timing>
@@ -4993,7 +5003,7 @@
   <p:timing>
     <p:tnLst>
       <p:par>
-        <p:cTn id="1" dur="indefinite" restart="never" nodeType="tmRoot"/>
+        <p:cTn xmlns:p14="http://schemas.microsoft.com/office/powerpoint/2010/main" id="1" dur="indefinite" restart="never" nodeType="tmRoot"/>
       </p:par>
     </p:tnLst>
   </p:timing>
@@ -5294,12 +5304,8 @@
           <a:lstStyle/>
           <a:p>
             <a:r>
-              <a:rPr lang="en-US" dirty="0" smtClean="0"/>
-              <a:t>SD-</a:t>
-            </a:r>
-            <a:r>
               <a:rPr lang="en-US" dirty="0" err="1" smtClean="0"/>
-              <a:t>kaart</a:t>
+              <a:t>Besturing</a:t>
             </a:r>
             <a:endParaRPr lang="en-US" dirty="0"/>
           </a:p>
@@ -5321,6 +5327,115 @@
           <a:lstStyle/>
           <a:p>
             <a:r>
+              <a:rPr lang="en-US" dirty="0" err="1" smtClean="0"/>
+              <a:t>Arduino</a:t>
+            </a:r>
+            <a:r>
+              <a:rPr lang="en-US" dirty="0" smtClean="0"/>
+              <a:t> </a:t>
+            </a:r>
+            <a:r>
+              <a:rPr lang="en-US" dirty="0" err="1" smtClean="0"/>
+              <a:t>keuze</a:t>
+            </a:r>
+            <a:endParaRPr lang="en-US" dirty="0" smtClean="0"/>
+          </a:p>
+          <a:p>
+            <a:r>
+              <a:rPr lang="en-US" dirty="0" smtClean="0"/>
+              <a:t>0 -&gt; 12 </a:t>
+            </a:r>
+          </a:p>
+          <a:p>
+            <a:r>
+              <a:rPr lang="en-US" dirty="0" smtClean="0"/>
+              <a:t>13 -&gt; 15 </a:t>
+            </a:r>
+          </a:p>
+          <a:p>
+            <a:r>
+              <a:rPr lang="en-US" dirty="0" smtClean="0"/>
+              <a:t>Bit shift &lt;&lt; 4</a:t>
+            </a:r>
+          </a:p>
+          <a:p>
+            <a:endParaRPr lang="en-US" dirty="0"/>
+          </a:p>
+        </p:txBody>
+      </p:sp>
+    </p:spTree>
+    <p:extLst>
+      <p:ext uri="{BB962C8B-B14F-4D97-AF65-F5344CB8AC3E}">
+        <p14:creationId xmlns:p14="http://schemas.microsoft.com/office/powerpoint/2010/main" val="2109901134"/>
+      </p:ext>
+    </p:extLst>
+  </p:cSld>
+  <p:clrMapOvr>
+    <a:masterClrMapping/>
+  </p:clrMapOvr>
+</p:sld>
+</file>
+
+<file path=ppt/slides/slide15.xml><?xml version="1.0" encoding="utf-8"?>
+<p:sld xmlns:a="http://schemas.openxmlformats.org/drawingml/2006/main" xmlns:r="http://schemas.openxmlformats.org/officeDocument/2006/relationships" xmlns:p="http://schemas.openxmlformats.org/presentationml/2006/main">
+  <p:cSld>
+    <p:spTree>
+      <p:nvGrpSpPr>
+        <p:cNvPr id="1" name=""/>
+        <p:cNvGrpSpPr/>
+        <p:nvPr/>
+      </p:nvGrpSpPr>
+      <p:grpSpPr>
+        <a:xfrm>
+          <a:off x="0" y="0"/>
+          <a:ext cx="0" cy="0"/>
+          <a:chOff x="0" y="0"/>
+          <a:chExt cx="0" cy="0"/>
+        </a:xfrm>
+      </p:grpSpPr>
+      <p:sp>
+        <p:nvSpPr>
+          <p:cNvPr id="2" name="Title 1"/>
+          <p:cNvSpPr>
+            <a:spLocks noGrp="1"/>
+          </p:cNvSpPr>
+          <p:nvPr>
+            <p:ph type="title"/>
+          </p:nvPr>
+        </p:nvSpPr>
+        <p:spPr/>
+        <p:txBody>
+          <a:bodyPr/>
+          <a:lstStyle/>
+          <a:p>
+            <a:r>
+              <a:rPr lang="en-US" dirty="0" smtClean="0"/>
+              <a:t>SD-</a:t>
+            </a:r>
+            <a:r>
+              <a:rPr lang="en-US" dirty="0" err="1" smtClean="0"/>
+              <a:t>kaart</a:t>
+            </a:r>
+            <a:endParaRPr lang="en-US" dirty="0"/>
+          </a:p>
+        </p:txBody>
+      </p:sp>
+      <p:sp>
+        <p:nvSpPr>
+          <p:cNvPr id="3" name="Content Placeholder 2"/>
+          <p:cNvSpPr>
+            <a:spLocks noGrp="1"/>
+          </p:cNvSpPr>
+          <p:nvPr>
+            <p:ph idx="1"/>
+          </p:nvPr>
+        </p:nvSpPr>
+        <p:spPr/>
+        <p:txBody>
+          <a:bodyPr/>
+          <a:lstStyle/>
+          <a:p>
+            <a:r>
               <a:rPr lang="nl-NL" dirty="0" smtClean="0"/>
               <a:t>SPI</a:t>
             </a:r>
@@ -5334,11 +5449,7 @@
           <a:p>
             <a:r>
               <a:rPr lang="nl-NL" dirty="0" smtClean="0"/>
-              <a:t>Communicatie</a:t>
-            </a:r>
-            <a:r>
-              <a:rPr lang="nl-NL" dirty="0" smtClean="0"/>
-              <a:t> </a:t>
+              <a:t>Communicatie </a:t>
             </a:r>
             <a:br>
               <a:rPr lang="nl-NL" dirty="0" smtClean="0"/>
@@ -5408,7 +5519,7 @@
 </p:sld>
 </file>
 
-<file path=ppt/slides/slide15.xml><?xml version="1.0" encoding="utf-8"?>
+<file path=ppt/slides/slide16.xml><?xml version="1.0" encoding="utf-8"?>
 <p:sld xmlns:a="http://schemas.openxmlformats.org/drawingml/2006/main" xmlns:r="http://schemas.openxmlformats.org/officeDocument/2006/relationships" xmlns:p="http://schemas.openxmlformats.org/presentationml/2006/main">
   <p:cSld>
     <p:spTree>
@@ -5537,7 +5648,7 @@
 </p:sld>
 </file>
 
-<file path=ppt/slides/slide16.xml><?xml version="1.0" encoding="utf-8"?>
+<file path=ppt/slides/slide17.xml><?xml version="1.0" encoding="utf-8"?>
 <p:sld xmlns:a="http://schemas.openxmlformats.org/drawingml/2006/main" xmlns:r="http://schemas.openxmlformats.org/officeDocument/2006/relationships" xmlns:p="http://schemas.openxmlformats.org/presentationml/2006/main">
   <p:cSld>
     <p:spTree>
@@ -5678,7 +5789,7 @@
 </p:sld>
 </file>
 
-<file path=ppt/slides/slide17.xml><?xml version="1.0" encoding="utf-8"?>
+<file path=ppt/slides/slide18.xml><?xml version="1.0" encoding="utf-8"?>
 <p:sld xmlns:a="http://schemas.openxmlformats.org/drawingml/2006/main" xmlns:r="http://schemas.openxmlformats.org/officeDocument/2006/relationships" xmlns:p="http://schemas.openxmlformats.org/presentationml/2006/main">
   <p:cSld>
     <p:spTree>
@@ -5808,7 +5919,1860 @@
 </p:sld>
 </file>
 
-<file path=ppt/slides/slide18.xml><?xml version="1.0" encoding="utf-8"?>
+<file path=ppt/slides/slide19.xml><?xml version="1.0" encoding="utf-8"?>
+<p:sld xmlns:a="http://schemas.openxmlformats.org/drawingml/2006/main" xmlns:r="http://schemas.openxmlformats.org/officeDocument/2006/relationships" xmlns:p="http://schemas.openxmlformats.org/presentationml/2006/main">
+  <p:cSld>
+    <p:spTree>
+      <p:nvGrpSpPr>
+        <p:cNvPr id="1" name=""/>
+        <p:cNvGrpSpPr/>
+        <p:nvPr/>
+      </p:nvGrpSpPr>
+      <p:grpSpPr>
+        <a:xfrm>
+          <a:off x="0" y="0"/>
+          <a:ext cx="0" cy="0"/>
+          <a:chOff x="0" y="0"/>
+          <a:chExt cx="0" cy="0"/>
+        </a:xfrm>
+      </p:grpSpPr>
+      <p:sp>
+        <p:nvSpPr>
+          <p:cNvPr id="4098" name="Title 3"/>
+          <p:cNvSpPr>
+            <a:spLocks noGrp="1"/>
+          </p:cNvSpPr>
+          <p:nvPr>
+            <p:ph type="title"/>
+          </p:nvPr>
+        </p:nvSpPr>
+        <p:spPr>
+          <a:xfrm>
+            <a:off x="1304996" y="650241"/>
+            <a:ext cx="10182578" cy="891823"/>
+          </a:xfrm>
+        </p:spPr>
+        <p:txBody>
+          <a:bodyPr/>
+          <a:lstStyle/>
+          <a:p>
+            <a:pPr>
+              <a:defRPr/>
+            </a:pPr>
+            <a:r>
+              <a:rPr lang="nl-NL" altLang="nl-NL" dirty="0" smtClean="0">
+                <a:latin typeface="+mn-lt"/>
+                <a:ea typeface="ＭＳ Ｐゴシック" pitchFamily="34" charset="-128"/>
+              </a:rPr>
+              <a:t>Input Output</a:t>
+            </a:r>
+            <a:endParaRPr lang="nl-NL" altLang="nl-NL" dirty="0" smtClean="0">
+              <a:latin typeface="+mn-lt"/>
+              <a:ea typeface="ＭＳ Ｐゴシック" pitchFamily="34" charset="-128"/>
+            </a:endParaRPr>
+          </a:p>
+        </p:txBody>
+      </p:sp>
+      <p:sp>
+        <p:nvSpPr>
+          <p:cNvPr id="6146" name="Content Placeholder 4"/>
+          <p:cNvSpPr>
+            <a:spLocks noGrp="1"/>
+          </p:cNvSpPr>
+          <p:nvPr>
+            <p:ph idx="1"/>
+          </p:nvPr>
+        </p:nvSpPr>
+        <p:spPr/>
+        <p:txBody>
+          <a:bodyPr/>
+          <a:lstStyle/>
+          <a:p>
+            <a:r>
+              <a:rPr lang="nl-NL">
+                <a:latin typeface="Tahoma" charset="0"/>
+                <a:ea typeface="ＭＳ Ｐゴシック" charset="0"/>
+                <a:cs typeface="ＭＳ Ｐゴシック" charset="0"/>
+              </a:rPr>
+              <a:t>Input van CPU</a:t>
+            </a:r>
+          </a:p>
+          <a:p>
+            <a:pPr lvl="1"/>
+            <a:r>
+              <a:rPr lang="nl-NL">
+                <a:latin typeface="Tahoma" charset="0"/>
+                <a:ea typeface="ＭＳ Ｐゴシック" charset="0"/>
+                <a:cs typeface="ＭＳ Ｐゴシック" charset="0"/>
+              </a:rPr>
+              <a:t>8 bit vector</a:t>
+            </a:r>
+          </a:p>
+          <a:p>
+            <a:pPr lvl="1"/>
+            <a:r>
+              <a:rPr lang="nl-NL">
+                <a:latin typeface="Tahoma" charset="0"/>
+                <a:ea typeface="ＭＳ Ｐゴシック" charset="0"/>
+                <a:cs typeface="ＭＳ Ｐゴシック" charset="0"/>
+              </a:rPr>
+              <a:t>2 bit instructie, 6 bit data</a:t>
+            </a:r>
+          </a:p>
+          <a:p>
+            <a:pPr lvl="1"/>
+            <a:endParaRPr lang="nl-NL">
+              <a:latin typeface="Tahoma" charset="0"/>
+              <a:ea typeface="ＭＳ Ｐゴシック" charset="0"/>
+              <a:cs typeface="ＭＳ Ｐゴシック" charset="0"/>
+            </a:endParaRPr>
+          </a:p>
+          <a:p>
+            <a:r>
+              <a:rPr lang="nl-NL">
+                <a:latin typeface="Tahoma" charset="0"/>
+                <a:ea typeface="ＭＳ Ｐゴシック" charset="0"/>
+                <a:cs typeface="ＭＳ Ｐゴシック" charset="0"/>
+              </a:rPr>
+              <a:t>Output naar SRAM via blackbox</a:t>
+            </a:r>
+          </a:p>
+        </p:txBody>
+      </p:sp>
+      <p:pic>
+        <p:nvPicPr>
+          <p:cNvPr id="6148" name="Picture 1" descr="Schermafbeelding 2015-01-20 om 12.51.56.png"/>
+          <p:cNvPicPr>
+            <a:picLocks noChangeAspect="1"/>
+          </p:cNvPicPr>
+          <p:nvPr/>
+        </p:nvPicPr>
+        <p:blipFill>
+          <a:blip r:embed="rId2">
+            <a:extLst>
+              <a:ext uri="{28A0092B-C50C-407E-A947-70E740481C1C}">
+                <a14:useLocalDpi xmlns:a14="http://schemas.microsoft.com/office/drawing/2010/main" val="0"/>
+              </a:ext>
+            </a:extLst>
+          </a:blip>
+          <a:srcRect/>
+          <a:stretch>
+            <a:fillRect/>
+          </a:stretch>
+        </p:blipFill>
+        <p:spPr bwMode="auto">
+          <a:xfrm>
+            <a:off x="1433690" y="4982916"/>
+            <a:ext cx="8825653" cy="3621476"/>
+          </a:xfrm>
+          <a:prstGeom prst="rect">
+            <a:avLst/>
+          </a:prstGeom>
+          <a:noFill/>
+          <a:ln>
+            <a:noFill/>
+          </a:ln>
+          <a:extLst>
+            <a:ext uri="{909E8E84-426E-40dd-AFC4-6F175D3DCCD1}">
+              <a14:hiddenFill xmlns:a14="http://schemas.microsoft.com/office/drawing/2010/main">
+                <a:solidFill>
+                  <a:srgbClr val="FFFFFF"/>
+                </a:solidFill>
+              </a14:hiddenFill>
+            </a:ext>
+            <a:ext uri="{91240B29-F687-4f45-9708-019B960494DF}">
+              <a14:hiddenLine xmlns:a14="http://schemas.microsoft.com/office/drawing/2010/main" w="9525">
+                <a:solidFill>
+                  <a:srgbClr val="000000"/>
+                </a:solidFill>
+                <a:miter lim="800000"/>
+                <a:headEnd/>
+                <a:tailEnd/>
+              </a14:hiddenLine>
+            </a:ext>
+          </a:extLst>
+        </p:spPr>
+      </p:pic>
+    </p:spTree>
+    <p:extLst>
+      <p:ext uri="{BB962C8B-B14F-4D97-AF65-F5344CB8AC3E}">
+        <p14:creationId xmlns:p14="http://schemas.microsoft.com/office/powerpoint/2010/main" val="2698749950"/>
+      </p:ext>
+    </p:extLst>
+  </p:cSld>
+  <p:clrMapOvr>
+    <a:masterClrMapping/>
+  </p:clrMapOvr>
+</p:sld>
+</file>
+
+<file path=ppt/slides/slide2.xml><?xml version="1.0" encoding="utf-8"?>
+<p:sld xmlns:a="http://schemas.openxmlformats.org/drawingml/2006/main" xmlns:r="http://schemas.openxmlformats.org/officeDocument/2006/relationships" xmlns:p="http://schemas.openxmlformats.org/presentationml/2006/main">
+  <p:cSld>
+    <p:spTree>
+      <p:nvGrpSpPr>
+        <p:cNvPr id="1" name=""/>
+        <p:cNvGrpSpPr/>
+        <p:nvPr/>
+      </p:nvGrpSpPr>
+      <p:grpSpPr>
+        <a:xfrm>
+          <a:off x="0" y="0"/>
+          <a:ext cx="0" cy="0"/>
+          <a:chOff x="0" y="0"/>
+          <a:chExt cx="0" cy="0"/>
+        </a:xfrm>
+      </p:grpSpPr>
+      <p:sp>
+        <p:nvSpPr>
+          <p:cNvPr id="2" name="Titel 1"/>
+          <p:cNvSpPr>
+            <a:spLocks noGrp="1"/>
+          </p:cNvSpPr>
+          <p:nvPr>
+            <p:ph type="title"/>
+          </p:nvPr>
+        </p:nvSpPr>
+        <p:spPr>
+          <a:xfrm>
+            <a:off x="1317824" y="628329"/>
+            <a:ext cx="10182225" cy="792088"/>
+          </a:xfrm>
+        </p:spPr>
+        <p:txBody>
+          <a:bodyPr/>
+          <a:lstStyle/>
+          <a:p>
+            <a:r>
+              <a:rPr lang="nl-NL" dirty="0" smtClean="0"/>
+              <a:t>Inhoud</a:t>
+            </a:r>
+            <a:endParaRPr lang="nl-NL" dirty="0"/>
+          </a:p>
+        </p:txBody>
+      </p:sp>
+      <p:sp>
+        <p:nvSpPr>
+          <p:cNvPr id="3" name="Tijdelijke aanduiding voor inhoud 2"/>
+          <p:cNvSpPr>
+            <a:spLocks noGrp="1"/>
+          </p:cNvSpPr>
+          <p:nvPr>
+            <p:ph idx="1"/>
+          </p:nvPr>
+        </p:nvSpPr>
+        <p:spPr>
+          <a:xfrm>
+            <a:off x="1317824" y="1492424"/>
+            <a:ext cx="10153650" cy="6336704"/>
+          </a:xfrm>
+        </p:spPr>
+        <p:txBody>
+          <a:bodyPr/>
+          <a:lstStyle/>
+          <a:p>
+            <a:r>
+              <a:rPr lang="nl-NL" sz="2400" dirty="0" smtClean="0"/>
+              <a:t>Probleemstelling</a:t>
+            </a:r>
+          </a:p>
+          <a:p>
+            <a:r>
+              <a:rPr lang="nl-NL" sz="2400" dirty="0" smtClean="0"/>
+              <a:t>Systeemoverzicht</a:t>
+            </a:r>
+          </a:p>
+          <a:p>
+            <a:endParaRPr lang="nl-NL" sz="2400" dirty="0" smtClean="0"/>
+          </a:p>
+          <a:p>
+            <a:r>
+              <a:rPr lang="nl-NL" sz="2400" dirty="0" smtClean="0"/>
+              <a:t>CPU</a:t>
+            </a:r>
+          </a:p>
+          <a:p>
+            <a:r>
+              <a:rPr lang="nl-NL" sz="2400" dirty="0" smtClean="0"/>
+              <a:t>SPI &amp; Besturing</a:t>
+            </a:r>
+            <a:endParaRPr lang="nl-NL" sz="2400" dirty="0" smtClean="0"/>
+          </a:p>
+          <a:p>
+            <a:r>
+              <a:rPr lang="nl-NL" sz="2400" dirty="0" smtClean="0"/>
+              <a:t>SD </a:t>
+            </a:r>
+            <a:r>
+              <a:rPr lang="nl-NL" sz="2400" dirty="0" smtClean="0"/>
+              <a:t>kaart</a:t>
+            </a:r>
+            <a:endParaRPr lang="nl-NL" sz="2400" dirty="0" smtClean="0"/>
+          </a:p>
+          <a:p>
+            <a:r>
+              <a:rPr lang="nl-NL" sz="2400" dirty="0" smtClean="0"/>
+              <a:t>GPU</a:t>
+            </a:r>
+          </a:p>
+          <a:p>
+            <a:r>
+              <a:rPr lang="nl-NL" sz="2400" dirty="0" err="1" smtClean="0"/>
+              <a:t>Blackbox</a:t>
+            </a:r>
+            <a:endParaRPr lang="nl-NL" sz="2400" b="1" dirty="0" smtClean="0"/>
+          </a:p>
+          <a:p>
+            <a:r>
+              <a:rPr lang="nl-NL" sz="2400" dirty="0" smtClean="0"/>
+              <a:t>VGA</a:t>
+            </a:r>
+          </a:p>
+          <a:p>
+            <a:pPr marL="0" indent="0">
+              <a:buNone/>
+            </a:pPr>
+            <a:endParaRPr lang="nl-NL" sz="2400" dirty="0" smtClean="0"/>
+          </a:p>
+          <a:p>
+            <a:r>
+              <a:rPr lang="nl-NL" sz="2400" dirty="0" smtClean="0"/>
+              <a:t>Eindresultaat</a:t>
+            </a:r>
+          </a:p>
+          <a:p>
+            <a:r>
+              <a:rPr lang="nl-NL" sz="2400" dirty="0" err="1" smtClean="0"/>
+              <a:t>Assembly</a:t>
+            </a:r>
+            <a:endParaRPr lang="nl-NL" sz="2400" dirty="0" smtClean="0"/>
+          </a:p>
+          <a:p>
+            <a:r>
+              <a:rPr lang="nl-NL" sz="2400" dirty="0" err="1" smtClean="0"/>
+              <a:t>Conlusie</a:t>
+            </a:r>
+            <a:r>
+              <a:rPr lang="nl-NL" sz="2400" dirty="0" smtClean="0"/>
+              <a:t> &amp; Discussie</a:t>
+            </a:r>
+          </a:p>
+        </p:txBody>
+      </p:sp>
+    </p:spTree>
+  </p:cSld>
+  <p:clrMapOvr>
+    <a:masterClrMapping/>
+  </p:clrMapOvr>
+  <p:timing>
+    <p:tnLst>
+      <p:par>
+        <p:cTn xmlns:p14="http://schemas.microsoft.com/office/powerpoint/2010/main" id="1" dur="indefinite" restart="never" nodeType="tmRoot"/>
+      </p:par>
+    </p:tnLst>
+  </p:timing>
+</p:sld>
+</file>
+
+<file path=ppt/slides/slide20.xml><?xml version="1.0" encoding="utf-8"?>
+<p:sld xmlns:a="http://schemas.openxmlformats.org/drawingml/2006/main" xmlns:r="http://schemas.openxmlformats.org/officeDocument/2006/relationships" xmlns:p="http://schemas.openxmlformats.org/presentationml/2006/main">
+  <p:cSld>
+    <p:spTree>
+      <p:nvGrpSpPr>
+        <p:cNvPr id="1" name=""/>
+        <p:cNvGrpSpPr/>
+        <p:nvPr/>
+      </p:nvGrpSpPr>
+      <p:grpSpPr>
+        <a:xfrm>
+          <a:off x="0" y="0"/>
+          <a:ext cx="0" cy="0"/>
+          <a:chOff x="0" y="0"/>
+          <a:chExt cx="0" cy="0"/>
+        </a:xfrm>
+      </p:grpSpPr>
+      <p:sp>
+        <p:nvSpPr>
+          <p:cNvPr id="4098" name="Title 3"/>
+          <p:cNvSpPr>
+            <a:spLocks noGrp="1"/>
+          </p:cNvSpPr>
+          <p:nvPr>
+            <p:ph type="title"/>
+          </p:nvPr>
+        </p:nvSpPr>
+        <p:spPr>
+          <a:xfrm>
+            <a:off x="1304996" y="650241"/>
+            <a:ext cx="10182578" cy="891823"/>
+          </a:xfrm>
+        </p:spPr>
+        <p:txBody>
+          <a:bodyPr/>
+          <a:lstStyle/>
+          <a:p>
+            <a:pPr>
+              <a:defRPr/>
+            </a:pPr>
+            <a:r>
+              <a:rPr lang="nl-NL" altLang="nl-NL" dirty="0" err="1" smtClean="0">
+                <a:latin typeface="+mn-lt"/>
+                <a:ea typeface="ＭＳ Ｐゴシック" pitchFamily="34" charset="-128"/>
+              </a:rPr>
+              <a:t>Instructieset</a:t>
+            </a:r>
+            <a:endParaRPr lang="nl-NL" altLang="nl-NL" dirty="0" smtClean="0">
+              <a:latin typeface="+mn-lt"/>
+              <a:ea typeface="ＭＳ Ｐゴシック" pitchFamily="34" charset="-128"/>
+            </a:endParaRPr>
+          </a:p>
+        </p:txBody>
+      </p:sp>
+      <p:sp>
+        <p:nvSpPr>
+          <p:cNvPr id="7170" name="Content Placeholder 4"/>
+          <p:cNvSpPr>
+            <a:spLocks noGrp="1"/>
+          </p:cNvSpPr>
+          <p:nvPr>
+            <p:ph idx="1"/>
+          </p:nvPr>
+        </p:nvSpPr>
+        <p:spPr/>
+        <p:txBody>
+          <a:bodyPr/>
+          <a:lstStyle/>
+          <a:p>
+            <a:r>
+              <a:rPr lang="nl-NL">
+                <a:latin typeface="Tahoma" charset="0"/>
+                <a:ea typeface="ＭＳ Ｐゴシック" charset="0"/>
+                <a:cs typeface="ＭＳ Ｐゴシック" charset="0"/>
+              </a:rPr>
+              <a:t>“10” Lezen X waarde pixel</a:t>
+            </a:r>
+          </a:p>
+          <a:p>
+            <a:r>
+              <a:rPr lang="nl-NL">
+                <a:latin typeface="Tahoma" charset="0"/>
+                <a:ea typeface="ＭＳ Ｐゴシック" charset="0"/>
+                <a:cs typeface="ＭＳ Ｐゴシック" charset="0"/>
+              </a:rPr>
+              <a:t>“01” Lezen Y waarde pixel</a:t>
+            </a:r>
+          </a:p>
+          <a:p>
+            <a:r>
+              <a:rPr lang="nl-NL">
+                <a:latin typeface="Tahoma" charset="0"/>
+                <a:ea typeface="ＭＳ Ｐゴシック" charset="0"/>
+                <a:cs typeface="ＭＳ Ｐゴシック" charset="0"/>
+              </a:rPr>
+              <a:t>“11” Volledige scherm leegmaken</a:t>
+            </a:r>
+          </a:p>
+        </p:txBody>
+      </p:sp>
+    </p:spTree>
+    <p:extLst>
+      <p:ext uri="{BB962C8B-B14F-4D97-AF65-F5344CB8AC3E}">
+        <p14:creationId xmlns:p14="http://schemas.microsoft.com/office/powerpoint/2010/main" val="3845083585"/>
+      </p:ext>
+    </p:extLst>
+  </p:cSld>
+  <p:clrMapOvr>
+    <a:masterClrMapping/>
+  </p:clrMapOvr>
+</p:sld>
+</file>
+
+<file path=ppt/slides/slide21.xml><?xml version="1.0" encoding="utf-8"?>
+<p:sld xmlns:a="http://schemas.openxmlformats.org/drawingml/2006/main" xmlns:r="http://schemas.openxmlformats.org/officeDocument/2006/relationships" xmlns:p="http://schemas.openxmlformats.org/presentationml/2006/main">
+  <p:cSld>
+    <p:spTree>
+      <p:nvGrpSpPr>
+        <p:cNvPr id="1" name=""/>
+        <p:cNvGrpSpPr/>
+        <p:nvPr/>
+      </p:nvGrpSpPr>
+      <p:grpSpPr>
+        <a:xfrm>
+          <a:off x="0" y="0"/>
+          <a:ext cx="0" cy="0"/>
+          <a:chOff x="0" y="0"/>
+          <a:chExt cx="0" cy="0"/>
+        </a:xfrm>
+      </p:grpSpPr>
+      <p:pic>
+        <p:nvPicPr>
+          <p:cNvPr id="8193" name="Picture 4" descr="byte kopie.png"/>
+          <p:cNvPicPr>
+            <a:picLocks noChangeAspect="1"/>
+          </p:cNvPicPr>
+          <p:nvPr/>
+        </p:nvPicPr>
+        <p:blipFill>
+          <a:blip r:embed="rId2">
+            <a:extLst>
+              <a:ext uri="{28A0092B-C50C-407E-A947-70E740481C1C}">
+                <a14:useLocalDpi xmlns:a14="http://schemas.microsoft.com/office/drawing/2010/main" val="0"/>
+              </a:ext>
+            </a:extLst>
+          </a:blip>
+          <a:srcRect/>
+          <a:stretch>
+            <a:fillRect/>
+          </a:stretch>
+        </p:blipFill>
+        <p:spPr bwMode="auto">
+          <a:xfrm>
+            <a:off x="1314027" y="2016197"/>
+            <a:ext cx="6258560" cy="1275644"/>
+          </a:xfrm>
+          <a:prstGeom prst="rect">
+            <a:avLst/>
+          </a:prstGeom>
+          <a:noFill/>
+          <a:ln>
+            <a:noFill/>
+          </a:ln>
+          <a:extLst>
+            <a:ext uri="{909E8E84-426E-40dd-AFC4-6F175D3DCCD1}">
+              <a14:hiddenFill xmlns:a14="http://schemas.microsoft.com/office/drawing/2010/main">
+                <a:solidFill>
+                  <a:srgbClr val="FFFFFF"/>
+                </a:solidFill>
+              </a14:hiddenFill>
+            </a:ext>
+            <a:ext uri="{91240B29-F687-4f45-9708-019B960494DF}">
+              <a14:hiddenLine xmlns:a14="http://schemas.microsoft.com/office/drawing/2010/main" w="9525">
+                <a:solidFill>
+                  <a:srgbClr val="000000"/>
+                </a:solidFill>
+                <a:miter lim="800000"/>
+                <a:headEnd/>
+                <a:tailEnd/>
+              </a14:hiddenLine>
+            </a:ext>
+          </a:extLst>
+        </p:spPr>
+      </p:pic>
+      <p:sp>
+        <p:nvSpPr>
+          <p:cNvPr id="4098" name="Title 3"/>
+          <p:cNvSpPr>
+            <a:spLocks noGrp="1"/>
+          </p:cNvSpPr>
+          <p:nvPr>
+            <p:ph type="title"/>
+          </p:nvPr>
+        </p:nvSpPr>
+        <p:spPr>
+          <a:xfrm>
+            <a:off x="1304996" y="650241"/>
+            <a:ext cx="10182578" cy="891823"/>
+          </a:xfrm>
+        </p:spPr>
+        <p:txBody>
+          <a:bodyPr/>
+          <a:lstStyle/>
+          <a:p>
+            <a:pPr>
+              <a:defRPr/>
+            </a:pPr>
+            <a:r>
+              <a:rPr lang="nl-NL" altLang="nl-NL" dirty="0" err="1" smtClean="0">
+                <a:latin typeface="+mn-lt"/>
+                <a:ea typeface="ＭＳ Ｐゴシック" pitchFamily="34" charset="-128"/>
+              </a:rPr>
+              <a:t>Pixelmap</a:t>
+            </a:r>
+            <a:r>
+              <a:rPr lang="nl-NL" altLang="nl-NL" dirty="0" smtClean="0">
+                <a:latin typeface="+mn-lt"/>
+                <a:ea typeface="ＭＳ Ｐゴシック" pitchFamily="34" charset="-128"/>
+              </a:rPr>
+              <a:t> SRAM</a:t>
+            </a:r>
+          </a:p>
+        </p:txBody>
+      </p:sp>
+      <p:pic>
+        <p:nvPicPr>
+          <p:cNvPr id="8195" name="Content Placeholder 2" descr="pixelmap.png"/>
+          <p:cNvPicPr>
+            <a:picLocks noGrp="1" noChangeAspect="1"/>
+          </p:cNvPicPr>
+          <p:nvPr>
+            <p:ph idx="1"/>
+          </p:nvPr>
+        </p:nvPicPr>
+        <p:blipFill>
+          <a:blip r:embed="rId3">
+            <a:extLst>
+              <a:ext uri="{28A0092B-C50C-407E-A947-70E740481C1C}">
+                <a14:useLocalDpi xmlns:a14="http://schemas.microsoft.com/office/drawing/2010/main" val="0"/>
+              </a:ext>
+            </a:extLst>
+          </a:blip>
+          <a:srcRect t="9158" b="9158"/>
+          <a:stretch>
+            <a:fillRect/>
+          </a:stretch>
+        </p:blipFill>
+        <p:spPr>
+          <a:xfrm>
+            <a:off x="1280162" y="3138312"/>
+            <a:ext cx="10471573" cy="5143218"/>
+          </a:xfrm>
+        </p:spPr>
+      </p:pic>
+    </p:spTree>
+    <p:extLst>
+      <p:ext uri="{BB962C8B-B14F-4D97-AF65-F5344CB8AC3E}">
+        <p14:creationId xmlns:p14="http://schemas.microsoft.com/office/powerpoint/2010/main" val="3752255573"/>
+      </p:ext>
+    </p:extLst>
+  </p:cSld>
+  <p:clrMapOvr>
+    <a:masterClrMapping/>
+  </p:clrMapOvr>
+</p:sld>
+</file>
+
+<file path=ppt/slides/slide22.xml><?xml version="1.0" encoding="utf-8"?>
+<p:sld xmlns:a="http://schemas.openxmlformats.org/drawingml/2006/main" xmlns:r="http://schemas.openxmlformats.org/officeDocument/2006/relationships" xmlns:p="http://schemas.openxmlformats.org/presentationml/2006/main">
+  <p:cSld>
+    <p:spTree>
+      <p:nvGrpSpPr>
+        <p:cNvPr id="1" name=""/>
+        <p:cNvGrpSpPr/>
+        <p:nvPr/>
+      </p:nvGrpSpPr>
+      <p:grpSpPr>
+        <a:xfrm>
+          <a:off x="0" y="0"/>
+          <a:ext cx="0" cy="0"/>
+          <a:chOff x="0" y="0"/>
+          <a:chExt cx="0" cy="0"/>
+        </a:xfrm>
+      </p:grpSpPr>
+      <p:pic>
+        <p:nvPicPr>
+          <p:cNvPr id="9217" name="Picture 2" descr="sramcomm.png"/>
+          <p:cNvPicPr>
+            <a:picLocks noChangeAspect="1"/>
+          </p:cNvPicPr>
+          <p:nvPr/>
+        </p:nvPicPr>
+        <p:blipFill>
+          <a:blip r:embed="rId2">
+            <a:extLst>
+              <a:ext uri="{28A0092B-C50C-407E-A947-70E740481C1C}">
+                <a14:useLocalDpi xmlns:a14="http://schemas.microsoft.com/office/drawing/2010/main" val="0"/>
+              </a:ext>
+            </a:extLst>
+          </a:blip>
+          <a:srcRect/>
+          <a:stretch>
+            <a:fillRect/>
+          </a:stretch>
+        </p:blipFill>
+        <p:spPr bwMode="auto">
+          <a:xfrm>
+            <a:off x="1677530" y="3501815"/>
+            <a:ext cx="8850489" cy="4998720"/>
+          </a:xfrm>
+          <a:prstGeom prst="rect">
+            <a:avLst/>
+          </a:prstGeom>
+          <a:noFill/>
+          <a:ln>
+            <a:noFill/>
+          </a:ln>
+          <a:extLst>
+            <a:ext uri="{909E8E84-426E-40dd-AFC4-6F175D3DCCD1}">
+              <a14:hiddenFill xmlns:a14="http://schemas.microsoft.com/office/drawing/2010/main">
+                <a:solidFill>
+                  <a:srgbClr val="FFFFFF"/>
+                </a:solidFill>
+              </a14:hiddenFill>
+            </a:ext>
+            <a:ext uri="{91240B29-F687-4f45-9708-019B960494DF}">
+              <a14:hiddenLine xmlns:a14="http://schemas.microsoft.com/office/drawing/2010/main" w="9525">
+                <a:solidFill>
+                  <a:srgbClr val="000000"/>
+                </a:solidFill>
+                <a:miter lim="800000"/>
+                <a:headEnd/>
+                <a:tailEnd/>
+              </a14:hiddenLine>
+            </a:ext>
+          </a:extLst>
+        </p:spPr>
+      </p:pic>
+      <p:sp>
+        <p:nvSpPr>
+          <p:cNvPr id="4098" name="Title 3"/>
+          <p:cNvSpPr>
+            <a:spLocks noGrp="1"/>
+          </p:cNvSpPr>
+          <p:nvPr>
+            <p:ph type="title"/>
+          </p:nvPr>
+        </p:nvSpPr>
+        <p:spPr>
+          <a:xfrm>
+            <a:off x="1304996" y="650241"/>
+            <a:ext cx="10182578" cy="891823"/>
+          </a:xfrm>
+        </p:spPr>
+        <p:txBody>
+          <a:bodyPr/>
+          <a:lstStyle/>
+          <a:p>
+            <a:pPr>
+              <a:defRPr/>
+            </a:pPr>
+            <a:r>
+              <a:rPr lang="nl-NL" altLang="nl-NL" dirty="0" smtClean="0">
+                <a:latin typeface="+mn-lt"/>
+                <a:ea typeface="ＭＳ Ｐゴシック" pitchFamily="34" charset="-128"/>
+              </a:rPr>
+              <a:t>SRAM </a:t>
+            </a:r>
+            <a:r>
+              <a:rPr lang="nl-NL" altLang="nl-NL" dirty="0" err="1" smtClean="0">
+                <a:latin typeface="+mn-lt"/>
+                <a:ea typeface="ＭＳ Ｐゴシック" pitchFamily="34" charset="-128"/>
+              </a:rPr>
+              <a:t>Comminucatie</a:t>
+            </a:r>
+            <a:endParaRPr lang="nl-NL" altLang="nl-NL" dirty="0" smtClean="0">
+              <a:latin typeface="+mn-lt"/>
+              <a:ea typeface="ＭＳ Ｐゴシック" pitchFamily="34" charset="-128"/>
+            </a:endParaRPr>
+          </a:p>
+        </p:txBody>
+      </p:sp>
+      <p:sp>
+        <p:nvSpPr>
+          <p:cNvPr id="9219" name="Content Placeholder 4"/>
+          <p:cNvSpPr>
+            <a:spLocks noGrp="1"/>
+          </p:cNvSpPr>
+          <p:nvPr>
+            <p:ph idx="1"/>
+          </p:nvPr>
+        </p:nvSpPr>
+        <p:spPr/>
+        <p:txBody>
+          <a:bodyPr/>
+          <a:lstStyle/>
+          <a:p>
+            <a:r>
+              <a:rPr lang="nl-NL">
+                <a:latin typeface="Tahoma" charset="0"/>
+                <a:ea typeface="ＭＳ Ｐゴシック" charset="0"/>
+                <a:cs typeface="ＭＳ Ｐゴシック" charset="0"/>
+              </a:rPr>
+              <a:t>Gebruik van SPI</a:t>
+            </a:r>
+          </a:p>
+          <a:p>
+            <a:r>
+              <a:rPr lang="en-US">
+                <a:latin typeface="Tahoma" charset="0"/>
+                <a:ea typeface="ＭＳ Ｐゴシック" charset="0"/>
+                <a:cs typeface="ＭＳ Ｐゴシック" charset="0"/>
+              </a:rPr>
+              <a:t>C</a:t>
+            </a:r>
+            <a:r>
+              <a:rPr lang="nl-NL">
+                <a:latin typeface="Tahoma" charset="0"/>
+                <a:ea typeface="ＭＳ Ｐゴシック" charset="0"/>
+                <a:cs typeface="ＭＳ Ｐゴシック" charset="0"/>
+              </a:rPr>
+              <a:t>omminucatie gedefineerd door SRAM</a:t>
+            </a:r>
+          </a:p>
+          <a:p>
+            <a:endParaRPr lang="nl-NL">
+              <a:latin typeface="Tahoma" charset="0"/>
+              <a:ea typeface="ＭＳ Ｐゴシック" charset="0"/>
+              <a:cs typeface="ＭＳ Ｐゴシック" charset="0"/>
+            </a:endParaRPr>
+          </a:p>
+        </p:txBody>
+      </p:sp>
+    </p:spTree>
+    <p:extLst>
+      <p:ext uri="{BB962C8B-B14F-4D97-AF65-F5344CB8AC3E}">
+        <p14:creationId xmlns:p14="http://schemas.microsoft.com/office/powerpoint/2010/main" val="3141593239"/>
+      </p:ext>
+    </p:extLst>
+  </p:cSld>
+  <p:clrMapOvr>
+    <a:masterClrMapping/>
+  </p:clrMapOvr>
+</p:sld>
+</file>
+
+<file path=ppt/slides/slide23.xml><?xml version="1.0" encoding="utf-8"?>
+<p:sld xmlns:a="http://schemas.openxmlformats.org/drawingml/2006/main" xmlns:r="http://schemas.openxmlformats.org/officeDocument/2006/relationships" xmlns:p="http://schemas.openxmlformats.org/presentationml/2006/main">
+  <p:cSld>
+    <p:spTree>
+      <p:nvGrpSpPr>
+        <p:cNvPr id="1" name=""/>
+        <p:cNvGrpSpPr/>
+        <p:nvPr/>
+      </p:nvGrpSpPr>
+      <p:grpSpPr>
+        <a:xfrm>
+          <a:off x="0" y="0"/>
+          <a:ext cx="0" cy="0"/>
+          <a:chOff x="0" y="0"/>
+          <a:chExt cx="0" cy="0"/>
+        </a:xfrm>
+      </p:grpSpPr>
+      <p:sp>
+        <p:nvSpPr>
+          <p:cNvPr id="4098" name="Title 3"/>
+          <p:cNvSpPr>
+            <a:spLocks noGrp="1"/>
+          </p:cNvSpPr>
+          <p:nvPr>
+            <p:ph type="title"/>
+          </p:nvPr>
+        </p:nvSpPr>
+        <p:spPr>
+          <a:xfrm>
+            <a:off x="1304996" y="650241"/>
+            <a:ext cx="10182578" cy="891823"/>
+          </a:xfrm>
+        </p:spPr>
+        <p:txBody>
+          <a:bodyPr/>
+          <a:lstStyle/>
+          <a:p>
+            <a:pPr>
+              <a:defRPr/>
+            </a:pPr>
+            <a:r>
+              <a:rPr lang="nl-NL" altLang="nl-NL" dirty="0" err="1" smtClean="0">
+                <a:latin typeface="+mn-lt"/>
+                <a:ea typeface="ＭＳ Ｐゴシック" pitchFamily="34" charset="-128"/>
+              </a:rPr>
+              <a:t>Process</a:t>
+            </a:r>
+            <a:endParaRPr lang="nl-NL" altLang="nl-NL" dirty="0" smtClean="0">
+              <a:latin typeface="+mn-lt"/>
+              <a:ea typeface="ＭＳ Ｐゴシック" pitchFamily="34" charset="-128"/>
+            </a:endParaRPr>
+          </a:p>
+        </p:txBody>
+      </p:sp>
+      <p:sp>
+        <p:nvSpPr>
+          <p:cNvPr id="10242" name="Content Placeholder 4"/>
+          <p:cNvSpPr>
+            <a:spLocks noGrp="1"/>
+          </p:cNvSpPr>
+          <p:nvPr>
+            <p:ph idx="1"/>
+          </p:nvPr>
+        </p:nvSpPr>
+        <p:spPr/>
+        <p:txBody>
+          <a:bodyPr/>
+          <a:lstStyle/>
+          <a:p>
+            <a:r>
+              <a:rPr lang="nl-NL">
+                <a:latin typeface="Tahoma" charset="0"/>
+                <a:ea typeface="ＭＳ Ｐゴシック" charset="0"/>
+                <a:cs typeface="ＭＳ Ｐゴシック" charset="0"/>
+              </a:rPr>
+              <a:t>Lezen van X en Y waarden van CPU</a:t>
+            </a:r>
+          </a:p>
+          <a:p>
+            <a:r>
+              <a:rPr lang="nl-NL">
+                <a:latin typeface="Tahoma" charset="0"/>
+                <a:ea typeface="ＭＳ Ｐゴシック" charset="0"/>
+                <a:cs typeface="ＭＳ Ｐゴシック" charset="0"/>
+              </a:rPr>
+              <a:t>Opvragen byte van SRAM</a:t>
+            </a:r>
+          </a:p>
+          <a:p>
+            <a:r>
+              <a:rPr lang="nl-NL">
+                <a:latin typeface="Tahoma" charset="0"/>
+                <a:ea typeface="ＭＳ Ｐゴシック" charset="0"/>
+                <a:cs typeface="ＭＳ Ｐゴシック" charset="0"/>
+              </a:rPr>
+              <a:t>Vergelijken van ontbrekende pixel</a:t>
+            </a:r>
+          </a:p>
+          <a:p>
+            <a:r>
+              <a:rPr lang="nl-NL">
+                <a:latin typeface="Tahoma" charset="0"/>
+                <a:ea typeface="ＭＳ Ｐゴシック" charset="0"/>
+                <a:cs typeface="ＭＳ Ｐゴシック" charset="0"/>
+              </a:rPr>
+              <a:t>Byte wegschrijven naar SRAM</a:t>
+            </a:r>
+          </a:p>
+        </p:txBody>
+      </p:sp>
+    </p:spTree>
+    <p:extLst>
+      <p:ext uri="{BB962C8B-B14F-4D97-AF65-F5344CB8AC3E}">
+        <p14:creationId xmlns:p14="http://schemas.microsoft.com/office/powerpoint/2010/main" val="3346295081"/>
+      </p:ext>
+    </p:extLst>
+  </p:cSld>
+  <p:clrMapOvr>
+    <a:masterClrMapping/>
+  </p:clrMapOvr>
+</p:sld>
+</file>
+
+<file path=ppt/slides/slide24.xml><?xml version="1.0" encoding="utf-8"?>
+<p:sld xmlns:a="http://schemas.openxmlformats.org/drawingml/2006/main" xmlns:r="http://schemas.openxmlformats.org/officeDocument/2006/relationships" xmlns:p="http://schemas.openxmlformats.org/presentationml/2006/main">
+  <p:cSld>
+    <p:spTree>
+      <p:nvGrpSpPr>
+        <p:cNvPr id="1" name=""/>
+        <p:cNvGrpSpPr/>
+        <p:nvPr/>
+      </p:nvGrpSpPr>
+      <p:grpSpPr>
+        <a:xfrm>
+          <a:off x="0" y="0"/>
+          <a:ext cx="0" cy="0"/>
+          <a:chOff x="0" y="0"/>
+          <a:chExt cx="0" cy="0"/>
+        </a:xfrm>
+      </p:grpSpPr>
+      <p:sp>
+        <p:nvSpPr>
+          <p:cNvPr id="4098" name="Title 3"/>
+          <p:cNvSpPr>
+            <a:spLocks noGrp="1"/>
+          </p:cNvSpPr>
+          <p:nvPr>
+            <p:ph type="title"/>
+          </p:nvPr>
+        </p:nvSpPr>
+        <p:spPr>
+          <a:xfrm>
+            <a:off x="1304996" y="650241"/>
+            <a:ext cx="10182578" cy="891823"/>
+          </a:xfrm>
+        </p:spPr>
+        <p:txBody>
+          <a:bodyPr/>
+          <a:lstStyle/>
+          <a:p>
+            <a:pPr>
+              <a:defRPr/>
+            </a:pPr>
+            <a:r>
+              <a:rPr lang="nl-NL" altLang="nl-NL" dirty="0" smtClean="0">
+                <a:latin typeface="+mn-lt"/>
+                <a:ea typeface="ＭＳ Ｐゴシック" pitchFamily="34" charset="-128"/>
+              </a:rPr>
+              <a:t>Simulatie</a:t>
+            </a:r>
+          </a:p>
+        </p:txBody>
+      </p:sp>
+      <p:sp>
+        <p:nvSpPr>
+          <p:cNvPr id="6" name="Ondertitel 2"/>
+          <p:cNvSpPr txBox="1">
+            <a:spLocks/>
+          </p:cNvSpPr>
+          <p:nvPr/>
+        </p:nvSpPr>
+        <p:spPr bwMode="auto">
+          <a:xfrm>
+            <a:off x="1300480" y="1481103"/>
+            <a:ext cx="9645227" cy="675076"/>
+          </a:xfrm>
+          <a:prstGeom prst="rect">
+            <a:avLst/>
+          </a:prstGeom>
+          <a:noFill/>
+          <a:ln w="9525">
+            <a:noFill/>
+            <a:miter lim="800000"/>
+            <a:headEnd/>
+            <a:tailEnd/>
+          </a:ln>
+        </p:spPr>
+        <p:txBody>
+          <a:bodyPr lIns="0" tIns="0" rIns="0" bIns="0"/>
+          <a:lstStyle>
+            <a:lvl1pPr eaLnBrk="0" hangingPunct="0">
+              <a:defRPr sz="2400">
+                <a:solidFill>
+                  <a:schemeClr val="tx1"/>
+                </a:solidFill>
+                <a:latin typeface="Tahoma" charset="0"/>
+                <a:cs typeface="Arial" charset="0"/>
+              </a:defRPr>
+            </a:lvl1pPr>
+            <a:lvl2pPr marL="37931725" indent="-37474525" eaLnBrk="0" hangingPunct="0">
+              <a:defRPr sz="2400">
+                <a:solidFill>
+                  <a:schemeClr val="tx1"/>
+                </a:solidFill>
+                <a:latin typeface="Tahoma" charset="0"/>
+                <a:cs typeface="Arial" charset="0"/>
+              </a:defRPr>
+            </a:lvl2pPr>
+            <a:lvl3pPr eaLnBrk="0" hangingPunct="0">
+              <a:defRPr sz="2400">
+                <a:solidFill>
+                  <a:schemeClr val="tx1"/>
+                </a:solidFill>
+                <a:latin typeface="Tahoma" charset="0"/>
+                <a:cs typeface="Arial" charset="0"/>
+              </a:defRPr>
+            </a:lvl3pPr>
+            <a:lvl4pPr eaLnBrk="0" hangingPunct="0">
+              <a:defRPr sz="2400">
+                <a:solidFill>
+                  <a:schemeClr val="tx1"/>
+                </a:solidFill>
+                <a:latin typeface="Tahoma" charset="0"/>
+                <a:cs typeface="Arial" charset="0"/>
+              </a:defRPr>
+            </a:lvl4pPr>
+            <a:lvl5pPr eaLnBrk="0" hangingPunct="0">
+              <a:defRPr sz="2400">
+                <a:solidFill>
+                  <a:schemeClr val="tx1"/>
+                </a:solidFill>
+                <a:latin typeface="Tahoma" charset="0"/>
+                <a:cs typeface="Arial" charset="0"/>
+              </a:defRPr>
+            </a:lvl5pPr>
+            <a:lvl6pPr marL="457200" eaLnBrk="0" fontAlgn="base" hangingPunct="0">
+              <a:spcBef>
+                <a:spcPct val="0"/>
+              </a:spcBef>
+              <a:spcAft>
+                <a:spcPct val="0"/>
+              </a:spcAft>
+              <a:defRPr sz="2400">
+                <a:solidFill>
+                  <a:schemeClr val="tx1"/>
+                </a:solidFill>
+                <a:latin typeface="Tahoma" charset="0"/>
+                <a:cs typeface="Arial" charset="0"/>
+              </a:defRPr>
+            </a:lvl6pPr>
+            <a:lvl7pPr marL="914400" eaLnBrk="0" fontAlgn="base" hangingPunct="0">
+              <a:spcBef>
+                <a:spcPct val="0"/>
+              </a:spcBef>
+              <a:spcAft>
+                <a:spcPct val="0"/>
+              </a:spcAft>
+              <a:defRPr sz="2400">
+                <a:solidFill>
+                  <a:schemeClr val="tx1"/>
+                </a:solidFill>
+                <a:latin typeface="Tahoma" charset="0"/>
+                <a:cs typeface="Arial" charset="0"/>
+              </a:defRPr>
+            </a:lvl7pPr>
+            <a:lvl8pPr marL="1371600" eaLnBrk="0" fontAlgn="base" hangingPunct="0">
+              <a:spcBef>
+                <a:spcPct val="0"/>
+              </a:spcBef>
+              <a:spcAft>
+                <a:spcPct val="0"/>
+              </a:spcAft>
+              <a:defRPr sz="2400">
+                <a:solidFill>
+                  <a:schemeClr val="tx1"/>
+                </a:solidFill>
+                <a:latin typeface="Tahoma" charset="0"/>
+                <a:cs typeface="Arial" charset="0"/>
+              </a:defRPr>
+            </a:lvl8pPr>
+            <a:lvl9pPr marL="1828800" eaLnBrk="0" fontAlgn="base" hangingPunct="0">
+              <a:spcBef>
+                <a:spcPct val="0"/>
+              </a:spcBef>
+              <a:spcAft>
+                <a:spcPct val="0"/>
+              </a:spcAft>
+              <a:defRPr sz="2400">
+                <a:solidFill>
+                  <a:schemeClr val="tx1"/>
+                </a:solidFill>
+                <a:latin typeface="Tahoma" charset="0"/>
+                <a:cs typeface="Arial" charset="0"/>
+              </a:defRPr>
+            </a:lvl9pPr>
+          </a:lstStyle>
+          <a:p>
+            <a:pPr algn="l">
+              <a:lnSpc>
+                <a:spcPts val="3556"/>
+              </a:lnSpc>
+              <a:buClr>
+                <a:srgbClr val="00A6D6"/>
+              </a:buClr>
+              <a:defRPr/>
+            </a:pPr>
+            <a:r>
+              <a:rPr lang="nl-NL" altLang="nl-NL" sz="2800" dirty="0">
+                <a:solidFill>
+                  <a:srgbClr val="00A6D6"/>
+                </a:solidFill>
+                <a:latin typeface="+mn-lt"/>
+                <a:ea typeface="ＭＳ Ｐゴシック" charset="-128"/>
+              </a:rPr>
+              <a:t>GPU</a:t>
+            </a:r>
+          </a:p>
+        </p:txBody>
+      </p:sp>
+      <p:pic>
+        <p:nvPicPr>
+          <p:cNvPr id="11267" name="Picture 2" descr="gpusim.png"/>
+          <p:cNvPicPr>
+            <a:picLocks noChangeAspect="1"/>
+          </p:cNvPicPr>
+          <p:nvPr/>
+        </p:nvPicPr>
+        <p:blipFill>
+          <a:blip r:embed="rId2">
+            <a:extLst>
+              <a:ext uri="{28A0092B-C50C-407E-A947-70E740481C1C}">
+                <a14:useLocalDpi xmlns:a14="http://schemas.microsoft.com/office/drawing/2010/main" val="0"/>
+              </a:ext>
+            </a:extLst>
+          </a:blip>
+          <a:srcRect/>
+          <a:stretch>
+            <a:fillRect/>
+          </a:stretch>
+        </p:blipFill>
+        <p:spPr bwMode="auto">
+          <a:xfrm>
+            <a:off x="164818" y="3321192"/>
+            <a:ext cx="12589369" cy="3865316"/>
+          </a:xfrm>
+          <a:prstGeom prst="rect">
+            <a:avLst/>
+          </a:prstGeom>
+          <a:noFill/>
+          <a:ln>
+            <a:noFill/>
+          </a:ln>
+          <a:extLst>
+            <a:ext uri="{909E8E84-426E-40dd-AFC4-6F175D3DCCD1}">
+              <a14:hiddenFill xmlns:a14="http://schemas.microsoft.com/office/drawing/2010/main">
+                <a:solidFill>
+                  <a:srgbClr val="FFFFFF"/>
+                </a:solidFill>
+              </a14:hiddenFill>
+            </a:ext>
+            <a:ext uri="{91240B29-F687-4f45-9708-019B960494DF}">
+              <a14:hiddenLine xmlns:a14="http://schemas.microsoft.com/office/drawing/2010/main" w="9525">
+                <a:solidFill>
+                  <a:srgbClr val="000000"/>
+                </a:solidFill>
+                <a:miter lim="800000"/>
+                <a:headEnd/>
+                <a:tailEnd/>
+              </a14:hiddenLine>
+            </a:ext>
+          </a:extLst>
+        </p:spPr>
+      </p:pic>
+    </p:spTree>
+    <p:extLst>
+      <p:ext uri="{BB962C8B-B14F-4D97-AF65-F5344CB8AC3E}">
+        <p14:creationId xmlns:p14="http://schemas.microsoft.com/office/powerpoint/2010/main" val="3837511593"/>
+      </p:ext>
+    </p:extLst>
+  </p:cSld>
+  <p:clrMapOvr>
+    <a:masterClrMapping/>
+  </p:clrMapOvr>
+</p:sld>
+</file>
+
+<file path=ppt/slides/slide25.xml><?xml version="1.0" encoding="utf-8"?>
+<p:sld xmlns:a="http://schemas.openxmlformats.org/drawingml/2006/main" xmlns:r="http://schemas.openxmlformats.org/officeDocument/2006/relationships" xmlns:p="http://schemas.openxmlformats.org/presentationml/2006/main">
+  <p:cSld>
+    <p:spTree>
+      <p:nvGrpSpPr>
+        <p:cNvPr id="1" name=""/>
+        <p:cNvGrpSpPr/>
+        <p:nvPr/>
+      </p:nvGrpSpPr>
+      <p:grpSpPr>
+        <a:xfrm>
+          <a:off x="0" y="0"/>
+          <a:ext cx="0" cy="0"/>
+          <a:chOff x="0" y="0"/>
+          <a:chExt cx="0" cy="0"/>
+        </a:xfrm>
+      </p:grpSpPr>
+      <p:sp>
+        <p:nvSpPr>
+          <p:cNvPr id="12289" name="Title 1"/>
+          <p:cNvSpPr>
+            <a:spLocks noGrp="1"/>
+          </p:cNvSpPr>
+          <p:nvPr>
+            <p:ph type="ctrTitle"/>
+          </p:nvPr>
+        </p:nvSpPr>
+        <p:spPr/>
+        <p:txBody>
+          <a:bodyPr/>
+          <a:lstStyle/>
+          <a:p>
+            <a:pPr marL="0" indent="0"/>
+            <a:r>
+              <a:rPr lang="en-US">
+                <a:latin typeface="Bookman Old Style" charset="0"/>
+                <a:ea typeface="ＭＳ Ｐゴシック" charset="0"/>
+                <a:cs typeface="ＭＳ Ｐゴシック" charset="0"/>
+              </a:rPr>
+              <a:t>Assambly code</a:t>
+            </a:r>
+          </a:p>
+        </p:txBody>
+      </p:sp>
+      <p:sp>
+        <p:nvSpPr>
+          <p:cNvPr id="12290" name="Subtitle 2"/>
+          <p:cNvSpPr>
+            <a:spLocks noGrp="1"/>
+          </p:cNvSpPr>
+          <p:nvPr>
+            <p:ph type="subTitle" idx="1"/>
+          </p:nvPr>
+        </p:nvSpPr>
+        <p:spPr/>
+        <p:txBody>
+          <a:bodyPr/>
+          <a:lstStyle/>
+          <a:p>
+            <a:endParaRPr lang="en-US">
+              <a:latin typeface="Tahoma" charset="0"/>
+              <a:ea typeface="ＭＳ Ｐゴシック" charset="0"/>
+              <a:cs typeface="ＭＳ Ｐゴシック" charset="0"/>
+            </a:endParaRPr>
+          </a:p>
+        </p:txBody>
+      </p:sp>
+    </p:spTree>
+    <p:extLst>
+      <p:ext uri="{BB962C8B-B14F-4D97-AF65-F5344CB8AC3E}">
+        <p14:creationId xmlns:p14="http://schemas.microsoft.com/office/powerpoint/2010/main" val="4116495564"/>
+      </p:ext>
+    </p:extLst>
+  </p:cSld>
+  <p:clrMapOvr>
+    <a:masterClrMapping/>
+  </p:clrMapOvr>
+</p:sld>
+</file>
+
+<file path=ppt/slides/slide26.xml><?xml version="1.0" encoding="utf-8"?>
+<p:sld xmlns:a="http://schemas.openxmlformats.org/drawingml/2006/main" xmlns:r="http://schemas.openxmlformats.org/officeDocument/2006/relationships" xmlns:p="http://schemas.openxmlformats.org/presentationml/2006/main">
+  <p:cSld>
+    <p:spTree>
+      <p:nvGrpSpPr>
+        <p:cNvPr id="1" name=""/>
+        <p:cNvGrpSpPr/>
+        <p:nvPr/>
+      </p:nvGrpSpPr>
+      <p:grpSpPr>
+        <a:xfrm>
+          <a:off x="0" y="0"/>
+          <a:ext cx="0" cy="0"/>
+          <a:chOff x="0" y="0"/>
+          <a:chExt cx="0" cy="0"/>
+        </a:xfrm>
+      </p:grpSpPr>
+      <p:sp>
+        <p:nvSpPr>
+          <p:cNvPr id="4098" name="Title 3"/>
+          <p:cNvSpPr>
+            <a:spLocks noGrp="1"/>
+          </p:cNvSpPr>
+          <p:nvPr>
+            <p:ph type="title"/>
+          </p:nvPr>
+        </p:nvSpPr>
+        <p:spPr>
+          <a:xfrm>
+            <a:off x="1304996" y="650241"/>
+            <a:ext cx="10182578" cy="891823"/>
+          </a:xfrm>
+        </p:spPr>
+        <p:txBody>
+          <a:bodyPr/>
+          <a:lstStyle/>
+          <a:p>
+            <a:pPr>
+              <a:defRPr/>
+            </a:pPr>
+            <a:r>
+              <a:rPr lang="nl-NL" altLang="nl-NL" dirty="0" err="1" smtClean="0">
+                <a:latin typeface="+mn-lt"/>
+                <a:ea typeface="ＭＳ Ｐゴシック" pitchFamily="34" charset="-128"/>
+              </a:rPr>
+              <a:t>Process</a:t>
+            </a:r>
+            <a:endParaRPr lang="nl-NL" altLang="nl-NL" dirty="0" smtClean="0">
+              <a:latin typeface="+mn-lt"/>
+              <a:ea typeface="ＭＳ Ｐゴシック" pitchFamily="34" charset="-128"/>
+            </a:endParaRPr>
+          </a:p>
+        </p:txBody>
+      </p:sp>
+      <p:sp>
+        <p:nvSpPr>
+          <p:cNvPr id="13314" name="Content Placeholder 4"/>
+          <p:cNvSpPr>
+            <a:spLocks noGrp="1"/>
+          </p:cNvSpPr>
+          <p:nvPr>
+            <p:ph idx="1"/>
+          </p:nvPr>
+        </p:nvSpPr>
+        <p:spPr/>
+        <p:txBody>
+          <a:bodyPr/>
+          <a:lstStyle/>
+          <a:p>
+            <a:r>
+              <a:rPr lang="nl-NL">
+                <a:latin typeface="Tahoma" charset="0"/>
+                <a:ea typeface="ＭＳ Ｐゴシック" charset="0"/>
+                <a:cs typeface="ＭＳ Ｐゴシック" charset="0"/>
+              </a:rPr>
+              <a:t>Lezen input van SPI</a:t>
+            </a:r>
+          </a:p>
+          <a:p>
+            <a:r>
+              <a:rPr lang="nl-NL">
+                <a:latin typeface="Tahoma" charset="0"/>
+                <a:ea typeface="ＭＳ Ｐゴシック" charset="0"/>
+                <a:cs typeface="ＭＳ Ｐゴシック" charset="0"/>
+              </a:rPr>
+              <a:t>Decoderen input vector</a:t>
+            </a:r>
+          </a:p>
+          <a:p>
+            <a:r>
+              <a:rPr lang="nl-NL">
+                <a:latin typeface="Tahoma" charset="0"/>
+                <a:ea typeface="ＭＳ Ｐゴシック" charset="0"/>
+                <a:cs typeface="ＭＳ Ｐゴシック" charset="0"/>
+              </a:rPr>
+              <a:t>Uikomst berekenen</a:t>
+            </a:r>
+          </a:p>
+          <a:p>
+            <a:r>
+              <a:rPr lang="nl-NL">
+                <a:latin typeface="Tahoma" charset="0"/>
+                <a:ea typeface="ＭＳ Ｐゴシック" charset="0"/>
+                <a:cs typeface="ＭＳ Ｐゴシック" charset="0"/>
+              </a:rPr>
+              <a:t>Byte wegschrijven naar ledjes</a:t>
+            </a:r>
+          </a:p>
+        </p:txBody>
+      </p:sp>
+      <p:sp>
+        <p:nvSpPr>
+          <p:cNvPr id="6" name="Ondertitel 2"/>
+          <p:cNvSpPr txBox="1">
+            <a:spLocks/>
+          </p:cNvSpPr>
+          <p:nvPr/>
+        </p:nvSpPr>
+        <p:spPr bwMode="auto">
+          <a:xfrm>
+            <a:off x="1300480" y="1481103"/>
+            <a:ext cx="9645227" cy="675076"/>
+          </a:xfrm>
+          <a:prstGeom prst="rect">
+            <a:avLst/>
+          </a:prstGeom>
+          <a:noFill/>
+          <a:ln w="9525">
+            <a:noFill/>
+            <a:miter lim="800000"/>
+            <a:headEnd/>
+            <a:tailEnd/>
+          </a:ln>
+        </p:spPr>
+        <p:txBody>
+          <a:bodyPr lIns="0" tIns="0" rIns="0" bIns="0"/>
+          <a:lstStyle>
+            <a:lvl1pPr eaLnBrk="0" hangingPunct="0">
+              <a:defRPr sz="2400">
+                <a:solidFill>
+                  <a:schemeClr val="tx1"/>
+                </a:solidFill>
+                <a:latin typeface="Tahoma" charset="0"/>
+                <a:cs typeface="Arial" charset="0"/>
+              </a:defRPr>
+            </a:lvl1pPr>
+            <a:lvl2pPr marL="37931725" indent="-37474525" eaLnBrk="0" hangingPunct="0">
+              <a:defRPr sz="2400">
+                <a:solidFill>
+                  <a:schemeClr val="tx1"/>
+                </a:solidFill>
+                <a:latin typeface="Tahoma" charset="0"/>
+                <a:cs typeface="Arial" charset="0"/>
+              </a:defRPr>
+            </a:lvl2pPr>
+            <a:lvl3pPr eaLnBrk="0" hangingPunct="0">
+              <a:defRPr sz="2400">
+                <a:solidFill>
+                  <a:schemeClr val="tx1"/>
+                </a:solidFill>
+                <a:latin typeface="Tahoma" charset="0"/>
+                <a:cs typeface="Arial" charset="0"/>
+              </a:defRPr>
+            </a:lvl3pPr>
+            <a:lvl4pPr eaLnBrk="0" hangingPunct="0">
+              <a:defRPr sz="2400">
+                <a:solidFill>
+                  <a:schemeClr val="tx1"/>
+                </a:solidFill>
+                <a:latin typeface="Tahoma" charset="0"/>
+                <a:cs typeface="Arial" charset="0"/>
+              </a:defRPr>
+            </a:lvl4pPr>
+            <a:lvl5pPr eaLnBrk="0" hangingPunct="0">
+              <a:defRPr sz="2400">
+                <a:solidFill>
+                  <a:schemeClr val="tx1"/>
+                </a:solidFill>
+                <a:latin typeface="Tahoma" charset="0"/>
+                <a:cs typeface="Arial" charset="0"/>
+              </a:defRPr>
+            </a:lvl5pPr>
+            <a:lvl6pPr marL="457200" eaLnBrk="0" fontAlgn="base" hangingPunct="0">
+              <a:spcBef>
+                <a:spcPct val="0"/>
+              </a:spcBef>
+              <a:spcAft>
+                <a:spcPct val="0"/>
+              </a:spcAft>
+              <a:defRPr sz="2400">
+                <a:solidFill>
+                  <a:schemeClr val="tx1"/>
+                </a:solidFill>
+                <a:latin typeface="Tahoma" charset="0"/>
+                <a:cs typeface="Arial" charset="0"/>
+              </a:defRPr>
+            </a:lvl6pPr>
+            <a:lvl7pPr marL="914400" eaLnBrk="0" fontAlgn="base" hangingPunct="0">
+              <a:spcBef>
+                <a:spcPct val="0"/>
+              </a:spcBef>
+              <a:spcAft>
+                <a:spcPct val="0"/>
+              </a:spcAft>
+              <a:defRPr sz="2400">
+                <a:solidFill>
+                  <a:schemeClr val="tx1"/>
+                </a:solidFill>
+                <a:latin typeface="Tahoma" charset="0"/>
+                <a:cs typeface="Arial" charset="0"/>
+              </a:defRPr>
+            </a:lvl7pPr>
+            <a:lvl8pPr marL="1371600" eaLnBrk="0" fontAlgn="base" hangingPunct="0">
+              <a:spcBef>
+                <a:spcPct val="0"/>
+              </a:spcBef>
+              <a:spcAft>
+                <a:spcPct val="0"/>
+              </a:spcAft>
+              <a:defRPr sz="2400">
+                <a:solidFill>
+                  <a:schemeClr val="tx1"/>
+                </a:solidFill>
+                <a:latin typeface="Tahoma" charset="0"/>
+                <a:cs typeface="Arial" charset="0"/>
+              </a:defRPr>
+            </a:lvl8pPr>
+            <a:lvl9pPr marL="1828800" eaLnBrk="0" fontAlgn="base" hangingPunct="0">
+              <a:spcBef>
+                <a:spcPct val="0"/>
+              </a:spcBef>
+              <a:spcAft>
+                <a:spcPct val="0"/>
+              </a:spcAft>
+              <a:defRPr sz="2400">
+                <a:solidFill>
+                  <a:schemeClr val="tx1"/>
+                </a:solidFill>
+                <a:latin typeface="Tahoma" charset="0"/>
+                <a:cs typeface="Arial" charset="0"/>
+              </a:defRPr>
+            </a:lvl9pPr>
+          </a:lstStyle>
+          <a:p>
+            <a:pPr algn="l">
+              <a:lnSpc>
+                <a:spcPts val="3556"/>
+              </a:lnSpc>
+              <a:buClr>
+                <a:srgbClr val="00A6D6"/>
+              </a:buClr>
+              <a:defRPr/>
+            </a:pPr>
+            <a:r>
+              <a:rPr lang="nl-NL" altLang="nl-NL" sz="2800" dirty="0" err="1">
+                <a:solidFill>
+                  <a:srgbClr val="00A6D6"/>
+                </a:solidFill>
+                <a:latin typeface="+mn-lt"/>
+                <a:ea typeface="ＭＳ Ｐゴシック" charset="-128"/>
+              </a:rPr>
+              <a:t>Assambly</a:t>
+            </a:r>
+            <a:r>
+              <a:rPr lang="nl-NL" altLang="nl-NL" sz="2800" dirty="0">
+                <a:solidFill>
+                  <a:srgbClr val="00A6D6"/>
+                </a:solidFill>
+                <a:latin typeface="+mn-lt"/>
+                <a:ea typeface="ＭＳ Ｐゴシック" charset="-128"/>
+              </a:rPr>
+              <a:t> code</a:t>
+            </a:r>
+          </a:p>
+        </p:txBody>
+      </p:sp>
+    </p:spTree>
+    <p:extLst>
+      <p:ext uri="{BB962C8B-B14F-4D97-AF65-F5344CB8AC3E}">
+        <p14:creationId xmlns:p14="http://schemas.microsoft.com/office/powerpoint/2010/main" val="1352367307"/>
+      </p:ext>
+    </p:extLst>
+  </p:cSld>
+  <p:clrMapOvr>
+    <a:masterClrMapping/>
+  </p:clrMapOvr>
+</p:sld>
+</file>
+
+<file path=ppt/slides/slide27.xml><?xml version="1.0" encoding="utf-8"?>
+<p:sld xmlns:a="http://schemas.openxmlformats.org/drawingml/2006/main" xmlns:r="http://schemas.openxmlformats.org/officeDocument/2006/relationships" xmlns:p="http://schemas.openxmlformats.org/presentationml/2006/main">
+  <p:cSld>
+    <p:spTree>
+      <p:nvGrpSpPr>
+        <p:cNvPr id="1" name=""/>
+        <p:cNvGrpSpPr/>
+        <p:nvPr/>
+      </p:nvGrpSpPr>
+      <p:grpSpPr>
+        <a:xfrm>
+          <a:off x="0" y="0"/>
+          <a:ext cx="0" cy="0"/>
+          <a:chOff x="0" y="0"/>
+          <a:chExt cx="0" cy="0"/>
+        </a:xfrm>
+      </p:grpSpPr>
+      <p:sp>
+        <p:nvSpPr>
+          <p:cNvPr id="4098" name="Title 3"/>
+          <p:cNvSpPr>
+            <a:spLocks noGrp="1"/>
+          </p:cNvSpPr>
+          <p:nvPr>
+            <p:ph type="title"/>
+          </p:nvPr>
+        </p:nvSpPr>
+        <p:spPr>
+          <a:xfrm>
+            <a:off x="1304996" y="650241"/>
+            <a:ext cx="10182578" cy="891823"/>
+          </a:xfrm>
+        </p:spPr>
+        <p:txBody>
+          <a:bodyPr/>
+          <a:lstStyle/>
+          <a:p>
+            <a:pPr>
+              <a:defRPr/>
+            </a:pPr>
+            <a:r>
+              <a:rPr lang="nl-NL" altLang="nl-NL" dirty="0" err="1" smtClean="0">
+                <a:latin typeface="+mn-lt"/>
+                <a:ea typeface="ＭＳ Ｐゴシック" pitchFamily="34" charset="-128"/>
+              </a:rPr>
+              <a:t>Process</a:t>
+            </a:r>
+            <a:endParaRPr lang="nl-NL" altLang="nl-NL" dirty="0" smtClean="0">
+              <a:latin typeface="+mn-lt"/>
+              <a:ea typeface="ＭＳ Ｐゴシック" pitchFamily="34" charset="-128"/>
+            </a:endParaRPr>
+          </a:p>
+        </p:txBody>
+      </p:sp>
+      <p:sp>
+        <p:nvSpPr>
+          <p:cNvPr id="6" name="Ondertitel 2"/>
+          <p:cNvSpPr txBox="1">
+            <a:spLocks/>
+          </p:cNvSpPr>
+          <p:nvPr/>
+        </p:nvSpPr>
+        <p:spPr bwMode="auto">
+          <a:xfrm>
+            <a:off x="1300480" y="1481103"/>
+            <a:ext cx="9645227" cy="675076"/>
+          </a:xfrm>
+          <a:prstGeom prst="rect">
+            <a:avLst/>
+          </a:prstGeom>
+          <a:noFill/>
+          <a:ln w="9525">
+            <a:noFill/>
+            <a:miter lim="800000"/>
+            <a:headEnd/>
+            <a:tailEnd/>
+          </a:ln>
+        </p:spPr>
+        <p:txBody>
+          <a:bodyPr lIns="0" tIns="0" rIns="0" bIns="0"/>
+          <a:lstStyle>
+            <a:lvl1pPr eaLnBrk="0" hangingPunct="0">
+              <a:defRPr sz="2400">
+                <a:solidFill>
+                  <a:schemeClr val="tx1"/>
+                </a:solidFill>
+                <a:latin typeface="Tahoma" charset="0"/>
+                <a:cs typeface="Arial" charset="0"/>
+              </a:defRPr>
+            </a:lvl1pPr>
+            <a:lvl2pPr marL="37931725" indent="-37474525" eaLnBrk="0" hangingPunct="0">
+              <a:defRPr sz="2400">
+                <a:solidFill>
+                  <a:schemeClr val="tx1"/>
+                </a:solidFill>
+                <a:latin typeface="Tahoma" charset="0"/>
+                <a:cs typeface="Arial" charset="0"/>
+              </a:defRPr>
+            </a:lvl2pPr>
+            <a:lvl3pPr eaLnBrk="0" hangingPunct="0">
+              <a:defRPr sz="2400">
+                <a:solidFill>
+                  <a:schemeClr val="tx1"/>
+                </a:solidFill>
+                <a:latin typeface="Tahoma" charset="0"/>
+                <a:cs typeface="Arial" charset="0"/>
+              </a:defRPr>
+            </a:lvl3pPr>
+            <a:lvl4pPr eaLnBrk="0" hangingPunct="0">
+              <a:defRPr sz="2400">
+                <a:solidFill>
+                  <a:schemeClr val="tx1"/>
+                </a:solidFill>
+                <a:latin typeface="Tahoma" charset="0"/>
+                <a:cs typeface="Arial" charset="0"/>
+              </a:defRPr>
+            </a:lvl4pPr>
+            <a:lvl5pPr eaLnBrk="0" hangingPunct="0">
+              <a:defRPr sz="2400">
+                <a:solidFill>
+                  <a:schemeClr val="tx1"/>
+                </a:solidFill>
+                <a:latin typeface="Tahoma" charset="0"/>
+                <a:cs typeface="Arial" charset="0"/>
+              </a:defRPr>
+            </a:lvl5pPr>
+            <a:lvl6pPr marL="457200" eaLnBrk="0" fontAlgn="base" hangingPunct="0">
+              <a:spcBef>
+                <a:spcPct val="0"/>
+              </a:spcBef>
+              <a:spcAft>
+                <a:spcPct val="0"/>
+              </a:spcAft>
+              <a:defRPr sz="2400">
+                <a:solidFill>
+                  <a:schemeClr val="tx1"/>
+                </a:solidFill>
+                <a:latin typeface="Tahoma" charset="0"/>
+                <a:cs typeface="Arial" charset="0"/>
+              </a:defRPr>
+            </a:lvl6pPr>
+            <a:lvl7pPr marL="914400" eaLnBrk="0" fontAlgn="base" hangingPunct="0">
+              <a:spcBef>
+                <a:spcPct val="0"/>
+              </a:spcBef>
+              <a:spcAft>
+                <a:spcPct val="0"/>
+              </a:spcAft>
+              <a:defRPr sz="2400">
+                <a:solidFill>
+                  <a:schemeClr val="tx1"/>
+                </a:solidFill>
+                <a:latin typeface="Tahoma" charset="0"/>
+                <a:cs typeface="Arial" charset="0"/>
+              </a:defRPr>
+            </a:lvl7pPr>
+            <a:lvl8pPr marL="1371600" eaLnBrk="0" fontAlgn="base" hangingPunct="0">
+              <a:spcBef>
+                <a:spcPct val="0"/>
+              </a:spcBef>
+              <a:spcAft>
+                <a:spcPct val="0"/>
+              </a:spcAft>
+              <a:defRPr sz="2400">
+                <a:solidFill>
+                  <a:schemeClr val="tx1"/>
+                </a:solidFill>
+                <a:latin typeface="Tahoma" charset="0"/>
+                <a:cs typeface="Arial" charset="0"/>
+              </a:defRPr>
+            </a:lvl8pPr>
+            <a:lvl9pPr marL="1828800" eaLnBrk="0" fontAlgn="base" hangingPunct="0">
+              <a:spcBef>
+                <a:spcPct val="0"/>
+              </a:spcBef>
+              <a:spcAft>
+                <a:spcPct val="0"/>
+              </a:spcAft>
+              <a:defRPr sz="2400">
+                <a:solidFill>
+                  <a:schemeClr val="tx1"/>
+                </a:solidFill>
+                <a:latin typeface="Tahoma" charset="0"/>
+                <a:cs typeface="Arial" charset="0"/>
+              </a:defRPr>
+            </a:lvl9pPr>
+          </a:lstStyle>
+          <a:p>
+            <a:pPr algn="l">
+              <a:lnSpc>
+                <a:spcPts val="3556"/>
+              </a:lnSpc>
+              <a:buClr>
+                <a:srgbClr val="00A6D6"/>
+              </a:buClr>
+              <a:defRPr/>
+            </a:pPr>
+            <a:r>
+              <a:rPr lang="nl-NL" altLang="nl-NL" sz="2800" dirty="0" err="1">
+                <a:solidFill>
+                  <a:srgbClr val="00A6D6"/>
+                </a:solidFill>
+                <a:latin typeface="+mn-lt"/>
+                <a:ea typeface="ＭＳ Ｐゴシック" charset="-128"/>
+              </a:rPr>
+              <a:t>Assambly</a:t>
+            </a:r>
+            <a:r>
+              <a:rPr lang="nl-NL" altLang="nl-NL" sz="2800" dirty="0">
+                <a:solidFill>
+                  <a:srgbClr val="00A6D6"/>
+                </a:solidFill>
+                <a:latin typeface="+mn-lt"/>
+                <a:ea typeface="ＭＳ Ｐゴシック" charset="-128"/>
+              </a:rPr>
+              <a:t> code</a:t>
+            </a:r>
+          </a:p>
+        </p:txBody>
+      </p:sp>
+      <p:pic>
+        <p:nvPicPr>
+          <p:cNvPr id="14339" name="Picture 2" descr="Schermafbeelding 2015-01-21 om 09.33.01.png"/>
+          <p:cNvPicPr>
+            <a:picLocks noChangeAspect="1"/>
+          </p:cNvPicPr>
+          <p:nvPr/>
+        </p:nvPicPr>
+        <p:blipFill>
+          <a:blip r:embed="rId2">
+            <a:extLst>
+              <a:ext uri="{28A0092B-C50C-407E-A947-70E740481C1C}">
+                <a14:useLocalDpi xmlns:a14="http://schemas.microsoft.com/office/drawing/2010/main" val="0"/>
+              </a:ext>
+            </a:extLst>
+          </a:blip>
+          <a:srcRect/>
+          <a:stretch>
+            <a:fillRect/>
+          </a:stretch>
+        </p:blipFill>
+        <p:spPr bwMode="auto">
+          <a:xfrm>
+            <a:off x="3928533" y="327379"/>
+            <a:ext cx="8272498" cy="7911253"/>
+          </a:xfrm>
+          <a:prstGeom prst="rect">
+            <a:avLst/>
+          </a:prstGeom>
+          <a:noFill/>
+          <a:ln>
+            <a:noFill/>
+          </a:ln>
+          <a:extLst>
+            <a:ext uri="{909E8E84-426E-40dd-AFC4-6F175D3DCCD1}">
+              <a14:hiddenFill xmlns:a14="http://schemas.microsoft.com/office/drawing/2010/main">
+                <a:solidFill>
+                  <a:srgbClr val="FFFFFF"/>
+                </a:solidFill>
+              </a14:hiddenFill>
+            </a:ext>
+            <a:ext uri="{91240B29-F687-4f45-9708-019B960494DF}">
+              <a14:hiddenLine xmlns:a14="http://schemas.microsoft.com/office/drawing/2010/main" w="9525">
+                <a:solidFill>
+                  <a:srgbClr val="000000"/>
+                </a:solidFill>
+                <a:miter lim="800000"/>
+                <a:headEnd/>
+                <a:tailEnd/>
+              </a14:hiddenLine>
+            </a:ext>
+          </a:extLst>
+        </p:spPr>
+      </p:pic>
+    </p:spTree>
+    <p:extLst>
+      <p:ext uri="{BB962C8B-B14F-4D97-AF65-F5344CB8AC3E}">
+        <p14:creationId xmlns:p14="http://schemas.microsoft.com/office/powerpoint/2010/main" val="304849993"/>
+      </p:ext>
+    </p:extLst>
+  </p:cSld>
+  <p:clrMapOvr>
+    <a:masterClrMapping/>
+  </p:clrMapOvr>
+</p:sld>
+</file>
+
+<file path=ppt/slides/slide28.xml><?xml version="1.0" encoding="utf-8"?>
 <p:sld xmlns:a="http://schemas.openxmlformats.org/drawingml/2006/main" xmlns:r="http://schemas.openxmlformats.org/officeDocument/2006/relationships" xmlns:p="http://schemas.openxmlformats.org/presentationml/2006/main">
   <p:cSld>
     <p:spTree>
@@ -5935,7 +7899,7 @@
 </p:sld>
 </file>
 
-<file path=ppt/slides/slide19.xml><?xml version="1.0" encoding="utf-8"?>
+<file path=ppt/slides/slide29.xml><?xml version="1.0" encoding="utf-8"?>
 <p:sld xmlns:a="http://schemas.openxmlformats.org/drawingml/2006/main" xmlns:r="http://schemas.openxmlformats.org/officeDocument/2006/relationships" xmlns:p="http://schemas.openxmlformats.org/presentationml/2006/main">
   <p:cSld>
     <p:spTree>
@@ -6014,399 +7978,6 @@
         <p14:creationId xmlns:p14="http://schemas.microsoft.com/office/powerpoint/2010/main" val="4275572195"/>
       </p:ext>
     </p:extLst>
-  </p:cSld>
-  <p:clrMapOvr>
-    <a:masterClrMapping/>
-  </p:clrMapOvr>
-</p:sld>
-</file>
-
-<file path=ppt/slides/slide2.xml><?xml version="1.0" encoding="utf-8"?>
-<p:sld xmlns:a="http://schemas.openxmlformats.org/drawingml/2006/main" xmlns:r="http://schemas.openxmlformats.org/officeDocument/2006/relationships" xmlns:p="http://schemas.openxmlformats.org/presentationml/2006/main">
-  <p:cSld>
-    <p:spTree>
-      <p:nvGrpSpPr>
-        <p:cNvPr id="1" name=""/>
-        <p:cNvGrpSpPr/>
-        <p:nvPr/>
-      </p:nvGrpSpPr>
-      <p:grpSpPr>
-        <a:xfrm>
-          <a:off x="0" y="0"/>
-          <a:ext cx="0" cy="0"/>
-          <a:chOff x="0" y="0"/>
-          <a:chExt cx="0" cy="0"/>
-        </a:xfrm>
-      </p:grpSpPr>
-      <p:sp>
-        <p:nvSpPr>
-          <p:cNvPr id="2" name="Titel 1"/>
-          <p:cNvSpPr>
-            <a:spLocks noGrp="1"/>
-          </p:cNvSpPr>
-          <p:nvPr>
-            <p:ph type="title"/>
-          </p:nvPr>
-        </p:nvSpPr>
-        <p:spPr>
-          <a:xfrm>
-            <a:off x="1317824" y="628329"/>
-            <a:ext cx="10182225" cy="792088"/>
-          </a:xfrm>
-        </p:spPr>
-        <p:txBody>
-          <a:bodyPr/>
-          <a:lstStyle/>
-          <a:p>
-            <a:r>
-              <a:rPr lang="nl-NL" dirty="0" smtClean="0"/>
-              <a:t>Inhoud</a:t>
-            </a:r>
-            <a:endParaRPr lang="nl-NL" dirty="0"/>
-          </a:p>
-        </p:txBody>
-      </p:sp>
-      <p:sp>
-        <p:nvSpPr>
-          <p:cNvPr id="3" name="Tijdelijke aanduiding voor inhoud 2"/>
-          <p:cNvSpPr>
-            <a:spLocks noGrp="1"/>
-          </p:cNvSpPr>
-          <p:nvPr>
-            <p:ph idx="1"/>
-          </p:nvPr>
-        </p:nvSpPr>
-        <p:spPr>
-          <a:xfrm>
-            <a:off x="1317824" y="1492424"/>
-            <a:ext cx="10153650" cy="6336704"/>
-          </a:xfrm>
-        </p:spPr>
-        <p:txBody>
-          <a:bodyPr/>
-          <a:lstStyle/>
-          <a:p>
-            <a:r>
-              <a:rPr lang="nl-NL" sz="2400" dirty="0" smtClean="0"/>
-              <a:t>Probleemstelling</a:t>
-            </a:r>
-          </a:p>
-          <a:p>
-            <a:r>
-              <a:rPr lang="nl-NL" sz="2400" dirty="0" smtClean="0"/>
-              <a:t>Systeemoverzicht</a:t>
-            </a:r>
-          </a:p>
-          <a:p>
-            <a:endParaRPr lang="nl-NL" sz="2400" dirty="0" smtClean="0"/>
-          </a:p>
-          <a:p>
-            <a:r>
-              <a:rPr lang="nl-NL" sz="2400" dirty="0" smtClean="0"/>
-              <a:t>CPU</a:t>
-            </a:r>
-          </a:p>
-          <a:p>
-            <a:r>
-              <a:rPr lang="nl-NL" sz="2400" dirty="0" smtClean="0"/>
-              <a:t>SD kaart</a:t>
-            </a:r>
-          </a:p>
-          <a:p>
-            <a:r>
-              <a:rPr lang="nl-NL" sz="2400" dirty="0" smtClean="0"/>
-              <a:t>GPU</a:t>
-            </a:r>
-          </a:p>
-          <a:p>
-            <a:r>
-              <a:rPr lang="nl-NL" sz="2400" dirty="0" smtClean="0"/>
-              <a:t>VGA</a:t>
-            </a:r>
-          </a:p>
-          <a:p>
-            <a:r>
-              <a:rPr lang="nl-NL" sz="2400" dirty="0" err="1" smtClean="0"/>
-              <a:t>Blackbox</a:t>
-            </a:r>
-            <a:endParaRPr lang="nl-NL" sz="2400" dirty="0" smtClean="0"/>
-          </a:p>
-          <a:p>
-            <a:r>
-              <a:rPr lang="nl-NL" sz="2400" dirty="0" smtClean="0"/>
-              <a:t>Besturing &amp; SPI</a:t>
-            </a:r>
-          </a:p>
-          <a:p>
-            <a:endParaRPr lang="nl-NL" sz="2400" dirty="0" smtClean="0"/>
-          </a:p>
-          <a:p>
-            <a:r>
-              <a:rPr lang="nl-NL" sz="2400" dirty="0" smtClean="0"/>
-              <a:t>Eindresultaat</a:t>
-            </a:r>
-          </a:p>
-          <a:p>
-            <a:r>
-              <a:rPr lang="nl-NL" sz="2400" dirty="0" err="1" smtClean="0"/>
-              <a:t>Assembly</a:t>
-            </a:r>
-            <a:endParaRPr lang="nl-NL" sz="2400" dirty="0" smtClean="0"/>
-          </a:p>
-          <a:p>
-            <a:r>
-              <a:rPr lang="nl-NL" sz="2400" dirty="0" err="1" smtClean="0"/>
-              <a:t>Conlusie</a:t>
-            </a:r>
-            <a:r>
-              <a:rPr lang="nl-NL" sz="2400" dirty="0" smtClean="0"/>
-              <a:t> &amp; Discussie</a:t>
-            </a:r>
-          </a:p>
-        </p:txBody>
-      </p:sp>
-    </p:spTree>
-  </p:cSld>
-  <p:clrMapOvr>
-    <a:masterClrMapping/>
-  </p:clrMapOvr>
-  <p:timing>
-    <p:tnLst>
-      <p:par>
-        <p:cTn id="1" dur="indefinite" restart="never" nodeType="tmRoot"/>
-      </p:par>
-    </p:tnLst>
-  </p:timing>
-</p:sld>
-</file>
-
-<file path=ppt/slides/slide20.xml><?xml version="1.0" encoding="utf-8"?>
-<p:sld xmlns:a="http://schemas.openxmlformats.org/drawingml/2006/main" xmlns:r="http://schemas.openxmlformats.org/officeDocument/2006/relationships" xmlns:p="http://schemas.openxmlformats.org/presentationml/2006/main">
-  <p:cSld>
-    <p:spTree>
-      <p:nvGrpSpPr>
-        <p:cNvPr id="1" name=""/>
-        <p:cNvGrpSpPr/>
-        <p:nvPr/>
-      </p:nvGrpSpPr>
-      <p:grpSpPr>
-        <a:xfrm>
-          <a:off x="0" y="0"/>
-          <a:ext cx="0" cy="0"/>
-          <a:chOff x="0" y="0"/>
-          <a:chExt cx="0" cy="0"/>
-        </a:xfrm>
-      </p:grpSpPr>
-      <p:sp>
-        <p:nvSpPr>
-          <p:cNvPr id="2" name="Titel 1"/>
-          <p:cNvSpPr>
-            <a:spLocks noGrp="1"/>
-          </p:cNvSpPr>
-          <p:nvPr>
-            <p:ph type="title"/>
-          </p:nvPr>
-        </p:nvSpPr>
-        <p:spPr/>
-        <p:txBody>
-          <a:bodyPr/>
-          <a:lstStyle/>
-          <a:p>
-            <a:r>
-              <a:rPr lang="nl-NL" dirty="0" smtClean="0"/>
-              <a:t>Conclusie</a:t>
-            </a:r>
-            <a:endParaRPr lang="nl-NL" dirty="0"/>
-          </a:p>
-        </p:txBody>
-      </p:sp>
-      <p:sp>
-        <p:nvSpPr>
-          <p:cNvPr id="3" name="Tijdelijke aanduiding voor inhoud 2"/>
-          <p:cNvSpPr>
-            <a:spLocks noGrp="1"/>
-          </p:cNvSpPr>
-          <p:nvPr>
-            <p:ph idx="1"/>
-          </p:nvPr>
-        </p:nvSpPr>
-        <p:spPr/>
-        <p:txBody>
-          <a:bodyPr/>
-          <a:lstStyle/>
-          <a:p>
-            <a:r>
-              <a:rPr lang="nl-NL" dirty="0" smtClean="0"/>
-              <a:t>Complicaties</a:t>
-            </a:r>
-          </a:p>
-          <a:p>
-            <a:pPr lvl="1"/>
-            <a:r>
-              <a:rPr lang="nl-NL" dirty="0" smtClean="0"/>
-              <a:t>Communicatie SD kaart &amp; SRAM</a:t>
-            </a:r>
-          </a:p>
-          <a:p>
-            <a:r>
-              <a:rPr lang="nl-NL" dirty="0" smtClean="0"/>
-              <a:t>Gevolgen</a:t>
-            </a:r>
-          </a:p>
-          <a:p>
-            <a:pPr lvl="1"/>
-            <a:r>
-              <a:rPr lang="nl-NL" dirty="0" smtClean="0"/>
-              <a:t>Weg laten VGA </a:t>
-            </a:r>
-            <a:r>
-              <a:rPr lang="nl-NL" dirty="0" smtClean="0">
-                <a:sym typeface="Wingdings" pitchFamily="2" charset="2"/>
-              </a:rPr>
-              <a:t> Geen beeld meer</a:t>
-            </a:r>
-          </a:p>
-          <a:p>
-            <a:pPr lvl="1"/>
-            <a:r>
-              <a:rPr lang="nl-NL" dirty="0" smtClean="0">
-                <a:sym typeface="Wingdings" pitchFamily="2" charset="2"/>
-              </a:rPr>
-              <a:t>Intern ruimte te kort  Geen plaats meer voor ‘</a:t>
-            </a:r>
-            <a:r>
-              <a:rPr lang="nl-NL" dirty="0" err="1" smtClean="0">
-                <a:sym typeface="Wingdings" pitchFamily="2" charset="2"/>
-              </a:rPr>
-              <a:t>Pong</a:t>
-            </a:r>
-            <a:r>
-              <a:rPr lang="nl-NL" dirty="0" smtClean="0">
-                <a:sym typeface="Wingdings" pitchFamily="2" charset="2"/>
-              </a:rPr>
-              <a:t>’</a:t>
-            </a:r>
-            <a:endParaRPr lang="nl-NL" dirty="0" smtClean="0"/>
-          </a:p>
-          <a:p>
-            <a:r>
-              <a:rPr lang="nl-NL" dirty="0" smtClean="0"/>
-              <a:t>Simpele rekenmachine</a:t>
-            </a:r>
-          </a:p>
-          <a:p>
-            <a:pPr lvl="1"/>
-            <a:r>
-              <a:rPr lang="nl-NL" dirty="0" smtClean="0"/>
-              <a:t>Optellen, aftrekken en vermenigvuldigen</a:t>
-            </a:r>
-          </a:p>
-        </p:txBody>
-      </p:sp>
-    </p:spTree>
-  </p:cSld>
-  <p:clrMapOvr>
-    <a:masterClrMapping/>
-  </p:clrMapOvr>
-</p:sld>
-</file>
-
-<file path=ppt/slides/slide21.xml><?xml version="1.0" encoding="utf-8"?>
-<p:sld xmlns:a="http://schemas.openxmlformats.org/drawingml/2006/main" xmlns:r="http://schemas.openxmlformats.org/officeDocument/2006/relationships" xmlns:p="http://schemas.openxmlformats.org/presentationml/2006/main">
-  <p:cSld>
-    <p:spTree>
-      <p:nvGrpSpPr>
-        <p:cNvPr id="1" name=""/>
-        <p:cNvGrpSpPr/>
-        <p:nvPr/>
-      </p:nvGrpSpPr>
-      <p:grpSpPr>
-        <a:xfrm>
-          <a:off x="0" y="0"/>
-          <a:ext cx="0" cy="0"/>
-          <a:chOff x="0" y="0"/>
-          <a:chExt cx="0" cy="0"/>
-        </a:xfrm>
-      </p:grpSpPr>
-      <p:sp>
-        <p:nvSpPr>
-          <p:cNvPr id="2" name="Titel 1"/>
-          <p:cNvSpPr>
-            <a:spLocks noGrp="1"/>
-          </p:cNvSpPr>
-          <p:nvPr>
-            <p:ph type="title"/>
-          </p:nvPr>
-        </p:nvSpPr>
-        <p:spPr/>
-        <p:txBody>
-          <a:bodyPr/>
-          <a:lstStyle/>
-          <a:p>
-            <a:r>
-              <a:rPr lang="nl-NL" dirty="0" smtClean="0"/>
-              <a:t>Discussie &amp; Aanbevelingen</a:t>
-            </a:r>
-            <a:endParaRPr lang="nl-NL" dirty="0"/>
-          </a:p>
-        </p:txBody>
-      </p:sp>
-      <p:sp>
-        <p:nvSpPr>
-          <p:cNvPr id="3" name="Tijdelijke aanduiding voor inhoud 2"/>
-          <p:cNvSpPr>
-            <a:spLocks noGrp="1"/>
-          </p:cNvSpPr>
-          <p:nvPr>
-            <p:ph idx="1"/>
-          </p:nvPr>
-        </p:nvSpPr>
-        <p:spPr/>
-        <p:txBody>
-          <a:bodyPr/>
-          <a:lstStyle/>
-          <a:p>
-            <a:r>
-              <a:rPr lang="nl-NL" dirty="0" smtClean="0"/>
-              <a:t>Planning </a:t>
-            </a:r>
-            <a:r>
-              <a:rPr lang="nl-NL" smtClean="0"/>
-              <a:t>en Organisatie</a:t>
-            </a:r>
-          </a:p>
-          <a:p>
-            <a:pPr>
-              <a:buNone/>
-            </a:pPr>
-            <a:endParaRPr lang="nl-NL" dirty="0" smtClean="0"/>
-          </a:p>
-          <a:p>
-            <a:r>
-              <a:rPr lang="nl-NL" dirty="0" smtClean="0"/>
-              <a:t>Een grote fout</a:t>
-            </a:r>
-          </a:p>
-          <a:p>
-            <a:pPr lvl="1"/>
-            <a:r>
-              <a:rPr lang="nl-NL" dirty="0" smtClean="0"/>
-              <a:t>Haalbaarheid van het project</a:t>
-            </a:r>
-          </a:p>
-          <a:p>
-            <a:pPr lvl="1"/>
-            <a:r>
-              <a:rPr lang="nl-NL" dirty="0" smtClean="0"/>
-              <a:t>Te weinig tijd om het project te voltooien</a:t>
-            </a:r>
-          </a:p>
-          <a:p>
-            <a:endParaRPr lang="nl-NL" dirty="0" smtClean="0"/>
-          </a:p>
-        </p:txBody>
-      </p:sp>
-    </p:spTree>
   </p:cSld>
   <p:clrMapOvr>
     <a:masterClrMapping/>
@@ -6556,10 +8127,244 @@
   <p:timing>
     <p:tnLst>
       <p:par>
-        <p:cTn id="1" dur="indefinite" restart="never" nodeType="tmRoot"/>
+        <p:cTn xmlns:p14="http://schemas.microsoft.com/office/powerpoint/2010/main" id="1" dur="indefinite" restart="never" nodeType="tmRoot"/>
       </p:par>
     </p:tnLst>
   </p:timing>
+</p:sld>
+</file>
+
+<file path=ppt/slides/slide30.xml><?xml version="1.0" encoding="utf-8"?>
+<p:sld xmlns:a="http://schemas.openxmlformats.org/drawingml/2006/main" xmlns:r="http://schemas.openxmlformats.org/officeDocument/2006/relationships" xmlns:p="http://schemas.openxmlformats.org/presentationml/2006/main">
+  <p:cSld>
+    <p:spTree>
+      <p:nvGrpSpPr>
+        <p:cNvPr id="1" name=""/>
+        <p:cNvGrpSpPr/>
+        <p:nvPr/>
+      </p:nvGrpSpPr>
+      <p:grpSpPr>
+        <a:xfrm>
+          <a:off x="0" y="0"/>
+          <a:ext cx="0" cy="0"/>
+          <a:chOff x="0" y="0"/>
+          <a:chExt cx="0" cy="0"/>
+        </a:xfrm>
+      </p:grpSpPr>
+      <p:sp>
+        <p:nvSpPr>
+          <p:cNvPr id="2" name="Titel 1"/>
+          <p:cNvSpPr>
+            <a:spLocks noGrp="1"/>
+          </p:cNvSpPr>
+          <p:nvPr>
+            <p:ph type="title"/>
+          </p:nvPr>
+        </p:nvSpPr>
+        <p:spPr/>
+        <p:txBody>
+          <a:bodyPr/>
+          <a:lstStyle/>
+          <a:p>
+            <a:r>
+              <a:rPr lang="nl-NL" dirty="0" smtClean="0"/>
+              <a:t>Conclusie</a:t>
+            </a:r>
+            <a:endParaRPr lang="nl-NL" dirty="0"/>
+          </a:p>
+        </p:txBody>
+      </p:sp>
+      <p:sp>
+        <p:nvSpPr>
+          <p:cNvPr id="3" name="Tijdelijke aanduiding voor inhoud 2"/>
+          <p:cNvSpPr>
+            <a:spLocks noGrp="1"/>
+          </p:cNvSpPr>
+          <p:nvPr>
+            <p:ph idx="1"/>
+          </p:nvPr>
+        </p:nvSpPr>
+        <p:spPr/>
+        <p:txBody>
+          <a:bodyPr/>
+          <a:lstStyle/>
+          <a:p>
+            <a:r>
+              <a:rPr lang="nl-NL" dirty="0" smtClean="0"/>
+              <a:t>Complicaties</a:t>
+            </a:r>
+          </a:p>
+          <a:p>
+            <a:pPr lvl="1"/>
+            <a:r>
+              <a:rPr lang="nl-NL" dirty="0" smtClean="0"/>
+              <a:t>Communicatie SD kaart &amp; SRAM</a:t>
+            </a:r>
+          </a:p>
+          <a:p>
+            <a:r>
+              <a:rPr lang="nl-NL" dirty="0" smtClean="0"/>
+              <a:t>Gevolgen</a:t>
+            </a:r>
+          </a:p>
+          <a:p>
+            <a:pPr lvl="1"/>
+            <a:r>
+              <a:rPr lang="nl-NL" dirty="0" smtClean="0"/>
+              <a:t>Weg laten VGA </a:t>
+            </a:r>
+            <a:r>
+              <a:rPr lang="nl-NL" dirty="0" smtClean="0">
+                <a:sym typeface="Wingdings" pitchFamily="2" charset="2"/>
+              </a:rPr>
+              <a:t> Geen beeld meer</a:t>
+            </a:r>
+          </a:p>
+          <a:p>
+            <a:pPr lvl="1"/>
+            <a:r>
+              <a:rPr lang="nl-NL" dirty="0" smtClean="0">
+                <a:sym typeface="Wingdings" pitchFamily="2" charset="2"/>
+              </a:rPr>
+              <a:t>Intern ruimte te kort  Geen plaats meer voor ‘</a:t>
+            </a:r>
+            <a:r>
+              <a:rPr lang="nl-NL" dirty="0" err="1" smtClean="0">
+                <a:sym typeface="Wingdings" pitchFamily="2" charset="2"/>
+              </a:rPr>
+              <a:t>Pong</a:t>
+            </a:r>
+            <a:r>
+              <a:rPr lang="nl-NL" dirty="0" smtClean="0">
+                <a:sym typeface="Wingdings" pitchFamily="2" charset="2"/>
+              </a:rPr>
+              <a:t>’</a:t>
+            </a:r>
+            <a:endParaRPr lang="nl-NL" dirty="0" smtClean="0"/>
+          </a:p>
+          <a:p>
+            <a:r>
+              <a:rPr lang="nl-NL" dirty="0" smtClean="0"/>
+              <a:t>Simpele rekenmachine</a:t>
+            </a:r>
+          </a:p>
+          <a:p>
+            <a:pPr lvl="1"/>
+            <a:r>
+              <a:rPr lang="nl-NL" dirty="0" smtClean="0"/>
+              <a:t>Optellen, aftrekken en vermenigvuldigen</a:t>
+            </a:r>
+          </a:p>
+        </p:txBody>
+      </p:sp>
+    </p:spTree>
+  </p:cSld>
+  <p:clrMapOvr>
+    <a:masterClrMapping/>
+  </p:clrMapOvr>
+</p:sld>
+</file>
+
+<file path=ppt/slides/slide31.xml><?xml version="1.0" encoding="utf-8"?>
+<p:sld xmlns:a="http://schemas.openxmlformats.org/drawingml/2006/main" xmlns:r="http://schemas.openxmlformats.org/officeDocument/2006/relationships" xmlns:p="http://schemas.openxmlformats.org/presentationml/2006/main">
+  <p:cSld>
+    <p:spTree>
+      <p:nvGrpSpPr>
+        <p:cNvPr id="1" name=""/>
+        <p:cNvGrpSpPr/>
+        <p:nvPr/>
+      </p:nvGrpSpPr>
+      <p:grpSpPr>
+        <a:xfrm>
+          <a:off x="0" y="0"/>
+          <a:ext cx="0" cy="0"/>
+          <a:chOff x="0" y="0"/>
+          <a:chExt cx="0" cy="0"/>
+        </a:xfrm>
+      </p:grpSpPr>
+      <p:sp>
+        <p:nvSpPr>
+          <p:cNvPr id="2" name="Titel 1"/>
+          <p:cNvSpPr>
+            <a:spLocks noGrp="1"/>
+          </p:cNvSpPr>
+          <p:nvPr>
+            <p:ph type="title"/>
+          </p:nvPr>
+        </p:nvSpPr>
+        <p:spPr/>
+        <p:txBody>
+          <a:bodyPr/>
+          <a:lstStyle/>
+          <a:p>
+            <a:r>
+              <a:rPr lang="nl-NL" dirty="0" smtClean="0"/>
+              <a:t>Discussie &amp; Aanbevelingen</a:t>
+            </a:r>
+            <a:endParaRPr lang="nl-NL" dirty="0"/>
+          </a:p>
+        </p:txBody>
+      </p:sp>
+      <p:sp>
+        <p:nvSpPr>
+          <p:cNvPr id="3" name="Tijdelijke aanduiding voor inhoud 2"/>
+          <p:cNvSpPr>
+            <a:spLocks noGrp="1"/>
+          </p:cNvSpPr>
+          <p:nvPr>
+            <p:ph idx="1"/>
+          </p:nvPr>
+        </p:nvSpPr>
+        <p:spPr/>
+        <p:txBody>
+          <a:bodyPr/>
+          <a:lstStyle/>
+          <a:p>
+            <a:r>
+              <a:rPr lang="nl-NL" dirty="0" smtClean="0"/>
+              <a:t>Planning </a:t>
+            </a:r>
+            <a:r>
+              <a:rPr lang="nl-NL" smtClean="0"/>
+              <a:t>en Organisatie</a:t>
+            </a:r>
+          </a:p>
+          <a:p>
+            <a:pPr>
+              <a:buNone/>
+            </a:pPr>
+            <a:endParaRPr lang="nl-NL" dirty="0" smtClean="0"/>
+          </a:p>
+          <a:p>
+            <a:r>
+              <a:rPr lang="nl-NL" dirty="0" smtClean="0"/>
+              <a:t>Een grote fout</a:t>
+            </a:r>
+          </a:p>
+          <a:p>
+            <a:pPr lvl="1"/>
+            <a:r>
+              <a:rPr lang="nl-NL" dirty="0" smtClean="0"/>
+              <a:t>Haalbaarheid van het project</a:t>
+            </a:r>
+          </a:p>
+          <a:p>
+            <a:pPr lvl="1"/>
+            <a:r>
+              <a:rPr lang="nl-NL" dirty="0" smtClean="0"/>
+              <a:t>Te weinig tijd om het project te voltooien</a:t>
+            </a:r>
+          </a:p>
+          <a:p>
+            <a:endParaRPr lang="nl-NL" dirty="0" smtClean="0"/>
+          </a:p>
+        </p:txBody>
+      </p:sp>
+    </p:spTree>
+  </p:cSld>
+  <p:clrMapOvr>
+    <a:masterClrMapping/>
+  </p:clrMapOvr>
 </p:sld>
 </file>
 
@@ -6728,7 +8533,7 @@
   <p:timing>
     <p:tnLst>
       <p:par>
-        <p:cTn id="1" dur="indefinite" restart="never" nodeType="tmRoot"/>
+        <p:cTn xmlns:p14="http://schemas.microsoft.com/office/powerpoint/2010/main" id="1" dur="indefinite" restart="never" nodeType="tmRoot"/>
       </p:par>
     </p:tnLst>
   </p:timing>
@@ -6897,7 +8702,7 @@
   <p:timing>
     <p:tnLst>
       <p:par>
-        <p:cTn id="1" dur="indefinite" restart="never" nodeType="tmRoot"/>
+        <p:cTn xmlns:p14="http://schemas.microsoft.com/office/powerpoint/2010/main" id="1" dur="indefinite" restart="never" nodeType="tmRoot"/>
       </p:par>
     </p:tnLst>
   </p:timing>
@@ -6982,7 +8787,7 @@
   <p:timing>
     <p:tnLst>
       <p:par>
-        <p:cTn id="1" dur="indefinite" restart="never" nodeType="tmRoot"/>
+        <p:cTn xmlns:p14="http://schemas.microsoft.com/office/powerpoint/2010/main" id="1" dur="indefinite" restart="never" nodeType="tmRoot"/>
       </p:par>
     </p:tnLst>
   </p:timing>
@@ -7088,7 +8893,7 @@
   <p:timing>
     <p:tnLst>
       <p:par>
-        <p:cTn id="1" dur="indefinite" restart="never" nodeType="tmRoot"/>
+        <p:cTn xmlns:p14="http://schemas.microsoft.com/office/powerpoint/2010/main" id="1" dur="indefinite" restart="never" nodeType="tmRoot"/>
       </p:par>
     </p:tnLst>
   </p:timing>
@@ -7173,7 +8978,7 @@
   <p:timing>
     <p:tnLst>
       <p:par>
-        <p:cTn id="1" dur="indefinite" restart="never" nodeType="tmRoot"/>
+        <p:cTn xmlns:p14="http://schemas.microsoft.com/office/powerpoint/2010/main" id="1" dur="indefinite" restart="never" nodeType="tmRoot"/>
       </p:par>
     </p:tnLst>
   </p:timing>
@@ -7424,7 +9229,7 @@
   <p:timing>
     <p:tnLst>
       <p:par>
-        <p:cTn id="1" dur="indefinite" restart="never" nodeType="tmRoot"/>
+        <p:cTn xmlns:p14="http://schemas.microsoft.com/office/powerpoint/2010/main" id="1" dur="indefinite" restart="never" nodeType="tmRoot"/>
       </p:par>
     </p:tnLst>
   </p:timing>
